--- a/PowerPoint/アブストラクト.pptx
+++ b/PowerPoint/アブストラクト.pptx
@@ -7906,7 +7906,7 @@
         </p:nvSpPr>
         <p:spPr>
           <a:xfrm>
-            <a:off x="100800" y="686838"/>
+            <a:off x="133233" y="626545"/>
             <a:ext cx="12600000" cy="8856984"/>
           </a:xfrm>
           <a:prstGeom prst="rect">
@@ -7983,7 +7983,7 @@
         </p:nvSpPr>
         <p:spPr>
           <a:xfrm>
-            <a:off x="115533" y="1994509"/>
+            <a:off x="68367" y="699082"/>
             <a:ext cx="1804402" cy="338554"/>
           </a:xfrm>
           <a:prstGeom prst="rect">
@@ -8022,7 +8022,7 @@
         </p:nvSpPr>
         <p:spPr>
           <a:xfrm>
-            <a:off x="127720" y="2426777"/>
+            <a:off x="111670" y="1102037"/>
             <a:ext cx="4140024" cy="830997"/>
           </a:xfrm>
           <a:prstGeom prst="rect">
@@ -8041,21 +8041,7 @@
                 <a:latin typeface="HG丸ｺﾞｼｯｸM-PRO" panose="020F0600000000000000" pitchFamily="50" charset="-128"/>
                 <a:ea typeface="HG丸ｺﾞｼｯｸM-PRO" panose="020F0600000000000000" pitchFamily="50" charset="-128"/>
               </a:rPr>
-              <a:t>アクティビティ図と基に、走行事前処理と走行中の処理の変化を図</a:t>
-            </a:r>
-            <a:r>
-              <a:rPr kumimoji="1" lang="en-US" altLang="ja-JP" dirty="0">
-                <a:latin typeface="HG丸ｺﾞｼｯｸM-PRO" panose="020F0600000000000000" pitchFamily="50" charset="-128"/>
-                <a:ea typeface="HG丸ｺﾞｼｯｸM-PRO" panose="020F0600000000000000" pitchFamily="50" charset="-128"/>
-              </a:rPr>
-              <a:t>5 </a:t>
-            </a:r>
-            <a:r>
-              <a:rPr kumimoji="1" lang="ja-JP" altLang="en-US" dirty="0">
-                <a:latin typeface="HG丸ｺﾞｼｯｸM-PRO" panose="020F0600000000000000" pitchFamily="50" charset="-128"/>
-                <a:ea typeface="HG丸ｺﾞｼｯｸM-PRO" panose="020F0600000000000000" pitchFamily="50" charset="-128"/>
-              </a:rPr>
-              <a:t>ステートマシン図に示す</a:t>
+              <a:t>アクティビティ図と基に、走行事前処理と走行中の処理の変化をステートマシン図に示す</a:t>
             </a:r>
           </a:p>
         </p:txBody>
@@ -8076,7 +8062,7 @@
         </p:nvCxnSpPr>
         <p:spPr>
           <a:xfrm flipV="1">
-            <a:off x="131902" y="2328862"/>
+            <a:off x="145850" y="1039526"/>
             <a:ext cx="4001382" cy="27463"/>
           </a:xfrm>
           <a:prstGeom prst="line">
@@ -8117,8 +8103,8 @@
         </p:nvSpPr>
         <p:spPr>
           <a:xfrm>
-            <a:off x="152852" y="3328227"/>
-            <a:ext cx="3980432" cy="5651903"/>
+            <a:off x="154606" y="1933034"/>
+            <a:ext cx="3980432" cy="4833514"/>
           </a:xfrm>
           <a:prstGeom prst="rect">
             <a:avLst/>
@@ -8152,63 +8138,6 @@
           </a:p>
         </p:txBody>
       </p:sp>
-      <p:sp>
-        <p:nvSpPr>
-          <p:cNvPr id="21" name="テキスト ボックス 20">
-            <a:extLst>
-              <a:ext uri="{FF2B5EF4-FFF2-40B4-BE49-F238E27FC236}">
-                <a16:creationId xmlns:a16="http://schemas.microsoft.com/office/drawing/2014/main" id="{A837F2FA-F11D-4DEE-AB5C-2C88A2903F27}"/>
-              </a:ext>
-            </a:extLst>
-          </p:cNvPr>
-          <p:cNvSpPr txBox="1"/>
-          <p:nvPr/>
-        </p:nvSpPr>
-        <p:spPr>
-          <a:xfrm>
-            <a:off x="327574" y="8993682"/>
-            <a:ext cx="3624916" cy="338554"/>
-          </a:xfrm>
-          <a:prstGeom prst="rect">
-            <a:avLst/>
-          </a:prstGeom>
-          <a:noFill/>
-        </p:spPr>
-        <p:txBody>
-          <a:bodyPr wrap="square" rtlCol="0">
-            <a:spAutoFit/>
-          </a:bodyPr>
-          <a:lstStyle/>
-          <a:p>
-            <a:pPr algn="ctr"/>
-            <a:r>
-              <a:rPr kumimoji="1" lang="ja-JP" altLang="en-US" dirty="0">
-                <a:latin typeface="HG丸ｺﾞｼｯｸM-PRO" panose="020F0600000000000000" pitchFamily="50" charset="-128"/>
-                <a:ea typeface="HG丸ｺﾞｼｯｸM-PRO" panose="020F0600000000000000" pitchFamily="50" charset="-128"/>
-              </a:rPr>
-              <a:t>図</a:t>
-            </a:r>
-            <a:r>
-              <a:rPr lang="en-US" altLang="ja-JP" dirty="0">
-                <a:latin typeface="HG丸ｺﾞｼｯｸM-PRO" panose="020F0600000000000000" pitchFamily="50" charset="-128"/>
-                <a:ea typeface="HG丸ｺﾞｼｯｸM-PRO" panose="020F0600000000000000" pitchFamily="50" charset="-128"/>
-              </a:rPr>
-              <a:t>5 </a:t>
-            </a:r>
-            <a:r>
-              <a:rPr lang="ja-JP" altLang="en-US" dirty="0">
-                <a:latin typeface="HG丸ｺﾞｼｯｸM-PRO" panose="020F0600000000000000" pitchFamily="50" charset="-128"/>
-                <a:ea typeface="HG丸ｺﾞｼｯｸM-PRO" panose="020F0600000000000000" pitchFamily="50" charset="-128"/>
-              </a:rPr>
-              <a:t>ステートマシン図</a:t>
-            </a:r>
-            <a:endParaRPr kumimoji="1" lang="ja-JP" altLang="en-US" dirty="0">
-              <a:latin typeface="HG丸ｺﾞｼｯｸM-PRO" panose="020F0600000000000000" pitchFamily="50" charset="-128"/>
-              <a:ea typeface="HG丸ｺﾞｼｯｸM-PRO" panose="020F0600000000000000" pitchFamily="50" charset="-128"/>
-            </a:endParaRPr>
-          </a:p>
-        </p:txBody>
-      </p:sp>
       <p:cxnSp>
         <p:nvCxnSpPr>
           <p:cNvPr id="22" name="直線コネクタ 21">
@@ -8225,8 +8154,8 @@
         </p:nvCxnSpPr>
         <p:spPr>
           <a:xfrm>
-            <a:off x="4240560" y="1848193"/>
-            <a:ext cx="0" cy="7361851"/>
+            <a:off x="4251694" y="760777"/>
+            <a:ext cx="0" cy="6051813"/>
           </a:xfrm>
           <a:prstGeom prst="line">
             <a:avLst/>
@@ -8266,7 +8195,7 @@
         </p:nvSpPr>
         <p:spPr>
           <a:xfrm>
-            <a:off x="4293144" y="1957194"/>
+            <a:off x="4316465" y="714006"/>
             <a:ext cx="2436432" cy="338554"/>
           </a:xfrm>
           <a:prstGeom prst="rect">
@@ -8307,8 +8236,8 @@
         </p:nvCxnSpPr>
         <p:spPr>
           <a:xfrm flipV="1">
-            <a:off x="4346083" y="2287830"/>
-            <a:ext cx="8074546" cy="43427"/>
+            <a:off x="4330839" y="1008238"/>
+            <a:ext cx="8190641" cy="44052"/>
           </a:xfrm>
           <a:prstGeom prst="line">
             <a:avLst/>
@@ -8348,7 +8277,7 @@
         </p:nvSpPr>
         <p:spPr>
           <a:xfrm>
-            <a:off x="4346083" y="2393541"/>
+            <a:off x="4330839" y="1104489"/>
             <a:ext cx="6575224" cy="584775"/>
           </a:xfrm>
           <a:prstGeom prst="rect">
@@ -8367,35 +8296,7 @@
                 <a:latin typeface="HG丸ｺﾞｼｯｸM-PRO" panose="020F0600000000000000" pitchFamily="50" charset="-128"/>
                 <a:ea typeface="HG丸ｺﾞｼｯｸM-PRO" panose="020F0600000000000000" pitchFamily="50" charset="-128"/>
               </a:rPr>
-              <a:t>図</a:t>
-            </a:r>
-            <a:r>
-              <a:rPr kumimoji="1" lang="en-US" altLang="ja-JP" dirty="0">
-                <a:latin typeface="HG丸ｺﾞｼｯｸM-PRO" panose="020F0600000000000000" pitchFamily="50" charset="-128"/>
-                <a:ea typeface="HG丸ｺﾞｼｯｸM-PRO" panose="020F0600000000000000" pitchFamily="50" charset="-128"/>
-              </a:rPr>
-              <a:t>5</a:t>
-            </a:r>
-            <a:r>
-              <a:rPr kumimoji="1" lang="ja-JP" altLang="en-US" dirty="0">
-                <a:latin typeface="HG丸ｺﾞｼｯｸM-PRO" panose="020F0600000000000000" pitchFamily="50" charset="-128"/>
-                <a:ea typeface="HG丸ｺﾞｼｯｸM-PRO" panose="020F0600000000000000" pitchFamily="50" charset="-128"/>
-              </a:rPr>
-              <a:t>を基に全体の動作を図</a:t>
-            </a:r>
-            <a:r>
-              <a:rPr kumimoji="1" lang="en-US" altLang="ja-JP" dirty="0">
-                <a:latin typeface="HG丸ｺﾞｼｯｸM-PRO" panose="020F0600000000000000" pitchFamily="50" charset="-128"/>
-                <a:ea typeface="HG丸ｺﾞｼｯｸM-PRO" panose="020F0600000000000000" pitchFamily="50" charset="-128"/>
-              </a:rPr>
-              <a:t>6 </a:t>
-            </a:r>
-            <a:r>
-              <a:rPr kumimoji="1" lang="ja-JP" altLang="en-US" dirty="0">
-                <a:latin typeface="HG丸ｺﾞｼｯｸM-PRO" panose="020F0600000000000000" pitchFamily="50" charset="-128"/>
-                <a:ea typeface="HG丸ｺﾞｼｯｸM-PRO" panose="020F0600000000000000" pitchFamily="50" charset="-128"/>
-              </a:rPr>
-              <a:t>シーケンス図で示す</a:t>
+              <a:t>ステートマシン図を基に全体の動作をシーケンス図で示す</a:t>
             </a:r>
             <a:br>
               <a:rPr kumimoji="1" lang="en-US" altLang="ja-JP" dirty="0">
@@ -8415,93 +8316,8 @@
                 <a:latin typeface="HG丸ｺﾞｼｯｸM-PRO" panose="020F0600000000000000" pitchFamily="50" charset="-128"/>
                 <a:ea typeface="HG丸ｺﾞｼｯｸM-PRO" panose="020F0600000000000000" pitchFamily="50" charset="-128"/>
               </a:rPr>
-              <a:t>で表した部分は図</a:t>
-            </a:r>
-            <a:r>
-              <a:rPr kumimoji="1" lang="en-US" altLang="ja-JP" dirty="0">
-                <a:latin typeface="HG丸ｺﾞｼｯｸM-PRO" panose="020F0600000000000000" pitchFamily="50" charset="-128"/>
-                <a:ea typeface="HG丸ｺﾞｼｯｸM-PRO" panose="020F0600000000000000" pitchFamily="50" charset="-128"/>
-              </a:rPr>
-              <a:t>7</a:t>
-            </a:r>
-            <a:r>
-              <a:rPr kumimoji="1" lang="ja-JP" altLang="en-US" dirty="0">
-                <a:latin typeface="HG丸ｺﾞｼｯｸM-PRO" panose="020F0600000000000000" pitchFamily="50" charset="-128"/>
-                <a:ea typeface="HG丸ｺﾞｼｯｸM-PRO" panose="020F0600000000000000" pitchFamily="50" charset="-128"/>
-              </a:rPr>
-              <a:t>から図</a:t>
-            </a:r>
-            <a:r>
-              <a:rPr kumimoji="1" lang="en-US" altLang="ja-JP" dirty="0">
-                <a:latin typeface="HG丸ｺﾞｼｯｸM-PRO" panose="020F0600000000000000" pitchFamily="50" charset="-128"/>
-                <a:ea typeface="HG丸ｺﾞｼｯｸM-PRO" panose="020F0600000000000000" pitchFamily="50" charset="-128"/>
-              </a:rPr>
-              <a:t>13</a:t>
-            </a:r>
-            <a:r>
-              <a:rPr kumimoji="1" lang="ja-JP" altLang="en-US" dirty="0">
-                <a:latin typeface="HG丸ｺﾞｼｯｸM-PRO" panose="020F0600000000000000" pitchFamily="50" charset="-128"/>
-                <a:ea typeface="HG丸ｺﾞｼｯｸM-PRO" panose="020F0600000000000000" pitchFamily="50" charset="-128"/>
-              </a:rPr>
-              <a:t>に詳細を示す</a:t>
-            </a:r>
-          </a:p>
-        </p:txBody>
-      </p:sp>
-      <p:sp>
-        <p:nvSpPr>
-          <p:cNvPr id="49" name="テキスト ボックス 48">
-            <a:extLst>
-              <a:ext uri="{FF2B5EF4-FFF2-40B4-BE49-F238E27FC236}">
-                <a16:creationId xmlns:a16="http://schemas.microsoft.com/office/drawing/2014/main" id="{A5BC404B-F330-4FBD-9E7F-0DBE4697FEC6}"/>
-              </a:ext>
-            </a:extLst>
-          </p:cNvPr>
-          <p:cNvSpPr txBox="1"/>
-          <p:nvPr/>
-        </p:nvSpPr>
-        <p:spPr>
-          <a:xfrm>
-            <a:off x="5962585" y="6340791"/>
-            <a:ext cx="4862141" cy="338554"/>
-          </a:xfrm>
-          <a:prstGeom prst="rect">
-            <a:avLst/>
-          </a:prstGeom>
-          <a:noFill/>
-        </p:spPr>
-        <p:txBody>
-          <a:bodyPr wrap="square" rtlCol="0">
-            <a:spAutoFit/>
-          </a:bodyPr>
-          <a:lstStyle/>
-          <a:p>
-            <a:pPr algn="ctr"/>
-            <a:r>
-              <a:rPr kumimoji="1" lang="ja-JP" altLang="en-US" dirty="0">
-                <a:latin typeface="HG丸ｺﾞｼｯｸM-PRO" panose="020F0600000000000000" pitchFamily="50" charset="-128"/>
-                <a:ea typeface="HG丸ｺﾞｼｯｸM-PRO" panose="020F0600000000000000" pitchFamily="50" charset="-128"/>
-              </a:rPr>
-              <a:t>図</a:t>
-            </a:r>
-            <a:r>
-              <a:rPr lang="en-US" altLang="ja-JP" dirty="0">
-                <a:latin typeface="HG丸ｺﾞｼｯｸM-PRO" panose="020F0600000000000000" pitchFamily="50" charset="-128"/>
-                <a:ea typeface="HG丸ｺﾞｼｯｸM-PRO" panose="020F0600000000000000" pitchFamily="50" charset="-128"/>
-              </a:rPr>
-              <a:t>6 </a:t>
-            </a:r>
-            <a:r>
-              <a:rPr lang="ja-JP" altLang="en-US" dirty="0">
-                <a:latin typeface="HG丸ｺﾞｼｯｸM-PRO" panose="020F0600000000000000" pitchFamily="50" charset="-128"/>
-                <a:ea typeface="HG丸ｺﾞｼｯｸM-PRO" panose="020F0600000000000000" pitchFamily="50" charset="-128"/>
-              </a:rPr>
-              <a:t>シーケンス図</a:t>
-            </a:r>
-            <a:endParaRPr kumimoji="1" lang="ja-JP" altLang="en-US" dirty="0">
-              <a:latin typeface="HG丸ｺﾞｼｯｸM-PRO" panose="020F0600000000000000" pitchFamily="50" charset="-128"/>
-              <a:ea typeface="HG丸ｺﾞｼｯｸM-PRO" panose="020F0600000000000000" pitchFamily="50" charset="-128"/>
-            </a:endParaRPr>
+              <a:t>で表した部分は別図に詳細を示す</a:t>
+            </a:r>
           </a:p>
         </p:txBody>
       </p:sp>
@@ -8526,7 +8342,7 @@
         </p:blipFill>
         <p:spPr>
           <a:xfrm>
-            <a:off x="4355970" y="3017762"/>
+            <a:off x="4356156" y="1750500"/>
             <a:ext cx="8295224" cy="3395593"/>
           </a:xfrm>
           <a:prstGeom prst="rect">
@@ -8555,78 +8371,14 @@
         </p:blipFill>
         <p:spPr>
           <a:xfrm>
-            <a:off x="7840960" y="6812590"/>
-            <a:ext cx="4211485" cy="2266982"/>
+            <a:off x="185369" y="7075000"/>
+            <a:ext cx="3936771" cy="2266982"/>
           </a:xfrm>
           <a:prstGeom prst="rect">
             <a:avLst/>
           </a:prstGeom>
         </p:spPr>
       </p:pic>
-      <p:sp>
-        <p:nvSpPr>
-          <p:cNvPr id="31" name="テキスト ボックス 30">
-            <a:extLst>
-              <a:ext uri="{FF2B5EF4-FFF2-40B4-BE49-F238E27FC236}">
-                <a16:creationId xmlns:a16="http://schemas.microsoft.com/office/drawing/2014/main" id="{E7568802-DFA4-40B6-84D6-CB2D1875C1BF}"/>
-              </a:ext>
-            </a:extLst>
-          </p:cNvPr>
-          <p:cNvSpPr txBox="1"/>
-          <p:nvPr/>
-        </p:nvSpPr>
-        <p:spPr>
-          <a:xfrm>
-            <a:off x="7624536" y="9028431"/>
-            <a:ext cx="4862141" cy="338554"/>
-          </a:xfrm>
-          <a:prstGeom prst="rect">
-            <a:avLst/>
-          </a:prstGeom>
-          <a:noFill/>
-        </p:spPr>
-        <p:txBody>
-          <a:bodyPr wrap="square" rtlCol="0">
-            <a:spAutoFit/>
-          </a:bodyPr>
-          <a:lstStyle/>
-          <a:p>
-            <a:pPr algn="ctr"/>
-            <a:r>
-              <a:rPr kumimoji="1" lang="ja-JP" altLang="en-US" dirty="0">
-                <a:latin typeface="HG丸ｺﾞｼｯｸM-PRO" panose="020F0600000000000000" pitchFamily="50" charset="-128"/>
-                <a:ea typeface="HG丸ｺﾞｼｯｸM-PRO" panose="020F0600000000000000" pitchFamily="50" charset="-128"/>
-              </a:rPr>
-              <a:t>図</a:t>
-            </a:r>
-            <a:r>
-              <a:rPr kumimoji="1" lang="en-US" altLang="ja-JP" dirty="0">
-                <a:latin typeface="HG丸ｺﾞｼｯｸM-PRO" panose="020F0600000000000000" pitchFamily="50" charset="-128"/>
-                <a:ea typeface="HG丸ｺﾞｼｯｸM-PRO" panose="020F0600000000000000" pitchFamily="50" charset="-128"/>
-              </a:rPr>
-              <a:t>7</a:t>
-            </a:r>
-            <a:r>
-              <a:rPr lang="en-US" altLang="ja-JP" dirty="0">
-                <a:latin typeface="HG丸ｺﾞｼｯｸM-PRO" panose="020F0600000000000000" pitchFamily="50" charset="-128"/>
-                <a:ea typeface="HG丸ｺﾞｼｯｸM-PRO" panose="020F0600000000000000" pitchFamily="50" charset="-128"/>
-              </a:rPr>
-              <a:t> Bluetooth</a:t>
-            </a:r>
-            <a:r>
-              <a:rPr lang="ja-JP" altLang="en-US" dirty="0">
-                <a:latin typeface="HG丸ｺﾞｼｯｸM-PRO" panose="020F0600000000000000" pitchFamily="50" charset="-128"/>
-                <a:ea typeface="HG丸ｺﾞｼｯｸM-PRO" panose="020F0600000000000000" pitchFamily="50" charset="-128"/>
-              </a:rPr>
-              <a:t>の振る舞い</a:t>
-            </a:r>
-            <a:endParaRPr kumimoji="1" lang="ja-JP" altLang="en-US" dirty="0">
-              <a:latin typeface="HG丸ｺﾞｼｯｸM-PRO" panose="020F0600000000000000" pitchFamily="50" charset="-128"/>
-              <a:ea typeface="HG丸ｺﾞｼｯｸM-PRO" panose="020F0600000000000000" pitchFamily="50" charset="-128"/>
-            </a:endParaRPr>
-          </a:p>
-        </p:txBody>
-      </p:sp>
       <p:sp>
         <p:nvSpPr>
           <p:cNvPr id="29" name="正方形/長方形 28">
@@ -8641,7 +8393,7 @@
         </p:nvSpPr>
         <p:spPr>
           <a:xfrm>
-            <a:off x="11922103" y="6030541"/>
+            <a:off x="11922289" y="4763279"/>
             <a:ext cx="599377" cy="282227"/>
           </a:xfrm>
           <a:prstGeom prst="rect">
@@ -8693,7 +8445,7 @@
         </p:nvSpPr>
         <p:spPr>
           <a:xfrm>
-            <a:off x="11225337" y="5395312"/>
+            <a:off x="11225523" y="4128050"/>
             <a:ext cx="576064" cy="252000"/>
           </a:xfrm>
           <a:prstGeom prst="rect">
@@ -8745,7 +8497,7 @@
         </p:nvSpPr>
         <p:spPr>
           <a:xfrm>
-            <a:off x="9713168" y="3864497"/>
+            <a:off x="9713354" y="2597235"/>
             <a:ext cx="684878" cy="334030"/>
           </a:xfrm>
           <a:prstGeom prst="rect">
@@ -8797,7 +8549,7 @@
         </p:nvSpPr>
         <p:spPr>
           <a:xfrm>
-            <a:off x="10420917" y="4690666"/>
+            <a:off x="10421103" y="3423404"/>
             <a:ext cx="732412" cy="288000"/>
           </a:xfrm>
           <a:prstGeom prst="rect">
@@ -8849,7 +8601,7 @@
         </p:nvSpPr>
         <p:spPr>
           <a:xfrm>
-            <a:off x="8380219" y="3873367"/>
+            <a:off x="8380405" y="2606105"/>
             <a:ext cx="684878" cy="277625"/>
           </a:xfrm>
           <a:prstGeom prst="rect">
@@ -8901,7 +8653,7 @@
         </p:nvSpPr>
         <p:spPr>
           <a:xfrm>
-            <a:off x="6868775" y="3840556"/>
+            <a:off x="6868961" y="2573294"/>
             <a:ext cx="540137" cy="270000"/>
           </a:xfrm>
           <a:prstGeom prst="rect">
@@ -8949,8 +8701,8 @@
         </p:nvSpPr>
         <p:spPr>
           <a:xfrm>
-            <a:off x="7792676" y="6770650"/>
-            <a:ext cx="4800810" cy="2638461"/>
+            <a:off x="185369" y="6900174"/>
+            <a:ext cx="3992625" cy="2554946"/>
           </a:xfrm>
           <a:prstGeom prst="rect">
             <a:avLst/>
@@ -8980,124 +8732,6 @@
           <a:p>
             <a:pPr algn="ctr"/>
             <a:endParaRPr kumimoji="1" lang="ja-JP" altLang="en-US" dirty="0"/>
-          </a:p>
-        </p:txBody>
-      </p:sp>
-      <p:sp>
-        <p:nvSpPr>
-          <p:cNvPr id="42" name="テキスト ボックス 41">
-            <a:extLst>
-              <a:ext uri="{FF2B5EF4-FFF2-40B4-BE49-F238E27FC236}">
-                <a16:creationId xmlns:a16="http://schemas.microsoft.com/office/drawing/2014/main" id="{2ED3112D-006D-4AB9-B730-CBEB06F64005}"/>
-              </a:ext>
-            </a:extLst>
-          </p:cNvPr>
-          <p:cNvSpPr txBox="1"/>
-          <p:nvPr/>
-        </p:nvSpPr>
-        <p:spPr>
-          <a:xfrm>
-            <a:off x="4410329" y="6768793"/>
-            <a:ext cx="3298716" cy="1323439"/>
-          </a:xfrm>
-          <a:prstGeom prst="rect">
-            <a:avLst/>
-          </a:prstGeom>
-          <a:noFill/>
-        </p:spPr>
-        <p:txBody>
-          <a:bodyPr wrap="square" rtlCol="0">
-            <a:spAutoFit/>
-          </a:bodyPr>
-          <a:lstStyle/>
-          <a:p>
-            <a:r>
-              <a:rPr kumimoji="1" lang="ja-JP" altLang="en-US" dirty="0">
-                <a:latin typeface="HG丸ｺﾞｼｯｸM-PRO" panose="020F0600000000000000" pitchFamily="50" charset="-128"/>
-                <a:ea typeface="HG丸ｺﾞｼｯｸM-PRO" panose="020F0600000000000000" pitchFamily="50" charset="-128"/>
-              </a:rPr>
-              <a:t>図</a:t>
-            </a:r>
-            <a:r>
-              <a:rPr kumimoji="1" lang="en-US" altLang="ja-JP" dirty="0">
-                <a:latin typeface="HG丸ｺﾞｼｯｸM-PRO" panose="020F0600000000000000" pitchFamily="50" charset="-128"/>
-                <a:ea typeface="HG丸ｺﾞｼｯｸM-PRO" panose="020F0600000000000000" pitchFamily="50" charset="-128"/>
-              </a:rPr>
-              <a:t>7</a:t>
-            </a:r>
-            <a:r>
-              <a:rPr kumimoji="1" lang="ja-JP" altLang="en-US" dirty="0">
-                <a:latin typeface="HG丸ｺﾞｼｯｸM-PRO" panose="020F0600000000000000" pitchFamily="50" charset="-128"/>
-                <a:ea typeface="HG丸ｺﾞｼｯｸM-PRO" panose="020F0600000000000000" pitchFamily="50" charset="-128"/>
-              </a:rPr>
-              <a:t>の色枠で囲った部分をさらに詳しく図</a:t>
-            </a:r>
-            <a:r>
-              <a:rPr kumimoji="1" lang="en-US" altLang="ja-JP" dirty="0">
-                <a:latin typeface="HG丸ｺﾞｼｯｸM-PRO" panose="020F0600000000000000" pitchFamily="50" charset="-128"/>
-                <a:ea typeface="HG丸ｺﾞｼｯｸM-PRO" panose="020F0600000000000000" pitchFamily="50" charset="-128"/>
-              </a:rPr>
-              <a:t>7</a:t>
-            </a:r>
-            <a:r>
-              <a:rPr kumimoji="1" lang="ja-JP" altLang="en-US" dirty="0">
-                <a:latin typeface="HG丸ｺﾞｼｯｸM-PRO" panose="020F0600000000000000" pitchFamily="50" charset="-128"/>
-                <a:ea typeface="HG丸ｺﾞｼｯｸM-PRO" panose="020F0600000000000000" pitchFamily="50" charset="-128"/>
-              </a:rPr>
-              <a:t>～</a:t>
-            </a:r>
-            <a:r>
-              <a:rPr lang="ja-JP" altLang="en-US" dirty="0">
-                <a:latin typeface="HG丸ｺﾞｼｯｸM-PRO" panose="020F0600000000000000" pitchFamily="50" charset="-128"/>
-                <a:ea typeface="HG丸ｺﾞｼｯｸM-PRO" panose="020F0600000000000000" pitchFamily="50" charset="-128"/>
-              </a:rPr>
-              <a:t>図</a:t>
-            </a:r>
-            <a:r>
-              <a:rPr lang="en-US" altLang="ja-JP" dirty="0">
-                <a:latin typeface="HG丸ｺﾞｼｯｸM-PRO" panose="020F0600000000000000" pitchFamily="50" charset="-128"/>
-                <a:ea typeface="HG丸ｺﾞｼｯｸM-PRO" panose="020F0600000000000000" pitchFamily="50" charset="-128"/>
-              </a:rPr>
-              <a:t>13</a:t>
-            </a:r>
-            <a:r>
-              <a:rPr lang="ja-JP" altLang="en-US" dirty="0">
-                <a:latin typeface="HG丸ｺﾞｼｯｸM-PRO" panose="020F0600000000000000" pitchFamily="50" charset="-128"/>
-                <a:ea typeface="HG丸ｺﾞｼｯｸM-PRO" panose="020F0600000000000000" pitchFamily="50" charset="-128"/>
-              </a:rPr>
-              <a:t>で表す</a:t>
-            </a:r>
-            <a:br>
-              <a:rPr lang="en-US" altLang="ja-JP" dirty="0">
-                <a:latin typeface="HG丸ｺﾞｼｯｸM-PRO" panose="020F0600000000000000" pitchFamily="50" charset="-128"/>
-                <a:ea typeface="HG丸ｺﾞｼｯｸM-PRO" panose="020F0600000000000000" pitchFamily="50" charset="-128"/>
-              </a:rPr>
-            </a:br>
-            <a:r>
-              <a:rPr lang="ja-JP" altLang="en-US" dirty="0">
-                <a:latin typeface="HG丸ｺﾞｼｯｸM-PRO" panose="020F0600000000000000" pitchFamily="50" charset="-128"/>
-                <a:ea typeface="HG丸ｺﾞｼｯｸM-PRO" panose="020F0600000000000000" pitchFamily="50" charset="-128"/>
-              </a:rPr>
-              <a:t>図</a:t>
-            </a:r>
-            <a:r>
-              <a:rPr lang="en-US" altLang="ja-JP" dirty="0">
-                <a:latin typeface="HG丸ｺﾞｼｯｸM-PRO" panose="020F0600000000000000" pitchFamily="50" charset="-128"/>
-                <a:ea typeface="HG丸ｺﾞｼｯｸM-PRO" panose="020F0600000000000000" pitchFamily="50" charset="-128"/>
-              </a:rPr>
-              <a:t>7</a:t>
-            </a:r>
-            <a:r>
-              <a:rPr lang="ja-JP" altLang="en-US" dirty="0">
-                <a:latin typeface="HG丸ｺﾞｼｯｸM-PRO" panose="020F0600000000000000" pitchFamily="50" charset="-128"/>
-                <a:ea typeface="HG丸ｺﾞｼｯｸM-PRO" panose="020F0600000000000000" pitchFamily="50" charset="-128"/>
-              </a:rPr>
-              <a:t>で使用されている色枠と同色のもので囲われたものが対応する図となっている</a:t>
-            </a:r>
-            <a:endParaRPr kumimoji="1" lang="ja-JP" altLang="en-US" dirty="0">
-              <a:latin typeface="HG丸ｺﾞｼｯｸM-PRO" panose="020F0600000000000000" pitchFamily="50" charset="-128"/>
-              <a:ea typeface="HG丸ｺﾞｼｯｸM-PRO" panose="020F0600000000000000" pitchFamily="50" charset="-128"/>
-            </a:endParaRPr>
           </a:p>
         </p:txBody>
       </p:sp>
@@ -9808,6 +9442,49 @@
           </a:p>
         </p:txBody>
       </p:sp>
+      <p:cxnSp>
+        <p:nvCxnSpPr>
+          <p:cNvPr id="41" name="直線コネクタ 40">
+            <a:extLst>
+              <a:ext uri="{FF2B5EF4-FFF2-40B4-BE49-F238E27FC236}">
+                <a16:creationId xmlns:a16="http://schemas.microsoft.com/office/drawing/2014/main" id="{FEE48D82-D9EE-4718-AEC6-9B9A503DC6A6}"/>
+              </a:ext>
+            </a:extLst>
+          </p:cNvPr>
+          <p:cNvCxnSpPr>
+            <a:cxnSpLocks/>
+          </p:cNvCxnSpPr>
+          <p:nvPr/>
+        </p:nvCxnSpPr>
+        <p:spPr>
+          <a:xfrm flipV="1">
+            <a:off x="68367" y="6806068"/>
+            <a:ext cx="4184217" cy="28716"/>
+          </a:xfrm>
+          <a:prstGeom prst="line">
+            <a:avLst/>
+          </a:prstGeom>
+          <a:ln w="12700">
+            <a:solidFill>
+              <a:schemeClr val="accent6"/>
+            </a:solidFill>
+          </a:ln>
+        </p:spPr>
+        <p:style>
+          <a:lnRef idx="1">
+            <a:schemeClr val="accent1"/>
+          </a:lnRef>
+          <a:fillRef idx="0">
+            <a:schemeClr val="accent1"/>
+          </a:fillRef>
+          <a:effectRef idx="0">
+            <a:schemeClr val="accent1"/>
+          </a:effectRef>
+          <a:fontRef idx="minor">
+            <a:schemeClr val="tx1"/>
+          </a:fontRef>
+        </p:style>
+      </p:cxnSp>
     </p:spTree>
     <p:extLst>
       <p:ext uri="{BB962C8B-B14F-4D97-AF65-F5344CB8AC3E}">

--- a/PowerPoint/アブストラクト.pptx
+++ b/PowerPoint/アブストラクト.pptx
@@ -6,13 +6,14 @@
     <p:sldMasterId id="2147483653" r:id="rId2"/>
   </p:sldMasterIdLst>
   <p:notesMasterIdLst>
-    <p:notesMasterId r:id="rId4"/>
+    <p:notesMasterId r:id="rId5"/>
   </p:notesMasterIdLst>
   <p:handoutMasterIdLst>
-    <p:handoutMasterId r:id="rId5"/>
+    <p:handoutMasterId r:id="rId6"/>
   </p:handoutMasterIdLst>
   <p:sldIdLst>
     <p:sldId id="272" r:id="rId3"/>
+    <p:sldId id="273" r:id="rId4"/>
   </p:sldIdLst>
   <p:sldSz cx="12801600" cy="9601200" type="A3"/>
   <p:notesSz cx="9990138" cy="14374813"/>
@@ -147,6 +148,7 @@
         <p14:section name="アブストラクトページ（プライマリークラス）" id="{05F68B40-4021-4FFA-A734-7816717BBE8C}">
           <p14:sldIdLst>
             <p14:sldId id="272"/>
+            <p14:sldId id="273"/>
           </p14:sldIdLst>
         </p14:section>
         <p14:section name="モデル図ページ（プライマリークラス）" id="{8B2B3982-7BAC-4EE5-974E-E0EE0719EC85}">
@@ -1126,6 +1128,263 @@
               <a:t>1</a:t>
             </a:fld>
             <a:endParaRPr lang="en-US" altLang="ja-JP" sz="900"/>
+          </a:p>
+        </p:txBody>
+      </p:sp>
+      <p:sp>
+        <p:nvSpPr>
+          <p:cNvPr id="6147" name="Rectangle 2">
+            <a:extLst>
+              <a:ext uri="{FF2B5EF4-FFF2-40B4-BE49-F238E27FC236}">
+                <a16:creationId xmlns:a16="http://schemas.microsoft.com/office/drawing/2014/main" id="{336F07C8-6D1D-1E4C-9B1F-D478F3909BFF}"/>
+              </a:ext>
+            </a:extLst>
+          </p:cNvPr>
+          <p:cNvSpPr>
+            <a:spLocks noGrp="1" noRot="1" noChangeAspect="1" noChangeArrowheads="1" noTextEdit="1"/>
+          </p:cNvSpPr>
+          <p:nvPr>
+            <p:ph type="sldImg"/>
+          </p:nvPr>
+        </p:nvSpPr>
+        <p:spPr>
+          <a:ln/>
+        </p:spPr>
+      </p:sp>
+      <p:sp>
+        <p:nvSpPr>
+          <p:cNvPr id="6148" name="Rectangle 3">
+            <a:extLst>
+              <a:ext uri="{FF2B5EF4-FFF2-40B4-BE49-F238E27FC236}">
+                <a16:creationId xmlns:a16="http://schemas.microsoft.com/office/drawing/2014/main" id="{3582A002-5E19-4742-B355-FC9795D99C35}"/>
+              </a:ext>
+            </a:extLst>
+          </p:cNvPr>
+          <p:cNvSpPr>
+            <a:spLocks noGrp="1" noChangeArrowheads="1"/>
+          </p:cNvSpPr>
+          <p:nvPr>
+            <p:ph type="body" idx="1"/>
+          </p:nvPr>
+        </p:nvSpPr>
+        <p:spPr>
+          <a:noFill/>
+          <a:ln/>
+          <a:extLst>
+            <a:ext uri="{909E8E84-426E-40DD-AFC4-6F175D3DCCD1}">
+              <a14:hiddenFill xmlns:a14="http://schemas.microsoft.com/office/drawing/2010/main">
+                <a:solidFill>
+                  <a:srgbClr val="FFFFFF"/>
+                </a:solidFill>
+              </a14:hiddenFill>
+            </a:ext>
+            <a:ext uri="{91240B29-F687-4F45-9708-019B960494DF}">
+              <a14:hiddenLine xmlns:a14="http://schemas.microsoft.com/office/drawing/2010/main" w="9525">
+                <a:solidFill>
+                  <a:srgbClr val="000000"/>
+                </a:solidFill>
+                <a:miter lim="800000"/>
+                <a:headEnd/>
+                <a:tailEnd/>
+              </a14:hiddenLine>
+            </a:ext>
+          </a:extLst>
+        </p:spPr>
+        <p:txBody>
+          <a:bodyPr/>
+          <a:lstStyle/>
+          <a:p>
+            <a:pPr eaLnBrk="1" hangingPunct="1"/>
+            <a:endParaRPr lang="ja-JP" altLang="ja-JP"/>
+          </a:p>
+        </p:txBody>
+      </p:sp>
+    </p:spTree>
+    <p:extLst>
+      <p:ext uri="{BB962C8B-B14F-4D97-AF65-F5344CB8AC3E}">
+        <p14:creationId xmlns:p14="http://schemas.microsoft.com/office/powerpoint/2010/main" val="1752572422"/>
+      </p:ext>
+    </p:extLst>
+  </p:cSld>
+  <p:clrMapOvr>
+    <a:masterClrMapping/>
+  </p:clrMapOvr>
+</p:notes>
+</file>
+
+<file path=ppt/notesSlides/notesSlide2.xml><?xml version="1.0" encoding="utf-8"?>
+<p:notes xmlns:a="http://schemas.openxmlformats.org/drawingml/2006/main" xmlns:r="http://schemas.openxmlformats.org/officeDocument/2006/relationships" xmlns:p="http://schemas.openxmlformats.org/presentationml/2006/main">
+  <p:cSld>
+    <p:spTree>
+      <p:nvGrpSpPr>
+        <p:cNvPr id="1" name=""/>
+        <p:cNvGrpSpPr/>
+        <p:nvPr/>
+      </p:nvGrpSpPr>
+      <p:grpSpPr>
+        <a:xfrm>
+          <a:off x="0" y="0"/>
+          <a:ext cx="0" cy="0"/>
+          <a:chOff x="0" y="0"/>
+          <a:chExt cx="0" cy="0"/>
+        </a:xfrm>
+      </p:grpSpPr>
+      <p:sp>
+        <p:nvSpPr>
+          <p:cNvPr id="6146" name="Rectangle 7">
+            <a:extLst>
+              <a:ext uri="{FF2B5EF4-FFF2-40B4-BE49-F238E27FC236}">
+                <a16:creationId xmlns:a16="http://schemas.microsoft.com/office/drawing/2014/main" id="{C4EA5150-586A-DE41-805B-38D9E0F3D428}"/>
+              </a:ext>
+            </a:extLst>
+          </p:cNvPr>
+          <p:cNvSpPr>
+            <a:spLocks noGrp="1" noChangeArrowheads="1"/>
+          </p:cNvSpPr>
+          <p:nvPr>
+            <p:ph type="sldNum" sz="quarter" idx="5"/>
+          </p:nvPr>
+        </p:nvSpPr>
+        <p:spPr>
+          <a:noFill/>
+          <a:ln/>
+          <a:extLst>
+            <a:ext uri="{909E8E84-426E-40DD-AFC4-6F175D3DCCD1}">
+              <a14:hiddenFill xmlns:a14="http://schemas.microsoft.com/office/drawing/2010/main">
+                <a:solidFill>
+                  <a:srgbClr val="FFFFFF"/>
+                </a:solidFill>
+              </a14:hiddenFill>
+            </a:ext>
+            <a:ext uri="{91240B29-F687-4F45-9708-019B960494DF}">
+              <a14:hiddenLine xmlns:a14="http://schemas.microsoft.com/office/drawing/2010/main" w="9525">
+                <a:solidFill>
+                  <a:srgbClr val="000000"/>
+                </a:solidFill>
+                <a:miter lim="800000"/>
+                <a:headEnd/>
+                <a:tailEnd/>
+              </a14:hiddenLine>
+            </a:ext>
+          </a:extLst>
+        </p:spPr>
+        <p:txBody>
+          <a:bodyPr/>
+          <a:lstStyle>
+            <a:lvl1pPr eaLnBrk="0" hangingPunct="0">
+              <a:defRPr kumimoji="1" sz="1600">
+                <a:solidFill>
+                  <a:schemeClr val="tx1"/>
+                </a:solidFill>
+                <a:latin typeface="Times New Roman" panose="02020603050405020304" pitchFamily="18" charset="0"/>
+                <a:ea typeface="ＭＳ Ｐゴシック" panose="020B0600070205080204" pitchFamily="34" charset="-128"/>
+              </a:defRPr>
+            </a:lvl1pPr>
+            <a:lvl2pPr marL="742950" indent="-285750" eaLnBrk="0" hangingPunct="0">
+              <a:defRPr kumimoji="1" sz="1600">
+                <a:solidFill>
+                  <a:schemeClr val="tx1"/>
+                </a:solidFill>
+                <a:latin typeface="Times New Roman" panose="02020603050405020304" pitchFamily="18" charset="0"/>
+                <a:ea typeface="ＭＳ Ｐゴシック" panose="020B0600070205080204" pitchFamily="34" charset="-128"/>
+              </a:defRPr>
+            </a:lvl2pPr>
+            <a:lvl3pPr marL="1143000" indent="-228600" eaLnBrk="0" hangingPunct="0">
+              <a:defRPr kumimoji="1" sz="1600">
+                <a:solidFill>
+                  <a:schemeClr val="tx1"/>
+                </a:solidFill>
+                <a:latin typeface="Times New Roman" panose="02020603050405020304" pitchFamily="18" charset="0"/>
+                <a:ea typeface="ＭＳ Ｐゴシック" panose="020B0600070205080204" pitchFamily="34" charset="-128"/>
+              </a:defRPr>
+            </a:lvl3pPr>
+            <a:lvl4pPr marL="1600200" indent="-228600" eaLnBrk="0" hangingPunct="0">
+              <a:defRPr kumimoji="1" sz="1600">
+                <a:solidFill>
+                  <a:schemeClr val="tx1"/>
+                </a:solidFill>
+                <a:latin typeface="Times New Roman" panose="02020603050405020304" pitchFamily="18" charset="0"/>
+                <a:ea typeface="ＭＳ Ｐゴシック" panose="020B0600070205080204" pitchFamily="34" charset="-128"/>
+              </a:defRPr>
+            </a:lvl4pPr>
+            <a:lvl5pPr marL="2057400" indent="-228600" eaLnBrk="0" hangingPunct="0">
+              <a:defRPr kumimoji="1" sz="1600">
+                <a:solidFill>
+                  <a:schemeClr val="tx1"/>
+                </a:solidFill>
+                <a:latin typeface="Times New Roman" panose="02020603050405020304" pitchFamily="18" charset="0"/>
+                <a:ea typeface="ＭＳ Ｐゴシック" panose="020B0600070205080204" pitchFamily="34" charset="-128"/>
+              </a:defRPr>
+            </a:lvl5pPr>
+            <a:lvl6pPr marL="2514600" indent="-228600" eaLnBrk="0" fontAlgn="base" hangingPunct="0">
+              <a:spcBef>
+                <a:spcPct val="0"/>
+              </a:spcBef>
+              <a:spcAft>
+                <a:spcPct val="0"/>
+              </a:spcAft>
+              <a:defRPr kumimoji="1" sz="1600">
+                <a:solidFill>
+                  <a:schemeClr val="tx1"/>
+                </a:solidFill>
+                <a:latin typeface="Times New Roman" panose="02020603050405020304" pitchFamily="18" charset="0"/>
+                <a:ea typeface="ＭＳ Ｐゴシック" panose="020B0600070205080204" pitchFamily="34" charset="-128"/>
+              </a:defRPr>
+            </a:lvl6pPr>
+            <a:lvl7pPr marL="2971800" indent="-228600" eaLnBrk="0" fontAlgn="base" hangingPunct="0">
+              <a:spcBef>
+                <a:spcPct val="0"/>
+              </a:spcBef>
+              <a:spcAft>
+                <a:spcPct val="0"/>
+              </a:spcAft>
+              <a:defRPr kumimoji="1" sz="1600">
+                <a:solidFill>
+                  <a:schemeClr val="tx1"/>
+                </a:solidFill>
+                <a:latin typeface="Times New Roman" panose="02020603050405020304" pitchFamily="18" charset="0"/>
+                <a:ea typeface="ＭＳ Ｐゴシック" panose="020B0600070205080204" pitchFamily="34" charset="-128"/>
+              </a:defRPr>
+            </a:lvl7pPr>
+            <a:lvl8pPr marL="3429000" indent="-228600" eaLnBrk="0" fontAlgn="base" hangingPunct="0">
+              <a:spcBef>
+                <a:spcPct val="0"/>
+              </a:spcBef>
+              <a:spcAft>
+                <a:spcPct val="0"/>
+              </a:spcAft>
+              <a:defRPr kumimoji="1" sz="1600">
+                <a:solidFill>
+                  <a:schemeClr val="tx1"/>
+                </a:solidFill>
+                <a:latin typeface="Times New Roman" panose="02020603050405020304" pitchFamily="18" charset="0"/>
+                <a:ea typeface="ＭＳ Ｐゴシック" panose="020B0600070205080204" pitchFamily="34" charset="-128"/>
+              </a:defRPr>
+            </a:lvl8pPr>
+            <a:lvl9pPr marL="3886200" indent="-228600" eaLnBrk="0" fontAlgn="base" hangingPunct="0">
+              <a:spcBef>
+                <a:spcPct val="0"/>
+              </a:spcBef>
+              <a:spcAft>
+                <a:spcPct val="0"/>
+              </a:spcAft>
+              <a:defRPr kumimoji="1" sz="1600">
+                <a:solidFill>
+                  <a:schemeClr val="tx1"/>
+                </a:solidFill>
+                <a:latin typeface="Times New Roman" panose="02020603050405020304" pitchFamily="18" charset="0"/>
+                <a:ea typeface="ＭＳ Ｐゴシック" panose="020B0600070205080204" pitchFamily="34" charset="-128"/>
+              </a:defRPr>
+            </a:lvl9pPr>
+          </a:lstStyle>
+          <a:p>
+            <a:pPr eaLnBrk="1" hangingPunct="1"/>
+            <a:fld id="{C5DB9EE4-A8CE-D847-B8E4-F9D0D400AE19}" type="slidenum">
+              <a:rPr lang="en-US" altLang="ja-JP" sz="1200"/>
+              <a:pPr eaLnBrk="1" hangingPunct="1"/>
+              <a:t>2</a:t>
+            </a:fld>
+            <a:endParaRPr lang="en-US" altLang="ja-JP" sz="1200"/>
           </a:p>
         </p:txBody>
       </p:sp>
@@ -4106,7 +4365,7 @@
                   <a:srgbClr val="FF0000"/>
                 </a:solidFill>
               </a:rPr>
-              <a:t>選択課題：</a:t>
+              <a:t>選択課題</a:t>
             </a:r>
             <a:r>
               <a:rPr lang="ja-JP" altLang="en-US" sz="1947" b="1" dirty="0">
@@ -4122,7 +4381,7 @@
               <a:rPr lang="ja-JP" altLang="en-US" sz="1947" b="1" dirty="0"/>
               <a:t>コースを完走する</a:t>
             </a:r>
-            <a:endParaRPr lang="en-US" altLang="ja-JP" sz="1947" b="1"/>
+            <a:endParaRPr lang="en-US" altLang="ja-JP" sz="1947" b="1" dirty="0"/>
           </a:p>
           <a:p>
             <a:pPr marL="0" indent="0" defTabSz="774222" eaLnBrk="1" hangingPunct="1">
@@ -4133,20 +4392,48 @@
                 <a:spcPct val="20000"/>
               </a:spcBef>
             </a:pPr>
-            <a:endParaRPr lang="ja-JP" altLang="en-US" sz="1800" dirty="0">
+            <a:r>
+              <a:rPr lang="ja-JP" altLang="en-US" sz="1800" dirty="0">
+                <a:latin typeface="HG丸ｺﾞｼｯｸM-PRO" panose="020F0600000000000000" pitchFamily="50" charset="-128"/>
+                <a:ea typeface="HG丸ｺﾞｼｯｸM-PRO" panose="020F0600000000000000" pitchFamily="50" charset="-128"/>
+              </a:rPr>
+              <a:t>このモデルでは、「コースを完走する」という課題を、スタート動作を終えてからゴールゲートを通過するまでの動作と定義する。</a:t>
+            </a:r>
+            <a:endParaRPr lang="en-US" altLang="ja-JP" sz="1800" dirty="0">
               <a:latin typeface="HG丸ｺﾞｼｯｸM-PRO" panose="020F0600000000000000" pitchFamily="50" charset="-128"/>
               <a:ea typeface="HG丸ｺﾞｼｯｸM-PRO" panose="020F0600000000000000" pitchFamily="50" charset="-128"/>
             </a:endParaRPr>
           </a:p>
           <a:p>
-            <a:pPr marL="0" indent="0" eaLnBrk="1" hangingPunct="1">
+            <a:pPr marL="0" indent="0" defTabSz="774222" eaLnBrk="1" hangingPunct="1">
               <a:lnSpc>
                 <a:spcPct val="80000"/>
               </a:lnSpc>
               <a:spcBef>
-                <a:spcPts val="600"/>
+                <a:spcPct val="20000"/>
               </a:spcBef>
             </a:pPr>
+            <a:r>
+              <a:rPr lang="ja-JP" altLang="en-US" sz="1800" dirty="0">
+                <a:latin typeface="HG丸ｺﾞｼｯｸM-PRO" panose="020F0600000000000000" pitchFamily="50" charset="-128"/>
+                <a:ea typeface="HG丸ｺﾞｼｯｸM-PRO" panose="020F0600000000000000" pitchFamily="50" charset="-128"/>
+              </a:rPr>
+              <a:t>また、今年のカーブの多いコースを安定して走行するため、コース全体を</a:t>
+            </a:r>
+            <a:r>
+              <a:rPr lang="en-US" altLang="ja-JP" sz="1800" dirty="0">
+                <a:latin typeface="HG丸ｺﾞｼｯｸM-PRO" panose="020F0600000000000000" pitchFamily="50" charset="-128"/>
+                <a:ea typeface="HG丸ｺﾞｼｯｸM-PRO" panose="020F0600000000000000" pitchFamily="50" charset="-128"/>
+              </a:rPr>
+              <a:t>15</a:t>
+            </a:r>
+            <a:r>
+              <a:rPr lang="ja-JP" altLang="en-US" sz="1800" dirty="0">
+                <a:latin typeface="HG丸ｺﾞｼｯｸM-PRO" panose="020F0600000000000000" pitchFamily="50" charset="-128"/>
+                <a:ea typeface="HG丸ｺﾞｼｯｸM-PRO" panose="020F0600000000000000" pitchFamily="50" charset="-128"/>
+              </a:rPr>
+              <a:t>区間に分割した。区間ごとに異なる制御量を与えることによって、曲率の異なるカーブであってもコースアウトすることなく安定した走行が実現できると考えた。</a:t>
+            </a:r>
             <a:endParaRPr lang="ja-JP" altLang="en-US" dirty="0">
               <a:latin typeface="HG丸ｺﾞｼｯｸM-PRO" panose="020F0600000000000000" pitchFamily="50" charset="-128"/>
               <a:ea typeface="HG丸ｺﾞｼｯｸM-PRO" panose="020F0600000000000000" pitchFamily="50" charset="-128"/>
@@ -4333,6 +4620,2694 @@
     <p:extLst>
       <p:ext uri="{BB962C8B-B14F-4D97-AF65-F5344CB8AC3E}">
         <p14:creationId xmlns:p14="http://schemas.microsoft.com/office/powerpoint/2010/main" val="2884445038"/>
+      </p:ext>
+    </p:extLst>
+  </p:cSld>
+  <p:clrMapOvr>
+    <a:masterClrMapping/>
+  </p:clrMapOvr>
+</p:sld>
+</file>
+
+<file path=ppt/slides/slide2.xml><?xml version="1.0" encoding="utf-8"?>
+<p:sld xmlns:a="http://schemas.openxmlformats.org/drawingml/2006/main" xmlns:r="http://schemas.openxmlformats.org/officeDocument/2006/relationships" xmlns:p="http://schemas.openxmlformats.org/presentationml/2006/main">
+  <p:cSld>
+    <p:spTree>
+      <p:nvGrpSpPr>
+        <p:cNvPr id="1" name=""/>
+        <p:cNvGrpSpPr/>
+        <p:nvPr/>
+      </p:nvGrpSpPr>
+      <p:grpSpPr>
+        <a:xfrm>
+          <a:off x="0" y="0"/>
+          <a:ext cx="0" cy="0"/>
+          <a:chOff x="0" y="0"/>
+          <a:chExt cx="0" cy="0"/>
+        </a:xfrm>
+      </p:grpSpPr>
+      <p:sp>
+        <p:nvSpPr>
+          <p:cNvPr id="3075" name="Rectangle 5">
+            <a:extLst>
+              <a:ext uri="{FF2B5EF4-FFF2-40B4-BE49-F238E27FC236}">
+                <a16:creationId xmlns:a16="http://schemas.microsoft.com/office/drawing/2014/main" id="{D5D88259-ED24-BD49-9587-FD79AC5A0267}"/>
+              </a:ext>
+            </a:extLst>
+          </p:cNvPr>
+          <p:cNvSpPr>
+            <a:spLocks noChangeArrowheads="1"/>
+          </p:cNvSpPr>
+          <p:nvPr/>
+        </p:nvSpPr>
+        <p:spPr bwMode="auto">
+          <a:xfrm>
+            <a:off x="1144215" y="1128192"/>
+            <a:ext cx="721097" cy="533400"/>
+          </a:xfrm>
+          <a:prstGeom prst="rect">
+            <a:avLst/>
+          </a:prstGeom>
+          <a:noFill/>
+          <a:ln>
+            <a:noFill/>
+          </a:ln>
+          <a:extLst>
+            <a:ext uri="{909E8E84-426E-40DD-AFC4-6F175D3DCCD1}">
+              <a14:hiddenFill xmlns:a14="http://schemas.microsoft.com/office/drawing/2010/main">
+                <a:solidFill>
+                  <a:srgbClr val="FFFFFF"/>
+                </a:solidFill>
+              </a14:hiddenFill>
+            </a:ext>
+            <a:ext uri="{91240B29-F687-4F45-9708-019B960494DF}">
+              <a14:hiddenLine xmlns:a14="http://schemas.microsoft.com/office/drawing/2010/main" w="9525">
+                <a:solidFill>
+                  <a:srgbClr val="000000"/>
+                </a:solidFill>
+                <a:miter lim="800000"/>
+                <a:headEnd/>
+                <a:tailEnd/>
+              </a14:hiddenLine>
+            </a:ext>
+          </a:extLst>
+        </p:spPr>
+        <p:txBody>
+          <a:bodyPr wrap="none" lIns="127998" tIns="63999" rIns="127998" bIns="63999" anchor="ctr"/>
+          <a:lstStyle>
+            <a:lvl1pPr defTabSz="1279525" eaLnBrk="0" hangingPunct="0">
+              <a:defRPr kumimoji="1" sz="1600">
+                <a:solidFill>
+                  <a:schemeClr val="tx1"/>
+                </a:solidFill>
+                <a:latin typeface="Times New Roman" panose="02020603050405020304" pitchFamily="18" charset="0"/>
+                <a:ea typeface="ＭＳ Ｐゴシック" panose="020B0600070205080204" pitchFamily="34" charset="-128"/>
+              </a:defRPr>
+            </a:lvl1pPr>
+            <a:lvl2pPr marL="742950" indent="-285750" defTabSz="1279525" eaLnBrk="0" hangingPunct="0">
+              <a:defRPr kumimoji="1" sz="1600">
+                <a:solidFill>
+                  <a:schemeClr val="tx1"/>
+                </a:solidFill>
+                <a:latin typeface="Times New Roman" panose="02020603050405020304" pitchFamily="18" charset="0"/>
+                <a:ea typeface="ＭＳ Ｐゴシック" panose="020B0600070205080204" pitchFamily="34" charset="-128"/>
+              </a:defRPr>
+            </a:lvl2pPr>
+            <a:lvl3pPr marL="1143000" indent="-228600" defTabSz="1279525" eaLnBrk="0" hangingPunct="0">
+              <a:defRPr kumimoji="1" sz="1600">
+                <a:solidFill>
+                  <a:schemeClr val="tx1"/>
+                </a:solidFill>
+                <a:latin typeface="Times New Roman" panose="02020603050405020304" pitchFamily="18" charset="0"/>
+                <a:ea typeface="ＭＳ Ｐゴシック" panose="020B0600070205080204" pitchFamily="34" charset="-128"/>
+              </a:defRPr>
+            </a:lvl3pPr>
+            <a:lvl4pPr marL="1600200" indent="-228600" defTabSz="1279525" eaLnBrk="0" hangingPunct="0">
+              <a:defRPr kumimoji="1" sz="1600">
+                <a:solidFill>
+                  <a:schemeClr val="tx1"/>
+                </a:solidFill>
+                <a:latin typeface="Times New Roman" panose="02020603050405020304" pitchFamily="18" charset="0"/>
+                <a:ea typeface="ＭＳ Ｐゴシック" panose="020B0600070205080204" pitchFamily="34" charset="-128"/>
+              </a:defRPr>
+            </a:lvl4pPr>
+            <a:lvl5pPr marL="2057400" indent="-228600" defTabSz="1279525" eaLnBrk="0" hangingPunct="0">
+              <a:defRPr kumimoji="1" sz="1600">
+                <a:solidFill>
+                  <a:schemeClr val="tx1"/>
+                </a:solidFill>
+                <a:latin typeface="Times New Roman" panose="02020603050405020304" pitchFamily="18" charset="0"/>
+                <a:ea typeface="ＭＳ Ｐゴシック" panose="020B0600070205080204" pitchFamily="34" charset="-128"/>
+              </a:defRPr>
+            </a:lvl5pPr>
+            <a:lvl6pPr marL="2514600" indent="-228600" defTabSz="1279525" eaLnBrk="0" fontAlgn="base" hangingPunct="0">
+              <a:spcBef>
+                <a:spcPct val="0"/>
+              </a:spcBef>
+              <a:spcAft>
+                <a:spcPct val="0"/>
+              </a:spcAft>
+              <a:defRPr kumimoji="1" sz="1600">
+                <a:solidFill>
+                  <a:schemeClr val="tx1"/>
+                </a:solidFill>
+                <a:latin typeface="Times New Roman" panose="02020603050405020304" pitchFamily="18" charset="0"/>
+                <a:ea typeface="ＭＳ Ｐゴシック" panose="020B0600070205080204" pitchFamily="34" charset="-128"/>
+              </a:defRPr>
+            </a:lvl6pPr>
+            <a:lvl7pPr marL="2971800" indent="-228600" defTabSz="1279525" eaLnBrk="0" fontAlgn="base" hangingPunct="0">
+              <a:spcBef>
+                <a:spcPct val="0"/>
+              </a:spcBef>
+              <a:spcAft>
+                <a:spcPct val="0"/>
+              </a:spcAft>
+              <a:defRPr kumimoji="1" sz="1600">
+                <a:solidFill>
+                  <a:schemeClr val="tx1"/>
+                </a:solidFill>
+                <a:latin typeface="Times New Roman" panose="02020603050405020304" pitchFamily="18" charset="0"/>
+                <a:ea typeface="ＭＳ Ｐゴシック" panose="020B0600070205080204" pitchFamily="34" charset="-128"/>
+              </a:defRPr>
+            </a:lvl7pPr>
+            <a:lvl8pPr marL="3429000" indent="-228600" defTabSz="1279525" eaLnBrk="0" fontAlgn="base" hangingPunct="0">
+              <a:spcBef>
+                <a:spcPct val="0"/>
+              </a:spcBef>
+              <a:spcAft>
+                <a:spcPct val="0"/>
+              </a:spcAft>
+              <a:defRPr kumimoji="1" sz="1600">
+                <a:solidFill>
+                  <a:schemeClr val="tx1"/>
+                </a:solidFill>
+                <a:latin typeface="Times New Roman" panose="02020603050405020304" pitchFamily="18" charset="0"/>
+                <a:ea typeface="ＭＳ Ｐゴシック" panose="020B0600070205080204" pitchFamily="34" charset="-128"/>
+              </a:defRPr>
+            </a:lvl8pPr>
+            <a:lvl9pPr marL="3886200" indent="-228600" defTabSz="1279525" eaLnBrk="0" fontAlgn="base" hangingPunct="0">
+              <a:spcBef>
+                <a:spcPct val="0"/>
+              </a:spcBef>
+              <a:spcAft>
+                <a:spcPct val="0"/>
+              </a:spcAft>
+              <a:defRPr kumimoji="1" sz="1600">
+                <a:solidFill>
+                  <a:schemeClr val="tx1"/>
+                </a:solidFill>
+                <a:latin typeface="Times New Roman" panose="02020603050405020304" pitchFamily="18" charset="0"/>
+                <a:ea typeface="ＭＳ Ｐゴシック" panose="020B0600070205080204" pitchFamily="34" charset="-128"/>
+              </a:defRPr>
+            </a:lvl9pPr>
+          </a:lstStyle>
+          <a:p>
+            <a:pPr eaLnBrk="1" hangingPunct="1"/>
+            <a:r>
+              <a:rPr lang="en-US" altLang="ja-JP" sz="2400" dirty="0">
+                <a:latin typeface="ＭＳ Ｐゴシック" panose="020B0600070205080204" pitchFamily="34" charset="-128"/>
+              </a:rPr>
+              <a:t>113</a:t>
+            </a:r>
+            <a:endParaRPr lang="ja-JP" altLang="en-US" sz="2400" dirty="0">
+              <a:latin typeface="ＭＳ Ｐゴシック" panose="020B0600070205080204" pitchFamily="34" charset="-128"/>
+            </a:endParaRPr>
+          </a:p>
+        </p:txBody>
+      </p:sp>
+      <p:sp>
+        <p:nvSpPr>
+          <p:cNvPr id="3077" name="Rectangle 15">
+            <a:extLst>
+              <a:ext uri="{FF2B5EF4-FFF2-40B4-BE49-F238E27FC236}">
+                <a16:creationId xmlns:a16="http://schemas.microsoft.com/office/drawing/2014/main" id="{28DDC781-0083-4B44-A3FB-9FF0E3B74E13}"/>
+              </a:ext>
+            </a:extLst>
+          </p:cNvPr>
+          <p:cNvSpPr>
+            <a:spLocks noChangeArrowheads="1"/>
+          </p:cNvSpPr>
+          <p:nvPr/>
+        </p:nvSpPr>
+        <p:spPr bwMode="auto">
+          <a:xfrm>
+            <a:off x="6330876" y="1168957"/>
+            <a:ext cx="4462412" cy="533400"/>
+          </a:xfrm>
+          <a:prstGeom prst="rect">
+            <a:avLst/>
+          </a:prstGeom>
+          <a:noFill/>
+          <a:ln>
+            <a:noFill/>
+          </a:ln>
+          <a:extLst>
+            <a:ext uri="{909E8E84-426E-40DD-AFC4-6F175D3DCCD1}">
+              <a14:hiddenFill xmlns:a14="http://schemas.microsoft.com/office/drawing/2010/main">
+                <a:solidFill>
+                  <a:srgbClr val="FFFFFF"/>
+                </a:solidFill>
+              </a14:hiddenFill>
+            </a:ext>
+            <a:ext uri="{91240B29-F687-4F45-9708-019B960494DF}">
+              <a14:hiddenLine xmlns:a14="http://schemas.microsoft.com/office/drawing/2010/main" w="9525">
+                <a:solidFill>
+                  <a:srgbClr val="000000"/>
+                </a:solidFill>
+                <a:miter lim="800000"/>
+                <a:headEnd/>
+                <a:tailEnd/>
+              </a14:hiddenLine>
+            </a:ext>
+          </a:extLst>
+        </p:spPr>
+        <p:txBody>
+          <a:bodyPr wrap="none" lIns="127998" tIns="63999" rIns="127998" bIns="63999" anchor="ctr"/>
+          <a:lstStyle>
+            <a:lvl1pPr defTabSz="1279525" eaLnBrk="0" hangingPunct="0">
+              <a:defRPr kumimoji="1" sz="1600">
+                <a:solidFill>
+                  <a:schemeClr val="tx1"/>
+                </a:solidFill>
+                <a:latin typeface="Times New Roman" panose="02020603050405020304" pitchFamily="18" charset="0"/>
+                <a:ea typeface="ＭＳ Ｐゴシック" panose="020B0600070205080204" pitchFamily="34" charset="-128"/>
+              </a:defRPr>
+            </a:lvl1pPr>
+            <a:lvl2pPr marL="742950" indent="-285750" defTabSz="1279525" eaLnBrk="0" hangingPunct="0">
+              <a:defRPr kumimoji="1" sz="1600">
+                <a:solidFill>
+                  <a:schemeClr val="tx1"/>
+                </a:solidFill>
+                <a:latin typeface="Times New Roman" panose="02020603050405020304" pitchFamily="18" charset="0"/>
+                <a:ea typeface="ＭＳ Ｐゴシック" panose="020B0600070205080204" pitchFamily="34" charset="-128"/>
+              </a:defRPr>
+            </a:lvl2pPr>
+            <a:lvl3pPr marL="1143000" indent="-228600" defTabSz="1279525" eaLnBrk="0" hangingPunct="0">
+              <a:defRPr kumimoji="1" sz="1600">
+                <a:solidFill>
+                  <a:schemeClr val="tx1"/>
+                </a:solidFill>
+                <a:latin typeface="Times New Roman" panose="02020603050405020304" pitchFamily="18" charset="0"/>
+                <a:ea typeface="ＭＳ Ｐゴシック" panose="020B0600070205080204" pitchFamily="34" charset="-128"/>
+              </a:defRPr>
+            </a:lvl3pPr>
+            <a:lvl4pPr marL="1600200" indent="-228600" defTabSz="1279525" eaLnBrk="0" hangingPunct="0">
+              <a:defRPr kumimoji="1" sz="1600">
+                <a:solidFill>
+                  <a:schemeClr val="tx1"/>
+                </a:solidFill>
+                <a:latin typeface="Times New Roman" panose="02020603050405020304" pitchFamily="18" charset="0"/>
+                <a:ea typeface="ＭＳ Ｐゴシック" panose="020B0600070205080204" pitchFamily="34" charset="-128"/>
+              </a:defRPr>
+            </a:lvl4pPr>
+            <a:lvl5pPr marL="2057400" indent="-228600" defTabSz="1279525" eaLnBrk="0" hangingPunct="0">
+              <a:defRPr kumimoji="1" sz="1600">
+                <a:solidFill>
+                  <a:schemeClr val="tx1"/>
+                </a:solidFill>
+                <a:latin typeface="Times New Roman" panose="02020603050405020304" pitchFamily="18" charset="0"/>
+                <a:ea typeface="ＭＳ Ｐゴシック" panose="020B0600070205080204" pitchFamily="34" charset="-128"/>
+              </a:defRPr>
+            </a:lvl5pPr>
+            <a:lvl6pPr marL="2514600" indent="-228600" defTabSz="1279525" eaLnBrk="0" fontAlgn="base" hangingPunct="0">
+              <a:spcBef>
+                <a:spcPct val="0"/>
+              </a:spcBef>
+              <a:spcAft>
+                <a:spcPct val="0"/>
+              </a:spcAft>
+              <a:defRPr kumimoji="1" sz="1600">
+                <a:solidFill>
+                  <a:schemeClr val="tx1"/>
+                </a:solidFill>
+                <a:latin typeface="Times New Roman" panose="02020603050405020304" pitchFamily="18" charset="0"/>
+                <a:ea typeface="ＭＳ Ｐゴシック" panose="020B0600070205080204" pitchFamily="34" charset="-128"/>
+              </a:defRPr>
+            </a:lvl6pPr>
+            <a:lvl7pPr marL="2971800" indent="-228600" defTabSz="1279525" eaLnBrk="0" fontAlgn="base" hangingPunct="0">
+              <a:spcBef>
+                <a:spcPct val="0"/>
+              </a:spcBef>
+              <a:spcAft>
+                <a:spcPct val="0"/>
+              </a:spcAft>
+              <a:defRPr kumimoji="1" sz="1600">
+                <a:solidFill>
+                  <a:schemeClr val="tx1"/>
+                </a:solidFill>
+                <a:latin typeface="Times New Roman" panose="02020603050405020304" pitchFamily="18" charset="0"/>
+                <a:ea typeface="ＭＳ Ｐゴシック" panose="020B0600070205080204" pitchFamily="34" charset="-128"/>
+              </a:defRPr>
+            </a:lvl7pPr>
+            <a:lvl8pPr marL="3429000" indent="-228600" defTabSz="1279525" eaLnBrk="0" fontAlgn="base" hangingPunct="0">
+              <a:spcBef>
+                <a:spcPct val="0"/>
+              </a:spcBef>
+              <a:spcAft>
+                <a:spcPct val="0"/>
+              </a:spcAft>
+              <a:defRPr kumimoji="1" sz="1600">
+                <a:solidFill>
+                  <a:schemeClr val="tx1"/>
+                </a:solidFill>
+                <a:latin typeface="Times New Roman" panose="02020603050405020304" pitchFamily="18" charset="0"/>
+                <a:ea typeface="ＭＳ Ｐゴシック" panose="020B0600070205080204" pitchFamily="34" charset="-128"/>
+              </a:defRPr>
+            </a:lvl8pPr>
+            <a:lvl9pPr marL="3886200" indent="-228600" defTabSz="1279525" eaLnBrk="0" fontAlgn="base" hangingPunct="0">
+              <a:spcBef>
+                <a:spcPct val="0"/>
+              </a:spcBef>
+              <a:spcAft>
+                <a:spcPct val="0"/>
+              </a:spcAft>
+              <a:defRPr kumimoji="1" sz="1600">
+                <a:solidFill>
+                  <a:schemeClr val="tx1"/>
+                </a:solidFill>
+                <a:latin typeface="Times New Roman" panose="02020603050405020304" pitchFamily="18" charset="0"/>
+                <a:ea typeface="ＭＳ Ｐゴシック" panose="020B0600070205080204" pitchFamily="34" charset="-128"/>
+              </a:defRPr>
+            </a:lvl9pPr>
+          </a:lstStyle>
+          <a:p>
+            <a:pPr eaLnBrk="1" hangingPunct="1"/>
+            <a:r>
+              <a:rPr lang="ja-JP" altLang="en-US" sz="2400" dirty="0">
+                <a:latin typeface="ＭＳ Ｐゴシック" panose="020B0600070205080204" pitchFamily="34" charset="-128"/>
+              </a:rPr>
+              <a:t>　　一関工業高等専門学校</a:t>
+            </a:r>
+          </a:p>
+        </p:txBody>
+      </p:sp>
+      <p:sp>
+        <p:nvSpPr>
+          <p:cNvPr id="3079" name="Rectangle 17">
+            <a:extLst>
+              <a:ext uri="{FF2B5EF4-FFF2-40B4-BE49-F238E27FC236}">
+                <a16:creationId xmlns:a16="http://schemas.microsoft.com/office/drawing/2014/main" id="{5382B293-F7D3-6840-BDDD-720EDDF9DFA7}"/>
+              </a:ext>
+            </a:extLst>
+          </p:cNvPr>
+          <p:cNvSpPr>
+            <a:spLocks noChangeArrowheads="1"/>
+          </p:cNvSpPr>
+          <p:nvPr/>
+        </p:nvSpPr>
+        <p:spPr bwMode="auto">
+          <a:xfrm>
+            <a:off x="6328791" y="336104"/>
+            <a:ext cx="1728191" cy="533400"/>
+          </a:xfrm>
+          <a:prstGeom prst="rect">
+            <a:avLst/>
+          </a:prstGeom>
+          <a:noFill/>
+          <a:ln>
+            <a:noFill/>
+          </a:ln>
+          <a:extLst>
+            <a:ext uri="{909E8E84-426E-40DD-AFC4-6F175D3DCCD1}">
+              <a14:hiddenFill xmlns:a14="http://schemas.microsoft.com/office/drawing/2010/main">
+                <a:solidFill>
+                  <a:srgbClr val="FFFFFF"/>
+                </a:solidFill>
+              </a14:hiddenFill>
+            </a:ext>
+            <a:ext uri="{91240B29-F687-4F45-9708-019B960494DF}">
+              <a14:hiddenLine xmlns:a14="http://schemas.microsoft.com/office/drawing/2010/main" w="9525">
+                <a:solidFill>
+                  <a:srgbClr val="000000"/>
+                </a:solidFill>
+                <a:miter lim="800000"/>
+                <a:headEnd/>
+                <a:tailEnd/>
+              </a14:hiddenLine>
+            </a:ext>
+          </a:extLst>
+        </p:spPr>
+        <p:txBody>
+          <a:bodyPr wrap="square" lIns="127998" tIns="63999" rIns="127998" bIns="63999" anchor="ctr"/>
+          <a:lstStyle>
+            <a:lvl1pPr defTabSz="1279525" eaLnBrk="0" hangingPunct="0">
+              <a:defRPr kumimoji="1" sz="1600">
+                <a:solidFill>
+                  <a:schemeClr val="tx1"/>
+                </a:solidFill>
+                <a:latin typeface="Times New Roman" panose="02020603050405020304" pitchFamily="18" charset="0"/>
+                <a:ea typeface="ＭＳ Ｐゴシック" panose="020B0600070205080204" pitchFamily="34" charset="-128"/>
+              </a:defRPr>
+            </a:lvl1pPr>
+            <a:lvl2pPr marL="742950" indent="-285750" defTabSz="1279525" eaLnBrk="0" hangingPunct="0">
+              <a:defRPr kumimoji="1" sz="1600">
+                <a:solidFill>
+                  <a:schemeClr val="tx1"/>
+                </a:solidFill>
+                <a:latin typeface="Times New Roman" panose="02020603050405020304" pitchFamily="18" charset="0"/>
+                <a:ea typeface="ＭＳ Ｐゴシック" panose="020B0600070205080204" pitchFamily="34" charset="-128"/>
+              </a:defRPr>
+            </a:lvl2pPr>
+            <a:lvl3pPr marL="1143000" indent="-228600" defTabSz="1279525" eaLnBrk="0" hangingPunct="0">
+              <a:defRPr kumimoji="1" sz="1600">
+                <a:solidFill>
+                  <a:schemeClr val="tx1"/>
+                </a:solidFill>
+                <a:latin typeface="Times New Roman" panose="02020603050405020304" pitchFamily="18" charset="0"/>
+                <a:ea typeface="ＭＳ Ｐゴシック" panose="020B0600070205080204" pitchFamily="34" charset="-128"/>
+              </a:defRPr>
+            </a:lvl3pPr>
+            <a:lvl4pPr marL="1600200" indent="-228600" defTabSz="1279525" eaLnBrk="0" hangingPunct="0">
+              <a:defRPr kumimoji="1" sz="1600">
+                <a:solidFill>
+                  <a:schemeClr val="tx1"/>
+                </a:solidFill>
+                <a:latin typeface="Times New Roman" panose="02020603050405020304" pitchFamily="18" charset="0"/>
+                <a:ea typeface="ＭＳ Ｐゴシック" panose="020B0600070205080204" pitchFamily="34" charset="-128"/>
+              </a:defRPr>
+            </a:lvl4pPr>
+            <a:lvl5pPr marL="2057400" indent="-228600" defTabSz="1279525" eaLnBrk="0" hangingPunct="0">
+              <a:defRPr kumimoji="1" sz="1600">
+                <a:solidFill>
+                  <a:schemeClr val="tx1"/>
+                </a:solidFill>
+                <a:latin typeface="Times New Roman" panose="02020603050405020304" pitchFamily="18" charset="0"/>
+                <a:ea typeface="ＭＳ Ｐゴシック" panose="020B0600070205080204" pitchFamily="34" charset="-128"/>
+              </a:defRPr>
+            </a:lvl5pPr>
+            <a:lvl6pPr marL="2514600" indent="-228600" defTabSz="1279525" eaLnBrk="0" fontAlgn="base" hangingPunct="0">
+              <a:spcBef>
+                <a:spcPct val="0"/>
+              </a:spcBef>
+              <a:spcAft>
+                <a:spcPct val="0"/>
+              </a:spcAft>
+              <a:defRPr kumimoji="1" sz="1600">
+                <a:solidFill>
+                  <a:schemeClr val="tx1"/>
+                </a:solidFill>
+                <a:latin typeface="Times New Roman" panose="02020603050405020304" pitchFamily="18" charset="0"/>
+                <a:ea typeface="ＭＳ Ｐゴシック" panose="020B0600070205080204" pitchFamily="34" charset="-128"/>
+              </a:defRPr>
+            </a:lvl6pPr>
+            <a:lvl7pPr marL="2971800" indent="-228600" defTabSz="1279525" eaLnBrk="0" fontAlgn="base" hangingPunct="0">
+              <a:spcBef>
+                <a:spcPct val="0"/>
+              </a:spcBef>
+              <a:spcAft>
+                <a:spcPct val="0"/>
+              </a:spcAft>
+              <a:defRPr kumimoji="1" sz="1600">
+                <a:solidFill>
+                  <a:schemeClr val="tx1"/>
+                </a:solidFill>
+                <a:latin typeface="Times New Roman" panose="02020603050405020304" pitchFamily="18" charset="0"/>
+                <a:ea typeface="ＭＳ Ｐゴシック" panose="020B0600070205080204" pitchFamily="34" charset="-128"/>
+              </a:defRPr>
+            </a:lvl7pPr>
+            <a:lvl8pPr marL="3429000" indent="-228600" defTabSz="1279525" eaLnBrk="0" fontAlgn="base" hangingPunct="0">
+              <a:spcBef>
+                <a:spcPct val="0"/>
+              </a:spcBef>
+              <a:spcAft>
+                <a:spcPct val="0"/>
+              </a:spcAft>
+              <a:defRPr kumimoji="1" sz="1600">
+                <a:solidFill>
+                  <a:schemeClr val="tx1"/>
+                </a:solidFill>
+                <a:latin typeface="Times New Roman" panose="02020603050405020304" pitchFamily="18" charset="0"/>
+                <a:ea typeface="ＭＳ Ｐゴシック" panose="020B0600070205080204" pitchFamily="34" charset="-128"/>
+              </a:defRPr>
+            </a:lvl8pPr>
+            <a:lvl9pPr marL="3886200" indent="-228600" defTabSz="1279525" eaLnBrk="0" fontAlgn="base" hangingPunct="0">
+              <a:spcBef>
+                <a:spcPct val="0"/>
+              </a:spcBef>
+              <a:spcAft>
+                <a:spcPct val="0"/>
+              </a:spcAft>
+              <a:defRPr kumimoji="1" sz="1600">
+                <a:solidFill>
+                  <a:schemeClr val="tx1"/>
+                </a:solidFill>
+                <a:latin typeface="Times New Roman" panose="02020603050405020304" pitchFamily="18" charset="0"/>
+                <a:ea typeface="ＭＳ Ｐゴシック" panose="020B0600070205080204" pitchFamily="34" charset="-128"/>
+              </a:defRPr>
+            </a:lvl9pPr>
+          </a:lstStyle>
+          <a:p>
+            <a:pPr eaLnBrk="1" hangingPunct="1"/>
+            <a:r>
+              <a:rPr lang="ja-JP" altLang="en-US" sz="2400" dirty="0">
+                <a:latin typeface="ＭＳ Ｐゴシック" panose="020B0600070205080204" pitchFamily="34" charset="-128"/>
+              </a:rPr>
+              <a:t>　東北</a:t>
+            </a:r>
+            <a:endParaRPr lang="ja-JP" altLang="en-US" sz="2400" dirty="0"/>
+          </a:p>
+        </p:txBody>
+      </p:sp>
+      <p:sp>
+        <p:nvSpPr>
+          <p:cNvPr id="3081" name="Rectangle 19">
+            <a:extLst>
+              <a:ext uri="{FF2B5EF4-FFF2-40B4-BE49-F238E27FC236}">
+                <a16:creationId xmlns:a16="http://schemas.microsoft.com/office/drawing/2014/main" id="{A4EA8F5C-B909-8246-862C-8481017987DD}"/>
+              </a:ext>
+            </a:extLst>
+          </p:cNvPr>
+          <p:cNvSpPr>
+            <a:spLocks noChangeArrowheads="1"/>
+          </p:cNvSpPr>
+          <p:nvPr/>
+        </p:nvSpPr>
+        <p:spPr bwMode="auto">
+          <a:xfrm>
+            <a:off x="8489032" y="336104"/>
+            <a:ext cx="2303462" cy="533400"/>
+          </a:xfrm>
+          <a:prstGeom prst="rect">
+            <a:avLst/>
+          </a:prstGeom>
+          <a:noFill/>
+          <a:ln>
+            <a:noFill/>
+          </a:ln>
+          <a:extLst>
+            <a:ext uri="{909E8E84-426E-40DD-AFC4-6F175D3DCCD1}">
+              <a14:hiddenFill xmlns:a14="http://schemas.microsoft.com/office/drawing/2010/main">
+                <a:solidFill>
+                  <a:srgbClr val="FFFFFF"/>
+                </a:solidFill>
+              </a14:hiddenFill>
+            </a:ext>
+            <a:ext uri="{91240B29-F687-4F45-9708-019B960494DF}">
+              <a14:hiddenLine xmlns:a14="http://schemas.microsoft.com/office/drawing/2010/main" w="9525">
+                <a:solidFill>
+                  <a:srgbClr val="000000"/>
+                </a:solidFill>
+                <a:miter lim="800000"/>
+                <a:headEnd/>
+                <a:tailEnd/>
+              </a14:hiddenLine>
+            </a:ext>
+          </a:extLst>
+        </p:spPr>
+        <p:txBody>
+          <a:bodyPr wrap="none" lIns="127998" tIns="63999" rIns="127998" bIns="63999" anchor="ctr"/>
+          <a:lstStyle>
+            <a:lvl1pPr defTabSz="1279525" eaLnBrk="0" hangingPunct="0">
+              <a:defRPr kumimoji="1" sz="1600">
+                <a:solidFill>
+                  <a:schemeClr val="tx1"/>
+                </a:solidFill>
+                <a:latin typeface="Times New Roman" panose="02020603050405020304" pitchFamily="18" charset="0"/>
+                <a:ea typeface="ＭＳ Ｐゴシック" panose="020B0600070205080204" pitchFamily="34" charset="-128"/>
+              </a:defRPr>
+            </a:lvl1pPr>
+            <a:lvl2pPr marL="742950" indent="-285750" defTabSz="1279525" eaLnBrk="0" hangingPunct="0">
+              <a:defRPr kumimoji="1" sz="1600">
+                <a:solidFill>
+                  <a:schemeClr val="tx1"/>
+                </a:solidFill>
+                <a:latin typeface="Times New Roman" panose="02020603050405020304" pitchFamily="18" charset="0"/>
+                <a:ea typeface="ＭＳ Ｐゴシック" panose="020B0600070205080204" pitchFamily="34" charset="-128"/>
+              </a:defRPr>
+            </a:lvl2pPr>
+            <a:lvl3pPr marL="1143000" indent="-228600" defTabSz="1279525" eaLnBrk="0" hangingPunct="0">
+              <a:defRPr kumimoji="1" sz="1600">
+                <a:solidFill>
+                  <a:schemeClr val="tx1"/>
+                </a:solidFill>
+                <a:latin typeface="Times New Roman" panose="02020603050405020304" pitchFamily="18" charset="0"/>
+                <a:ea typeface="ＭＳ Ｐゴシック" panose="020B0600070205080204" pitchFamily="34" charset="-128"/>
+              </a:defRPr>
+            </a:lvl3pPr>
+            <a:lvl4pPr marL="1600200" indent="-228600" defTabSz="1279525" eaLnBrk="0" hangingPunct="0">
+              <a:defRPr kumimoji="1" sz="1600">
+                <a:solidFill>
+                  <a:schemeClr val="tx1"/>
+                </a:solidFill>
+                <a:latin typeface="Times New Roman" panose="02020603050405020304" pitchFamily="18" charset="0"/>
+                <a:ea typeface="ＭＳ Ｐゴシック" panose="020B0600070205080204" pitchFamily="34" charset="-128"/>
+              </a:defRPr>
+            </a:lvl4pPr>
+            <a:lvl5pPr marL="2057400" indent="-228600" defTabSz="1279525" eaLnBrk="0" hangingPunct="0">
+              <a:defRPr kumimoji="1" sz="1600">
+                <a:solidFill>
+                  <a:schemeClr val="tx1"/>
+                </a:solidFill>
+                <a:latin typeface="Times New Roman" panose="02020603050405020304" pitchFamily="18" charset="0"/>
+                <a:ea typeface="ＭＳ Ｐゴシック" panose="020B0600070205080204" pitchFamily="34" charset="-128"/>
+              </a:defRPr>
+            </a:lvl5pPr>
+            <a:lvl6pPr marL="2514600" indent="-228600" defTabSz="1279525" eaLnBrk="0" fontAlgn="base" hangingPunct="0">
+              <a:spcBef>
+                <a:spcPct val="0"/>
+              </a:spcBef>
+              <a:spcAft>
+                <a:spcPct val="0"/>
+              </a:spcAft>
+              <a:defRPr kumimoji="1" sz="1600">
+                <a:solidFill>
+                  <a:schemeClr val="tx1"/>
+                </a:solidFill>
+                <a:latin typeface="Times New Roman" panose="02020603050405020304" pitchFamily="18" charset="0"/>
+                <a:ea typeface="ＭＳ Ｐゴシック" panose="020B0600070205080204" pitchFamily="34" charset="-128"/>
+              </a:defRPr>
+            </a:lvl6pPr>
+            <a:lvl7pPr marL="2971800" indent="-228600" defTabSz="1279525" eaLnBrk="0" fontAlgn="base" hangingPunct="0">
+              <a:spcBef>
+                <a:spcPct val="0"/>
+              </a:spcBef>
+              <a:spcAft>
+                <a:spcPct val="0"/>
+              </a:spcAft>
+              <a:defRPr kumimoji="1" sz="1600">
+                <a:solidFill>
+                  <a:schemeClr val="tx1"/>
+                </a:solidFill>
+                <a:latin typeface="Times New Roman" panose="02020603050405020304" pitchFamily="18" charset="0"/>
+                <a:ea typeface="ＭＳ Ｐゴシック" panose="020B0600070205080204" pitchFamily="34" charset="-128"/>
+              </a:defRPr>
+            </a:lvl7pPr>
+            <a:lvl8pPr marL="3429000" indent="-228600" defTabSz="1279525" eaLnBrk="0" fontAlgn="base" hangingPunct="0">
+              <a:spcBef>
+                <a:spcPct val="0"/>
+              </a:spcBef>
+              <a:spcAft>
+                <a:spcPct val="0"/>
+              </a:spcAft>
+              <a:defRPr kumimoji="1" sz="1600">
+                <a:solidFill>
+                  <a:schemeClr val="tx1"/>
+                </a:solidFill>
+                <a:latin typeface="Times New Roman" panose="02020603050405020304" pitchFamily="18" charset="0"/>
+                <a:ea typeface="ＭＳ Ｐゴシック" panose="020B0600070205080204" pitchFamily="34" charset="-128"/>
+              </a:defRPr>
+            </a:lvl8pPr>
+            <a:lvl9pPr marL="3886200" indent="-228600" defTabSz="1279525" eaLnBrk="0" fontAlgn="base" hangingPunct="0">
+              <a:spcBef>
+                <a:spcPct val="0"/>
+              </a:spcBef>
+              <a:spcAft>
+                <a:spcPct val="0"/>
+              </a:spcAft>
+              <a:defRPr kumimoji="1" sz="1600">
+                <a:solidFill>
+                  <a:schemeClr val="tx1"/>
+                </a:solidFill>
+                <a:latin typeface="Times New Roman" panose="02020603050405020304" pitchFamily="18" charset="0"/>
+                <a:ea typeface="ＭＳ Ｐゴシック" panose="020B0600070205080204" pitchFamily="34" charset="-128"/>
+              </a:defRPr>
+            </a:lvl9pPr>
+          </a:lstStyle>
+          <a:p>
+            <a:pPr eaLnBrk="1" hangingPunct="1"/>
+            <a:r>
+              <a:rPr lang="ja-JP" altLang="en-US" sz="2400" dirty="0">
+                <a:latin typeface="ＭＳ Ｐゴシック" panose="020B0600070205080204" pitchFamily="34" charset="-128"/>
+              </a:rPr>
+              <a:t>岩手県一関市</a:t>
+            </a:r>
+            <a:endParaRPr lang="ja-JP" altLang="en-US" sz="2400" dirty="0"/>
+          </a:p>
+        </p:txBody>
+      </p:sp>
+      <p:sp>
+        <p:nvSpPr>
+          <p:cNvPr id="3082" name="Rectangle 20">
+            <a:extLst>
+              <a:ext uri="{FF2B5EF4-FFF2-40B4-BE49-F238E27FC236}">
+                <a16:creationId xmlns:a16="http://schemas.microsoft.com/office/drawing/2014/main" id="{88BB8863-1101-664A-A3BB-4EDEC868681D}"/>
+              </a:ext>
+            </a:extLst>
+          </p:cNvPr>
+          <p:cNvSpPr>
+            <a:spLocks noChangeArrowheads="1"/>
+          </p:cNvSpPr>
+          <p:nvPr/>
+        </p:nvSpPr>
+        <p:spPr bwMode="auto">
+          <a:xfrm>
+            <a:off x="3017144" y="1200200"/>
+            <a:ext cx="2015504" cy="444500"/>
+          </a:xfrm>
+          <a:prstGeom prst="rect">
+            <a:avLst/>
+          </a:prstGeom>
+          <a:noFill/>
+          <a:ln>
+            <a:noFill/>
+          </a:ln>
+          <a:extLst>
+            <a:ext uri="{909E8E84-426E-40DD-AFC4-6F175D3DCCD1}">
+              <a14:hiddenFill xmlns:a14="http://schemas.microsoft.com/office/drawing/2010/main">
+                <a:solidFill>
+                  <a:srgbClr val="FFFFFF"/>
+                </a:solidFill>
+              </a14:hiddenFill>
+            </a:ext>
+            <a:ext uri="{91240B29-F687-4F45-9708-019B960494DF}">
+              <a14:hiddenLine xmlns:a14="http://schemas.microsoft.com/office/drawing/2010/main" w="9525">
+                <a:solidFill>
+                  <a:srgbClr val="000000"/>
+                </a:solidFill>
+                <a:miter lim="800000"/>
+                <a:headEnd/>
+                <a:tailEnd/>
+              </a14:hiddenLine>
+            </a:ext>
+          </a:extLst>
+        </p:spPr>
+        <p:txBody>
+          <a:bodyPr wrap="none" lIns="127998" tIns="63999" rIns="127998" bIns="63999" anchor="ctr"/>
+          <a:lstStyle>
+            <a:lvl1pPr defTabSz="1279525" eaLnBrk="0" hangingPunct="0">
+              <a:defRPr kumimoji="1" sz="1600">
+                <a:solidFill>
+                  <a:schemeClr val="tx1"/>
+                </a:solidFill>
+                <a:latin typeface="Times New Roman" panose="02020603050405020304" pitchFamily="18" charset="0"/>
+                <a:ea typeface="ＭＳ Ｐゴシック" panose="020B0600070205080204" pitchFamily="34" charset="-128"/>
+              </a:defRPr>
+            </a:lvl1pPr>
+            <a:lvl2pPr marL="742950" indent="-285750" defTabSz="1279525" eaLnBrk="0" hangingPunct="0">
+              <a:defRPr kumimoji="1" sz="1600">
+                <a:solidFill>
+                  <a:schemeClr val="tx1"/>
+                </a:solidFill>
+                <a:latin typeface="Times New Roman" panose="02020603050405020304" pitchFamily="18" charset="0"/>
+                <a:ea typeface="ＭＳ Ｐゴシック" panose="020B0600070205080204" pitchFamily="34" charset="-128"/>
+              </a:defRPr>
+            </a:lvl2pPr>
+            <a:lvl3pPr marL="1143000" indent="-228600" defTabSz="1279525" eaLnBrk="0" hangingPunct="0">
+              <a:defRPr kumimoji="1" sz="1600">
+                <a:solidFill>
+                  <a:schemeClr val="tx1"/>
+                </a:solidFill>
+                <a:latin typeface="Times New Roman" panose="02020603050405020304" pitchFamily="18" charset="0"/>
+                <a:ea typeface="ＭＳ Ｐゴシック" panose="020B0600070205080204" pitchFamily="34" charset="-128"/>
+              </a:defRPr>
+            </a:lvl3pPr>
+            <a:lvl4pPr marL="1600200" indent="-228600" defTabSz="1279525" eaLnBrk="0" hangingPunct="0">
+              <a:defRPr kumimoji="1" sz="1600">
+                <a:solidFill>
+                  <a:schemeClr val="tx1"/>
+                </a:solidFill>
+                <a:latin typeface="Times New Roman" panose="02020603050405020304" pitchFamily="18" charset="0"/>
+                <a:ea typeface="ＭＳ Ｐゴシック" panose="020B0600070205080204" pitchFamily="34" charset="-128"/>
+              </a:defRPr>
+            </a:lvl4pPr>
+            <a:lvl5pPr marL="2057400" indent="-228600" defTabSz="1279525" eaLnBrk="0" hangingPunct="0">
+              <a:defRPr kumimoji="1" sz="1600">
+                <a:solidFill>
+                  <a:schemeClr val="tx1"/>
+                </a:solidFill>
+                <a:latin typeface="Times New Roman" panose="02020603050405020304" pitchFamily="18" charset="0"/>
+                <a:ea typeface="ＭＳ Ｐゴシック" panose="020B0600070205080204" pitchFamily="34" charset="-128"/>
+              </a:defRPr>
+            </a:lvl5pPr>
+            <a:lvl6pPr marL="2514600" indent="-228600" defTabSz="1279525" eaLnBrk="0" fontAlgn="base" hangingPunct="0">
+              <a:spcBef>
+                <a:spcPct val="0"/>
+              </a:spcBef>
+              <a:spcAft>
+                <a:spcPct val="0"/>
+              </a:spcAft>
+              <a:defRPr kumimoji="1" sz="1600">
+                <a:solidFill>
+                  <a:schemeClr val="tx1"/>
+                </a:solidFill>
+                <a:latin typeface="Times New Roman" panose="02020603050405020304" pitchFamily="18" charset="0"/>
+                <a:ea typeface="ＭＳ Ｐゴシック" panose="020B0600070205080204" pitchFamily="34" charset="-128"/>
+              </a:defRPr>
+            </a:lvl6pPr>
+            <a:lvl7pPr marL="2971800" indent="-228600" defTabSz="1279525" eaLnBrk="0" fontAlgn="base" hangingPunct="0">
+              <a:spcBef>
+                <a:spcPct val="0"/>
+              </a:spcBef>
+              <a:spcAft>
+                <a:spcPct val="0"/>
+              </a:spcAft>
+              <a:defRPr kumimoji="1" sz="1600">
+                <a:solidFill>
+                  <a:schemeClr val="tx1"/>
+                </a:solidFill>
+                <a:latin typeface="Times New Roman" panose="02020603050405020304" pitchFamily="18" charset="0"/>
+                <a:ea typeface="ＭＳ Ｐゴシック" panose="020B0600070205080204" pitchFamily="34" charset="-128"/>
+              </a:defRPr>
+            </a:lvl7pPr>
+            <a:lvl8pPr marL="3429000" indent="-228600" defTabSz="1279525" eaLnBrk="0" fontAlgn="base" hangingPunct="0">
+              <a:spcBef>
+                <a:spcPct val="0"/>
+              </a:spcBef>
+              <a:spcAft>
+                <a:spcPct val="0"/>
+              </a:spcAft>
+              <a:defRPr kumimoji="1" sz="1600">
+                <a:solidFill>
+                  <a:schemeClr val="tx1"/>
+                </a:solidFill>
+                <a:latin typeface="Times New Roman" panose="02020603050405020304" pitchFamily="18" charset="0"/>
+                <a:ea typeface="ＭＳ Ｐゴシック" panose="020B0600070205080204" pitchFamily="34" charset="-128"/>
+              </a:defRPr>
+            </a:lvl8pPr>
+            <a:lvl9pPr marL="3886200" indent="-228600" defTabSz="1279525" eaLnBrk="0" fontAlgn="base" hangingPunct="0">
+              <a:spcBef>
+                <a:spcPct val="0"/>
+              </a:spcBef>
+              <a:spcAft>
+                <a:spcPct val="0"/>
+              </a:spcAft>
+              <a:defRPr kumimoji="1" sz="1600">
+                <a:solidFill>
+                  <a:schemeClr val="tx1"/>
+                </a:solidFill>
+                <a:latin typeface="Times New Roman" panose="02020603050405020304" pitchFamily="18" charset="0"/>
+                <a:ea typeface="ＭＳ Ｐゴシック" panose="020B0600070205080204" pitchFamily="34" charset="-128"/>
+              </a:defRPr>
+            </a:lvl9pPr>
+          </a:lstStyle>
+          <a:p>
+            <a:pPr eaLnBrk="1" hangingPunct="1"/>
+            <a:r>
+              <a:rPr lang="en-US" altLang="ja-JP" sz="2400" dirty="0" err="1">
+                <a:solidFill>
+                  <a:prstClr val="black"/>
+                </a:solidFill>
+                <a:latin typeface="HG丸ｺﾞｼｯｸM-PRO" panose="020F0600000000000000" pitchFamily="50" charset="-128"/>
+                <a:ea typeface="HG丸ｺﾞｼｯｸM-PRO" panose="020F0600000000000000" pitchFamily="50" charset="-128"/>
+              </a:rPr>
+              <a:t>teamNITIC</a:t>
+            </a:r>
+            <a:endParaRPr lang="en-US" altLang="ja-JP" sz="3600" dirty="0"/>
+          </a:p>
+        </p:txBody>
+      </p:sp>
+      <p:sp>
+        <p:nvSpPr>
+          <p:cNvPr id="10" name="Rectangle 4">
+            <a:extLst>
+              <a:ext uri="{FF2B5EF4-FFF2-40B4-BE49-F238E27FC236}">
+                <a16:creationId xmlns:a16="http://schemas.microsoft.com/office/drawing/2014/main" id="{3A027A30-C9DB-489E-84A9-224A19E472A9}"/>
+              </a:ext>
+            </a:extLst>
+          </p:cNvPr>
+          <p:cNvSpPr>
+            <a:spLocks noChangeArrowheads="1"/>
+          </p:cNvSpPr>
+          <p:nvPr/>
+        </p:nvSpPr>
+        <p:spPr bwMode="auto">
+          <a:xfrm>
+            <a:off x="6400800" y="1839142"/>
+            <a:ext cx="6189062" cy="7497962"/>
+          </a:xfrm>
+          <a:prstGeom prst="rect">
+            <a:avLst/>
+          </a:prstGeom>
+          <a:noFill/>
+          <a:ln w="9525">
+            <a:solidFill>
+              <a:schemeClr val="accent6">
+                <a:lumMod val="75000"/>
+              </a:schemeClr>
+            </a:solidFill>
+            <a:miter lim="800000"/>
+            <a:headEnd/>
+            <a:tailEnd/>
+          </a:ln>
+          <a:extLst>
+            <a:ext uri="{909E8E84-426E-40DD-AFC4-6F175D3DCCD1}">
+              <a14:hiddenFill xmlns:a14="http://schemas.microsoft.com/office/drawing/2010/main">
+                <a:solidFill>
+                  <a:srgbClr val="FFFFFF"/>
+                </a:solidFill>
+              </a14:hiddenFill>
+            </a:ext>
+          </a:extLst>
+        </p:spPr>
+        <p:txBody>
+          <a:bodyPr lIns="108376" tIns="54188" rIns="108376" bIns="54188"/>
+          <a:lstStyle>
+            <a:lvl1pPr marL="481013" indent="-481013" defTabSz="1279525" eaLnBrk="0" hangingPunct="0">
+              <a:defRPr kumimoji="1" sz="1600">
+                <a:solidFill>
+                  <a:schemeClr val="tx1"/>
+                </a:solidFill>
+                <a:latin typeface="Times New Roman" panose="02020603050405020304" pitchFamily="18" charset="0"/>
+                <a:ea typeface="ＭＳ Ｐゴシック" panose="020B0600070205080204" pitchFamily="34" charset="-128"/>
+              </a:defRPr>
+            </a:lvl1pPr>
+            <a:lvl2pPr marL="742950" indent="-285750" defTabSz="1279525" eaLnBrk="0" hangingPunct="0">
+              <a:defRPr kumimoji="1" sz="1600">
+                <a:solidFill>
+                  <a:schemeClr val="tx1"/>
+                </a:solidFill>
+                <a:latin typeface="Times New Roman" panose="02020603050405020304" pitchFamily="18" charset="0"/>
+                <a:ea typeface="ＭＳ Ｐゴシック" panose="020B0600070205080204" pitchFamily="34" charset="-128"/>
+              </a:defRPr>
+            </a:lvl2pPr>
+            <a:lvl3pPr marL="1143000" indent="-228600" defTabSz="1279525" eaLnBrk="0" hangingPunct="0">
+              <a:defRPr kumimoji="1" sz="1600">
+                <a:solidFill>
+                  <a:schemeClr val="tx1"/>
+                </a:solidFill>
+                <a:latin typeface="Times New Roman" panose="02020603050405020304" pitchFamily="18" charset="0"/>
+                <a:ea typeface="ＭＳ Ｐゴシック" panose="020B0600070205080204" pitchFamily="34" charset="-128"/>
+              </a:defRPr>
+            </a:lvl3pPr>
+            <a:lvl4pPr marL="1600200" indent="-228600" defTabSz="1279525" eaLnBrk="0" hangingPunct="0">
+              <a:defRPr kumimoji="1" sz="1600">
+                <a:solidFill>
+                  <a:schemeClr val="tx1"/>
+                </a:solidFill>
+                <a:latin typeface="Times New Roman" panose="02020603050405020304" pitchFamily="18" charset="0"/>
+                <a:ea typeface="ＭＳ Ｐゴシック" panose="020B0600070205080204" pitchFamily="34" charset="-128"/>
+              </a:defRPr>
+            </a:lvl4pPr>
+            <a:lvl5pPr marL="2057400" indent="-228600" defTabSz="1279525" eaLnBrk="0" hangingPunct="0">
+              <a:defRPr kumimoji="1" sz="1600">
+                <a:solidFill>
+                  <a:schemeClr val="tx1"/>
+                </a:solidFill>
+                <a:latin typeface="Times New Roman" panose="02020603050405020304" pitchFamily="18" charset="0"/>
+                <a:ea typeface="ＭＳ Ｐゴシック" panose="020B0600070205080204" pitchFamily="34" charset="-128"/>
+              </a:defRPr>
+            </a:lvl5pPr>
+            <a:lvl6pPr marL="2514600" indent="-228600" defTabSz="1279525" eaLnBrk="0" fontAlgn="base" hangingPunct="0">
+              <a:spcBef>
+                <a:spcPct val="0"/>
+              </a:spcBef>
+              <a:spcAft>
+                <a:spcPct val="0"/>
+              </a:spcAft>
+              <a:defRPr kumimoji="1" sz="1600">
+                <a:solidFill>
+                  <a:schemeClr val="tx1"/>
+                </a:solidFill>
+                <a:latin typeface="Times New Roman" panose="02020603050405020304" pitchFamily="18" charset="0"/>
+                <a:ea typeface="ＭＳ Ｐゴシック" panose="020B0600070205080204" pitchFamily="34" charset="-128"/>
+              </a:defRPr>
+            </a:lvl6pPr>
+            <a:lvl7pPr marL="2971800" indent="-228600" defTabSz="1279525" eaLnBrk="0" fontAlgn="base" hangingPunct="0">
+              <a:spcBef>
+                <a:spcPct val="0"/>
+              </a:spcBef>
+              <a:spcAft>
+                <a:spcPct val="0"/>
+              </a:spcAft>
+              <a:defRPr kumimoji="1" sz="1600">
+                <a:solidFill>
+                  <a:schemeClr val="tx1"/>
+                </a:solidFill>
+                <a:latin typeface="Times New Roman" panose="02020603050405020304" pitchFamily="18" charset="0"/>
+                <a:ea typeface="ＭＳ Ｐゴシック" panose="020B0600070205080204" pitchFamily="34" charset="-128"/>
+              </a:defRPr>
+            </a:lvl7pPr>
+            <a:lvl8pPr marL="3429000" indent="-228600" defTabSz="1279525" eaLnBrk="0" fontAlgn="base" hangingPunct="0">
+              <a:spcBef>
+                <a:spcPct val="0"/>
+              </a:spcBef>
+              <a:spcAft>
+                <a:spcPct val="0"/>
+              </a:spcAft>
+              <a:defRPr kumimoji="1" sz="1600">
+                <a:solidFill>
+                  <a:schemeClr val="tx1"/>
+                </a:solidFill>
+                <a:latin typeface="Times New Roman" panose="02020603050405020304" pitchFamily="18" charset="0"/>
+                <a:ea typeface="ＭＳ Ｐゴシック" panose="020B0600070205080204" pitchFamily="34" charset="-128"/>
+              </a:defRPr>
+            </a:lvl8pPr>
+            <a:lvl9pPr marL="3886200" indent="-228600" defTabSz="1279525" eaLnBrk="0" fontAlgn="base" hangingPunct="0">
+              <a:spcBef>
+                <a:spcPct val="0"/>
+              </a:spcBef>
+              <a:spcAft>
+                <a:spcPct val="0"/>
+              </a:spcAft>
+              <a:defRPr kumimoji="1" sz="1600">
+                <a:solidFill>
+                  <a:schemeClr val="tx1"/>
+                </a:solidFill>
+                <a:latin typeface="Times New Roman" panose="02020603050405020304" pitchFamily="18" charset="0"/>
+                <a:ea typeface="ＭＳ Ｐゴシック" panose="020B0600070205080204" pitchFamily="34" charset="-128"/>
+              </a:defRPr>
+            </a:lvl9pPr>
+          </a:lstStyle>
+          <a:p>
+            <a:pPr eaLnBrk="1" hangingPunct="1">
+              <a:lnSpc>
+                <a:spcPct val="80000"/>
+              </a:lnSpc>
+              <a:spcBef>
+                <a:spcPct val="20000"/>
+              </a:spcBef>
+            </a:pPr>
+            <a:r>
+              <a:rPr lang="ja-JP" altLang="en-US" sz="1947" b="1" dirty="0">
+                <a:solidFill>
+                  <a:srgbClr val="FF0000"/>
+                </a:solidFill>
+              </a:rPr>
+              <a:t>モデルの構成</a:t>
+            </a:r>
+            <a:endParaRPr lang="en-US" altLang="ja-JP" sz="1947" b="1" dirty="0">
+              <a:solidFill>
+                <a:srgbClr val="FF0000"/>
+              </a:solidFill>
+            </a:endParaRPr>
+          </a:p>
+        </p:txBody>
+      </p:sp>
+      <p:sp>
+        <p:nvSpPr>
+          <p:cNvPr id="11" name="Rectangle 3">
+            <a:extLst>
+              <a:ext uri="{FF2B5EF4-FFF2-40B4-BE49-F238E27FC236}">
+                <a16:creationId xmlns:a16="http://schemas.microsoft.com/office/drawing/2014/main" id="{1AB85E6D-E200-4D0E-A670-B9BEB009D762}"/>
+              </a:ext>
+            </a:extLst>
+          </p:cNvPr>
+          <p:cNvSpPr>
+            <a:spLocks noChangeArrowheads="1"/>
+          </p:cNvSpPr>
+          <p:nvPr/>
+        </p:nvSpPr>
+        <p:spPr bwMode="auto">
+          <a:xfrm>
+            <a:off x="208112" y="1839142"/>
+            <a:ext cx="5976664" cy="3420000"/>
+          </a:xfrm>
+          <a:prstGeom prst="rect">
+            <a:avLst/>
+          </a:prstGeom>
+          <a:noFill/>
+          <a:ln w="9525">
+            <a:solidFill>
+              <a:schemeClr val="accent6">
+                <a:lumMod val="75000"/>
+              </a:schemeClr>
+            </a:solidFill>
+            <a:miter lim="800000"/>
+            <a:headEnd/>
+            <a:tailEnd/>
+          </a:ln>
+          <a:extLst>
+            <a:ext uri="{909E8E84-426E-40DD-AFC4-6F175D3DCCD1}">
+              <a14:hiddenFill xmlns:a14="http://schemas.microsoft.com/office/drawing/2010/main">
+                <a:solidFill>
+                  <a:srgbClr val="FFFFFF"/>
+                </a:solidFill>
+              </a14:hiddenFill>
+            </a:ext>
+          </a:extLst>
+        </p:spPr>
+        <p:txBody>
+          <a:bodyPr lIns="108376" tIns="54188" rIns="108376" bIns="54188"/>
+          <a:lstStyle>
+            <a:lvl1pPr marL="481013" indent="-481013" defTabSz="1279525" eaLnBrk="0" hangingPunct="0">
+              <a:defRPr kumimoji="1" sz="1600">
+                <a:solidFill>
+                  <a:schemeClr val="tx1"/>
+                </a:solidFill>
+                <a:latin typeface="Times New Roman" panose="02020603050405020304" pitchFamily="18" charset="0"/>
+                <a:ea typeface="ＭＳ Ｐゴシック" panose="020B0600070205080204" pitchFamily="34" charset="-128"/>
+              </a:defRPr>
+            </a:lvl1pPr>
+            <a:lvl2pPr marL="742950" indent="-285750" defTabSz="1279525" eaLnBrk="0" hangingPunct="0">
+              <a:defRPr kumimoji="1" sz="1600">
+                <a:solidFill>
+                  <a:schemeClr val="tx1"/>
+                </a:solidFill>
+                <a:latin typeface="Times New Roman" panose="02020603050405020304" pitchFamily="18" charset="0"/>
+                <a:ea typeface="ＭＳ Ｐゴシック" panose="020B0600070205080204" pitchFamily="34" charset="-128"/>
+              </a:defRPr>
+            </a:lvl2pPr>
+            <a:lvl3pPr marL="1143000" indent="-228600" defTabSz="1279525" eaLnBrk="0" hangingPunct="0">
+              <a:defRPr kumimoji="1" sz="1600">
+                <a:solidFill>
+                  <a:schemeClr val="tx1"/>
+                </a:solidFill>
+                <a:latin typeface="Times New Roman" panose="02020603050405020304" pitchFamily="18" charset="0"/>
+                <a:ea typeface="ＭＳ Ｐゴシック" panose="020B0600070205080204" pitchFamily="34" charset="-128"/>
+              </a:defRPr>
+            </a:lvl3pPr>
+            <a:lvl4pPr marL="1600200" indent="-228600" defTabSz="1279525" eaLnBrk="0" hangingPunct="0">
+              <a:defRPr kumimoji="1" sz="1600">
+                <a:solidFill>
+                  <a:schemeClr val="tx1"/>
+                </a:solidFill>
+                <a:latin typeface="Times New Roman" panose="02020603050405020304" pitchFamily="18" charset="0"/>
+                <a:ea typeface="ＭＳ Ｐゴシック" panose="020B0600070205080204" pitchFamily="34" charset="-128"/>
+              </a:defRPr>
+            </a:lvl4pPr>
+            <a:lvl5pPr marL="2057400" indent="-228600" defTabSz="1279525" eaLnBrk="0" hangingPunct="0">
+              <a:defRPr kumimoji="1" sz="1600">
+                <a:solidFill>
+                  <a:schemeClr val="tx1"/>
+                </a:solidFill>
+                <a:latin typeface="Times New Roman" panose="02020603050405020304" pitchFamily="18" charset="0"/>
+                <a:ea typeface="ＭＳ Ｐゴシック" panose="020B0600070205080204" pitchFamily="34" charset="-128"/>
+              </a:defRPr>
+            </a:lvl5pPr>
+            <a:lvl6pPr marL="2514600" indent="-228600" defTabSz="1279525" eaLnBrk="0" fontAlgn="base" hangingPunct="0">
+              <a:spcBef>
+                <a:spcPct val="0"/>
+              </a:spcBef>
+              <a:spcAft>
+                <a:spcPct val="0"/>
+              </a:spcAft>
+              <a:defRPr kumimoji="1" sz="1600">
+                <a:solidFill>
+                  <a:schemeClr val="tx1"/>
+                </a:solidFill>
+                <a:latin typeface="Times New Roman" panose="02020603050405020304" pitchFamily="18" charset="0"/>
+                <a:ea typeface="ＭＳ Ｐゴシック" panose="020B0600070205080204" pitchFamily="34" charset="-128"/>
+              </a:defRPr>
+            </a:lvl6pPr>
+            <a:lvl7pPr marL="2971800" indent="-228600" defTabSz="1279525" eaLnBrk="0" fontAlgn="base" hangingPunct="0">
+              <a:spcBef>
+                <a:spcPct val="0"/>
+              </a:spcBef>
+              <a:spcAft>
+                <a:spcPct val="0"/>
+              </a:spcAft>
+              <a:defRPr kumimoji="1" sz="1600">
+                <a:solidFill>
+                  <a:schemeClr val="tx1"/>
+                </a:solidFill>
+                <a:latin typeface="Times New Roman" panose="02020603050405020304" pitchFamily="18" charset="0"/>
+                <a:ea typeface="ＭＳ Ｐゴシック" panose="020B0600070205080204" pitchFamily="34" charset="-128"/>
+              </a:defRPr>
+            </a:lvl7pPr>
+            <a:lvl8pPr marL="3429000" indent="-228600" defTabSz="1279525" eaLnBrk="0" fontAlgn="base" hangingPunct="0">
+              <a:spcBef>
+                <a:spcPct val="0"/>
+              </a:spcBef>
+              <a:spcAft>
+                <a:spcPct val="0"/>
+              </a:spcAft>
+              <a:defRPr kumimoji="1" sz="1600">
+                <a:solidFill>
+                  <a:schemeClr val="tx1"/>
+                </a:solidFill>
+                <a:latin typeface="Times New Roman" panose="02020603050405020304" pitchFamily="18" charset="0"/>
+                <a:ea typeface="ＭＳ Ｐゴシック" panose="020B0600070205080204" pitchFamily="34" charset="-128"/>
+              </a:defRPr>
+            </a:lvl8pPr>
+            <a:lvl9pPr marL="3886200" indent="-228600" defTabSz="1279525" eaLnBrk="0" fontAlgn="base" hangingPunct="0">
+              <a:spcBef>
+                <a:spcPct val="0"/>
+              </a:spcBef>
+              <a:spcAft>
+                <a:spcPct val="0"/>
+              </a:spcAft>
+              <a:defRPr kumimoji="1" sz="1600">
+                <a:solidFill>
+                  <a:schemeClr val="tx1"/>
+                </a:solidFill>
+                <a:latin typeface="Times New Roman" panose="02020603050405020304" pitchFamily="18" charset="0"/>
+                <a:ea typeface="ＭＳ Ｐゴシック" panose="020B0600070205080204" pitchFamily="34" charset="-128"/>
+              </a:defRPr>
+            </a:lvl9pPr>
+          </a:lstStyle>
+          <a:p>
+            <a:pPr eaLnBrk="1" hangingPunct="1">
+              <a:lnSpc>
+                <a:spcPct val="80000"/>
+              </a:lnSpc>
+              <a:spcBef>
+                <a:spcPct val="20000"/>
+              </a:spcBef>
+            </a:pPr>
+            <a:r>
+              <a:rPr lang="ja-JP" altLang="en-US" sz="1947" b="1" dirty="0"/>
+              <a:t>チーム紹介、目標、意気込み</a:t>
+            </a:r>
+            <a:endParaRPr lang="ja-JP" altLang="en-US" dirty="0"/>
+          </a:p>
+          <a:p>
+            <a:pPr marL="0" indent="0"/>
+            <a:r>
+              <a:rPr lang="ja-JP" altLang="en-US" sz="1800" dirty="0">
+                <a:latin typeface="メイリオ" panose="020B0604030504040204" pitchFamily="50" charset="-128"/>
+                <a:ea typeface="メイリオ" panose="020B0604030504040204" pitchFamily="50" charset="-128"/>
+              </a:rPr>
+              <a:t>私達</a:t>
+            </a:r>
+            <a:r>
+              <a:rPr lang="en-US" altLang="ja-JP" sz="1800" dirty="0" err="1">
+                <a:latin typeface="メイリオ" panose="020B0604030504040204" pitchFamily="50" charset="-128"/>
+                <a:ea typeface="メイリオ" panose="020B0604030504040204" pitchFamily="50" charset="-128"/>
+              </a:rPr>
+              <a:t>teamNITIC</a:t>
+            </a:r>
+            <a:r>
+              <a:rPr lang="ja-JP" altLang="en-US" sz="1800" dirty="0">
+                <a:latin typeface="メイリオ" panose="020B0604030504040204" pitchFamily="50" charset="-128"/>
+                <a:ea typeface="メイリオ" panose="020B0604030504040204" pitchFamily="50" charset="-128"/>
+              </a:rPr>
+              <a:t>は一関高専の二年生一人、四年生一人、五年生六人で構成されており、一関高専としての参加は二年目ですが、メンバーは一新され、みなが初挑戦となる出場です。</a:t>
+            </a:r>
+          </a:p>
+          <a:p>
+            <a:pPr marL="0" indent="0"/>
+            <a:r>
+              <a:rPr lang="ja-JP" altLang="en-US" sz="1800" dirty="0">
+                <a:latin typeface="メイリオ" panose="020B0604030504040204" pitchFamily="50" charset="-128"/>
+                <a:ea typeface="メイリオ" panose="020B0604030504040204" pitchFamily="50" charset="-128"/>
+              </a:rPr>
+              <a:t>高専で学習したモデリングやプログラミングを用いコースの完走と課題のクリアを行い</a:t>
+            </a:r>
+            <a:r>
+              <a:rPr lang="en-US" altLang="ja-JP" sz="1800" dirty="0">
+                <a:latin typeface="メイリオ" panose="020B0604030504040204" pitchFamily="50" charset="-128"/>
+                <a:ea typeface="メイリオ" panose="020B0604030504040204" pitchFamily="50" charset="-128"/>
+              </a:rPr>
+              <a:t>CS</a:t>
+            </a:r>
+            <a:r>
+              <a:rPr lang="ja-JP" altLang="en-US" sz="1800" dirty="0">
+                <a:latin typeface="メイリオ" panose="020B0604030504040204" pitchFamily="50" charset="-128"/>
+                <a:ea typeface="メイリオ" panose="020B0604030504040204" pitchFamily="50" charset="-128"/>
+              </a:rPr>
+              <a:t>大会へ出場し、表彰台に立つことが目標です！</a:t>
+            </a:r>
+          </a:p>
+          <a:p>
+            <a:pPr marL="0" indent="0"/>
+            <a:r>
+              <a:rPr lang="ja-JP" altLang="en-US" sz="1800" dirty="0">
+                <a:latin typeface="メイリオ" panose="020B0604030504040204" pitchFamily="50" charset="-128"/>
+                <a:ea typeface="メイリオ" panose="020B0604030504040204" pitchFamily="50" charset="-128"/>
+              </a:rPr>
+              <a:t>試走会での走行の様子はコチラ！！</a:t>
+            </a:r>
+            <a:endParaRPr lang="en-US" altLang="ja-JP" sz="1800" dirty="0">
+              <a:latin typeface="メイリオ" panose="020B0604030504040204" pitchFamily="50" charset="-128"/>
+              <a:ea typeface="メイリオ" panose="020B0604030504040204" pitchFamily="50" charset="-128"/>
+            </a:endParaRPr>
+          </a:p>
+        </p:txBody>
+      </p:sp>
+      <p:sp>
+        <p:nvSpPr>
+          <p:cNvPr id="12" name="Rectangle 3">
+            <a:extLst>
+              <a:ext uri="{FF2B5EF4-FFF2-40B4-BE49-F238E27FC236}">
+                <a16:creationId xmlns:a16="http://schemas.microsoft.com/office/drawing/2014/main" id="{687A221C-737B-4A73-B53A-5BB71A1A9081}"/>
+              </a:ext>
+            </a:extLst>
+          </p:cNvPr>
+          <p:cNvSpPr>
+            <a:spLocks noChangeArrowheads="1"/>
+          </p:cNvSpPr>
+          <p:nvPr/>
+        </p:nvSpPr>
+        <p:spPr bwMode="auto">
+          <a:xfrm>
+            <a:off x="211738" y="5436692"/>
+            <a:ext cx="5973038" cy="3900412"/>
+          </a:xfrm>
+          <a:prstGeom prst="rect">
+            <a:avLst/>
+          </a:prstGeom>
+          <a:noFill/>
+          <a:ln w="9525">
+            <a:solidFill>
+              <a:schemeClr val="accent6">
+                <a:lumMod val="75000"/>
+              </a:schemeClr>
+            </a:solidFill>
+            <a:miter lim="800000"/>
+            <a:headEnd/>
+            <a:tailEnd/>
+          </a:ln>
+          <a:extLst>
+            <a:ext uri="{909E8E84-426E-40DD-AFC4-6F175D3DCCD1}">
+              <a14:hiddenFill xmlns:a14="http://schemas.microsoft.com/office/drawing/2010/main">
+                <a:solidFill>
+                  <a:srgbClr val="FFFFFF"/>
+                </a:solidFill>
+              </a14:hiddenFill>
+            </a:ext>
+          </a:extLst>
+        </p:spPr>
+        <p:txBody>
+          <a:bodyPr lIns="108376" tIns="54188" rIns="108376" bIns="54188"/>
+          <a:lstStyle>
+            <a:lvl1pPr marL="481013" indent="-481013" defTabSz="1279525" eaLnBrk="0" hangingPunct="0">
+              <a:defRPr kumimoji="1" sz="1600">
+                <a:solidFill>
+                  <a:schemeClr val="tx1"/>
+                </a:solidFill>
+                <a:latin typeface="Times New Roman" panose="02020603050405020304" pitchFamily="18" charset="0"/>
+                <a:ea typeface="ＭＳ Ｐゴシック" panose="020B0600070205080204" pitchFamily="34" charset="-128"/>
+              </a:defRPr>
+            </a:lvl1pPr>
+            <a:lvl2pPr marL="742950" indent="-285750" defTabSz="1279525" eaLnBrk="0" hangingPunct="0">
+              <a:defRPr kumimoji="1" sz="1600">
+                <a:solidFill>
+                  <a:schemeClr val="tx1"/>
+                </a:solidFill>
+                <a:latin typeface="Times New Roman" panose="02020603050405020304" pitchFamily="18" charset="0"/>
+                <a:ea typeface="ＭＳ Ｐゴシック" panose="020B0600070205080204" pitchFamily="34" charset="-128"/>
+              </a:defRPr>
+            </a:lvl2pPr>
+            <a:lvl3pPr marL="1143000" indent="-228600" defTabSz="1279525" eaLnBrk="0" hangingPunct="0">
+              <a:defRPr kumimoji="1" sz="1600">
+                <a:solidFill>
+                  <a:schemeClr val="tx1"/>
+                </a:solidFill>
+                <a:latin typeface="Times New Roman" panose="02020603050405020304" pitchFamily="18" charset="0"/>
+                <a:ea typeface="ＭＳ Ｐゴシック" panose="020B0600070205080204" pitchFamily="34" charset="-128"/>
+              </a:defRPr>
+            </a:lvl3pPr>
+            <a:lvl4pPr marL="1600200" indent="-228600" defTabSz="1279525" eaLnBrk="0" hangingPunct="0">
+              <a:defRPr kumimoji="1" sz="1600">
+                <a:solidFill>
+                  <a:schemeClr val="tx1"/>
+                </a:solidFill>
+                <a:latin typeface="Times New Roman" panose="02020603050405020304" pitchFamily="18" charset="0"/>
+                <a:ea typeface="ＭＳ Ｐゴシック" panose="020B0600070205080204" pitchFamily="34" charset="-128"/>
+              </a:defRPr>
+            </a:lvl4pPr>
+            <a:lvl5pPr marL="2057400" indent="-228600" defTabSz="1279525" eaLnBrk="0" hangingPunct="0">
+              <a:defRPr kumimoji="1" sz="1600">
+                <a:solidFill>
+                  <a:schemeClr val="tx1"/>
+                </a:solidFill>
+                <a:latin typeface="Times New Roman" panose="02020603050405020304" pitchFamily="18" charset="0"/>
+                <a:ea typeface="ＭＳ Ｐゴシック" panose="020B0600070205080204" pitchFamily="34" charset="-128"/>
+              </a:defRPr>
+            </a:lvl5pPr>
+            <a:lvl6pPr marL="2514600" indent="-228600" defTabSz="1279525" eaLnBrk="0" fontAlgn="base" hangingPunct="0">
+              <a:spcBef>
+                <a:spcPct val="0"/>
+              </a:spcBef>
+              <a:spcAft>
+                <a:spcPct val="0"/>
+              </a:spcAft>
+              <a:defRPr kumimoji="1" sz="1600">
+                <a:solidFill>
+                  <a:schemeClr val="tx1"/>
+                </a:solidFill>
+                <a:latin typeface="Times New Roman" panose="02020603050405020304" pitchFamily="18" charset="0"/>
+                <a:ea typeface="ＭＳ Ｐゴシック" panose="020B0600070205080204" pitchFamily="34" charset="-128"/>
+              </a:defRPr>
+            </a:lvl6pPr>
+            <a:lvl7pPr marL="2971800" indent="-228600" defTabSz="1279525" eaLnBrk="0" fontAlgn="base" hangingPunct="0">
+              <a:spcBef>
+                <a:spcPct val="0"/>
+              </a:spcBef>
+              <a:spcAft>
+                <a:spcPct val="0"/>
+              </a:spcAft>
+              <a:defRPr kumimoji="1" sz="1600">
+                <a:solidFill>
+                  <a:schemeClr val="tx1"/>
+                </a:solidFill>
+                <a:latin typeface="Times New Roman" panose="02020603050405020304" pitchFamily="18" charset="0"/>
+                <a:ea typeface="ＭＳ Ｐゴシック" panose="020B0600070205080204" pitchFamily="34" charset="-128"/>
+              </a:defRPr>
+            </a:lvl7pPr>
+            <a:lvl8pPr marL="3429000" indent="-228600" defTabSz="1279525" eaLnBrk="0" fontAlgn="base" hangingPunct="0">
+              <a:spcBef>
+                <a:spcPct val="0"/>
+              </a:spcBef>
+              <a:spcAft>
+                <a:spcPct val="0"/>
+              </a:spcAft>
+              <a:defRPr kumimoji="1" sz="1600">
+                <a:solidFill>
+                  <a:schemeClr val="tx1"/>
+                </a:solidFill>
+                <a:latin typeface="Times New Roman" panose="02020603050405020304" pitchFamily="18" charset="0"/>
+                <a:ea typeface="ＭＳ Ｐゴシック" panose="020B0600070205080204" pitchFamily="34" charset="-128"/>
+              </a:defRPr>
+            </a:lvl8pPr>
+            <a:lvl9pPr marL="3886200" indent="-228600" defTabSz="1279525" eaLnBrk="0" fontAlgn="base" hangingPunct="0">
+              <a:spcBef>
+                <a:spcPct val="0"/>
+              </a:spcBef>
+              <a:spcAft>
+                <a:spcPct val="0"/>
+              </a:spcAft>
+              <a:defRPr kumimoji="1" sz="1600">
+                <a:solidFill>
+                  <a:schemeClr val="tx1"/>
+                </a:solidFill>
+                <a:latin typeface="Times New Roman" panose="02020603050405020304" pitchFamily="18" charset="0"/>
+                <a:ea typeface="ＭＳ Ｐゴシック" panose="020B0600070205080204" pitchFamily="34" charset="-128"/>
+              </a:defRPr>
+            </a:lvl9pPr>
+          </a:lstStyle>
+          <a:p>
+            <a:pPr marL="0" indent="0" defTabSz="774222" eaLnBrk="1" hangingPunct="1">
+              <a:lnSpc>
+                <a:spcPct val="80000"/>
+              </a:lnSpc>
+              <a:spcBef>
+                <a:spcPct val="20000"/>
+              </a:spcBef>
+            </a:pPr>
+            <a:endParaRPr lang="en-US" altLang="ja-JP" sz="1947" b="1" dirty="0">
+              <a:solidFill>
+                <a:srgbClr val="FF0000"/>
+              </a:solidFill>
+            </a:endParaRPr>
+          </a:p>
+          <a:p>
+            <a:pPr marL="0" indent="0" eaLnBrk="1" hangingPunct="1">
+              <a:lnSpc>
+                <a:spcPct val="80000"/>
+              </a:lnSpc>
+              <a:spcBef>
+                <a:spcPts val="600"/>
+              </a:spcBef>
+            </a:pPr>
+            <a:endParaRPr lang="ja-JP" altLang="en-US" sz="1800" b="1" dirty="0">
+              <a:latin typeface="+mn-ea"/>
+              <a:ea typeface="+mn-ea"/>
+            </a:endParaRPr>
+          </a:p>
+          <a:p>
+            <a:pPr marL="0" indent="0" eaLnBrk="1" hangingPunct="1">
+              <a:lnSpc>
+                <a:spcPct val="80000"/>
+              </a:lnSpc>
+              <a:spcBef>
+                <a:spcPts val="600"/>
+              </a:spcBef>
+            </a:pPr>
+            <a:endParaRPr lang="ja-JP" altLang="en-US" dirty="0">
+              <a:latin typeface="HG丸ｺﾞｼｯｸM-PRO" panose="020F0600000000000000" pitchFamily="50" charset="-128"/>
+              <a:ea typeface="HG丸ｺﾞｼｯｸM-PRO" panose="020F0600000000000000" pitchFamily="50" charset="-128"/>
+            </a:endParaRPr>
+          </a:p>
+          <a:p>
+            <a:pPr marL="0" indent="0" eaLnBrk="1" hangingPunct="1">
+              <a:lnSpc>
+                <a:spcPct val="80000"/>
+              </a:lnSpc>
+              <a:spcBef>
+                <a:spcPct val="20000"/>
+              </a:spcBef>
+            </a:pPr>
+            <a:endParaRPr lang="en-US" altLang="ja-JP" sz="1800" dirty="0">
+              <a:latin typeface="HG丸ｺﾞｼｯｸM-PRO" panose="020F0600000000000000" pitchFamily="50" charset="-128"/>
+              <a:ea typeface="HG丸ｺﾞｼｯｸM-PRO" panose="020F0600000000000000" pitchFamily="50" charset="-128"/>
+            </a:endParaRPr>
+          </a:p>
+          <a:p>
+            <a:pPr marL="0" indent="0" eaLnBrk="1" hangingPunct="1">
+              <a:lnSpc>
+                <a:spcPct val="80000"/>
+              </a:lnSpc>
+              <a:spcBef>
+                <a:spcPct val="20000"/>
+              </a:spcBef>
+            </a:pPr>
+            <a:endParaRPr lang="en-US" altLang="ja-JP" sz="1800" dirty="0">
+              <a:latin typeface="HG丸ｺﾞｼｯｸM-PRO" panose="020F0600000000000000" pitchFamily="50" charset="-128"/>
+              <a:ea typeface="HG丸ｺﾞｼｯｸM-PRO" panose="020F0600000000000000" pitchFamily="50" charset="-128"/>
+            </a:endParaRPr>
+          </a:p>
+        </p:txBody>
+      </p:sp>
+      <p:sp>
+        <p:nvSpPr>
+          <p:cNvPr id="2" name="正方形/長方形 1">
+            <a:extLst>
+              <a:ext uri="{FF2B5EF4-FFF2-40B4-BE49-F238E27FC236}">
+                <a16:creationId xmlns:a16="http://schemas.microsoft.com/office/drawing/2014/main" id="{604D4499-82CE-4191-BC05-16AC50D22EBD}"/>
+              </a:ext>
+            </a:extLst>
+          </p:cNvPr>
+          <p:cNvSpPr/>
+          <p:nvPr/>
+        </p:nvSpPr>
+        <p:spPr>
+          <a:xfrm>
+            <a:off x="640160" y="6168752"/>
+            <a:ext cx="5544616" cy="1214179"/>
+          </a:xfrm>
+          <a:prstGeom prst="rect">
+            <a:avLst/>
+          </a:prstGeom>
+        </p:spPr>
+        <p:txBody>
+          <a:bodyPr wrap="square">
+            <a:spAutoFit/>
+          </a:bodyPr>
+          <a:lstStyle/>
+          <a:p>
+            <a:pPr marL="0" indent="0" defTabSz="774222" eaLnBrk="1" hangingPunct="1">
+              <a:lnSpc>
+                <a:spcPct val="80000"/>
+              </a:lnSpc>
+              <a:spcBef>
+                <a:spcPct val="20000"/>
+              </a:spcBef>
+            </a:pPr>
+            <a:r>
+              <a:rPr lang="ja-JP" altLang="en-US" sz="1800" dirty="0">
+                <a:latin typeface="メイリオ" panose="020B0604030504040204" pitchFamily="50" charset="-128"/>
+                <a:ea typeface="メイリオ" panose="020B0604030504040204" pitchFamily="50" charset="-128"/>
+              </a:rPr>
+              <a:t>このモデルでは、「コースを完走する」という課題を、スタート動作を終えてからゴールゲートを通過するまでの動作と定義する。キャリブレーションなど、その他の動作についてはスタート動作とし、モデルからは省略した。</a:t>
+            </a:r>
+            <a:endParaRPr lang="en-US" altLang="ja-JP" sz="1800" dirty="0">
+              <a:latin typeface="メイリオ" panose="020B0604030504040204" pitchFamily="50" charset="-128"/>
+              <a:ea typeface="メイリオ" panose="020B0604030504040204" pitchFamily="50" charset="-128"/>
+            </a:endParaRPr>
+          </a:p>
+        </p:txBody>
+      </p:sp>
+      <p:grpSp>
+        <p:nvGrpSpPr>
+          <p:cNvPr id="6" name="グループ化 5">
+            <a:extLst>
+              <a:ext uri="{FF2B5EF4-FFF2-40B4-BE49-F238E27FC236}">
+                <a16:creationId xmlns:a16="http://schemas.microsoft.com/office/drawing/2014/main" id="{0802A9C1-110C-4710-A5A7-9B057F0052B5}"/>
+              </a:ext>
+            </a:extLst>
+          </p:cNvPr>
+          <p:cNvGrpSpPr/>
+          <p:nvPr/>
+        </p:nvGrpSpPr>
+        <p:grpSpPr>
+          <a:xfrm>
+            <a:off x="2676572" y="5519931"/>
+            <a:ext cx="3094985" cy="369332"/>
+            <a:chOff x="2656383" y="5664696"/>
+            <a:chExt cx="3094985" cy="369332"/>
+          </a:xfrm>
+        </p:grpSpPr>
+        <p:sp>
+          <p:nvSpPr>
+            <p:cNvPr id="4" name="テキスト ボックス 3">
+              <a:extLst>
+                <a:ext uri="{FF2B5EF4-FFF2-40B4-BE49-F238E27FC236}">
+                  <a16:creationId xmlns:a16="http://schemas.microsoft.com/office/drawing/2014/main" id="{25416A9C-FE92-4D0E-A4B9-D066EA753481}"/>
+                </a:ext>
+              </a:extLst>
+            </p:cNvPr>
+            <p:cNvSpPr txBox="1"/>
+            <p:nvPr/>
+          </p:nvSpPr>
+          <p:spPr>
+            <a:xfrm>
+              <a:off x="2656383" y="5664696"/>
+              <a:ext cx="3094985" cy="369332"/>
+            </a:xfrm>
+            <a:prstGeom prst="rect">
+              <a:avLst/>
+            </a:prstGeom>
+            <a:noFill/>
+          </p:spPr>
+          <p:txBody>
+            <a:bodyPr wrap="square" rtlCol="0">
+              <a:spAutoFit/>
+            </a:bodyPr>
+            <a:lstStyle/>
+            <a:p>
+              <a:r>
+                <a:rPr kumimoji="1" lang="ja-JP" altLang="en-US" sz="1800" b="1" dirty="0"/>
+                <a:t>選択課題 </a:t>
+              </a:r>
+              <a:r>
+                <a:rPr kumimoji="1" lang="en-US" altLang="ja-JP" sz="1800" b="1" dirty="0"/>
+                <a:t>: </a:t>
+              </a:r>
+              <a:r>
+                <a:rPr kumimoji="1" lang="ja-JP" altLang="en-US" sz="1800" b="1" dirty="0"/>
+                <a:t>コースを完走する</a:t>
+              </a:r>
+            </a:p>
+          </p:txBody>
+        </p:sp>
+        <p:sp>
+          <p:nvSpPr>
+            <p:cNvPr id="5" name="正方形/長方形 4">
+              <a:extLst>
+                <a:ext uri="{FF2B5EF4-FFF2-40B4-BE49-F238E27FC236}">
+                  <a16:creationId xmlns:a16="http://schemas.microsoft.com/office/drawing/2014/main" id="{554FD473-334F-4FAB-9042-47501960E79A}"/>
+                </a:ext>
+              </a:extLst>
+            </p:cNvPr>
+            <p:cNvSpPr/>
+            <p:nvPr/>
+          </p:nvSpPr>
+          <p:spPr>
+            <a:xfrm>
+              <a:off x="2656384" y="5688910"/>
+              <a:ext cx="2951608" cy="345117"/>
+            </a:xfrm>
+            <a:prstGeom prst="rect">
+              <a:avLst/>
+            </a:prstGeom>
+            <a:noFill/>
+            <a:ln w="57150">
+              <a:solidFill>
+                <a:schemeClr val="accent6">
+                  <a:lumMod val="60000"/>
+                  <a:lumOff val="40000"/>
+                </a:schemeClr>
+              </a:solidFill>
+            </a:ln>
+          </p:spPr>
+          <p:style>
+            <a:lnRef idx="2">
+              <a:schemeClr val="accent1">
+                <a:shade val="50000"/>
+              </a:schemeClr>
+            </a:lnRef>
+            <a:fillRef idx="1">
+              <a:schemeClr val="accent1"/>
+            </a:fillRef>
+            <a:effectRef idx="0">
+              <a:schemeClr val="accent1"/>
+            </a:effectRef>
+            <a:fontRef idx="minor">
+              <a:schemeClr val="lt1"/>
+            </a:fontRef>
+          </p:style>
+          <p:txBody>
+            <a:bodyPr rtlCol="0" anchor="ctr"/>
+            <a:lstStyle/>
+            <a:p>
+              <a:pPr algn="ctr"/>
+              <a:endParaRPr kumimoji="1" lang="ja-JP" altLang="en-US"/>
+            </a:p>
+          </p:txBody>
+        </p:sp>
+      </p:grpSp>
+      <p:sp>
+        <p:nvSpPr>
+          <p:cNvPr id="7" name="テキスト ボックス 6">
+            <a:extLst>
+              <a:ext uri="{FF2B5EF4-FFF2-40B4-BE49-F238E27FC236}">
+                <a16:creationId xmlns:a16="http://schemas.microsoft.com/office/drawing/2014/main" id="{133D4F5A-5099-4B55-BBDC-63DD19187768}"/>
+              </a:ext>
+            </a:extLst>
+          </p:cNvPr>
+          <p:cNvSpPr txBox="1"/>
+          <p:nvPr/>
+        </p:nvSpPr>
+        <p:spPr>
+          <a:xfrm>
+            <a:off x="663693" y="7896944"/>
+            <a:ext cx="5665098" cy="1214179"/>
+          </a:xfrm>
+          <a:prstGeom prst="rect">
+            <a:avLst/>
+          </a:prstGeom>
+          <a:noFill/>
+        </p:spPr>
+        <p:txBody>
+          <a:bodyPr wrap="square" rtlCol="0">
+            <a:spAutoFit/>
+          </a:bodyPr>
+          <a:lstStyle/>
+          <a:p>
+            <a:pPr marL="0" indent="0" defTabSz="774222" eaLnBrk="1" hangingPunct="1">
+              <a:lnSpc>
+                <a:spcPct val="80000"/>
+              </a:lnSpc>
+              <a:spcBef>
+                <a:spcPct val="20000"/>
+              </a:spcBef>
+            </a:pPr>
+            <a:r>
+              <a:rPr lang="ja-JP" altLang="en-US" sz="1800" dirty="0">
+                <a:latin typeface="メイリオ" panose="020B0604030504040204" pitchFamily="50" charset="-128"/>
+                <a:ea typeface="メイリオ" panose="020B0604030504040204" pitchFamily="50" charset="-128"/>
+              </a:rPr>
+              <a:t>今年のカーブの多いコースを安定して走行するため、コース全体を</a:t>
+            </a:r>
+            <a:r>
+              <a:rPr lang="en-US" altLang="ja-JP" sz="1800" dirty="0">
+                <a:latin typeface="メイリオ" panose="020B0604030504040204" pitchFamily="50" charset="-128"/>
+                <a:ea typeface="メイリオ" panose="020B0604030504040204" pitchFamily="50" charset="-128"/>
+              </a:rPr>
+              <a:t>15</a:t>
+            </a:r>
+            <a:r>
+              <a:rPr lang="ja-JP" altLang="en-US" sz="1800" dirty="0">
+                <a:latin typeface="メイリオ" panose="020B0604030504040204" pitchFamily="50" charset="-128"/>
+                <a:ea typeface="メイリオ" panose="020B0604030504040204" pitchFamily="50" charset="-128"/>
+              </a:rPr>
+              <a:t>区間に分割した。区間ごとに異なる制御量を与えることによって、曲率の異なるカーブであってもコースアウトすることなく安定した走行が実現できると考えた</a:t>
+            </a:r>
+            <a:r>
+              <a:rPr lang="ja-JP" altLang="en-US" dirty="0">
+                <a:latin typeface="メイリオ" panose="020B0604030504040204" pitchFamily="50" charset="-128"/>
+                <a:ea typeface="メイリオ" panose="020B0604030504040204" pitchFamily="50" charset="-128"/>
+              </a:rPr>
+              <a:t>。</a:t>
+            </a:r>
+          </a:p>
+        </p:txBody>
+      </p:sp>
+      <p:cxnSp>
+        <p:nvCxnSpPr>
+          <p:cNvPr id="9" name="コネクタ: カギ線 8">
+            <a:extLst>
+              <a:ext uri="{FF2B5EF4-FFF2-40B4-BE49-F238E27FC236}">
+                <a16:creationId xmlns:a16="http://schemas.microsoft.com/office/drawing/2014/main" id="{E79CD481-FCF9-4CF6-8B48-0C01D7C5539D}"/>
+              </a:ext>
+            </a:extLst>
+          </p:cNvPr>
+          <p:cNvCxnSpPr>
+            <a:cxnSpLocks/>
+          </p:cNvCxnSpPr>
+          <p:nvPr/>
+        </p:nvCxnSpPr>
+        <p:spPr>
+          <a:xfrm rot="16200000" flipH="1">
+            <a:off x="302109" y="6386320"/>
+            <a:ext cx="579152" cy="144016"/>
+          </a:xfrm>
+          <a:prstGeom prst="bentConnector3">
+            <a:avLst>
+              <a:gd name="adj1" fmla="val 100076"/>
+            </a:avLst>
+          </a:prstGeom>
+          <a:ln w="28575">
+            <a:solidFill>
+              <a:schemeClr val="accent6"/>
+            </a:solidFill>
+            <a:tailEnd type="triangle"/>
+          </a:ln>
+        </p:spPr>
+        <p:style>
+          <a:lnRef idx="1">
+            <a:schemeClr val="accent1"/>
+          </a:lnRef>
+          <a:fillRef idx="0">
+            <a:schemeClr val="accent1"/>
+          </a:fillRef>
+          <a:effectRef idx="0">
+            <a:schemeClr val="accent1"/>
+          </a:effectRef>
+          <a:fontRef idx="minor">
+            <a:schemeClr val="tx1"/>
+          </a:fontRef>
+        </p:style>
+      </p:cxnSp>
+      <p:cxnSp>
+        <p:nvCxnSpPr>
+          <p:cNvPr id="22" name="コネクタ: カギ線 21">
+            <a:extLst>
+              <a:ext uri="{FF2B5EF4-FFF2-40B4-BE49-F238E27FC236}">
+                <a16:creationId xmlns:a16="http://schemas.microsoft.com/office/drawing/2014/main" id="{51A8186B-08B7-48AF-B66C-2BF3B49EE529}"/>
+              </a:ext>
+            </a:extLst>
+          </p:cNvPr>
+          <p:cNvCxnSpPr>
+            <a:cxnSpLocks/>
+          </p:cNvCxnSpPr>
+          <p:nvPr/>
+        </p:nvCxnSpPr>
+        <p:spPr>
+          <a:xfrm rot="16200000" flipH="1">
+            <a:off x="336272" y="8114512"/>
+            <a:ext cx="579152" cy="144016"/>
+          </a:xfrm>
+          <a:prstGeom prst="bentConnector3">
+            <a:avLst>
+              <a:gd name="adj1" fmla="val 100076"/>
+            </a:avLst>
+          </a:prstGeom>
+          <a:ln w="28575">
+            <a:solidFill>
+              <a:schemeClr val="accent6"/>
+            </a:solidFill>
+            <a:tailEnd type="triangle"/>
+          </a:ln>
+        </p:spPr>
+        <p:style>
+          <a:lnRef idx="1">
+            <a:schemeClr val="accent1"/>
+          </a:lnRef>
+          <a:fillRef idx="0">
+            <a:schemeClr val="accent1"/>
+          </a:fillRef>
+          <a:effectRef idx="0">
+            <a:schemeClr val="accent1"/>
+          </a:effectRef>
+          <a:fontRef idx="minor">
+            <a:schemeClr val="tx1"/>
+          </a:fontRef>
+        </p:style>
+      </p:cxnSp>
+      <p:sp>
+        <p:nvSpPr>
+          <p:cNvPr id="19" name="正方形/長方形 18">
+            <a:extLst>
+              <a:ext uri="{FF2B5EF4-FFF2-40B4-BE49-F238E27FC236}">
+                <a16:creationId xmlns:a16="http://schemas.microsoft.com/office/drawing/2014/main" id="{93D67B7B-C672-4A57-97EE-966943DE5F10}"/>
+              </a:ext>
+            </a:extLst>
+          </p:cNvPr>
+          <p:cNvSpPr/>
+          <p:nvPr/>
+        </p:nvSpPr>
+        <p:spPr>
+          <a:xfrm>
+            <a:off x="6400800" y="2507664"/>
+            <a:ext cx="6189062" cy="5226046"/>
+          </a:xfrm>
+          <a:prstGeom prst="rect">
+            <a:avLst/>
+          </a:prstGeom>
+        </p:spPr>
+        <p:txBody>
+          <a:bodyPr wrap="square">
+            <a:spAutoFit/>
+          </a:bodyPr>
+          <a:lstStyle/>
+          <a:p>
+            <a:pPr lvl="0">
+              <a:lnSpc>
+                <a:spcPct val="80000"/>
+              </a:lnSpc>
+              <a:spcBef>
+                <a:spcPts val="600"/>
+              </a:spcBef>
+            </a:pPr>
+            <a:r>
+              <a:rPr lang="en-US" altLang="ja-JP" sz="1800" dirty="0">
+                <a:solidFill>
+                  <a:prstClr val="black"/>
+                </a:solidFill>
+                <a:latin typeface="メイリオ" panose="020B0604030504040204" pitchFamily="50" charset="-128"/>
+                <a:ea typeface="メイリオ" panose="020B0604030504040204" pitchFamily="50" charset="-128"/>
+              </a:rPr>
+              <a:t>【】</a:t>
+            </a:r>
+            <a:endParaRPr lang="ja-JP" altLang="en-US" sz="1800" dirty="0">
+              <a:solidFill>
+                <a:prstClr val="black"/>
+              </a:solidFill>
+              <a:latin typeface="メイリオ" panose="020B0604030504040204" pitchFamily="50" charset="-128"/>
+              <a:ea typeface="メイリオ" panose="020B0604030504040204" pitchFamily="50" charset="-128"/>
+            </a:endParaRPr>
+          </a:p>
+          <a:p>
+            <a:pPr lvl="0">
+              <a:lnSpc>
+                <a:spcPct val="80000"/>
+              </a:lnSpc>
+              <a:spcBef>
+                <a:spcPts val="600"/>
+              </a:spcBef>
+            </a:pPr>
+            <a:r>
+              <a:rPr lang="en-US" altLang="ja-JP" sz="1800" dirty="0">
+                <a:solidFill>
+                  <a:prstClr val="black"/>
+                </a:solidFill>
+                <a:latin typeface="メイリオ" panose="020B0604030504040204" pitchFamily="50" charset="-128"/>
+                <a:ea typeface="メイリオ" panose="020B0604030504040204" pitchFamily="50" charset="-128"/>
+              </a:rPr>
+              <a:t>【</a:t>
+            </a:r>
+            <a:r>
+              <a:rPr lang="ja-JP" altLang="en-US" sz="1800" dirty="0">
+                <a:solidFill>
+                  <a:prstClr val="black"/>
+                </a:solidFill>
+                <a:latin typeface="メイリオ" panose="020B0604030504040204" pitchFamily="50" charset="-128"/>
+                <a:ea typeface="メイリオ" panose="020B0604030504040204" pitchFamily="50" charset="-128"/>
+              </a:rPr>
+              <a:t>機能モデル</a:t>
+            </a:r>
+            <a:r>
+              <a:rPr lang="en-US" altLang="ja-JP" sz="1800" dirty="0">
+                <a:solidFill>
+                  <a:prstClr val="black"/>
+                </a:solidFill>
+                <a:latin typeface="メイリオ" panose="020B0604030504040204" pitchFamily="50" charset="-128"/>
+                <a:ea typeface="メイリオ" panose="020B0604030504040204" pitchFamily="50" charset="-128"/>
+              </a:rPr>
+              <a:t>】</a:t>
+            </a:r>
+          </a:p>
+          <a:p>
+            <a:pPr lvl="0">
+              <a:lnSpc>
+                <a:spcPct val="80000"/>
+              </a:lnSpc>
+              <a:spcBef>
+                <a:spcPts val="600"/>
+              </a:spcBef>
+            </a:pPr>
+            <a:r>
+              <a:rPr lang="ja-JP" altLang="en-US" sz="1800" dirty="0">
+                <a:solidFill>
+                  <a:prstClr val="black"/>
+                </a:solidFill>
+                <a:latin typeface="メイリオ" panose="020B0604030504040204" pitchFamily="50" charset="-128"/>
+                <a:ea typeface="メイリオ" panose="020B0604030504040204" pitchFamily="50" charset="-128"/>
+              </a:rPr>
+              <a:t>・「コースを完走する」という課題をクリアするために、どのような機能が必要かをリストアップした。</a:t>
+            </a:r>
+            <a:endParaRPr lang="en-US" altLang="ja-JP" sz="1800" dirty="0">
+              <a:solidFill>
+                <a:prstClr val="black"/>
+              </a:solidFill>
+              <a:latin typeface="メイリオ" panose="020B0604030504040204" pitchFamily="50" charset="-128"/>
+              <a:ea typeface="メイリオ" panose="020B0604030504040204" pitchFamily="50" charset="-128"/>
+            </a:endParaRPr>
+          </a:p>
+          <a:p>
+            <a:pPr lvl="0">
+              <a:lnSpc>
+                <a:spcPct val="80000"/>
+              </a:lnSpc>
+              <a:spcBef>
+                <a:spcPts val="600"/>
+              </a:spcBef>
+            </a:pPr>
+            <a:r>
+              <a:rPr lang="ja-JP" altLang="en-US" sz="1800" dirty="0">
+                <a:solidFill>
+                  <a:prstClr val="black"/>
+                </a:solidFill>
+                <a:latin typeface="メイリオ" panose="020B0604030504040204" pitchFamily="50" charset="-128"/>
+                <a:ea typeface="メイリオ" panose="020B0604030504040204" pitchFamily="50" charset="-128"/>
+              </a:rPr>
+              <a:t>・その機能を実現するために必要な部品を定義した。</a:t>
+            </a:r>
+            <a:endParaRPr lang="en-US" altLang="ja-JP" sz="1800" dirty="0">
+              <a:solidFill>
+                <a:prstClr val="black"/>
+              </a:solidFill>
+              <a:latin typeface="メイリオ" panose="020B0604030504040204" pitchFamily="50" charset="-128"/>
+              <a:ea typeface="メイリオ" panose="020B0604030504040204" pitchFamily="50" charset="-128"/>
+            </a:endParaRPr>
+          </a:p>
+          <a:p>
+            <a:pPr lvl="0">
+              <a:lnSpc>
+                <a:spcPct val="80000"/>
+              </a:lnSpc>
+              <a:spcBef>
+                <a:spcPts val="600"/>
+              </a:spcBef>
+            </a:pPr>
+            <a:r>
+              <a:rPr lang="ja-JP" altLang="en-US" sz="1800" dirty="0">
+                <a:solidFill>
+                  <a:prstClr val="black"/>
+                </a:solidFill>
+                <a:latin typeface="メイリオ" panose="020B0604030504040204" pitchFamily="50" charset="-128"/>
+                <a:ea typeface="メイリオ" panose="020B0604030504040204" pitchFamily="50" charset="-128"/>
+              </a:rPr>
+              <a:t>・コースを安定して高速で走行するために、コース全体を</a:t>
+            </a:r>
+            <a:r>
+              <a:rPr lang="en-US" altLang="ja-JP" sz="1800" dirty="0">
+                <a:solidFill>
+                  <a:prstClr val="black"/>
+                </a:solidFill>
+                <a:latin typeface="メイリオ" panose="020B0604030504040204" pitchFamily="50" charset="-128"/>
+                <a:ea typeface="メイリオ" panose="020B0604030504040204" pitchFamily="50" charset="-128"/>
+              </a:rPr>
+              <a:t>15</a:t>
+            </a:r>
+            <a:r>
+              <a:rPr lang="ja-JP" altLang="en-US" sz="1800" dirty="0">
+                <a:solidFill>
+                  <a:prstClr val="black"/>
+                </a:solidFill>
+                <a:latin typeface="メイリオ" panose="020B0604030504040204" pitchFamily="50" charset="-128"/>
+                <a:ea typeface="メイリオ" panose="020B0604030504040204" pitchFamily="50" charset="-128"/>
+              </a:rPr>
+              <a:t>の区間に分割し、それぞれ異なるパラメータで走行する戦略を立てた。</a:t>
+            </a:r>
+          </a:p>
+          <a:p>
+            <a:pPr lvl="0">
+              <a:lnSpc>
+                <a:spcPct val="80000"/>
+              </a:lnSpc>
+              <a:spcBef>
+                <a:spcPts val="600"/>
+              </a:spcBef>
+            </a:pPr>
+            <a:r>
+              <a:rPr lang="en-US" altLang="ja-JP" sz="1800" dirty="0">
+                <a:solidFill>
+                  <a:prstClr val="black"/>
+                </a:solidFill>
+                <a:latin typeface="メイリオ" panose="020B0604030504040204" pitchFamily="50" charset="-128"/>
+                <a:ea typeface="メイリオ" panose="020B0604030504040204" pitchFamily="50" charset="-128"/>
+              </a:rPr>
+              <a:t>【</a:t>
+            </a:r>
+            <a:r>
+              <a:rPr lang="ja-JP" altLang="en-US" sz="1800" dirty="0">
+                <a:solidFill>
+                  <a:prstClr val="black"/>
+                </a:solidFill>
+                <a:latin typeface="メイリオ" panose="020B0604030504040204" pitchFamily="50" charset="-128"/>
+                <a:ea typeface="メイリオ" panose="020B0604030504040204" pitchFamily="50" charset="-128"/>
+              </a:rPr>
+              <a:t>構造モデル</a:t>
+            </a:r>
+            <a:r>
+              <a:rPr lang="en-US" altLang="ja-JP" sz="1800" dirty="0">
+                <a:solidFill>
+                  <a:prstClr val="black"/>
+                </a:solidFill>
+                <a:latin typeface="メイリオ" panose="020B0604030504040204" pitchFamily="50" charset="-128"/>
+                <a:ea typeface="メイリオ" panose="020B0604030504040204" pitchFamily="50" charset="-128"/>
+              </a:rPr>
+              <a:t>】</a:t>
+            </a:r>
+          </a:p>
+          <a:p>
+            <a:pPr lvl="0">
+              <a:lnSpc>
+                <a:spcPct val="80000"/>
+              </a:lnSpc>
+              <a:spcBef>
+                <a:spcPts val="600"/>
+              </a:spcBef>
+            </a:pPr>
+            <a:r>
+              <a:rPr lang="ja-JP" altLang="en-US" sz="1800" dirty="0">
+                <a:solidFill>
+                  <a:prstClr val="black"/>
+                </a:solidFill>
+                <a:latin typeface="メイリオ" panose="020B0604030504040204" pitchFamily="50" charset="-128"/>
+                <a:ea typeface="メイリオ" panose="020B0604030504040204" pitchFamily="50" charset="-128"/>
+              </a:rPr>
+              <a:t>・機能モデルで定義した部品の構成をクラス図に示す。</a:t>
+            </a:r>
+            <a:endParaRPr lang="en-US" altLang="ja-JP" sz="1800" dirty="0">
+              <a:solidFill>
+                <a:prstClr val="black"/>
+              </a:solidFill>
+              <a:latin typeface="メイリオ" panose="020B0604030504040204" pitchFamily="50" charset="-128"/>
+              <a:ea typeface="メイリオ" panose="020B0604030504040204" pitchFamily="50" charset="-128"/>
+            </a:endParaRPr>
+          </a:p>
+          <a:p>
+            <a:pPr lvl="0">
+              <a:lnSpc>
+                <a:spcPct val="80000"/>
+              </a:lnSpc>
+              <a:spcBef>
+                <a:spcPts val="600"/>
+              </a:spcBef>
+            </a:pPr>
+            <a:r>
+              <a:rPr lang="ja-JP" altLang="en-US" sz="1800" dirty="0">
+                <a:solidFill>
+                  <a:prstClr val="black"/>
+                </a:solidFill>
+                <a:latin typeface="メイリオ" panose="020B0604030504040204" pitchFamily="50" charset="-128"/>
+                <a:ea typeface="メイリオ" panose="020B0604030504040204" pitchFamily="50" charset="-128"/>
+              </a:rPr>
+              <a:t>・クラス図の大まかな構成はパッケージ構造に表した。</a:t>
+            </a:r>
+          </a:p>
+          <a:p>
+            <a:pPr lvl="0">
+              <a:lnSpc>
+                <a:spcPct val="80000"/>
+              </a:lnSpc>
+              <a:spcBef>
+                <a:spcPts val="600"/>
+              </a:spcBef>
+            </a:pPr>
+            <a:r>
+              <a:rPr lang="en-US" altLang="ja-JP" sz="1800" dirty="0">
+                <a:solidFill>
+                  <a:prstClr val="black"/>
+                </a:solidFill>
+                <a:latin typeface="メイリオ" panose="020B0604030504040204" pitchFamily="50" charset="-128"/>
+                <a:ea typeface="メイリオ" panose="020B0604030504040204" pitchFamily="50" charset="-128"/>
+              </a:rPr>
+              <a:t>【</a:t>
+            </a:r>
+            <a:r>
+              <a:rPr lang="ja-JP" altLang="en-US" sz="1800" dirty="0">
+                <a:solidFill>
+                  <a:prstClr val="black"/>
+                </a:solidFill>
+                <a:latin typeface="メイリオ" panose="020B0604030504040204" pitchFamily="50" charset="-128"/>
+                <a:ea typeface="メイリオ" panose="020B0604030504040204" pitchFamily="50" charset="-128"/>
+              </a:rPr>
+              <a:t>振る舞いモデル</a:t>
+            </a:r>
+            <a:r>
+              <a:rPr lang="en-US" altLang="ja-JP" sz="1800" dirty="0">
+                <a:solidFill>
+                  <a:prstClr val="black"/>
+                </a:solidFill>
+                <a:latin typeface="メイリオ" panose="020B0604030504040204" pitchFamily="50" charset="-128"/>
+                <a:ea typeface="メイリオ" panose="020B0604030504040204" pitchFamily="50" charset="-128"/>
+              </a:rPr>
+              <a:t>】</a:t>
+            </a:r>
+          </a:p>
+          <a:p>
+            <a:pPr lvl="0">
+              <a:lnSpc>
+                <a:spcPct val="80000"/>
+              </a:lnSpc>
+              <a:spcBef>
+                <a:spcPts val="600"/>
+              </a:spcBef>
+            </a:pPr>
+            <a:r>
+              <a:rPr lang="ja-JP" altLang="en-US" sz="1800" dirty="0">
+                <a:solidFill>
+                  <a:prstClr val="black"/>
+                </a:solidFill>
+                <a:latin typeface="メイリオ" panose="020B0604030504040204" pitchFamily="50" charset="-128"/>
+                <a:ea typeface="メイリオ" panose="020B0604030504040204" pitchFamily="50" charset="-128"/>
+              </a:rPr>
+              <a:t>・</a:t>
+            </a:r>
+          </a:p>
+          <a:p>
+            <a:pPr lvl="0">
+              <a:lnSpc>
+                <a:spcPct val="80000"/>
+              </a:lnSpc>
+              <a:spcBef>
+                <a:spcPts val="600"/>
+              </a:spcBef>
+            </a:pPr>
+            <a:r>
+              <a:rPr lang="en-US" altLang="ja-JP" sz="1800" dirty="0">
+                <a:solidFill>
+                  <a:prstClr val="black"/>
+                </a:solidFill>
+                <a:latin typeface="メイリオ" panose="020B0604030504040204" pitchFamily="50" charset="-128"/>
+                <a:ea typeface="メイリオ" panose="020B0604030504040204" pitchFamily="50" charset="-128"/>
+              </a:rPr>
+              <a:t>【</a:t>
+            </a:r>
+            <a:r>
+              <a:rPr lang="ja-JP" altLang="en-US" sz="1800" dirty="0">
+                <a:solidFill>
+                  <a:prstClr val="black"/>
+                </a:solidFill>
+                <a:latin typeface="メイリオ" panose="020B0604030504040204" pitchFamily="50" charset="-128"/>
+                <a:ea typeface="メイリオ" panose="020B0604030504040204" pitchFamily="50" charset="-128"/>
+              </a:rPr>
+              <a:t>工夫点</a:t>
+            </a:r>
+            <a:r>
+              <a:rPr lang="en-US" altLang="ja-JP" sz="1800" dirty="0">
+                <a:solidFill>
+                  <a:prstClr val="black"/>
+                </a:solidFill>
+                <a:latin typeface="メイリオ" panose="020B0604030504040204" pitchFamily="50" charset="-128"/>
+                <a:ea typeface="メイリオ" panose="020B0604030504040204" pitchFamily="50" charset="-128"/>
+              </a:rPr>
+              <a:t>】</a:t>
+            </a:r>
+          </a:p>
+          <a:p>
+            <a:pPr lvl="0">
+              <a:lnSpc>
+                <a:spcPct val="80000"/>
+              </a:lnSpc>
+              <a:spcBef>
+                <a:spcPts val="600"/>
+              </a:spcBef>
+            </a:pPr>
+            <a:r>
+              <a:rPr lang="ja-JP" altLang="en-US" sz="1800" dirty="0">
+                <a:solidFill>
+                  <a:prstClr val="black"/>
+                </a:solidFill>
+                <a:latin typeface="メイリオ" panose="020B0604030504040204" pitchFamily="50" charset="-128"/>
+                <a:ea typeface="メイリオ" panose="020B0604030504040204" pitchFamily="50" charset="-128"/>
+              </a:rPr>
+              <a:t>・カーブを安定して曲がるために、曲率制御を導入し、その詳細を記述した。</a:t>
+            </a:r>
+            <a:endParaRPr lang="en-US" altLang="ja-JP" sz="1800" dirty="0">
+              <a:solidFill>
+                <a:prstClr val="black"/>
+              </a:solidFill>
+              <a:latin typeface="メイリオ" panose="020B0604030504040204" pitchFamily="50" charset="-128"/>
+              <a:ea typeface="メイリオ" panose="020B0604030504040204" pitchFamily="50" charset="-128"/>
+            </a:endParaRPr>
+          </a:p>
+          <a:p>
+            <a:pPr lvl="0">
+              <a:lnSpc>
+                <a:spcPct val="80000"/>
+              </a:lnSpc>
+              <a:spcBef>
+                <a:spcPts val="600"/>
+              </a:spcBef>
+            </a:pPr>
+            <a:r>
+              <a:rPr lang="ja-JP" altLang="en-US" sz="1800" dirty="0">
+                <a:solidFill>
+                  <a:prstClr val="black"/>
+                </a:solidFill>
+                <a:latin typeface="メイリオ" panose="020B0604030504040204" pitchFamily="50" charset="-128"/>
+                <a:ea typeface="メイリオ" panose="020B0604030504040204" pitchFamily="50" charset="-128"/>
+              </a:rPr>
+              <a:t>・オフィシャルバッテリの特性と、走行に与える影響に注目し、競技中に電源電圧が変化しても安定してカーブを曲がれるように指揮を構築した</a:t>
+            </a:r>
+            <a:r>
+              <a:rPr lang="ja-JP" altLang="en-US" dirty="0">
+                <a:solidFill>
+                  <a:prstClr val="black"/>
+                </a:solidFill>
+                <a:latin typeface="HG丸ｺﾞｼｯｸM-PRO" panose="020F0600000000000000" pitchFamily="50" charset="-128"/>
+                <a:ea typeface="HG丸ｺﾞｼｯｸM-PRO" panose="020F0600000000000000" pitchFamily="50" charset="-128"/>
+              </a:rPr>
+              <a:t>。</a:t>
+            </a:r>
+          </a:p>
+        </p:txBody>
+      </p:sp>
+      <p:sp>
+        <p:nvSpPr>
+          <p:cNvPr id="23" name="テキスト ボックス 22">
+            <a:extLst>
+              <a:ext uri="{FF2B5EF4-FFF2-40B4-BE49-F238E27FC236}">
+                <a16:creationId xmlns:a16="http://schemas.microsoft.com/office/drawing/2014/main" id="{3B420251-A162-4FBA-A37D-EC44183A2A3A}"/>
+              </a:ext>
+            </a:extLst>
+          </p:cNvPr>
+          <p:cNvSpPr txBox="1"/>
+          <p:nvPr/>
+        </p:nvSpPr>
+        <p:spPr>
+          <a:xfrm>
+            <a:off x="290775" y="4477434"/>
+            <a:ext cx="4368955" cy="646331"/>
+          </a:xfrm>
+          <a:prstGeom prst="rect">
+            <a:avLst/>
+          </a:prstGeom>
+          <a:noFill/>
+        </p:spPr>
+        <p:txBody>
+          <a:bodyPr wrap="square" rtlCol="0">
+            <a:spAutoFit/>
+          </a:bodyPr>
+          <a:lstStyle/>
+          <a:p>
+            <a:r>
+              <a:rPr lang="en-US" altLang="ja-JP" sz="1800" u="sng" dirty="0">
+                <a:hlinkClick r:id="rId3"/>
+              </a:rPr>
+              <a:t>https://www.youtube.com/playlist?list=PLiAHV0rnMcX_Y3YHAr3EsbtGDf8KquDJR</a:t>
+            </a:r>
+            <a:endParaRPr kumimoji="1" lang="ja-JP" altLang="en-US" sz="1800" dirty="0"/>
+          </a:p>
+        </p:txBody>
+      </p:sp>
+      <p:pic>
+        <p:nvPicPr>
+          <p:cNvPr id="25" name="図 24">
+            <a:extLst>
+              <a:ext uri="{FF2B5EF4-FFF2-40B4-BE49-F238E27FC236}">
+                <a16:creationId xmlns:a16="http://schemas.microsoft.com/office/drawing/2014/main" id="{E402AA08-6B0B-4CA9-BEA2-735D1D41D922}"/>
+              </a:ext>
+            </a:extLst>
+          </p:cNvPr>
+          <p:cNvPicPr>
+            <a:picLocks noChangeAspect="1"/>
+          </p:cNvPicPr>
+          <p:nvPr/>
+        </p:nvPicPr>
+        <p:blipFill>
+          <a:blip r:embed="rId4">
+            <a:extLst>
+              <a:ext uri="{28A0092B-C50C-407E-A947-70E740481C1C}">
+                <a14:useLocalDpi xmlns:a14="http://schemas.microsoft.com/office/drawing/2010/main" val="0"/>
+              </a:ext>
+            </a:extLst>
+          </a:blip>
+          <a:stretch>
+            <a:fillRect/>
+          </a:stretch>
+        </p:blipFill>
+        <p:spPr>
+          <a:xfrm>
+            <a:off x="4699379" y="3833886"/>
+            <a:ext cx="1412750" cy="1412750"/>
+          </a:xfrm>
+          <a:prstGeom prst="rect">
+            <a:avLst/>
+          </a:prstGeom>
+        </p:spPr>
+      </p:pic>
+      <p:sp>
+        <p:nvSpPr>
+          <p:cNvPr id="26" name="テキスト ボックス 25">
+            <a:extLst>
+              <a:ext uri="{FF2B5EF4-FFF2-40B4-BE49-F238E27FC236}">
+                <a16:creationId xmlns:a16="http://schemas.microsoft.com/office/drawing/2014/main" id="{8F3FEC2E-068D-45BB-B817-13D21E9389CF}"/>
+              </a:ext>
+            </a:extLst>
+          </p:cNvPr>
+          <p:cNvSpPr txBox="1"/>
+          <p:nvPr/>
+        </p:nvSpPr>
+        <p:spPr>
+          <a:xfrm>
+            <a:off x="244266" y="5443410"/>
+            <a:ext cx="1658407" cy="397837"/>
+          </a:xfrm>
+          <a:prstGeom prst="rect">
+            <a:avLst/>
+          </a:prstGeom>
+          <a:noFill/>
+        </p:spPr>
+        <p:txBody>
+          <a:bodyPr wrap="square" rtlCol="0">
+            <a:spAutoFit/>
+          </a:bodyPr>
+          <a:lstStyle/>
+          <a:p>
+            <a:r>
+              <a:rPr kumimoji="1" lang="ja-JP" altLang="en-US" sz="1950" b="1" dirty="0">
+                <a:solidFill>
+                  <a:srgbClr val="FF0000"/>
+                </a:solidFill>
+              </a:rPr>
+              <a:t>モデルの概要</a:t>
+            </a:r>
+          </a:p>
+        </p:txBody>
+      </p:sp>
+      <p:sp>
+        <p:nvSpPr>
+          <p:cNvPr id="27" name="矢印: 山形 26">
+            <a:extLst>
+              <a:ext uri="{FF2B5EF4-FFF2-40B4-BE49-F238E27FC236}">
+                <a16:creationId xmlns:a16="http://schemas.microsoft.com/office/drawing/2014/main" id="{13847F04-C1E6-468A-B89A-92824988AD12}"/>
+              </a:ext>
+            </a:extLst>
+          </p:cNvPr>
+          <p:cNvSpPr/>
+          <p:nvPr/>
+        </p:nvSpPr>
+        <p:spPr>
+          <a:xfrm>
+            <a:off x="3196443" y="7148934"/>
+            <a:ext cx="2915685" cy="584775"/>
+          </a:xfrm>
+          <a:prstGeom prst="chevron">
+            <a:avLst/>
+          </a:prstGeom>
+          <a:noFill/>
+          <a:ln w="38100">
+            <a:solidFill>
+              <a:schemeClr val="accent6"/>
+            </a:solidFill>
+          </a:ln>
+        </p:spPr>
+        <p:style>
+          <a:lnRef idx="2">
+            <a:schemeClr val="accent1">
+              <a:shade val="50000"/>
+            </a:schemeClr>
+          </a:lnRef>
+          <a:fillRef idx="1">
+            <a:schemeClr val="accent1"/>
+          </a:fillRef>
+          <a:effectRef idx="0">
+            <a:schemeClr val="accent1"/>
+          </a:effectRef>
+          <a:fontRef idx="minor">
+            <a:schemeClr val="lt1"/>
+          </a:fontRef>
+        </p:style>
+        <p:txBody>
+          <a:bodyPr rtlCol="0" anchor="ctr"/>
+          <a:lstStyle/>
+          <a:p>
+            <a:pPr algn="ctr"/>
+            <a:endParaRPr kumimoji="1" lang="ja-JP" altLang="en-US">
+              <a:solidFill>
+                <a:schemeClr val="tx1"/>
+              </a:solidFill>
+            </a:endParaRPr>
+          </a:p>
+        </p:txBody>
+      </p:sp>
+      <p:sp>
+        <p:nvSpPr>
+          <p:cNvPr id="28" name="テキスト ボックス 27">
+            <a:extLst>
+              <a:ext uri="{FF2B5EF4-FFF2-40B4-BE49-F238E27FC236}">
+                <a16:creationId xmlns:a16="http://schemas.microsoft.com/office/drawing/2014/main" id="{818EA9B4-2E10-4379-86D0-AB15016EA3DD}"/>
+              </a:ext>
+            </a:extLst>
+          </p:cNvPr>
+          <p:cNvSpPr txBox="1"/>
+          <p:nvPr/>
+        </p:nvSpPr>
+        <p:spPr>
+          <a:xfrm>
+            <a:off x="3268452" y="7167581"/>
+            <a:ext cx="2700300" cy="584775"/>
+          </a:xfrm>
+          <a:prstGeom prst="rect">
+            <a:avLst/>
+          </a:prstGeom>
+          <a:noFill/>
+        </p:spPr>
+        <p:txBody>
+          <a:bodyPr wrap="square" rtlCol="0">
+            <a:spAutoFit/>
+          </a:bodyPr>
+          <a:lstStyle/>
+          <a:p>
+            <a:pPr algn="ctr"/>
+            <a:r>
+              <a:rPr kumimoji="1" lang="ja-JP" altLang="en-US" b="1" dirty="0">
+                <a:latin typeface="メイリオ" panose="020B0604030504040204" pitchFamily="50" charset="-128"/>
+                <a:ea typeface="メイリオ" panose="020B0604030504040204" pitchFamily="50" charset="-128"/>
+              </a:rPr>
+              <a:t>詳細は、機能モデル　</a:t>
+            </a:r>
+            <a:endParaRPr kumimoji="1" lang="en-US" altLang="ja-JP" b="1" dirty="0">
+              <a:latin typeface="メイリオ" panose="020B0604030504040204" pitchFamily="50" charset="-128"/>
+              <a:ea typeface="メイリオ" panose="020B0604030504040204" pitchFamily="50" charset="-128"/>
+            </a:endParaRPr>
+          </a:p>
+          <a:p>
+            <a:pPr algn="ctr"/>
+            <a:r>
+              <a:rPr kumimoji="1" lang="ja-JP" altLang="en-US" b="1" dirty="0">
+                <a:latin typeface="メイリオ" panose="020B0604030504040204" pitchFamily="50" charset="-128"/>
+                <a:ea typeface="メイリオ" panose="020B0604030504040204" pitchFamily="50" charset="-128"/>
+              </a:rPr>
+              <a:t>「１</a:t>
+            </a:r>
+            <a:r>
+              <a:rPr kumimoji="1" lang="en-US" altLang="ja-JP" b="1" dirty="0">
+                <a:latin typeface="メイリオ" panose="020B0604030504040204" pitchFamily="50" charset="-128"/>
+                <a:ea typeface="メイリオ" panose="020B0604030504040204" pitchFamily="50" charset="-128"/>
+              </a:rPr>
+              <a:t>.</a:t>
+            </a:r>
+            <a:r>
+              <a:rPr kumimoji="1" lang="ja-JP" altLang="en-US" b="1" dirty="0">
+                <a:latin typeface="メイリオ" panose="020B0604030504040204" pitchFamily="50" charset="-128"/>
+                <a:ea typeface="メイリオ" panose="020B0604030504040204" pitchFamily="50" charset="-128"/>
+              </a:rPr>
+              <a:t>提供する機能」へ</a:t>
+            </a:r>
+          </a:p>
+        </p:txBody>
+      </p:sp>
+      <p:sp>
+        <p:nvSpPr>
+          <p:cNvPr id="30" name="テキスト ボックス 29">
+            <a:extLst>
+              <a:ext uri="{FF2B5EF4-FFF2-40B4-BE49-F238E27FC236}">
+                <a16:creationId xmlns:a16="http://schemas.microsoft.com/office/drawing/2014/main" id="{DE69C148-DE26-4E4C-9B25-6EA831017932}"/>
+              </a:ext>
+            </a:extLst>
+          </p:cNvPr>
+          <p:cNvSpPr txBox="1"/>
+          <p:nvPr/>
+        </p:nvSpPr>
+        <p:spPr>
+          <a:xfrm>
+            <a:off x="271942" y="5832004"/>
+            <a:ext cx="1367645" cy="369332"/>
+          </a:xfrm>
+          <a:prstGeom prst="rect">
+            <a:avLst/>
+          </a:prstGeom>
+          <a:noFill/>
+        </p:spPr>
+        <p:txBody>
+          <a:bodyPr wrap="square" rtlCol="0">
+            <a:spAutoFit/>
+          </a:bodyPr>
+          <a:lstStyle/>
+          <a:p>
+            <a:r>
+              <a:rPr kumimoji="1" lang="ja-JP" altLang="en-US" sz="1800" b="1" dirty="0">
+                <a:latin typeface="游ゴシック" panose="020B0400000000000000" pitchFamily="50" charset="-128"/>
+                <a:ea typeface="游ゴシック" panose="020B0400000000000000" pitchFamily="50" charset="-128"/>
+              </a:rPr>
+              <a:t>課題の定義</a:t>
+            </a:r>
+          </a:p>
+        </p:txBody>
+      </p:sp>
+      <p:sp>
+        <p:nvSpPr>
+          <p:cNvPr id="36" name="テキスト ボックス 35">
+            <a:extLst>
+              <a:ext uri="{FF2B5EF4-FFF2-40B4-BE49-F238E27FC236}">
+                <a16:creationId xmlns:a16="http://schemas.microsoft.com/office/drawing/2014/main" id="{5A3689BB-CEBD-41AE-AC46-27C81FDB37BF}"/>
+              </a:ext>
+            </a:extLst>
+          </p:cNvPr>
+          <p:cNvSpPr txBox="1"/>
+          <p:nvPr/>
+        </p:nvSpPr>
+        <p:spPr>
+          <a:xfrm>
+            <a:off x="271942" y="7514278"/>
+            <a:ext cx="1583669" cy="369332"/>
+          </a:xfrm>
+          <a:prstGeom prst="rect">
+            <a:avLst/>
+          </a:prstGeom>
+          <a:noFill/>
+        </p:spPr>
+        <p:txBody>
+          <a:bodyPr wrap="square" rtlCol="0">
+            <a:spAutoFit/>
+          </a:bodyPr>
+          <a:lstStyle/>
+          <a:p>
+            <a:r>
+              <a:rPr lang="ja-JP" altLang="en-US" sz="1800" b="1" dirty="0">
+                <a:latin typeface="+mn-ea"/>
+                <a:ea typeface="+mn-ea"/>
+              </a:rPr>
+              <a:t>走行の戦略</a:t>
+            </a:r>
+            <a:endParaRPr kumimoji="1" lang="ja-JP" altLang="en-US" sz="1800" b="1" dirty="0">
+              <a:latin typeface="+mn-ea"/>
+              <a:ea typeface="+mn-ea"/>
+            </a:endParaRPr>
+          </a:p>
+        </p:txBody>
+      </p:sp>
+      <p:sp>
+        <p:nvSpPr>
+          <p:cNvPr id="38" name="テキスト ボックス 37">
+            <a:extLst>
+              <a:ext uri="{FF2B5EF4-FFF2-40B4-BE49-F238E27FC236}">
+                <a16:creationId xmlns:a16="http://schemas.microsoft.com/office/drawing/2014/main" id="{54ECDB45-414F-4C38-A023-9907CF31E423}"/>
+              </a:ext>
+            </a:extLst>
+          </p:cNvPr>
+          <p:cNvSpPr txBox="1"/>
+          <p:nvPr/>
+        </p:nvSpPr>
+        <p:spPr>
+          <a:xfrm>
+            <a:off x="3416913" y="8931726"/>
+            <a:ext cx="2700300" cy="584775"/>
+          </a:xfrm>
+          <a:prstGeom prst="rect">
+            <a:avLst/>
+          </a:prstGeom>
+          <a:noFill/>
+        </p:spPr>
+        <p:txBody>
+          <a:bodyPr wrap="square" rtlCol="0">
+            <a:spAutoFit/>
+          </a:bodyPr>
+          <a:lstStyle/>
+          <a:p>
+            <a:pPr algn="ctr"/>
+            <a:r>
+              <a:rPr kumimoji="1" lang="ja-JP" altLang="en-US" b="1" dirty="0">
+                <a:latin typeface="メイリオ" panose="020B0604030504040204" pitchFamily="50" charset="-128"/>
+                <a:ea typeface="メイリオ" panose="020B0604030504040204" pitchFamily="50" charset="-128"/>
+              </a:rPr>
+              <a:t>詳細は、機能モデル　</a:t>
+            </a:r>
+            <a:endParaRPr kumimoji="1" lang="en-US" altLang="ja-JP" b="1" dirty="0">
+              <a:latin typeface="メイリオ" panose="020B0604030504040204" pitchFamily="50" charset="-128"/>
+              <a:ea typeface="メイリオ" panose="020B0604030504040204" pitchFamily="50" charset="-128"/>
+            </a:endParaRPr>
+          </a:p>
+          <a:p>
+            <a:pPr algn="ctr"/>
+            <a:r>
+              <a:rPr kumimoji="1" lang="ja-JP" altLang="en-US" b="1" dirty="0">
+                <a:latin typeface="メイリオ" panose="020B0604030504040204" pitchFamily="50" charset="-128"/>
+                <a:ea typeface="メイリオ" panose="020B0604030504040204" pitchFamily="50" charset="-128"/>
+              </a:rPr>
+              <a:t>「補足１」へ</a:t>
+            </a:r>
+          </a:p>
+        </p:txBody>
+      </p:sp>
+      <p:sp>
+        <p:nvSpPr>
+          <p:cNvPr id="39" name="矢印: 山形 38">
+            <a:extLst>
+              <a:ext uri="{FF2B5EF4-FFF2-40B4-BE49-F238E27FC236}">
+                <a16:creationId xmlns:a16="http://schemas.microsoft.com/office/drawing/2014/main" id="{BD22327A-B7BC-4ECA-A7BE-AA3246E6BF66}"/>
+              </a:ext>
+            </a:extLst>
+          </p:cNvPr>
+          <p:cNvSpPr/>
+          <p:nvPr/>
+        </p:nvSpPr>
+        <p:spPr>
+          <a:xfrm>
+            <a:off x="3241536" y="8886845"/>
+            <a:ext cx="2915685" cy="584775"/>
+          </a:xfrm>
+          <a:prstGeom prst="chevron">
+            <a:avLst/>
+          </a:prstGeom>
+          <a:noFill/>
+          <a:ln w="38100">
+            <a:solidFill>
+              <a:schemeClr val="accent6"/>
+            </a:solidFill>
+          </a:ln>
+        </p:spPr>
+        <p:style>
+          <a:lnRef idx="2">
+            <a:schemeClr val="accent1">
+              <a:shade val="50000"/>
+            </a:schemeClr>
+          </a:lnRef>
+          <a:fillRef idx="1">
+            <a:schemeClr val="accent1"/>
+          </a:fillRef>
+          <a:effectRef idx="0">
+            <a:schemeClr val="accent1"/>
+          </a:effectRef>
+          <a:fontRef idx="minor">
+            <a:schemeClr val="lt1"/>
+          </a:fontRef>
+        </p:style>
+        <p:txBody>
+          <a:bodyPr rtlCol="0" anchor="ctr"/>
+          <a:lstStyle/>
+          <a:p>
+            <a:pPr algn="ctr"/>
+            <a:endParaRPr kumimoji="1" lang="ja-JP" altLang="en-US">
+              <a:solidFill>
+                <a:schemeClr val="tx1"/>
+              </a:solidFill>
+            </a:endParaRPr>
+          </a:p>
+        </p:txBody>
+      </p:sp>
+    </p:spTree>
+    <p:extLst>
+      <p:ext uri="{BB962C8B-B14F-4D97-AF65-F5344CB8AC3E}">
+        <p14:creationId xmlns:p14="http://schemas.microsoft.com/office/powerpoint/2010/main" val="200044771"/>
       </p:ext>
     </p:extLst>
   </p:cSld>

--- a/PowerPoint/アブストラクト.pptx
+++ b/PowerPoint/アブストラクト.pptx
@@ -5877,6 +5877,17 @@
               </a:rPr>
               <a:t>大会へ出場し、表彰台に立つことが目標です！</a:t>
             </a:r>
+            <a:endParaRPr lang="en-US" altLang="ja-JP" sz="1800" dirty="0">
+              <a:latin typeface="メイリオ" panose="020B0604030504040204" pitchFamily="50" charset="-128"/>
+              <a:ea typeface="メイリオ" panose="020B0604030504040204" pitchFamily="50" charset="-128"/>
+            </a:endParaRPr>
+          </a:p>
+          <a:p>
+            <a:pPr marL="0" indent="0"/>
+            <a:endParaRPr lang="ja-JP" altLang="en-US" sz="1800" dirty="0">
+              <a:latin typeface="メイリオ" panose="020B0604030504040204" pitchFamily="50" charset="-128"/>
+              <a:ea typeface="メイリオ" panose="020B0604030504040204" pitchFamily="50" charset="-128"/>
+            </a:endParaRPr>
           </a:p>
           <a:p>
             <a:pPr marL="0" indent="0"/>
@@ -5885,7 +5896,7 @@
                 <a:latin typeface="メイリオ" panose="020B0604030504040204" pitchFamily="50" charset="-128"/>
                 <a:ea typeface="メイリオ" panose="020B0604030504040204" pitchFamily="50" charset="-128"/>
               </a:rPr>
-              <a:t>試走会での走行の様子はコチラ！！</a:t>
+              <a:t>　試走会での走行の様子はコチラ！！</a:t>
             </a:r>
             <a:endParaRPr lang="en-US" altLang="ja-JP" sz="1800" dirty="0">
               <a:latin typeface="メイリオ" panose="020B0604030504040204" pitchFamily="50" charset="-128"/>
@@ -6182,10 +6193,10 @@
         </p:nvGrpSpPr>
         <p:grpSpPr>
           <a:xfrm>
-            <a:off x="2676572" y="5519931"/>
-            <a:ext cx="3094985" cy="369332"/>
-            <a:chOff x="2656383" y="5664696"/>
-            <a:chExt cx="3094985" cy="369332"/>
+            <a:off x="2658963" y="5600402"/>
+            <a:ext cx="3070995" cy="448134"/>
+            <a:chOff x="2714865" y="5664696"/>
+            <a:chExt cx="2951608" cy="345117"/>
           </a:xfrm>
         </p:grpSpPr>
         <p:sp>
@@ -6202,13 +6213,16 @@
           </p:nvSpPr>
           <p:spPr>
             <a:xfrm>
-              <a:off x="2656383" y="5664696"/>
-              <a:ext cx="3094985" cy="369332"/>
+              <a:off x="2737287" y="5692253"/>
+              <a:ext cx="2906762" cy="284430"/>
             </a:xfrm>
             <a:prstGeom prst="rect">
               <a:avLst/>
             </a:prstGeom>
             <a:noFill/>
+            <a:ln>
+              <a:noFill/>
+            </a:ln>
           </p:spPr>
           <p:txBody>
             <a:bodyPr wrap="square" rtlCol="0">
@@ -6245,7 +6259,7 @@
           </p:nvSpPr>
           <p:spPr>
             <a:xfrm>
-              <a:off x="2656384" y="5688910"/>
+              <a:off x="2714865" y="5664696"/>
               <a:ext cx="2951608" cy="345117"/>
             </a:xfrm>
             <a:prstGeom prst="rect">
@@ -6254,10 +6268,7 @@
             <a:noFill/>
             <a:ln w="57150">
               <a:solidFill>
-                <a:schemeClr val="accent6">
-                  <a:lumMod val="60000"/>
-                  <a:lumOff val="40000"/>
-                </a:schemeClr>
+                <a:srgbClr val="00B050"/>
               </a:solidFill>
             </a:ln>
           </p:spPr>
@@ -6301,7 +6312,7 @@
         </p:nvSpPr>
         <p:spPr>
           <a:xfrm>
-            <a:off x="663693" y="7896944"/>
+            <a:off x="663693" y="7762885"/>
             <a:ext cx="5665098" cy="1214179"/>
           </a:xfrm>
           <a:prstGeom prst="rect">
@@ -6370,12 +6381,12 @@
         </p:nvCxnSpPr>
         <p:spPr>
           <a:xfrm rot="16200000" flipH="1">
-            <a:off x="302109" y="6386320"/>
-            <a:ext cx="579152" cy="144016"/>
+            <a:off x="254338" y="6338549"/>
+            <a:ext cx="579152" cy="239557"/>
           </a:xfrm>
           <a:prstGeom prst="bentConnector3">
             <a:avLst>
-              <a:gd name="adj1" fmla="val 100076"/>
+              <a:gd name="adj1" fmla="val 99997"/>
             </a:avLst>
           </a:prstGeom>
           <a:ln w="28575">
@@ -6416,12 +6427,12 @@
         </p:nvCxnSpPr>
         <p:spPr>
           <a:xfrm rot="16200000" flipH="1">
-            <a:off x="336272" y="8114512"/>
-            <a:ext cx="579152" cy="144016"/>
+            <a:off x="264753" y="7984319"/>
+            <a:ext cx="592486" cy="273720"/>
           </a:xfrm>
           <a:prstGeom prst="bentConnector3">
             <a:avLst>
-              <a:gd name="adj1" fmla="val 100076"/>
+              <a:gd name="adj1" fmla="val 100342"/>
             </a:avLst>
           </a:prstGeom>
           <a:ln w="28575">
@@ -6460,8 +6471,8 @@
         </p:nvSpPr>
         <p:spPr>
           <a:xfrm>
-            <a:off x="6400800" y="2507664"/>
-            <a:ext cx="6189062" cy="5226046"/>
+            <a:off x="6405285" y="2144813"/>
+            <a:ext cx="6189062" cy="7164000"/>
           </a:xfrm>
           <a:prstGeom prst="rect">
             <a:avLst/>
@@ -6509,7 +6520,7 @@
               </a:spcBef>
             </a:pPr>
             <a:r>
-              <a:rPr lang="en-US" altLang="ja-JP" sz="1800" dirty="0">
+              <a:rPr lang="en-US" altLang="ja-JP" sz="1800" b="1" dirty="0">
                 <a:solidFill>
                   <a:prstClr val="black"/>
                 </a:solidFill>
@@ -6519,7 +6530,7 @@
               <a:t>【</a:t>
             </a:r>
             <a:r>
-              <a:rPr lang="ja-JP" altLang="en-US" sz="1800" dirty="0">
+              <a:rPr lang="ja-JP" altLang="en-US" sz="1800" b="1" dirty="0">
                 <a:solidFill>
                   <a:prstClr val="black"/>
                 </a:solidFill>
@@ -6529,7 +6540,7 @@
               <a:t>機能モデル</a:t>
             </a:r>
             <a:r>
-              <a:rPr lang="en-US" altLang="ja-JP" sz="1800" dirty="0">
+              <a:rPr lang="en-US" altLang="ja-JP" sz="1800" b="1" dirty="0">
                 <a:solidFill>
                   <a:prstClr val="black"/>
                 </a:solidFill>
@@ -6556,7 +6567,7 @@
                 <a:latin typeface="メイリオ" panose="020B0604030504040204" pitchFamily="50" charset="-128"/>
                 <a:ea typeface="メイリオ" panose="020B0604030504040204" pitchFamily="50" charset="-128"/>
               </a:rPr>
-              <a:t>・「コースを完走する」という課題をクリアするために、どのような機能が必要かをリストアップした。</a:t>
+              <a:t>・「コースを完走する」という課題をクリアするために必</a:t>
             </a:r>
             <a:endParaRPr lang="en-US" altLang="ja-JP" sz="1800" dirty="0">
               <a:solidFill>
@@ -6583,7 +6594,7 @@
                 <a:latin typeface="メイリオ" panose="020B0604030504040204" pitchFamily="50" charset="-128"/>
                 <a:ea typeface="メイリオ" panose="020B0604030504040204" pitchFamily="50" charset="-128"/>
               </a:rPr>
-              <a:t>・その機能を実現するために必要な部品を定義した。</a:t>
+              <a:t>　要な機能をアクティビティ図に示した。</a:t>
             </a:r>
             <a:endParaRPr lang="en-US" altLang="ja-JP" sz="1800" dirty="0">
               <a:solidFill>
@@ -6610,87 +6621,7 @@
                 <a:latin typeface="メイリオ" panose="020B0604030504040204" pitchFamily="50" charset="-128"/>
                 <a:ea typeface="メイリオ" panose="020B0604030504040204" pitchFamily="50" charset="-128"/>
               </a:rPr>
-              <a:t>・コースを安定して高速で走行するために、コース全体を</a:t>
-            </a:r>
-            <a:r>
-              <a:rPr lang="en-US" altLang="ja-JP" sz="1800" dirty="0">
-                <a:solidFill>
-                  <a:prstClr val="black"/>
-                </a:solidFill>
-                <a:latin typeface="メイリオ" panose="020B0604030504040204" pitchFamily="50" charset="-128"/>
-                <a:ea typeface="メイリオ" panose="020B0604030504040204" pitchFamily="50" charset="-128"/>
-              </a:rPr>
-              <a:t>15</a:t>
-            </a:r>
-            <a:r>
-              <a:rPr lang="ja-JP" altLang="en-US" sz="1800" dirty="0">
-                <a:solidFill>
-                  <a:prstClr val="black"/>
-                </a:solidFill>
-                <a:latin typeface="メイリオ" panose="020B0604030504040204" pitchFamily="50" charset="-128"/>
-                <a:ea typeface="メイリオ" panose="020B0604030504040204" pitchFamily="50" charset="-128"/>
-              </a:rPr>
-              <a:t>の区間に分割し、それぞれ異なるパラメータで走行する戦略を立てた。</a:t>
-            </a:r>
-          </a:p>
-          <a:p>
-            <a:pPr lvl="0">
-              <a:lnSpc>
-                <a:spcPct val="80000"/>
-              </a:lnSpc>
-              <a:spcBef>
-                <a:spcPts val="600"/>
-              </a:spcBef>
-            </a:pPr>
-            <a:r>
-              <a:rPr lang="en-US" altLang="ja-JP" sz="1800" dirty="0">
-                <a:solidFill>
-                  <a:prstClr val="black"/>
-                </a:solidFill>
-                <a:latin typeface="メイリオ" panose="020B0604030504040204" pitchFamily="50" charset="-128"/>
-                <a:ea typeface="メイリオ" panose="020B0604030504040204" pitchFamily="50" charset="-128"/>
-              </a:rPr>
-              <a:t>【</a:t>
-            </a:r>
-            <a:r>
-              <a:rPr lang="ja-JP" altLang="en-US" sz="1800" dirty="0">
-                <a:solidFill>
-                  <a:prstClr val="black"/>
-                </a:solidFill>
-                <a:latin typeface="メイリオ" panose="020B0604030504040204" pitchFamily="50" charset="-128"/>
-                <a:ea typeface="メイリオ" panose="020B0604030504040204" pitchFamily="50" charset="-128"/>
-              </a:rPr>
-              <a:t>構造モデル</a:t>
-            </a:r>
-            <a:r>
-              <a:rPr lang="en-US" altLang="ja-JP" sz="1800" dirty="0">
-                <a:solidFill>
-                  <a:prstClr val="black"/>
-                </a:solidFill>
-                <a:latin typeface="メイリオ" panose="020B0604030504040204" pitchFamily="50" charset="-128"/>
-                <a:ea typeface="メイリオ" panose="020B0604030504040204" pitchFamily="50" charset="-128"/>
-              </a:rPr>
-              <a:t>】</a:t>
-            </a:r>
-          </a:p>
-          <a:p>
-            <a:pPr lvl="0">
-              <a:lnSpc>
-                <a:spcPct val="80000"/>
-              </a:lnSpc>
-              <a:spcBef>
-                <a:spcPts val="600"/>
-              </a:spcBef>
-            </a:pPr>
-            <a:r>
-              <a:rPr lang="ja-JP" altLang="en-US" sz="1800" dirty="0">
-                <a:solidFill>
-                  <a:prstClr val="black"/>
-                </a:solidFill>
-                <a:latin typeface="メイリオ" panose="020B0604030504040204" pitchFamily="50" charset="-128"/>
-                <a:ea typeface="メイリオ" panose="020B0604030504040204" pitchFamily="50" charset="-128"/>
-              </a:rPr>
-              <a:t>・機能モデルで定義した部品の構成をクラス図に示す。</a:t>
+              <a:t>・その機能を実現するために必要な部品を定義した。</a:t>
             </a:r>
             <a:endParaRPr lang="en-US" altLang="ja-JP" sz="1800" dirty="0">
               <a:solidFill>
@@ -6717,127 +6648,7 @@
                 <a:latin typeface="メイリオ" panose="020B0604030504040204" pitchFamily="50" charset="-128"/>
                 <a:ea typeface="メイリオ" panose="020B0604030504040204" pitchFamily="50" charset="-128"/>
               </a:rPr>
-              <a:t>・クラス図の大まかな構成はパッケージ構造に表した。</a:t>
-            </a:r>
-          </a:p>
-          <a:p>
-            <a:pPr lvl="0">
-              <a:lnSpc>
-                <a:spcPct val="80000"/>
-              </a:lnSpc>
-              <a:spcBef>
-                <a:spcPts val="600"/>
-              </a:spcBef>
-            </a:pPr>
-            <a:r>
-              <a:rPr lang="en-US" altLang="ja-JP" sz="1800" dirty="0">
-                <a:solidFill>
-                  <a:prstClr val="black"/>
-                </a:solidFill>
-                <a:latin typeface="メイリオ" panose="020B0604030504040204" pitchFamily="50" charset="-128"/>
-                <a:ea typeface="メイリオ" panose="020B0604030504040204" pitchFamily="50" charset="-128"/>
-              </a:rPr>
-              <a:t>【</a:t>
-            </a:r>
-            <a:r>
-              <a:rPr lang="ja-JP" altLang="en-US" sz="1800" dirty="0">
-                <a:solidFill>
-                  <a:prstClr val="black"/>
-                </a:solidFill>
-                <a:latin typeface="メイリオ" panose="020B0604030504040204" pitchFamily="50" charset="-128"/>
-                <a:ea typeface="メイリオ" panose="020B0604030504040204" pitchFamily="50" charset="-128"/>
-              </a:rPr>
-              <a:t>振る舞いモデル</a:t>
-            </a:r>
-            <a:r>
-              <a:rPr lang="en-US" altLang="ja-JP" sz="1800" dirty="0">
-                <a:solidFill>
-                  <a:prstClr val="black"/>
-                </a:solidFill>
-                <a:latin typeface="メイリオ" panose="020B0604030504040204" pitchFamily="50" charset="-128"/>
-                <a:ea typeface="メイリオ" panose="020B0604030504040204" pitchFamily="50" charset="-128"/>
-              </a:rPr>
-              <a:t>】</a:t>
-            </a:r>
-          </a:p>
-          <a:p>
-            <a:pPr lvl="0">
-              <a:lnSpc>
-                <a:spcPct val="80000"/>
-              </a:lnSpc>
-              <a:spcBef>
-                <a:spcPts val="600"/>
-              </a:spcBef>
-            </a:pPr>
-            <a:r>
-              <a:rPr lang="ja-JP" altLang="en-US" sz="1800" dirty="0">
-                <a:solidFill>
-                  <a:prstClr val="black"/>
-                </a:solidFill>
-                <a:latin typeface="メイリオ" panose="020B0604030504040204" pitchFamily="50" charset="-128"/>
-                <a:ea typeface="メイリオ" panose="020B0604030504040204" pitchFamily="50" charset="-128"/>
-              </a:rPr>
-              <a:t>・</a:t>
-            </a:r>
-          </a:p>
-          <a:p>
-            <a:pPr lvl="0">
-              <a:lnSpc>
-                <a:spcPct val="80000"/>
-              </a:lnSpc>
-              <a:spcBef>
-                <a:spcPts val="600"/>
-              </a:spcBef>
-            </a:pPr>
-            <a:r>
-              <a:rPr lang="en-US" altLang="ja-JP" sz="1800" dirty="0">
-                <a:solidFill>
-                  <a:prstClr val="black"/>
-                </a:solidFill>
-                <a:latin typeface="メイリオ" panose="020B0604030504040204" pitchFamily="50" charset="-128"/>
-                <a:ea typeface="メイリオ" panose="020B0604030504040204" pitchFamily="50" charset="-128"/>
-              </a:rPr>
-              <a:t>【</a:t>
-            </a:r>
-            <a:r>
-              <a:rPr lang="ja-JP" altLang="en-US" sz="1800" dirty="0">
-                <a:solidFill>
-                  <a:prstClr val="black"/>
-                </a:solidFill>
-                <a:latin typeface="メイリオ" panose="020B0604030504040204" pitchFamily="50" charset="-128"/>
-                <a:ea typeface="メイリオ" panose="020B0604030504040204" pitchFamily="50" charset="-128"/>
-              </a:rPr>
-              <a:t>工夫点</a:t>
-            </a:r>
-            <a:r>
-              <a:rPr lang="en-US" altLang="ja-JP" sz="1800" dirty="0">
-                <a:solidFill>
-                  <a:prstClr val="black"/>
-                </a:solidFill>
-                <a:latin typeface="メイリオ" panose="020B0604030504040204" pitchFamily="50" charset="-128"/>
-                <a:ea typeface="メイリオ" panose="020B0604030504040204" pitchFamily="50" charset="-128"/>
-              </a:rPr>
-              <a:t>】</a:t>
-            </a:r>
-          </a:p>
-          <a:p>
-            <a:pPr lvl="0">
-              <a:lnSpc>
-                <a:spcPct val="80000"/>
-              </a:lnSpc>
-              <a:spcBef>
-                <a:spcPts val="600"/>
-              </a:spcBef>
-            </a:pPr>
-            <a:r>
-              <a:rPr lang="ja-JP" altLang="en-US" sz="1800" dirty="0">
-                <a:solidFill>
-                  <a:prstClr val="black"/>
-                </a:solidFill>
-                <a:latin typeface="メイリオ" panose="020B0604030504040204" pitchFamily="50" charset="-128"/>
-                <a:ea typeface="メイリオ" panose="020B0604030504040204" pitchFamily="50" charset="-128"/>
-              </a:rPr>
-              <a:t>・カーブを安定して曲がるために、曲率制御を導入し、その詳細を記述した。</a:t>
+              <a:t>・走行体のなかで起動しているタスクについて表に示した。</a:t>
             </a:r>
             <a:endParaRPr lang="en-US" altLang="ja-JP" sz="1800" dirty="0">
               <a:solidFill>
@@ -6864,7 +6675,460 @@
                 <a:latin typeface="メイリオ" panose="020B0604030504040204" pitchFamily="50" charset="-128"/>
                 <a:ea typeface="メイリオ" panose="020B0604030504040204" pitchFamily="50" charset="-128"/>
               </a:rPr>
-              <a:t>・オフィシャルバッテリの特性と、走行に与える影響に注目し、競技中に電源電圧が変化しても安定してカーブを曲がれるように指揮を構築した</a:t>
+              <a:t>・コースを分割するにあたって、具体的なコースの分類と、</a:t>
+            </a:r>
+            <a:endParaRPr lang="en-US" altLang="ja-JP" sz="1800" dirty="0">
+              <a:solidFill>
+                <a:prstClr val="black"/>
+              </a:solidFill>
+              <a:latin typeface="メイリオ" panose="020B0604030504040204" pitchFamily="50" charset="-128"/>
+              <a:ea typeface="メイリオ" panose="020B0604030504040204" pitchFamily="50" charset="-128"/>
+            </a:endParaRPr>
+          </a:p>
+          <a:p>
+            <a:pPr lvl="0">
+              <a:lnSpc>
+                <a:spcPct val="80000"/>
+              </a:lnSpc>
+              <a:spcBef>
+                <a:spcPts val="600"/>
+              </a:spcBef>
+            </a:pPr>
+            <a:r>
+              <a:rPr lang="ja-JP" altLang="en-US" sz="1800" dirty="0">
+                <a:solidFill>
+                  <a:prstClr val="black"/>
+                </a:solidFill>
+                <a:latin typeface="メイリオ" panose="020B0604030504040204" pitchFamily="50" charset="-128"/>
+                <a:ea typeface="メイリオ" panose="020B0604030504040204" pitchFamily="50" charset="-128"/>
+              </a:rPr>
+              <a:t>　各区間の制御量を示した。</a:t>
+            </a:r>
+          </a:p>
+          <a:p>
+            <a:pPr lvl="0">
+              <a:lnSpc>
+                <a:spcPct val="80000"/>
+              </a:lnSpc>
+              <a:spcBef>
+                <a:spcPts val="600"/>
+              </a:spcBef>
+            </a:pPr>
+            <a:r>
+              <a:rPr lang="en-US" altLang="ja-JP" sz="1800" b="1" dirty="0">
+                <a:solidFill>
+                  <a:prstClr val="black"/>
+                </a:solidFill>
+                <a:latin typeface="メイリオ" panose="020B0604030504040204" pitchFamily="50" charset="-128"/>
+                <a:ea typeface="メイリオ" panose="020B0604030504040204" pitchFamily="50" charset="-128"/>
+              </a:rPr>
+              <a:t>【</a:t>
+            </a:r>
+            <a:r>
+              <a:rPr lang="ja-JP" altLang="en-US" sz="1800" b="1" dirty="0">
+                <a:solidFill>
+                  <a:prstClr val="black"/>
+                </a:solidFill>
+                <a:latin typeface="メイリオ" panose="020B0604030504040204" pitchFamily="50" charset="-128"/>
+                <a:ea typeface="メイリオ" panose="020B0604030504040204" pitchFamily="50" charset="-128"/>
+              </a:rPr>
+              <a:t>構造モデル</a:t>
+            </a:r>
+            <a:r>
+              <a:rPr lang="en-US" altLang="ja-JP" sz="1800" b="1" dirty="0">
+                <a:solidFill>
+                  <a:prstClr val="black"/>
+                </a:solidFill>
+                <a:latin typeface="メイリオ" panose="020B0604030504040204" pitchFamily="50" charset="-128"/>
+                <a:ea typeface="メイリオ" panose="020B0604030504040204" pitchFamily="50" charset="-128"/>
+              </a:rPr>
+              <a:t>】</a:t>
+            </a:r>
+          </a:p>
+          <a:p>
+            <a:pPr lvl="0">
+              <a:lnSpc>
+                <a:spcPct val="80000"/>
+              </a:lnSpc>
+              <a:spcBef>
+                <a:spcPts val="600"/>
+              </a:spcBef>
+            </a:pPr>
+            <a:r>
+              <a:rPr lang="ja-JP" altLang="en-US" sz="1800" dirty="0">
+                <a:solidFill>
+                  <a:prstClr val="black"/>
+                </a:solidFill>
+                <a:latin typeface="メイリオ" panose="020B0604030504040204" pitchFamily="50" charset="-128"/>
+                <a:ea typeface="メイリオ" panose="020B0604030504040204" pitchFamily="50" charset="-128"/>
+              </a:rPr>
+              <a:t>・機能モデルで定義した部品の構成をクラス図に示した。</a:t>
+            </a:r>
+            <a:endParaRPr lang="en-US" altLang="ja-JP" sz="1800" dirty="0">
+              <a:solidFill>
+                <a:prstClr val="black"/>
+              </a:solidFill>
+              <a:latin typeface="メイリオ" panose="020B0604030504040204" pitchFamily="50" charset="-128"/>
+              <a:ea typeface="メイリオ" panose="020B0604030504040204" pitchFamily="50" charset="-128"/>
+            </a:endParaRPr>
+          </a:p>
+          <a:p>
+            <a:pPr lvl="0">
+              <a:lnSpc>
+                <a:spcPct val="80000"/>
+              </a:lnSpc>
+              <a:spcBef>
+                <a:spcPts val="600"/>
+              </a:spcBef>
+            </a:pPr>
+            <a:r>
+              <a:rPr lang="ja-JP" altLang="en-US" sz="1800" dirty="0">
+                <a:solidFill>
+                  <a:prstClr val="black"/>
+                </a:solidFill>
+                <a:latin typeface="メイリオ" panose="020B0604030504040204" pitchFamily="50" charset="-128"/>
+                <a:ea typeface="メイリオ" panose="020B0604030504040204" pitchFamily="50" charset="-128"/>
+              </a:rPr>
+              <a:t>・クラス図の大まかな構成をパッケージ構造に表した。</a:t>
+            </a:r>
+          </a:p>
+          <a:p>
+            <a:pPr lvl="0">
+              <a:lnSpc>
+                <a:spcPct val="80000"/>
+              </a:lnSpc>
+              <a:spcBef>
+                <a:spcPts val="600"/>
+              </a:spcBef>
+            </a:pPr>
+            <a:r>
+              <a:rPr lang="en-US" altLang="ja-JP" sz="1800" b="1" dirty="0">
+                <a:solidFill>
+                  <a:prstClr val="black"/>
+                </a:solidFill>
+                <a:latin typeface="メイリオ" panose="020B0604030504040204" pitchFamily="50" charset="-128"/>
+                <a:ea typeface="メイリオ" panose="020B0604030504040204" pitchFamily="50" charset="-128"/>
+              </a:rPr>
+              <a:t>【</a:t>
+            </a:r>
+            <a:r>
+              <a:rPr lang="ja-JP" altLang="en-US" sz="1800" b="1" dirty="0">
+                <a:solidFill>
+                  <a:prstClr val="black"/>
+                </a:solidFill>
+                <a:latin typeface="メイリオ" panose="020B0604030504040204" pitchFamily="50" charset="-128"/>
+                <a:ea typeface="メイリオ" panose="020B0604030504040204" pitchFamily="50" charset="-128"/>
+              </a:rPr>
+              <a:t>振る舞いモデル</a:t>
+            </a:r>
+            <a:r>
+              <a:rPr lang="en-US" altLang="ja-JP" sz="1800" b="1" dirty="0">
+                <a:solidFill>
+                  <a:prstClr val="black"/>
+                </a:solidFill>
+                <a:latin typeface="メイリオ" panose="020B0604030504040204" pitchFamily="50" charset="-128"/>
+                <a:ea typeface="メイリオ" panose="020B0604030504040204" pitchFamily="50" charset="-128"/>
+              </a:rPr>
+              <a:t>】</a:t>
+            </a:r>
+          </a:p>
+          <a:p>
+            <a:pPr lvl="0">
+              <a:lnSpc>
+                <a:spcPct val="80000"/>
+              </a:lnSpc>
+              <a:spcBef>
+                <a:spcPts val="600"/>
+              </a:spcBef>
+            </a:pPr>
+            <a:r>
+              <a:rPr lang="ja-JP" altLang="en-US" sz="1800" dirty="0">
+                <a:solidFill>
+                  <a:prstClr val="black"/>
+                </a:solidFill>
+                <a:latin typeface="メイリオ" panose="020B0604030504040204" pitchFamily="50" charset="-128"/>
+                <a:ea typeface="メイリオ" panose="020B0604030504040204" pitchFamily="50" charset="-128"/>
+              </a:rPr>
+              <a:t>・機能モデルのアクティビティ図から、走行処理に着目し</a:t>
+            </a:r>
+            <a:endParaRPr lang="en-US" altLang="ja-JP" sz="1800" dirty="0">
+              <a:solidFill>
+                <a:prstClr val="black"/>
+              </a:solidFill>
+              <a:latin typeface="メイリオ" panose="020B0604030504040204" pitchFamily="50" charset="-128"/>
+              <a:ea typeface="メイリオ" panose="020B0604030504040204" pitchFamily="50" charset="-128"/>
+            </a:endParaRPr>
+          </a:p>
+          <a:p>
+            <a:pPr lvl="0">
+              <a:lnSpc>
+                <a:spcPct val="80000"/>
+              </a:lnSpc>
+              <a:spcBef>
+                <a:spcPts val="600"/>
+              </a:spcBef>
+            </a:pPr>
+            <a:r>
+              <a:rPr lang="ja-JP" altLang="en-US" sz="1800" dirty="0">
+                <a:solidFill>
+                  <a:prstClr val="black"/>
+                </a:solidFill>
+                <a:latin typeface="メイリオ" panose="020B0604030504040204" pitchFamily="50" charset="-128"/>
+                <a:ea typeface="メイリオ" panose="020B0604030504040204" pitchFamily="50" charset="-128"/>
+              </a:rPr>
+              <a:t>　</a:t>
+            </a:r>
+            <a:r>
+              <a:rPr lang="ja-JP" altLang="en-US" sz="1800" dirty="0" err="1">
+                <a:solidFill>
+                  <a:prstClr val="black"/>
+                </a:solidFill>
+                <a:latin typeface="メイリオ" panose="020B0604030504040204" pitchFamily="50" charset="-128"/>
+                <a:ea typeface="メイリオ" panose="020B0604030504040204" pitchFamily="50" charset="-128"/>
+              </a:rPr>
+              <a:t>た</a:t>
+            </a:r>
+            <a:r>
+              <a:rPr lang="ja-JP" altLang="en-US" sz="1800" dirty="0">
+                <a:solidFill>
+                  <a:prstClr val="black"/>
+                </a:solidFill>
+                <a:latin typeface="メイリオ" panose="020B0604030504040204" pitchFamily="50" charset="-128"/>
+                <a:ea typeface="メイリオ" panose="020B0604030504040204" pitchFamily="50" charset="-128"/>
+              </a:rPr>
+              <a:t>状態変化をステートマシン図に示した。</a:t>
+            </a:r>
+            <a:endParaRPr lang="en-US" altLang="ja-JP" sz="1800" dirty="0">
+              <a:solidFill>
+                <a:prstClr val="black"/>
+              </a:solidFill>
+              <a:latin typeface="メイリオ" panose="020B0604030504040204" pitchFamily="50" charset="-128"/>
+              <a:ea typeface="メイリオ" panose="020B0604030504040204" pitchFamily="50" charset="-128"/>
+            </a:endParaRPr>
+          </a:p>
+          <a:p>
+            <a:pPr lvl="0">
+              <a:lnSpc>
+                <a:spcPct val="80000"/>
+              </a:lnSpc>
+              <a:spcBef>
+                <a:spcPts val="600"/>
+              </a:spcBef>
+            </a:pPr>
+            <a:r>
+              <a:rPr lang="ja-JP" altLang="en-US" sz="1800" dirty="0">
+                <a:solidFill>
+                  <a:prstClr val="black"/>
+                </a:solidFill>
+                <a:latin typeface="メイリオ" panose="020B0604030504040204" pitchFamily="50" charset="-128"/>
+                <a:ea typeface="メイリオ" panose="020B0604030504040204" pitchFamily="50" charset="-128"/>
+              </a:rPr>
+              <a:t>・システム全体の振る舞いを時間軸で見るためにシーケン</a:t>
+            </a:r>
+            <a:endParaRPr lang="en-US" altLang="ja-JP" sz="1800" dirty="0">
+              <a:solidFill>
+                <a:prstClr val="black"/>
+              </a:solidFill>
+              <a:latin typeface="メイリオ" panose="020B0604030504040204" pitchFamily="50" charset="-128"/>
+              <a:ea typeface="メイリオ" panose="020B0604030504040204" pitchFamily="50" charset="-128"/>
+            </a:endParaRPr>
+          </a:p>
+          <a:p>
+            <a:pPr lvl="0">
+              <a:lnSpc>
+                <a:spcPct val="80000"/>
+              </a:lnSpc>
+              <a:spcBef>
+                <a:spcPts val="600"/>
+              </a:spcBef>
+            </a:pPr>
+            <a:r>
+              <a:rPr lang="ja-JP" altLang="en-US" sz="1800" dirty="0">
+                <a:solidFill>
+                  <a:prstClr val="black"/>
+                </a:solidFill>
+                <a:latin typeface="メイリオ" panose="020B0604030504040204" pitchFamily="50" charset="-128"/>
+                <a:ea typeface="メイリオ" panose="020B0604030504040204" pitchFamily="50" charset="-128"/>
+              </a:rPr>
+              <a:t>　ス図を利用した。</a:t>
+            </a:r>
+          </a:p>
+          <a:p>
+            <a:pPr lvl="0">
+              <a:lnSpc>
+                <a:spcPct val="80000"/>
+              </a:lnSpc>
+              <a:spcBef>
+                <a:spcPts val="600"/>
+              </a:spcBef>
+            </a:pPr>
+            <a:r>
+              <a:rPr lang="en-US" altLang="ja-JP" sz="1800" b="1" dirty="0">
+                <a:solidFill>
+                  <a:prstClr val="black"/>
+                </a:solidFill>
+                <a:latin typeface="メイリオ" panose="020B0604030504040204" pitchFamily="50" charset="-128"/>
+                <a:ea typeface="メイリオ" panose="020B0604030504040204" pitchFamily="50" charset="-128"/>
+              </a:rPr>
+              <a:t>【</a:t>
+            </a:r>
+            <a:r>
+              <a:rPr lang="ja-JP" altLang="en-US" sz="1800" b="1" dirty="0">
+                <a:solidFill>
+                  <a:prstClr val="black"/>
+                </a:solidFill>
+                <a:latin typeface="メイリオ" panose="020B0604030504040204" pitchFamily="50" charset="-128"/>
+                <a:ea typeface="メイリオ" panose="020B0604030504040204" pitchFamily="50" charset="-128"/>
+              </a:rPr>
+              <a:t>工夫点</a:t>
+            </a:r>
+            <a:r>
+              <a:rPr lang="en-US" altLang="ja-JP" sz="1800" b="1" dirty="0">
+                <a:solidFill>
+                  <a:prstClr val="black"/>
+                </a:solidFill>
+                <a:latin typeface="メイリオ" panose="020B0604030504040204" pitchFamily="50" charset="-128"/>
+                <a:ea typeface="メイリオ" panose="020B0604030504040204" pitchFamily="50" charset="-128"/>
+              </a:rPr>
+              <a:t>】</a:t>
+            </a:r>
+          </a:p>
+          <a:p>
+            <a:pPr lvl="0">
+              <a:lnSpc>
+                <a:spcPct val="80000"/>
+              </a:lnSpc>
+              <a:spcBef>
+                <a:spcPts val="600"/>
+              </a:spcBef>
+            </a:pPr>
+            <a:r>
+              <a:rPr lang="ja-JP" altLang="en-US" sz="1800" dirty="0">
+                <a:solidFill>
+                  <a:prstClr val="black"/>
+                </a:solidFill>
+                <a:latin typeface="メイリオ" panose="020B0604030504040204" pitchFamily="50" charset="-128"/>
+                <a:ea typeface="メイリオ" panose="020B0604030504040204" pitchFamily="50" charset="-128"/>
+              </a:rPr>
+              <a:t>・カーブを安定して曲がるために、曲率制御を導入し、</a:t>
+            </a:r>
+            <a:r>
+              <a:rPr lang="ja-JP" altLang="en-US" sz="1800" dirty="0" err="1">
+                <a:solidFill>
+                  <a:prstClr val="black"/>
+                </a:solidFill>
+                <a:latin typeface="メイリオ" panose="020B0604030504040204" pitchFamily="50" charset="-128"/>
+                <a:ea typeface="メイリオ" panose="020B0604030504040204" pitchFamily="50" charset="-128"/>
+              </a:rPr>
+              <a:t>そ</a:t>
+            </a:r>
+            <a:endParaRPr lang="en-US" altLang="ja-JP" sz="1800" dirty="0">
+              <a:solidFill>
+                <a:prstClr val="black"/>
+              </a:solidFill>
+              <a:latin typeface="メイリオ" panose="020B0604030504040204" pitchFamily="50" charset="-128"/>
+              <a:ea typeface="メイリオ" panose="020B0604030504040204" pitchFamily="50" charset="-128"/>
+            </a:endParaRPr>
+          </a:p>
+          <a:p>
+            <a:pPr lvl="0">
+              <a:lnSpc>
+                <a:spcPct val="80000"/>
+              </a:lnSpc>
+              <a:spcBef>
+                <a:spcPts val="600"/>
+              </a:spcBef>
+            </a:pPr>
+            <a:r>
+              <a:rPr lang="ja-JP" altLang="en-US" sz="1800" dirty="0">
+                <a:solidFill>
+                  <a:prstClr val="black"/>
+                </a:solidFill>
+                <a:latin typeface="メイリオ" panose="020B0604030504040204" pitchFamily="50" charset="-128"/>
+                <a:ea typeface="メイリオ" panose="020B0604030504040204" pitchFamily="50" charset="-128"/>
+              </a:rPr>
+              <a:t>　の詳細を記述した。</a:t>
+            </a:r>
+            <a:endParaRPr lang="en-US" altLang="ja-JP" sz="1800" dirty="0">
+              <a:solidFill>
+                <a:prstClr val="black"/>
+              </a:solidFill>
+              <a:latin typeface="メイリオ" panose="020B0604030504040204" pitchFamily="50" charset="-128"/>
+              <a:ea typeface="メイリオ" panose="020B0604030504040204" pitchFamily="50" charset="-128"/>
+            </a:endParaRPr>
+          </a:p>
+          <a:p>
+            <a:pPr lvl="0">
+              <a:lnSpc>
+                <a:spcPct val="80000"/>
+              </a:lnSpc>
+              <a:spcBef>
+                <a:spcPts val="600"/>
+              </a:spcBef>
+            </a:pPr>
+            <a:r>
+              <a:rPr lang="ja-JP" altLang="en-US" sz="1800" dirty="0">
+                <a:solidFill>
+                  <a:prstClr val="black"/>
+                </a:solidFill>
+                <a:latin typeface="メイリオ" panose="020B0604030504040204" pitchFamily="50" charset="-128"/>
+                <a:ea typeface="メイリオ" panose="020B0604030504040204" pitchFamily="50" charset="-128"/>
+              </a:rPr>
+              <a:t>・オフィシャルバッテリの特性と、走行に与える影響に注</a:t>
+            </a:r>
+            <a:endParaRPr lang="en-US" altLang="ja-JP" sz="1800" dirty="0">
+              <a:solidFill>
+                <a:prstClr val="black"/>
+              </a:solidFill>
+              <a:latin typeface="メイリオ" panose="020B0604030504040204" pitchFamily="50" charset="-128"/>
+              <a:ea typeface="メイリオ" panose="020B0604030504040204" pitchFamily="50" charset="-128"/>
+            </a:endParaRPr>
+          </a:p>
+          <a:p>
+            <a:pPr lvl="0">
+              <a:lnSpc>
+                <a:spcPct val="80000"/>
+              </a:lnSpc>
+              <a:spcBef>
+                <a:spcPts val="600"/>
+              </a:spcBef>
+            </a:pPr>
+            <a:r>
+              <a:rPr lang="ja-JP" altLang="en-US" sz="1800" dirty="0">
+                <a:solidFill>
+                  <a:prstClr val="black"/>
+                </a:solidFill>
+                <a:latin typeface="メイリオ" panose="020B0604030504040204" pitchFamily="50" charset="-128"/>
+                <a:ea typeface="メイリオ" panose="020B0604030504040204" pitchFamily="50" charset="-128"/>
+              </a:rPr>
+              <a:t>　目し、競技中に電源電圧が変化しても安定してカーブを</a:t>
+            </a:r>
+            <a:endParaRPr lang="en-US" altLang="ja-JP" sz="1800" dirty="0">
+              <a:solidFill>
+                <a:prstClr val="black"/>
+              </a:solidFill>
+              <a:latin typeface="メイリオ" panose="020B0604030504040204" pitchFamily="50" charset="-128"/>
+              <a:ea typeface="メイリオ" panose="020B0604030504040204" pitchFamily="50" charset="-128"/>
+            </a:endParaRPr>
+          </a:p>
+          <a:p>
+            <a:pPr lvl="0">
+              <a:lnSpc>
+                <a:spcPct val="80000"/>
+              </a:lnSpc>
+              <a:spcBef>
+                <a:spcPts val="600"/>
+              </a:spcBef>
+            </a:pPr>
+            <a:r>
+              <a:rPr lang="ja-JP" altLang="en-US" sz="1800" dirty="0">
+                <a:solidFill>
+                  <a:prstClr val="black"/>
+                </a:solidFill>
+                <a:latin typeface="メイリオ" panose="020B0604030504040204" pitchFamily="50" charset="-128"/>
+                <a:ea typeface="メイリオ" panose="020B0604030504040204" pitchFamily="50" charset="-128"/>
+              </a:rPr>
+              <a:t>　曲がれるような式を構築した</a:t>
             </a:r>
             <a:r>
               <a:rPr lang="ja-JP" altLang="en-US" dirty="0">
@@ -7129,7 +7393,7 @@
         </p:nvSpPr>
         <p:spPr>
           <a:xfrm>
-            <a:off x="271942" y="5832004"/>
+            <a:off x="208112" y="5832004"/>
             <a:ext cx="1367645" cy="369332"/>
           </a:xfrm>
           <a:prstGeom prst="rect">
@@ -7167,7 +7431,7 @@
         </p:nvSpPr>
         <p:spPr>
           <a:xfrm>
-            <a:off x="271942" y="7514278"/>
+            <a:off x="208112" y="7464896"/>
             <a:ext cx="1583669" cy="369332"/>
           </a:xfrm>
           <a:prstGeom prst="rect">
@@ -7195,115 +7459,136 @@
           </a:p>
         </p:txBody>
       </p:sp>
-      <p:sp>
-        <p:nvSpPr>
-          <p:cNvPr id="38" name="テキスト ボックス 37">
+      <p:grpSp>
+        <p:nvGrpSpPr>
+          <p:cNvPr id="16" name="グループ化 15">
             <a:extLst>
               <a:ext uri="{FF2B5EF4-FFF2-40B4-BE49-F238E27FC236}">
-                <a16:creationId xmlns:a16="http://schemas.microsoft.com/office/drawing/2014/main" id="{54ECDB45-414F-4C38-A023-9907CF31E423}"/>
+                <a16:creationId xmlns:a16="http://schemas.microsoft.com/office/drawing/2014/main" id="{CFE6ECCC-CB46-4E79-8227-76DAA5050A73}"/>
               </a:ext>
             </a:extLst>
           </p:cNvPr>
-          <p:cNvSpPr txBox="1"/>
+          <p:cNvGrpSpPr/>
           <p:nvPr/>
-        </p:nvSpPr>
-        <p:spPr>
+        </p:nvGrpSpPr>
+        <p:grpSpPr>
           <a:xfrm>
-            <a:off x="3416913" y="8931726"/>
-            <a:ext cx="2700300" cy="584775"/>
+            <a:off x="3196443" y="8691412"/>
+            <a:ext cx="2915685" cy="629656"/>
+            <a:chOff x="3241536" y="8886845"/>
+            <a:chExt cx="2915685" cy="629656"/>
           </a:xfrm>
-          <a:prstGeom prst="rect">
-            <a:avLst/>
-          </a:prstGeom>
-          <a:noFill/>
-        </p:spPr>
-        <p:txBody>
-          <a:bodyPr wrap="square" rtlCol="0">
-            <a:spAutoFit/>
-          </a:bodyPr>
-          <a:lstStyle/>
-          <a:p>
-            <a:pPr algn="ctr"/>
-            <a:r>
-              <a:rPr kumimoji="1" lang="ja-JP" altLang="en-US" b="1" dirty="0">
+        </p:grpSpPr>
+        <p:sp>
+          <p:nvSpPr>
+            <p:cNvPr id="38" name="テキスト ボックス 37">
+              <a:extLst>
+                <a:ext uri="{FF2B5EF4-FFF2-40B4-BE49-F238E27FC236}">
+                  <a16:creationId xmlns:a16="http://schemas.microsoft.com/office/drawing/2014/main" id="{54ECDB45-414F-4C38-A023-9907CF31E423}"/>
+                </a:ext>
+              </a:extLst>
+            </p:cNvPr>
+            <p:cNvSpPr txBox="1"/>
+            <p:nvPr/>
+          </p:nvSpPr>
+          <p:spPr>
+            <a:xfrm>
+              <a:off x="3416913" y="8931726"/>
+              <a:ext cx="2700300" cy="584775"/>
+            </a:xfrm>
+            <a:prstGeom prst="rect">
+              <a:avLst/>
+            </a:prstGeom>
+            <a:noFill/>
+          </p:spPr>
+          <p:txBody>
+            <a:bodyPr wrap="square" rtlCol="0">
+              <a:spAutoFit/>
+            </a:bodyPr>
+            <a:lstStyle/>
+            <a:p>
+              <a:pPr algn="ctr"/>
+              <a:r>
+                <a:rPr kumimoji="1" lang="ja-JP" altLang="en-US" b="1" dirty="0">
+                  <a:latin typeface="メイリオ" panose="020B0604030504040204" pitchFamily="50" charset="-128"/>
+                  <a:ea typeface="メイリオ" panose="020B0604030504040204" pitchFamily="50" charset="-128"/>
+                </a:rPr>
+                <a:t>詳細は、機能モデル　</a:t>
+              </a:r>
+              <a:endParaRPr kumimoji="1" lang="en-US" altLang="ja-JP" b="1" dirty="0">
                 <a:latin typeface="メイリオ" panose="020B0604030504040204" pitchFamily="50" charset="-128"/>
                 <a:ea typeface="メイリオ" panose="020B0604030504040204" pitchFamily="50" charset="-128"/>
-              </a:rPr>
-              <a:t>詳細は、機能モデル　</a:t>
-            </a:r>
-            <a:endParaRPr kumimoji="1" lang="en-US" altLang="ja-JP" b="1" dirty="0">
-              <a:latin typeface="メイリオ" panose="020B0604030504040204" pitchFamily="50" charset="-128"/>
-              <a:ea typeface="メイリオ" panose="020B0604030504040204" pitchFamily="50" charset="-128"/>
-            </a:endParaRPr>
-          </a:p>
-          <a:p>
-            <a:pPr algn="ctr"/>
-            <a:r>
-              <a:rPr kumimoji="1" lang="ja-JP" altLang="en-US" b="1" dirty="0">
-                <a:latin typeface="メイリオ" panose="020B0604030504040204" pitchFamily="50" charset="-128"/>
-                <a:ea typeface="メイリオ" panose="020B0604030504040204" pitchFamily="50" charset="-128"/>
-              </a:rPr>
-              <a:t>「補足１」へ</a:t>
-            </a:r>
-          </a:p>
-        </p:txBody>
-      </p:sp>
-      <p:sp>
-        <p:nvSpPr>
-          <p:cNvPr id="39" name="矢印: 山形 38">
-            <a:extLst>
-              <a:ext uri="{FF2B5EF4-FFF2-40B4-BE49-F238E27FC236}">
-                <a16:creationId xmlns:a16="http://schemas.microsoft.com/office/drawing/2014/main" id="{BD22327A-B7BC-4ECA-A7BE-AA3246E6BF66}"/>
-              </a:ext>
-            </a:extLst>
-          </p:cNvPr>
-          <p:cNvSpPr/>
-          <p:nvPr/>
-        </p:nvSpPr>
-        <p:spPr>
-          <a:xfrm>
-            <a:off x="3241536" y="8886845"/>
-            <a:ext cx="2915685" cy="584775"/>
-          </a:xfrm>
-          <a:prstGeom prst="chevron">
-            <a:avLst/>
-          </a:prstGeom>
-          <a:noFill/>
-          <a:ln w="38100">
-            <a:solidFill>
-              <a:schemeClr val="accent6"/>
-            </a:solidFill>
-          </a:ln>
-        </p:spPr>
-        <p:style>
-          <a:lnRef idx="2">
-            <a:schemeClr val="accent1">
-              <a:shade val="50000"/>
-            </a:schemeClr>
-          </a:lnRef>
-          <a:fillRef idx="1">
-            <a:schemeClr val="accent1"/>
-          </a:fillRef>
-          <a:effectRef idx="0">
-            <a:schemeClr val="accent1"/>
-          </a:effectRef>
-          <a:fontRef idx="minor">
-            <a:schemeClr val="lt1"/>
-          </a:fontRef>
-        </p:style>
-        <p:txBody>
-          <a:bodyPr rtlCol="0" anchor="ctr"/>
-          <a:lstStyle/>
-          <a:p>
-            <a:pPr algn="ctr"/>
-            <a:endParaRPr kumimoji="1" lang="ja-JP" altLang="en-US">
+              </a:endParaRPr>
+            </a:p>
+            <a:p>
+              <a:pPr algn="ctr"/>
+              <a:r>
+                <a:rPr kumimoji="1" lang="ja-JP" altLang="en-US" b="1" dirty="0">
+                  <a:latin typeface="メイリオ" panose="020B0604030504040204" pitchFamily="50" charset="-128"/>
+                  <a:ea typeface="メイリオ" panose="020B0604030504040204" pitchFamily="50" charset="-128"/>
+                </a:rPr>
+                <a:t>「補足２」へ</a:t>
+              </a:r>
+            </a:p>
+          </p:txBody>
+        </p:sp>
+        <p:sp>
+          <p:nvSpPr>
+            <p:cNvPr id="39" name="矢印: 山形 38">
+              <a:extLst>
+                <a:ext uri="{FF2B5EF4-FFF2-40B4-BE49-F238E27FC236}">
+                  <a16:creationId xmlns:a16="http://schemas.microsoft.com/office/drawing/2014/main" id="{BD22327A-B7BC-4ECA-A7BE-AA3246E6BF66}"/>
+                </a:ext>
+              </a:extLst>
+            </p:cNvPr>
+            <p:cNvSpPr/>
+            <p:nvPr/>
+          </p:nvSpPr>
+          <p:spPr>
+            <a:xfrm>
+              <a:off x="3241536" y="8886845"/>
+              <a:ext cx="2915685" cy="584775"/>
+            </a:xfrm>
+            <a:prstGeom prst="chevron">
+              <a:avLst/>
+            </a:prstGeom>
+            <a:noFill/>
+            <a:ln w="38100">
               <a:solidFill>
-                <a:schemeClr val="tx1"/>
+                <a:schemeClr val="accent6"/>
               </a:solidFill>
-            </a:endParaRPr>
-          </a:p>
-        </p:txBody>
-      </p:sp>
+            </a:ln>
+          </p:spPr>
+          <p:style>
+            <a:lnRef idx="2">
+              <a:schemeClr val="accent1">
+                <a:shade val="50000"/>
+              </a:schemeClr>
+            </a:lnRef>
+            <a:fillRef idx="1">
+              <a:schemeClr val="accent1"/>
+            </a:fillRef>
+            <a:effectRef idx="0">
+              <a:schemeClr val="accent1"/>
+            </a:effectRef>
+            <a:fontRef idx="minor">
+              <a:schemeClr val="lt1"/>
+            </a:fontRef>
+          </p:style>
+          <p:txBody>
+            <a:bodyPr rtlCol="0" anchor="ctr"/>
+            <a:lstStyle/>
+            <a:p>
+              <a:pPr algn="ctr"/>
+              <a:endParaRPr kumimoji="1" lang="ja-JP" altLang="en-US">
+                <a:solidFill>
+                  <a:schemeClr val="tx1"/>
+                </a:solidFill>
+              </a:endParaRPr>
+            </a:p>
+          </p:txBody>
+        </p:sp>
+      </p:grpSp>
     </p:spTree>
     <p:extLst>
       <p:ext uri="{BB962C8B-B14F-4D97-AF65-F5344CB8AC3E}">

--- a/PowerPoint/アブストラクト.pptx
+++ b/PowerPoint/アブストラクト.pptx
@@ -12,8 +12,8 @@
     <p:handoutMasterId r:id="rId6"/>
   </p:handoutMasterIdLst>
   <p:sldIdLst>
-    <p:sldId id="272" r:id="rId3"/>
-    <p:sldId id="273" r:id="rId4"/>
+    <p:sldId id="273" r:id="rId3"/>
+    <p:sldId id="274" r:id="rId4"/>
   </p:sldIdLst>
   <p:sldSz cx="12801600" cy="9601200" type="A3"/>
   <p:notesSz cx="9990138" cy="14374813"/>
@@ -147,8 +147,8 @@
       <p14:sectionLst xmlns:p14="http://schemas.microsoft.com/office/powerpoint/2010/main">
         <p14:section name="アブストラクトページ（プライマリークラス）" id="{05F68B40-4021-4FFA-A734-7816717BBE8C}">
           <p14:sldIdLst>
-            <p14:sldId id="272"/>
             <p14:sldId id="273"/>
+            <p14:sldId id="274"/>
           </p14:sldIdLst>
         </p14:section>
         <p14:section name="モデル図ページ（プライマリークラス）" id="{8B2B3982-7BAC-4EE5-974E-E0EE0719EC85}">
@@ -1015,7 +1015,7 @@
           <a:bodyPr/>
           <a:lstStyle>
             <a:lvl1pPr eaLnBrk="0" hangingPunct="0">
-              <a:defRPr kumimoji="1" sz="1200">
+              <a:defRPr kumimoji="1" sz="1600">
                 <a:solidFill>
                   <a:schemeClr val="tx1"/>
                 </a:solidFill>
@@ -1023,8 +1023,8 @@
                 <a:ea typeface="ＭＳ Ｐゴシック" panose="020B0600070205080204" pitchFamily="34" charset="-128"/>
               </a:defRPr>
             </a:lvl1pPr>
-            <a:lvl2pPr marL="506931" indent="-194974" eaLnBrk="0" hangingPunct="0">
-              <a:defRPr kumimoji="1" sz="1200">
+            <a:lvl2pPr marL="742950" indent="-285750" eaLnBrk="0" hangingPunct="0">
+              <a:defRPr kumimoji="1" sz="1600">
                 <a:solidFill>
                   <a:schemeClr val="tx1"/>
                 </a:solidFill>
@@ -1032,8 +1032,8 @@
                 <a:ea typeface="ＭＳ Ｐゴシック" panose="020B0600070205080204" pitchFamily="34" charset="-128"/>
               </a:defRPr>
             </a:lvl2pPr>
-            <a:lvl3pPr marL="779895" indent="-155979" eaLnBrk="0" hangingPunct="0">
-              <a:defRPr kumimoji="1" sz="1200">
+            <a:lvl3pPr marL="1143000" indent="-228600" eaLnBrk="0" hangingPunct="0">
+              <a:defRPr kumimoji="1" sz="1600">
                 <a:solidFill>
                   <a:schemeClr val="tx1"/>
                 </a:solidFill>
@@ -1041,8 +1041,8 @@
                 <a:ea typeface="ＭＳ Ｐゴシック" panose="020B0600070205080204" pitchFamily="34" charset="-128"/>
               </a:defRPr>
             </a:lvl3pPr>
-            <a:lvl4pPr marL="1091853" indent="-155979" eaLnBrk="0" hangingPunct="0">
-              <a:defRPr kumimoji="1" sz="1200">
+            <a:lvl4pPr marL="1600200" indent="-228600" eaLnBrk="0" hangingPunct="0">
+              <a:defRPr kumimoji="1" sz="1600">
                 <a:solidFill>
                   <a:schemeClr val="tx1"/>
                 </a:solidFill>
@@ -1050,8 +1050,8 @@
                 <a:ea typeface="ＭＳ Ｐゴシック" panose="020B0600070205080204" pitchFamily="34" charset="-128"/>
               </a:defRPr>
             </a:lvl4pPr>
-            <a:lvl5pPr marL="1403811" indent="-155979" eaLnBrk="0" hangingPunct="0">
-              <a:defRPr kumimoji="1" sz="1200">
+            <a:lvl5pPr marL="2057400" indent="-228600" eaLnBrk="0" hangingPunct="0">
+              <a:defRPr kumimoji="1" sz="1600">
                 <a:solidFill>
                   <a:schemeClr val="tx1"/>
                 </a:solidFill>
@@ -1059,14 +1059,14 @@
                 <a:ea typeface="ＭＳ Ｐゴシック" panose="020B0600070205080204" pitchFamily="34" charset="-128"/>
               </a:defRPr>
             </a:lvl5pPr>
-            <a:lvl6pPr marL="1715770" indent="-155979" eaLnBrk="0" fontAlgn="base" hangingPunct="0">
+            <a:lvl6pPr marL="2514600" indent="-228600" eaLnBrk="0" fontAlgn="base" hangingPunct="0">
               <a:spcBef>
                 <a:spcPct val="0"/>
               </a:spcBef>
               <a:spcAft>
                 <a:spcPct val="0"/>
               </a:spcAft>
-              <a:defRPr kumimoji="1" sz="1200">
+              <a:defRPr kumimoji="1" sz="1600">
                 <a:solidFill>
                   <a:schemeClr val="tx1"/>
                 </a:solidFill>
@@ -1074,14 +1074,14 @@
                 <a:ea typeface="ＭＳ Ｐゴシック" panose="020B0600070205080204" pitchFamily="34" charset="-128"/>
               </a:defRPr>
             </a:lvl6pPr>
-            <a:lvl7pPr marL="2027727" indent="-155979" eaLnBrk="0" fontAlgn="base" hangingPunct="0">
+            <a:lvl7pPr marL="2971800" indent="-228600" eaLnBrk="0" fontAlgn="base" hangingPunct="0">
               <a:spcBef>
                 <a:spcPct val="0"/>
               </a:spcBef>
               <a:spcAft>
                 <a:spcPct val="0"/>
               </a:spcAft>
-              <a:defRPr kumimoji="1" sz="1200">
+              <a:defRPr kumimoji="1" sz="1600">
                 <a:solidFill>
                   <a:schemeClr val="tx1"/>
                 </a:solidFill>
@@ -1089,14 +1089,14 @@
                 <a:ea typeface="ＭＳ Ｐゴシック" panose="020B0600070205080204" pitchFamily="34" charset="-128"/>
               </a:defRPr>
             </a:lvl7pPr>
-            <a:lvl8pPr marL="2339685" indent="-155979" eaLnBrk="0" fontAlgn="base" hangingPunct="0">
+            <a:lvl8pPr marL="3429000" indent="-228600" eaLnBrk="0" fontAlgn="base" hangingPunct="0">
               <a:spcBef>
                 <a:spcPct val="0"/>
               </a:spcBef>
               <a:spcAft>
                 <a:spcPct val="0"/>
               </a:spcAft>
-              <a:defRPr kumimoji="1" sz="1200">
+              <a:defRPr kumimoji="1" sz="1600">
                 <a:solidFill>
                   <a:schemeClr val="tx1"/>
                 </a:solidFill>
@@ -1104,14 +1104,14 @@
                 <a:ea typeface="ＭＳ Ｐゴシック" panose="020B0600070205080204" pitchFamily="34" charset="-128"/>
               </a:defRPr>
             </a:lvl8pPr>
-            <a:lvl9pPr marL="2651644" indent="-155979" eaLnBrk="0" fontAlgn="base" hangingPunct="0">
+            <a:lvl9pPr marL="3886200" indent="-228600" eaLnBrk="0" fontAlgn="base" hangingPunct="0">
               <a:spcBef>
                 <a:spcPct val="0"/>
               </a:spcBef>
               <a:spcAft>
                 <a:spcPct val="0"/>
               </a:spcAft>
-              <a:defRPr kumimoji="1" sz="1200">
+              <a:defRPr kumimoji="1" sz="1600">
                 <a:solidFill>
                   <a:schemeClr val="tx1"/>
                 </a:solidFill>
@@ -1123,11 +1123,11 @@
           <a:p>
             <a:pPr eaLnBrk="1" hangingPunct="1"/>
             <a:fld id="{C5DB9EE4-A8CE-D847-B8E4-F9D0D400AE19}" type="slidenum">
-              <a:rPr lang="en-US" altLang="ja-JP" sz="900"/>
+              <a:rPr lang="en-US" altLang="ja-JP" sz="1200"/>
               <a:pPr eaLnBrk="1" hangingPunct="1"/>
               <a:t>1</a:t>
             </a:fld>
-            <a:endParaRPr lang="en-US" altLang="ja-JP" sz="900"/>
+            <a:endParaRPr lang="en-US" altLang="ja-JP" sz="1200"/>
           </a:p>
         </p:txBody>
       </p:sp>
@@ -1459,7 +1459,7 @@
     </p:spTree>
     <p:extLst>
       <p:ext uri="{BB962C8B-B14F-4D97-AF65-F5344CB8AC3E}">
-        <p14:creationId xmlns:p14="http://schemas.microsoft.com/office/powerpoint/2010/main" val="1752572422"/>
+        <p14:creationId xmlns:p14="http://schemas.microsoft.com/office/powerpoint/2010/main" val="3041916596"/>
       </p:ext>
     </p:extLst>
   </p:cSld>
@@ -2708,2107 +2708,6 @@
               </a:rPr>
               <a:t>113</a:t>
             </a:r>
-          </a:p>
-        </p:txBody>
-      </p:sp>
-      <p:sp>
-        <p:nvSpPr>
-          <p:cNvPr id="3077" name="Rectangle 15">
-            <a:extLst>
-              <a:ext uri="{FF2B5EF4-FFF2-40B4-BE49-F238E27FC236}">
-                <a16:creationId xmlns:a16="http://schemas.microsoft.com/office/drawing/2014/main" id="{28DDC781-0083-4B44-A3FB-9FF0E3B74E13}"/>
-              </a:ext>
-            </a:extLst>
-          </p:cNvPr>
-          <p:cNvSpPr>
-            <a:spLocks noChangeArrowheads="1"/>
-          </p:cNvSpPr>
-          <p:nvPr/>
-        </p:nvSpPr>
-        <p:spPr bwMode="auto">
-          <a:xfrm>
-            <a:off x="6330876" y="1168957"/>
-            <a:ext cx="4462412" cy="533400"/>
-          </a:xfrm>
-          <a:prstGeom prst="rect">
-            <a:avLst/>
-          </a:prstGeom>
-          <a:noFill/>
-          <a:ln>
-            <a:noFill/>
-          </a:ln>
-          <a:extLst>
-            <a:ext uri="{909E8E84-426E-40DD-AFC4-6F175D3DCCD1}">
-              <a14:hiddenFill xmlns:a14="http://schemas.microsoft.com/office/drawing/2010/main">
-                <a:solidFill>
-                  <a:srgbClr val="FFFFFF"/>
-                </a:solidFill>
-              </a14:hiddenFill>
-            </a:ext>
-            <a:ext uri="{91240B29-F687-4F45-9708-019B960494DF}">
-              <a14:hiddenLine xmlns:a14="http://schemas.microsoft.com/office/drawing/2010/main" w="9525">
-                <a:solidFill>
-                  <a:srgbClr val="000000"/>
-                </a:solidFill>
-                <a:miter lim="800000"/>
-                <a:headEnd/>
-                <a:tailEnd/>
-              </a14:hiddenLine>
-            </a:ext>
-          </a:extLst>
-        </p:spPr>
-        <p:txBody>
-          <a:bodyPr wrap="none" lIns="127998" tIns="63999" rIns="127998" bIns="63999" anchor="ctr"/>
-          <a:lstStyle>
-            <a:lvl1pPr defTabSz="1279525" eaLnBrk="0" hangingPunct="0">
-              <a:defRPr kumimoji="1" sz="1600">
-                <a:solidFill>
-                  <a:schemeClr val="tx1"/>
-                </a:solidFill>
-                <a:latin typeface="Times New Roman" panose="02020603050405020304" pitchFamily="18" charset="0"/>
-                <a:ea typeface="ＭＳ Ｐゴシック" panose="020B0600070205080204" pitchFamily="34" charset="-128"/>
-              </a:defRPr>
-            </a:lvl1pPr>
-            <a:lvl2pPr marL="742950" indent="-285750" defTabSz="1279525" eaLnBrk="0" hangingPunct="0">
-              <a:defRPr kumimoji="1" sz="1600">
-                <a:solidFill>
-                  <a:schemeClr val="tx1"/>
-                </a:solidFill>
-                <a:latin typeface="Times New Roman" panose="02020603050405020304" pitchFamily="18" charset="0"/>
-                <a:ea typeface="ＭＳ Ｐゴシック" panose="020B0600070205080204" pitchFamily="34" charset="-128"/>
-              </a:defRPr>
-            </a:lvl2pPr>
-            <a:lvl3pPr marL="1143000" indent="-228600" defTabSz="1279525" eaLnBrk="0" hangingPunct="0">
-              <a:defRPr kumimoji="1" sz="1600">
-                <a:solidFill>
-                  <a:schemeClr val="tx1"/>
-                </a:solidFill>
-                <a:latin typeface="Times New Roman" panose="02020603050405020304" pitchFamily="18" charset="0"/>
-                <a:ea typeface="ＭＳ Ｐゴシック" panose="020B0600070205080204" pitchFamily="34" charset="-128"/>
-              </a:defRPr>
-            </a:lvl3pPr>
-            <a:lvl4pPr marL="1600200" indent="-228600" defTabSz="1279525" eaLnBrk="0" hangingPunct="0">
-              <a:defRPr kumimoji="1" sz="1600">
-                <a:solidFill>
-                  <a:schemeClr val="tx1"/>
-                </a:solidFill>
-                <a:latin typeface="Times New Roman" panose="02020603050405020304" pitchFamily="18" charset="0"/>
-                <a:ea typeface="ＭＳ Ｐゴシック" panose="020B0600070205080204" pitchFamily="34" charset="-128"/>
-              </a:defRPr>
-            </a:lvl4pPr>
-            <a:lvl5pPr marL="2057400" indent="-228600" defTabSz="1279525" eaLnBrk="0" hangingPunct="0">
-              <a:defRPr kumimoji="1" sz="1600">
-                <a:solidFill>
-                  <a:schemeClr val="tx1"/>
-                </a:solidFill>
-                <a:latin typeface="Times New Roman" panose="02020603050405020304" pitchFamily="18" charset="0"/>
-                <a:ea typeface="ＭＳ Ｐゴシック" panose="020B0600070205080204" pitchFamily="34" charset="-128"/>
-              </a:defRPr>
-            </a:lvl5pPr>
-            <a:lvl6pPr marL="2514600" indent="-228600" defTabSz="1279525" eaLnBrk="0" fontAlgn="base" hangingPunct="0">
-              <a:spcBef>
-                <a:spcPct val="0"/>
-              </a:spcBef>
-              <a:spcAft>
-                <a:spcPct val="0"/>
-              </a:spcAft>
-              <a:defRPr kumimoji="1" sz="1600">
-                <a:solidFill>
-                  <a:schemeClr val="tx1"/>
-                </a:solidFill>
-                <a:latin typeface="Times New Roman" panose="02020603050405020304" pitchFamily="18" charset="0"/>
-                <a:ea typeface="ＭＳ Ｐゴシック" panose="020B0600070205080204" pitchFamily="34" charset="-128"/>
-              </a:defRPr>
-            </a:lvl6pPr>
-            <a:lvl7pPr marL="2971800" indent="-228600" defTabSz="1279525" eaLnBrk="0" fontAlgn="base" hangingPunct="0">
-              <a:spcBef>
-                <a:spcPct val="0"/>
-              </a:spcBef>
-              <a:spcAft>
-                <a:spcPct val="0"/>
-              </a:spcAft>
-              <a:defRPr kumimoji="1" sz="1600">
-                <a:solidFill>
-                  <a:schemeClr val="tx1"/>
-                </a:solidFill>
-                <a:latin typeface="Times New Roman" panose="02020603050405020304" pitchFamily="18" charset="0"/>
-                <a:ea typeface="ＭＳ Ｐゴシック" panose="020B0600070205080204" pitchFamily="34" charset="-128"/>
-              </a:defRPr>
-            </a:lvl7pPr>
-            <a:lvl8pPr marL="3429000" indent="-228600" defTabSz="1279525" eaLnBrk="0" fontAlgn="base" hangingPunct="0">
-              <a:spcBef>
-                <a:spcPct val="0"/>
-              </a:spcBef>
-              <a:spcAft>
-                <a:spcPct val="0"/>
-              </a:spcAft>
-              <a:defRPr kumimoji="1" sz="1600">
-                <a:solidFill>
-                  <a:schemeClr val="tx1"/>
-                </a:solidFill>
-                <a:latin typeface="Times New Roman" panose="02020603050405020304" pitchFamily="18" charset="0"/>
-                <a:ea typeface="ＭＳ Ｐゴシック" panose="020B0600070205080204" pitchFamily="34" charset="-128"/>
-              </a:defRPr>
-            </a:lvl8pPr>
-            <a:lvl9pPr marL="3886200" indent="-228600" defTabSz="1279525" eaLnBrk="0" fontAlgn="base" hangingPunct="0">
-              <a:spcBef>
-                <a:spcPct val="0"/>
-              </a:spcBef>
-              <a:spcAft>
-                <a:spcPct val="0"/>
-              </a:spcAft>
-              <a:defRPr kumimoji="1" sz="1600">
-                <a:solidFill>
-                  <a:schemeClr val="tx1"/>
-                </a:solidFill>
-                <a:latin typeface="Times New Roman" panose="02020603050405020304" pitchFamily="18" charset="0"/>
-                <a:ea typeface="ＭＳ Ｐゴシック" panose="020B0600070205080204" pitchFamily="34" charset="-128"/>
-              </a:defRPr>
-            </a:lvl9pPr>
-          </a:lstStyle>
-          <a:p>
-            <a:pPr eaLnBrk="1" hangingPunct="1"/>
-            <a:r>
-              <a:rPr lang="ja-JP" altLang="en-US" sz="2400" dirty="0">
-                <a:latin typeface="ＭＳ Ｐゴシック" panose="020B0600070205080204" pitchFamily="34" charset="-128"/>
-              </a:rPr>
-              <a:t>一関工業高等専門学校</a:t>
-            </a:r>
-          </a:p>
-        </p:txBody>
-      </p:sp>
-      <p:sp>
-        <p:nvSpPr>
-          <p:cNvPr id="3079" name="Rectangle 17">
-            <a:extLst>
-              <a:ext uri="{FF2B5EF4-FFF2-40B4-BE49-F238E27FC236}">
-                <a16:creationId xmlns:a16="http://schemas.microsoft.com/office/drawing/2014/main" id="{5382B293-F7D3-6840-BDDD-720EDDF9DFA7}"/>
-              </a:ext>
-            </a:extLst>
-          </p:cNvPr>
-          <p:cNvSpPr>
-            <a:spLocks noChangeArrowheads="1"/>
-          </p:cNvSpPr>
-          <p:nvPr/>
-        </p:nvSpPr>
-        <p:spPr bwMode="auto">
-          <a:xfrm>
-            <a:off x="6328791" y="336104"/>
-            <a:ext cx="1728191" cy="533400"/>
-          </a:xfrm>
-          <a:prstGeom prst="rect">
-            <a:avLst/>
-          </a:prstGeom>
-          <a:noFill/>
-          <a:ln>
-            <a:noFill/>
-          </a:ln>
-          <a:extLst>
-            <a:ext uri="{909E8E84-426E-40DD-AFC4-6F175D3DCCD1}">
-              <a14:hiddenFill xmlns:a14="http://schemas.microsoft.com/office/drawing/2010/main">
-                <a:solidFill>
-                  <a:srgbClr val="FFFFFF"/>
-                </a:solidFill>
-              </a14:hiddenFill>
-            </a:ext>
-            <a:ext uri="{91240B29-F687-4F45-9708-019B960494DF}">
-              <a14:hiddenLine xmlns:a14="http://schemas.microsoft.com/office/drawing/2010/main" w="9525">
-                <a:solidFill>
-                  <a:srgbClr val="000000"/>
-                </a:solidFill>
-                <a:miter lim="800000"/>
-                <a:headEnd/>
-                <a:tailEnd/>
-              </a14:hiddenLine>
-            </a:ext>
-          </a:extLst>
-        </p:spPr>
-        <p:txBody>
-          <a:bodyPr wrap="square" lIns="127998" tIns="63999" rIns="127998" bIns="63999" anchor="ctr"/>
-          <a:lstStyle>
-            <a:lvl1pPr defTabSz="1279525" eaLnBrk="0" hangingPunct="0">
-              <a:defRPr kumimoji="1" sz="1600">
-                <a:solidFill>
-                  <a:schemeClr val="tx1"/>
-                </a:solidFill>
-                <a:latin typeface="Times New Roman" panose="02020603050405020304" pitchFamily="18" charset="0"/>
-                <a:ea typeface="ＭＳ Ｐゴシック" panose="020B0600070205080204" pitchFamily="34" charset="-128"/>
-              </a:defRPr>
-            </a:lvl1pPr>
-            <a:lvl2pPr marL="742950" indent="-285750" defTabSz="1279525" eaLnBrk="0" hangingPunct="0">
-              <a:defRPr kumimoji="1" sz="1600">
-                <a:solidFill>
-                  <a:schemeClr val="tx1"/>
-                </a:solidFill>
-                <a:latin typeface="Times New Roman" panose="02020603050405020304" pitchFamily="18" charset="0"/>
-                <a:ea typeface="ＭＳ Ｐゴシック" panose="020B0600070205080204" pitchFamily="34" charset="-128"/>
-              </a:defRPr>
-            </a:lvl2pPr>
-            <a:lvl3pPr marL="1143000" indent="-228600" defTabSz="1279525" eaLnBrk="0" hangingPunct="0">
-              <a:defRPr kumimoji="1" sz="1600">
-                <a:solidFill>
-                  <a:schemeClr val="tx1"/>
-                </a:solidFill>
-                <a:latin typeface="Times New Roman" panose="02020603050405020304" pitchFamily="18" charset="0"/>
-                <a:ea typeface="ＭＳ Ｐゴシック" panose="020B0600070205080204" pitchFamily="34" charset="-128"/>
-              </a:defRPr>
-            </a:lvl3pPr>
-            <a:lvl4pPr marL="1600200" indent="-228600" defTabSz="1279525" eaLnBrk="0" hangingPunct="0">
-              <a:defRPr kumimoji="1" sz="1600">
-                <a:solidFill>
-                  <a:schemeClr val="tx1"/>
-                </a:solidFill>
-                <a:latin typeface="Times New Roman" panose="02020603050405020304" pitchFamily="18" charset="0"/>
-                <a:ea typeface="ＭＳ Ｐゴシック" panose="020B0600070205080204" pitchFamily="34" charset="-128"/>
-              </a:defRPr>
-            </a:lvl4pPr>
-            <a:lvl5pPr marL="2057400" indent="-228600" defTabSz="1279525" eaLnBrk="0" hangingPunct="0">
-              <a:defRPr kumimoji="1" sz="1600">
-                <a:solidFill>
-                  <a:schemeClr val="tx1"/>
-                </a:solidFill>
-                <a:latin typeface="Times New Roman" panose="02020603050405020304" pitchFamily="18" charset="0"/>
-                <a:ea typeface="ＭＳ Ｐゴシック" panose="020B0600070205080204" pitchFamily="34" charset="-128"/>
-              </a:defRPr>
-            </a:lvl5pPr>
-            <a:lvl6pPr marL="2514600" indent="-228600" defTabSz="1279525" eaLnBrk="0" fontAlgn="base" hangingPunct="0">
-              <a:spcBef>
-                <a:spcPct val="0"/>
-              </a:spcBef>
-              <a:spcAft>
-                <a:spcPct val="0"/>
-              </a:spcAft>
-              <a:defRPr kumimoji="1" sz="1600">
-                <a:solidFill>
-                  <a:schemeClr val="tx1"/>
-                </a:solidFill>
-                <a:latin typeface="Times New Roman" panose="02020603050405020304" pitchFamily="18" charset="0"/>
-                <a:ea typeface="ＭＳ Ｐゴシック" panose="020B0600070205080204" pitchFamily="34" charset="-128"/>
-              </a:defRPr>
-            </a:lvl6pPr>
-            <a:lvl7pPr marL="2971800" indent="-228600" defTabSz="1279525" eaLnBrk="0" fontAlgn="base" hangingPunct="0">
-              <a:spcBef>
-                <a:spcPct val="0"/>
-              </a:spcBef>
-              <a:spcAft>
-                <a:spcPct val="0"/>
-              </a:spcAft>
-              <a:defRPr kumimoji="1" sz="1600">
-                <a:solidFill>
-                  <a:schemeClr val="tx1"/>
-                </a:solidFill>
-                <a:latin typeface="Times New Roman" panose="02020603050405020304" pitchFamily="18" charset="0"/>
-                <a:ea typeface="ＭＳ Ｐゴシック" panose="020B0600070205080204" pitchFamily="34" charset="-128"/>
-              </a:defRPr>
-            </a:lvl7pPr>
-            <a:lvl8pPr marL="3429000" indent="-228600" defTabSz="1279525" eaLnBrk="0" fontAlgn="base" hangingPunct="0">
-              <a:spcBef>
-                <a:spcPct val="0"/>
-              </a:spcBef>
-              <a:spcAft>
-                <a:spcPct val="0"/>
-              </a:spcAft>
-              <a:defRPr kumimoji="1" sz="1600">
-                <a:solidFill>
-                  <a:schemeClr val="tx1"/>
-                </a:solidFill>
-                <a:latin typeface="Times New Roman" panose="02020603050405020304" pitchFamily="18" charset="0"/>
-                <a:ea typeface="ＭＳ Ｐゴシック" panose="020B0600070205080204" pitchFamily="34" charset="-128"/>
-              </a:defRPr>
-            </a:lvl8pPr>
-            <a:lvl9pPr marL="3886200" indent="-228600" defTabSz="1279525" eaLnBrk="0" fontAlgn="base" hangingPunct="0">
-              <a:spcBef>
-                <a:spcPct val="0"/>
-              </a:spcBef>
-              <a:spcAft>
-                <a:spcPct val="0"/>
-              </a:spcAft>
-              <a:defRPr kumimoji="1" sz="1600">
-                <a:solidFill>
-                  <a:schemeClr val="tx1"/>
-                </a:solidFill>
-                <a:latin typeface="Times New Roman" panose="02020603050405020304" pitchFamily="18" charset="0"/>
-                <a:ea typeface="ＭＳ Ｐゴシック" panose="020B0600070205080204" pitchFamily="34" charset="-128"/>
-              </a:defRPr>
-            </a:lvl9pPr>
-          </a:lstStyle>
-          <a:p>
-            <a:pPr eaLnBrk="1" hangingPunct="1"/>
-            <a:r>
-              <a:rPr lang="ja-JP" altLang="en-US" sz="2400" dirty="0">
-                <a:latin typeface="ＭＳ Ｐゴシック" panose="020B0600070205080204" pitchFamily="34" charset="-128"/>
-              </a:rPr>
-              <a:t>東北</a:t>
-            </a:r>
-            <a:endParaRPr lang="ja-JP" altLang="en-US" sz="2400" dirty="0"/>
-          </a:p>
-        </p:txBody>
-      </p:sp>
-      <p:sp>
-        <p:nvSpPr>
-          <p:cNvPr id="3081" name="Rectangle 19">
-            <a:extLst>
-              <a:ext uri="{FF2B5EF4-FFF2-40B4-BE49-F238E27FC236}">
-                <a16:creationId xmlns:a16="http://schemas.microsoft.com/office/drawing/2014/main" id="{A4EA8F5C-B909-8246-862C-8481017987DD}"/>
-              </a:ext>
-            </a:extLst>
-          </p:cNvPr>
-          <p:cNvSpPr>
-            <a:spLocks noChangeArrowheads="1"/>
-          </p:cNvSpPr>
-          <p:nvPr/>
-        </p:nvSpPr>
-        <p:spPr bwMode="auto">
-          <a:xfrm>
-            <a:off x="8489032" y="336104"/>
-            <a:ext cx="2303462" cy="533400"/>
-          </a:xfrm>
-          <a:prstGeom prst="rect">
-            <a:avLst/>
-          </a:prstGeom>
-          <a:noFill/>
-          <a:ln>
-            <a:noFill/>
-          </a:ln>
-          <a:extLst>
-            <a:ext uri="{909E8E84-426E-40DD-AFC4-6F175D3DCCD1}">
-              <a14:hiddenFill xmlns:a14="http://schemas.microsoft.com/office/drawing/2010/main">
-                <a:solidFill>
-                  <a:srgbClr val="FFFFFF"/>
-                </a:solidFill>
-              </a14:hiddenFill>
-            </a:ext>
-            <a:ext uri="{91240B29-F687-4F45-9708-019B960494DF}">
-              <a14:hiddenLine xmlns:a14="http://schemas.microsoft.com/office/drawing/2010/main" w="9525">
-                <a:solidFill>
-                  <a:srgbClr val="000000"/>
-                </a:solidFill>
-                <a:miter lim="800000"/>
-                <a:headEnd/>
-                <a:tailEnd/>
-              </a14:hiddenLine>
-            </a:ext>
-          </a:extLst>
-        </p:spPr>
-        <p:txBody>
-          <a:bodyPr wrap="none" lIns="127998" tIns="63999" rIns="127998" bIns="63999" anchor="ctr"/>
-          <a:lstStyle>
-            <a:lvl1pPr defTabSz="1279525" eaLnBrk="0" hangingPunct="0">
-              <a:defRPr kumimoji="1" sz="1600">
-                <a:solidFill>
-                  <a:schemeClr val="tx1"/>
-                </a:solidFill>
-                <a:latin typeface="Times New Roman" panose="02020603050405020304" pitchFamily="18" charset="0"/>
-                <a:ea typeface="ＭＳ Ｐゴシック" panose="020B0600070205080204" pitchFamily="34" charset="-128"/>
-              </a:defRPr>
-            </a:lvl1pPr>
-            <a:lvl2pPr marL="742950" indent="-285750" defTabSz="1279525" eaLnBrk="0" hangingPunct="0">
-              <a:defRPr kumimoji="1" sz="1600">
-                <a:solidFill>
-                  <a:schemeClr val="tx1"/>
-                </a:solidFill>
-                <a:latin typeface="Times New Roman" panose="02020603050405020304" pitchFamily="18" charset="0"/>
-                <a:ea typeface="ＭＳ Ｐゴシック" panose="020B0600070205080204" pitchFamily="34" charset="-128"/>
-              </a:defRPr>
-            </a:lvl2pPr>
-            <a:lvl3pPr marL="1143000" indent="-228600" defTabSz="1279525" eaLnBrk="0" hangingPunct="0">
-              <a:defRPr kumimoji="1" sz="1600">
-                <a:solidFill>
-                  <a:schemeClr val="tx1"/>
-                </a:solidFill>
-                <a:latin typeface="Times New Roman" panose="02020603050405020304" pitchFamily="18" charset="0"/>
-                <a:ea typeface="ＭＳ Ｐゴシック" panose="020B0600070205080204" pitchFamily="34" charset="-128"/>
-              </a:defRPr>
-            </a:lvl3pPr>
-            <a:lvl4pPr marL="1600200" indent="-228600" defTabSz="1279525" eaLnBrk="0" hangingPunct="0">
-              <a:defRPr kumimoji="1" sz="1600">
-                <a:solidFill>
-                  <a:schemeClr val="tx1"/>
-                </a:solidFill>
-                <a:latin typeface="Times New Roman" panose="02020603050405020304" pitchFamily="18" charset="0"/>
-                <a:ea typeface="ＭＳ Ｐゴシック" panose="020B0600070205080204" pitchFamily="34" charset="-128"/>
-              </a:defRPr>
-            </a:lvl4pPr>
-            <a:lvl5pPr marL="2057400" indent="-228600" defTabSz="1279525" eaLnBrk="0" hangingPunct="0">
-              <a:defRPr kumimoji="1" sz="1600">
-                <a:solidFill>
-                  <a:schemeClr val="tx1"/>
-                </a:solidFill>
-                <a:latin typeface="Times New Roman" panose="02020603050405020304" pitchFamily="18" charset="0"/>
-                <a:ea typeface="ＭＳ Ｐゴシック" panose="020B0600070205080204" pitchFamily="34" charset="-128"/>
-              </a:defRPr>
-            </a:lvl5pPr>
-            <a:lvl6pPr marL="2514600" indent="-228600" defTabSz="1279525" eaLnBrk="0" fontAlgn="base" hangingPunct="0">
-              <a:spcBef>
-                <a:spcPct val="0"/>
-              </a:spcBef>
-              <a:spcAft>
-                <a:spcPct val="0"/>
-              </a:spcAft>
-              <a:defRPr kumimoji="1" sz="1600">
-                <a:solidFill>
-                  <a:schemeClr val="tx1"/>
-                </a:solidFill>
-                <a:latin typeface="Times New Roman" panose="02020603050405020304" pitchFamily="18" charset="0"/>
-                <a:ea typeface="ＭＳ Ｐゴシック" panose="020B0600070205080204" pitchFamily="34" charset="-128"/>
-              </a:defRPr>
-            </a:lvl6pPr>
-            <a:lvl7pPr marL="2971800" indent="-228600" defTabSz="1279525" eaLnBrk="0" fontAlgn="base" hangingPunct="0">
-              <a:spcBef>
-                <a:spcPct val="0"/>
-              </a:spcBef>
-              <a:spcAft>
-                <a:spcPct val="0"/>
-              </a:spcAft>
-              <a:defRPr kumimoji="1" sz="1600">
-                <a:solidFill>
-                  <a:schemeClr val="tx1"/>
-                </a:solidFill>
-                <a:latin typeface="Times New Roman" panose="02020603050405020304" pitchFamily="18" charset="0"/>
-                <a:ea typeface="ＭＳ Ｐゴシック" panose="020B0600070205080204" pitchFamily="34" charset="-128"/>
-              </a:defRPr>
-            </a:lvl7pPr>
-            <a:lvl8pPr marL="3429000" indent="-228600" defTabSz="1279525" eaLnBrk="0" fontAlgn="base" hangingPunct="0">
-              <a:spcBef>
-                <a:spcPct val="0"/>
-              </a:spcBef>
-              <a:spcAft>
-                <a:spcPct val="0"/>
-              </a:spcAft>
-              <a:defRPr kumimoji="1" sz="1600">
-                <a:solidFill>
-                  <a:schemeClr val="tx1"/>
-                </a:solidFill>
-                <a:latin typeface="Times New Roman" panose="02020603050405020304" pitchFamily="18" charset="0"/>
-                <a:ea typeface="ＭＳ Ｐゴシック" panose="020B0600070205080204" pitchFamily="34" charset="-128"/>
-              </a:defRPr>
-            </a:lvl8pPr>
-            <a:lvl9pPr marL="3886200" indent="-228600" defTabSz="1279525" eaLnBrk="0" fontAlgn="base" hangingPunct="0">
-              <a:spcBef>
-                <a:spcPct val="0"/>
-              </a:spcBef>
-              <a:spcAft>
-                <a:spcPct val="0"/>
-              </a:spcAft>
-              <a:defRPr kumimoji="1" sz="1600">
-                <a:solidFill>
-                  <a:schemeClr val="tx1"/>
-                </a:solidFill>
-                <a:latin typeface="Times New Roman" panose="02020603050405020304" pitchFamily="18" charset="0"/>
-                <a:ea typeface="ＭＳ Ｐゴシック" panose="020B0600070205080204" pitchFamily="34" charset="-128"/>
-              </a:defRPr>
-            </a:lvl9pPr>
-          </a:lstStyle>
-          <a:p>
-            <a:pPr eaLnBrk="1" hangingPunct="1"/>
-            <a:r>
-              <a:rPr lang="ja-JP" altLang="en-US" sz="2400" dirty="0">
-                <a:latin typeface="ＭＳ Ｐゴシック" panose="020B0600070205080204" pitchFamily="34" charset="-128"/>
-              </a:rPr>
-              <a:t>岩手県一関市</a:t>
-            </a:r>
-            <a:endParaRPr lang="ja-JP" altLang="en-US" sz="2400" dirty="0"/>
-          </a:p>
-        </p:txBody>
-      </p:sp>
-      <p:sp>
-        <p:nvSpPr>
-          <p:cNvPr id="3082" name="Rectangle 20">
-            <a:extLst>
-              <a:ext uri="{FF2B5EF4-FFF2-40B4-BE49-F238E27FC236}">
-                <a16:creationId xmlns:a16="http://schemas.microsoft.com/office/drawing/2014/main" id="{88BB8863-1101-664A-A3BB-4EDEC868681D}"/>
-              </a:ext>
-            </a:extLst>
-          </p:cNvPr>
-          <p:cNvSpPr>
-            <a:spLocks noChangeArrowheads="1"/>
-          </p:cNvSpPr>
-          <p:nvPr/>
-        </p:nvSpPr>
-        <p:spPr bwMode="auto">
-          <a:xfrm>
-            <a:off x="3017144" y="1200200"/>
-            <a:ext cx="2015504" cy="444500"/>
-          </a:xfrm>
-          <a:prstGeom prst="rect">
-            <a:avLst/>
-          </a:prstGeom>
-          <a:noFill/>
-          <a:ln>
-            <a:noFill/>
-          </a:ln>
-          <a:extLst>
-            <a:ext uri="{909E8E84-426E-40DD-AFC4-6F175D3DCCD1}">
-              <a14:hiddenFill xmlns:a14="http://schemas.microsoft.com/office/drawing/2010/main">
-                <a:solidFill>
-                  <a:srgbClr val="FFFFFF"/>
-                </a:solidFill>
-              </a14:hiddenFill>
-            </a:ext>
-            <a:ext uri="{91240B29-F687-4F45-9708-019B960494DF}">
-              <a14:hiddenLine xmlns:a14="http://schemas.microsoft.com/office/drawing/2010/main" w="9525">
-                <a:solidFill>
-                  <a:srgbClr val="000000"/>
-                </a:solidFill>
-                <a:miter lim="800000"/>
-                <a:headEnd/>
-                <a:tailEnd/>
-              </a14:hiddenLine>
-            </a:ext>
-          </a:extLst>
-        </p:spPr>
-        <p:txBody>
-          <a:bodyPr wrap="none" lIns="127998" tIns="63999" rIns="127998" bIns="63999" anchor="ctr"/>
-          <a:lstStyle>
-            <a:lvl1pPr defTabSz="1279525" eaLnBrk="0" hangingPunct="0">
-              <a:defRPr kumimoji="1" sz="1600">
-                <a:solidFill>
-                  <a:schemeClr val="tx1"/>
-                </a:solidFill>
-                <a:latin typeface="Times New Roman" panose="02020603050405020304" pitchFamily="18" charset="0"/>
-                <a:ea typeface="ＭＳ Ｐゴシック" panose="020B0600070205080204" pitchFamily="34" charset="-128"/>
-              </a:defRPr>
-            </a:lvl1pPr>
-            <a:lvl2pPr marL="742950" indent="-285750" defTabSz="1279525" eaLnBrk="0" hangingPunct="0">
-              <a:defRPr kumimoji="1" sz="1600">
-                <a:solidFill>
-                  <a:schemeClr val="tx1"/>
-                </a:solidFill>
-                <a:latin typeface="Times New Roman" panose="02020603050405020304" pitchFamily="18" charset="0"/>
-                <a:ea typeface="ＭＳ Ｐゴシック" panose="020B0600070205080204" pitchFamily="34" charset="-128"/>
-              </a:defRPr>
-            </a:lvl2pPr>
-            <a:lvl3pPr marL="1143000" indent="-228600" defTabSz="1279525" eaLnBrk="0" hangingPunct="0">
-              <a:defRPr kumimoji="1" sz="1600">
-                <a:solidFill>
-                  <a:schemeClr val="tx1"/>
-                </a:solidFill>
-                <a:latin typeface="Times New Roman" panose="02020603050405020304" pitchFamily="18" charset="0"/>
-                <a:ea typeface="ＭＳ Ｐゴシック" panose="020B0600070205080204" pitchFamily="34" charset="-128"/>
-              </a:defRPr>
-            </a:lvl3pPr>
-            <a:lvl4pPr marL="1600200" indent="-228600" defTabSz="1279525" eaLnBrk="0" hangingPunct="0">
-              <a:defRPr kumimoji="1" sz="1600">
-                <a:solidFill>
-                  <a:schemeClr val="tx1"/>
-                </a:solidFill>
-                <a:latin typeface="Times New Roman" panose="02020603050405020304" pitchFamily="18" charset="0"/>
-                <a:ea typeface="ＭＳ Ｐゴシック" panose="020B0600070205080204" pitchFamily="34" charset="-128"/>
-              </a:defRPr>
-            </a:lvl4pPr>
-            <a:lvl5pPr marL="2057400" indent="-228600" defTabSz="1279525" eaLnBrk="0" hangingPunct="0">
-              <a:defRPr kumimoji="1" sz="1600">
-                <a:solidFill>
-                  <a:schemeClr val="tx1"/>
-                </a:solidFill>
-                <a:latin typeface="Times New Roman" panose="02020603050405020304" pitchFamily="18" charset="0"/>
-                <a:ea typeface="ＭＳ Ｐゴシック" panose="020B0600070205080204" pitchFamily="34" charset="-128"/>
-              </a:defRPr>
-            </a:lvl5pPr>
-            <a:lvl6pPr marL="2514600" indent="-228600" defTabSz="1279525" eaLnBrk="0" fontAlgn="base" hangingPunct="0">
-              <a:spcBef>
-                <a:spcPct val="0"/>
-              </a:spcBef>
-              <a:spcAft>
-                <a:spcPct val="0"/>
-              </a:spcAft>
-              <a:defRPr kumimoji="1" sz="1600">
-                <a:solidFill>
-                  <a:schemeClr val="tx1"/>
-                </a:solidFill>
-                <a:latin typeface="Times New Roman" panose="02020603050405020304" pitchFamily="18" charset="0"/>
-                <a:ea typeface="ＭＳ Ｐゴシック" panose="020B0600070205080204" pitchFamily="34" charset="-128"/>
-              </a:defRPr>
-            </a:lvl6pPr>
-            <a:lvl7pPr marL="2971800" indent="-228600" defTabSz="1279525" eaLnBrk="0" fontAlgn="base" hangingPunct="0">
-              <a:spcBef>
-                <a:spcPct val="0"/>
-              </a:spcBef>
-              <a:spcAft>
-                <a:spcPct val="0"/>
-              </a:spcAft>
-              <a:defRPr kumimoji="1" sz="1600">
-                <a:solidFill>
-                  <a:schemeClr val="tx1"/>
-                </a:solidFill>
-                <a:latin typeface="Times New Roman" panose="02020603050405020304" pitchFamily="18" charset="0"/>
-                <a:ea typeface="ＭＳ Ｐゴシック" panose="020B0600070205080204" pitchFamily="34" charset="-128"/>
-              </a:defRPr>
-            </a:lvl7pPr>
-            <a:lvl8pPr marL="3429000" indent="-228600" defTabSz="1279525" eaLnBrk="0" fontAlgn="base" hangingPunct="0">
-              <a:spcBef>
-                <a:spcPct val="0"/>
-              </a:spcBef>
-              <a:spcAft>
-                <a:spcPct val="0"/>
-              </a:spcAft>
-              <a:defRPr kumimoji="1" sz="1600">
-                <a:solidFill>
-                  <a:schemeClr val="tx1"/>
-                </a:solidFill>
-                <a:latin typeface="Times New Roman" panose="02020603050405020304" pitchFamily="18" charset="0"/>
-                <a:ea typeface="ＭＳ Ｐゴシック" panose="020B0600070205080204" pitchFamily="34" charset="-128"/>
-              </a:defRPr>
-            </a:lvl8pPr>
-            <a:lvl9pPr marL="3886200" indent="-228600" defTabSz="1279525" eaLnBrk="0" fontAlgn="base" hangingPunct="0">
-              <a:spcBef>
-                <a:spcPct val="0"/>
-              </a:spcBef>
-              <a:spcAft>
-                <a:spcPct val="0"/>
-              </a:spcAft>
-              <a:defRPr kumimoji="1" sz="1600">
-                <a:solidFill>
-                  <a:schemeClr val="tx1"/>
-                </a:solidFill>
-                <a:latin typeface="Times New Roman" panose="02020603050405020304" pitchFamily="18" charset="0"/>
-                <a:ea typeface="ＭＳ Ｐゴシック" panose="020B0600070205080204" pitchFamily="34" charset="-128"/>
-              </a:defRPr>
-            </a:lvl9pPr>
-          </a:lstStyle>
-          <a:p>
-            <a:pPr eaLnBrk="1" hangingPunct="1"/>
-            <a:r>
-              <a:rPr lang="en-US" altLang="ja-JP" sz="2800" b="1" dirty="0" err="1">
-                <a:solidFill>
-                  <a:prstClr val="black"/>
-                </a:solidFill>
-                <a:latin typeface="HG丸ｺﾞｼｯｸM-PRO" panose="020F0600000000000000" pitchFamily="50" charset="-128"/>
-                <a:ea typeface="HG丸ｺﾞｼｯｸM-PRO" panose="020F0600000000000000" pitchFamily="50" charset="-128"/>
-              </a:rPr>
-              <a:t>teamNITIC</a:t>
-            </a:r>
-            <a:endParaRPr lang="en-US" altLang="ja-JP" sz="4000" b="1" dirty="0"/>
-          </a:p>
-        </p:txBody>
-      </p:sp>
-      <p:sp>
-        <p:nvSpPr>
-          <p:cNvPr id="10" name="Rectangle 4">
-            <a:extLst>
-              <a:ext uri="{FF2B5EF4-FFF2-40B4-BE49-F238E27FC236}">
-                <a16:creationId xmlns:a16="http://schemas.microsoft.com/office/drawing/2014/main" id="{3A027A30-C9DB-489E-84A9-224A19E472A9}"/>
-              </a:ext>
-            </a:extLst>
-          </p:cNvPr>
-          <p:cNvSpPr>
-            <a:spLocks noChangeArrowheads="1"/>
-          </p:cNvSpPr>
-          <p:nvPr/>
-        </p:nvSpPr>
-        <p:spPr bwMode="auto">
-          <a:xfrm>
-            <a:off x="6400800" y="1839142"/>
-            <a:ext cx="6189062" cy="7497962"/>
-          </a:xfrm>
-          <a:prstGeom prst="rect">
-            <a:avLst/>
-          </a:prstGeom>
-          <a:noFill/>
-          <a:ln w="9525">
-            <a:solidFill>
-              <a:schemeClr val="accent6">
-                <a:lumMod val="75000"/>
-              </a:schemeClr>
-            </a:solidFill>
-            <a:miter lim="800000"/>
-            <a:headEnd/>
-            <a:tailEnd/>
-          </a:ln>
-          <a:extLst>
-            <a:ext uri="{909E8E84-426E-40DD-AFC4-6F175D3DCCD1}">
-              <a14:hiddenFill xmlns:a14="http://schemas.microsoft.com/office/drawing/2010/main">
-                <a:solidFill>
-                  <a:srgbClr val="FFFFFF"/>
-                </a:solidFill>
-              </a14:hiddenFill>
-            </a:ext>
-          </a:extLst>
-        </p:spPr>
-        <p:txBody>
-          <a:bodyPr lIns="108376" tIns="54188" rIns="108376" bIns="54188"/>
-          <a:lstStyle>
-            <a:lvl1pPr marL="481013" indent="-481013" defTabSz="1279525" eaLnBrk="0" hangingPunct="0">
-              <a:defRPr kumimoji="1" sz="1600">
-                <a:solidFill>
-                  <a:schemeClr val="tx1"/>
-                </a:solidFill>
-                <a:latin typeface="Times New Roman" panose="02020603050405020304" pitchFamily="18" charset="0"/>
-                <a:ea typeface="ＭＳ Ｐゴシック" panose="020B0600070205080204" pitchFamily="34" charset="-128"/>
-              </a:defRPr>
-            </a:lvl1pPr>
-            <a:lvl2pPr marL="742950" indent="-285750" defTabSz="1279525" eaLnBrk="0" hangingPunct="0">
-              <a:defRPr kumimoji="1" sz="1600">
-                <a:solidFill>
-                  <a:schemeClr val="tx1"/>
-                </a:solidFill>
-                <a:latin typeface="Times New Roman" panose="02020603050405020304" pitchFamily="18" charset="0"/>
-                <a:ea typeface="ＭＳ Ｐゴシック" panose="020B0600070205080204" pitchFamily="34" charset="-128"/>
-              </a:defRPr>
-            </a:lvl2pPr>
-            <a:lvl3pPr marL="1143000" indent="-228600" defTabSz="1279525" eaLnBrk="0" hangingPunct="0">
-              <a:defRPr kumimoji="1" sz="1600">
-                <a:solidFill>
-                  <a:schemeClr val="tx1"/>
-                </a:solidFill>
-                <a:latin typeface="Times New Roman" panose="02020603050405020304" pitchFamily="18" charset="0"/>
-                <a:ea typeface="ＭＳ Ｐゴシック" panose="020B0600070205080204" pitchFamily="34" charset="-128"/>
-              </a:defRPr>
-            </a:lvl3pPr>
-            <a:lvl4pPr marL="1600200" indent="-228600" defTabSz="1279525" eaLnBrk="0" hangingPunct="0">
-              <a:defRPr kumimoji="1" sz="1600">
-                <a:solidFill>
-                  <a:schemeClr val="tx1"/>
-                </a:solidFill>
-                <a:latin typeface="Times New Roman" panose="02020603050405020304" pitchFamily="18" charset="0"/>
-                <a:ea typeface="ＭＳ Ｐゴシック" panose="020B0600070205080204" pitchFamily="34" charset="-128"/>
-              </a:defRPr>
-            </a:lvl4pPr>
-            <a:lvl5pPr marL="2057400" indent="-228600" defTabSz="1279525" eaLnBrk="0" hangingPunct="0">
-              <a:defRPr kumimoji="1" sz="1600">
-                <a:solidFill>
-                  <a:schemeClr val="tx1"/>
-                </a:solidFill>
-                <a:latin typeface="Times New Roman" panose="02020603050405020304" pitchFamily="18" charset="0"/>
-                <a:ea typeface="ＭＳ Ｐゴシック" panose="020B0600070205080204" pitchFamily="34" charset="-128"/>
-              </a:defRPr>
-            </a:lvl5pPr>
-            <a:lvl6pPr marL="2514600" indent="-228600" defTabSz="1279525" eaLnBrk="0" fontAlgn="base" hangingPunct="0">
-              <a:spcBef>
-                <a:spcPct val="0"/>
-              </a:spcBef>
-              <a:spcAft>
-                <a:spcPct val="0"/>
-              </a:spcAft>
-              <a:defRPr kumimoji="1" sz="1600">
-                <a:solidFill>
-                  <a:schemeClr val="tx1"/>
-                </a:solidFill>
-                <a:latin typeface="Times New Roman" panose="02020603050405020304" pitchFamily="18" charset="0"/>
-                <a:ea typeface="ＭＳ Ｐゴシック" panose="020B0600070205080204" pitchFamily="34" charset="-128"/>
-              </a:defRPr>
-            </a:lvl6pPr>
-            <a:lvl7pPr marL="2971800" indent="-228600" defTabSz="1279525" eaLnBrk="0" fontAlgn="base" hangingPunct="0">
-              <a:spcBef>
-                <a:spcPct val="0"/>
-              </a:spcBef>
-              <a:spcAft>
-                <a:spcPct val="0"/>
-              </a:spcAft>
-              <a:defRPr kumimoji="1" sz="1600">
-                <a:solidFill>
-                  <a:schemeClr val="tx1"/>
-                </a:solidFill>
-                <a:latin typeface="Times New Roman" panose="02020603050405020304" pitchFamily="18" charset="0"/>
-                <a:ea typeface="ＭＳ Ｐゴシック" panose="020B0600070205080204" pitchFamily="34" charset="-128"/>
-              </a:defRPr>
-            </a:lvl7pPr>
-            <a:lvl8pPr marL="3429000" indent="-228600" defTabSz="1279525" eaLnBrk="0" fontAlgn="base" hangingPunct="0">
-              <a:spcBef>
-                <a:spcPct val="0"/>
-              </a:spcBef>
-              <a:spcAft>
-                <a:spcPct val="0"/>
-              </a:spcAft>
-              <a:defRPr kumimoji="1" sz="1600">
-                <a:solidFill>
-                  <a:schemeClr val="tx1"/>
-                </a:solidFill>
-                <a:latin typeface="Times New Roman" panose="02020603050405020304" pitchFamily="18" charset="0"/>
-                <a:ea typeface="ＭＳ Ｐゴシック" panose="020B0600070205080204" pitchFamily="34" charset="-128"/>
-              </a:defRPr>
-            </a:lvl8pPr>
-            <a:lvl9pPr marL="3886200" indent="-228600" defTabSz="1279525" eaLnBrk="0" fontAlgn="base" hangingPunct="0">
-              <a:spcBef>
-                <a:spcPct val="0"/>
-              </a:spcBef>
-              <a:spcAft>
-                <a:spcPct val="0"/>
-              </a:spcAft>
-              <a:defRPr kumimoji="1" sz="1600">
-                <a:solidFill>
-                  <a:schemeClr val="tx1"/>
-                </a:solidFill>
-                <a:latin typeface="Times New Roman" panose="02020603050405020304" pitchFamily="18" charset="0"/>
-                <a:ea typeface="ＭＳ Ｐゴシック" panose="020B0600070205080204" pitchFamily="34" charset="-128"/>
-              </a:defRPr>
-            </a:lvl9pPr>
-          </a:lstStyle>
-          <a:p>
-            <a:pPr eaLnBrk="1" hangingPunct="1">
-              <a:lnSpc>
-                <a:spcPct val="80000"/>
-              </a:lnSpc>
-              <a:spcBef>
-                <a:spcPct val="20000"/>
-              </a:spcBef>
-            </a:pPr>
-            <a:r>
-              <a:rPr lang="ja-JP" altLang="en-US" sz="2000" b="1" dirty="0"/>
-              <a:t>モデルの構成</a:t>
-            </a:r>
-            <a:endParaRPr lang="en-US" altLang="ja-JP" sz="2000" b="1" dirty="0"/>
-          </a:p>
-          <a:p>
-            <a:pPr marL="0" indent="0" defTabSz="914400" eaLnBrk="1" hangingPunct="1">
-              <a:lnSpc>
-                <a:spcPct val="80000"/>
-              </a:lnSpc>
-              <a:spcBef>
-                <a:spcPts val="600"/>
-              </a:spcBef>
-            </a:pPr>
-            <a:r>
-              <a:rPr lang="en-US" altLang="ja-JP" sz="1800" dirty="0">
-                <a:solidFill>
-                  <a:prstClr val="black"/>
-                </a:solidFill>
-                <a:latin typeface="HG丸ｺﾞｼｯｸM-PRO" panose="020F0600000000000000" pitchFamily="50" charset="-128"/>
-                <a:ea typeface="HG丸ｺﾞｼｯｸM-PRO" panose="020F0600000000000000" pitchFamily="50" charset="-128"/>
-              </a:rPr>
-              <a:t>【】</a:t>
-            </a:r>
-            <a:endParaRPr lang="ja-JP" altLang="en-US" sz="1800" dirty="0">
-              <a:solidFill>
-                <a:prstClr val="black"/>
-              </a:solidFill>
-              <a:latin typeface="HG丸ｺﾞｼｯｸM-PRO" panose="020F0600000000000000" pitchFamily="50" charset="-128"/>
-              <a:ea typeface="HG丸ｺﾞｼｯｸM-PRO" panose="020F0600000000000000" pitchFamily="50" charset="-128"/>
-            </a:endParaRPr>
-          </a:p>
-          <a:p>
-            <a:pPr marL="0" indent="0" defTabSz="914400" eaLnBrk="1" hangingPunct="1">
-              <a:lnSpc>
-                <a:spcPct val="80000"/>
-              </a:lnSpc>
-              <a:spcBef>
-                <a:spcPts val="600"/>
-              </a:spcBef>
-            </a:pPr>
-            <a:r>
-              <a:rPr lang="en-US" altLang="ja-JP" dirty="0">
-                <a:solidFill>
-                  <a:prstClr val="black"/>
-                </a:solidFill>
-                <a:latin typeface="HG丸ｺﾞｼｯｸM-PRO" panose="020F0600000000000000" pitchFamily="50" charset="-128"/>
-                <a:ea typeface="HG丸ｺﾞｼｯｸM-PRO" panose="020F0600000000000000" pitchFamily="50" charset="-128"/>
-              </a:rPr>
-              <a:t>【</a:t>
-            </a:r>
-            <a:r>
-              <a:rPr lang="ja-JP" altLang="en-US" dirty="0">
-                <a:solidFill>
-                  <a:prstClr val="black"/>
-                </a:solidFill>
-                <a:latin typeface="HG丸ｺﾞｼｯｸM-PRO" panose="020F0600000000000000" pitchFamily="50" charset="-128"/>
-                <a:ea typeface="HG丸ｺﾞｼｯｸM-PRO" panose="020F0600000000000000" pitchFamily="50" charset="-128"/>
-              </a:rPr>
-              <a:t>機能モデル</a:t>
-            </a:r>
-            <a:r>
-              <a:rPr lang="en-US" altLang="ja-JP" dirty="0">
-                <a:solidFill>
-                  <a:prstClr val="black"/>
-                </a:solidFill>
-                <a:latin typeface="HG丸ｺﾞｼｯｸM-PRO" panose="020F0600000000000000" pitchFamily="50" charset="-128"/>
-                <a:ea typeface="HG丸ｺﾞｼｯｸM-PRO" panose="020F0600000000000000" pitchFamily="50" charset="-128"/>
-              </a:rPr>
-              <a:t>】</a:t>
-            </a:r>
-          </a:p>
-          <a:p>
-            <a:pPr marL="0" indent="0" defTabSz="914400" eaLnBrk="1" hangingPunct="1">
-              <a:lnSpc>
-                <a:spcPct val="80000"/>
-              </a:lnSpc>
-              <a:spcBef>
-                <a:spcPts val="600"/>
-              </a:spcBef>
-            </a:pPr>
-            <a:r>
-              <a:rPr lang="ja-JP" altLang="en-US" dirty="0">
-                <a:solidFill>
-                  <a:prstClr val="black"/>
-                </a:solidFill>
-                <a:latin typeface="HG丸ｺﾞｼｯｸM-PRO" panose="020F0600000000000000" pitchFamily="50" charset="-128"/>
-                <a:ea typeface="HG丸ｺﾞｼｯｸM-PRO" panose="020F0600000000000000" pitchFamily="50" charset="-128"/>
-              </a:rPr>
-              <a:t>・「コースを完走する」という課題をクリアするために、どのような機能が必要かをリストアップした。</a:t>
-            </a:r>
-            <a:endParaRPr lang="en-US" altLang="ja-JP" dirty="0">
-              <a:solidFill>
-                <a:prstClr val="black"/>
-              </a:solidFill>
-              <a:latin typeface="HG丸ｺﾞｼｯｸM-PRO" panose="020F0600000000000000" pitchFamily="50" charset="-128"/>
-              <a:ea typeface="HG丸ｺﾞｼｯｸM-PRO" panose="020F0600000000000000" pitchFamily="50" charset="-128"/>
-            </a:endParaRPr>
-          </a:p>
-          <a:p>
-            <a:pPr marL="0" indent="0" defTabSz="914400" eaLnBrk="1" hangingPunct="1">
-              <a:lnSpc>
-                <a:spcPct val="80000"/>
-              </a:lnSpc>
-              <a:spcBef>
-                <a:spcPts val="600"/>
-              </a:spcBef>
-            </a:pPr>
-            <a:r>
-              <a:rPr lang="ja-JP" altLang="en-US" dirty="0">
-                <a:solidFill>
-                  <a:prstClr val="black"/>
-                </a:solidFill>
-                <a:latin typeface="HG丸ｺﾞｼｯｸM-PRO" panose="020F0600000000000000" pitchFamily="50" charset="-128"/>
-                <a:ea typeface="HG丸ｺﾞｼｯｸM-PRO" panose="020F0600000000000000" pitchFamily="50" charset="-128"/>
-              </a:rPr>
-              <a:t>・その機能を実現するために必要な部品を定義した。</a:t>
-            </a:r>
-            <a:endParaRPr lang="en-US" altLang="ja-JP" dirty="0">
-              <a:solidFill>
-                <a:prstClr val="black"/>
-              </a:solidFill>
-              <a:latin typeface="HG丸ｺﾞｼｯｸM-PRO" panose="020F0600000000000000" pitchFamily="50" charset="-128"/>
-              <a:ea typeface="HG丸ｺﾞｼｯｸM-PRO" panose="020F0600000000000000" pitchFamily="50" charset="-128"/>
-            </a:endParaRPr>
-          </a:p>
-          <a:p>
-            <a:pPr marL="0" indent="0" defTabSz="914400" eaLnBrk="1" hangingPunct="1">
-              <a:lnSpc>
-                <a:spcPct val="80000"/>
-              </a:lnSpc>
-              <a:spcBef>
-                <a:spcPts val="600"/>
-              </a:spcBef>
-            </a:pPr>
-            <a:r>
-              <a:rPr lang="ja-JP" altLang="en-US" dirty="0">
-                <a:solidFill>
-                  <a:prstClr val="black"/>
-                </a:solidFill>
-                <a:latin typeface="HG丸ｺﾞｼｯｸM-PRO" panose="020F0600000000000000" pitchFamily="50" charset="-128"/>
-                <a:ea typeface="HG丸ｺﾞｼｯｸM-PRO" panose="020F0600000000000000" pitchFamily="50" charset="-128"/>
-              </a:rPr>
-              <a:t>・コースを安定して高速で走行するために、コース全体を</a:t>
-            </a:r>
-            <a:r>
-              <a:rPr lang="en-US" altLang="ja-JP" dirty="0">
-                <a:solidFill>
-                  <a:prstClr val="black"/>
-                </a:solidFill>
-                <a:latin typeface="HG丸ｺﾞｼｯｸM-PRO" panose="020F0600000000000000" pitchFamily="50" charset="-128"/>
-                <a:ea typeface="HG丸ｺﾞｼｯｸM-PRO" panose="020F0600000000000000" pitchFamily="50" charset="-128"/>
-              </a:rPr>
-              <a:t>15</a:t>
-            </a:r>
-            <a:r>
-              <a:rPr lang="ja-JP" altLang="en-US" dirty="0">
-                <a:solidFill>
-                  <a:prstClr val="black"/>
-                </a:solidFill>
-                <a:latin typeface="HG丸ｺﾞｼｯｸM-PRO" panose="020F0600000000000000" pitchFamily="50" charset="-128"/>
-                <a:ea typeface="HG丸ｺﾞｼｯｸM-PRO" panose="020F0600000000000000" pitchFamily="50" charset="-128"/>
-              </a:rPr>
-              <a:t>の区間に分割し、それぞれ異なるパラメータで走行する戦略を立てた。</a:t>
-            </a:r>
-          </a:p>
-          <a:p>
-            <a:pPr marL="0" indent="0" defTabSz="914400" eaLnBrk="1" hangingPunct="1">
-              <a:lnSpc>
-                <a:spcPct val="80000"/>
-              </a:lnSpc>
-              <a:spcBef>
-                <a:spcPts val="600"/>
-              </a:spcBef>
-            </a:pPr>
-            <a:r>
-              <a:rPr lang="en-US" altLang="ja-JP" dirty="0">
-                <a:solidFill>
-                  <a:prstClr val="black"/>
-                </a:solidFill>
-                <a:latin typeface="HG丸ｺﾞｼｯｸM-PRO" panose="020F0600000000000000" pitchFamily="50" charset="-128"/>
-                <a:ea typeface="HG丸ｺﾞｼｯｸM-PRO" panose="020F0600000000000000" pitchFamily="50" charset="-128"/>
-              </a:rPr>
-              <a:t>【</a:t>
-            </a:r>
-            <a:r>
-              <a:rPr lang="ja-JP" altLang="en-US" dirty="0">
-                <a:solidFill>
-                  <a:prstClr val="black"/>
-                </a:solidFill>
-                <a:latin typeface="HG丸ｺﾞｼｯｸM-PRO" panose="020F0600000000000000" pitchFamily="50" charset="-128"/>
-                <a:ea typeface="HG丸ｺﾞｼｯｸM-PRO" panose="020F0600000000000000" pitchFamily="50" charset="-128"/>
-              </a:rPr>
-              <a:t>構造モデル</a:t>
-            </a:r>
-            <a:r>
-              <a:rPr lang="en-US" altLang="ja-JP" dirty="0">
-                <a:solidFill>
-                  <a:prstClr val="black"/>
-                </a:solidFill>
-                <a:latin typeface="HG丸ｺﾞｼｯｸM-PRO" panose="020F0600000000000000" pitchFamily="50" charset="-128"/>
-                <a:ea typeface="HG丸ｺﾞｼｯｸM-PRO" panose="020F0600000000000000" pitchFamily="50" charset="-128"/>
-              </a:rPr>
-              <a:t>】</a:t>
-            </a:r>
-          </a:p>
-          <a:p>
-            <a:pPr marL="0" indent="0" defTabSz="914400" eaLnBrk="1" hangingPunct="1">
-              <a:lnSpc>
-                <a:spcPct val="80000"/>
-              </a:lnSpc>
-              <a:spcBef>
-                <a:spcPts val="600"/>
-              </a:spcBef>
-            </a:pPr>
-            <a:r>
-              <a:rPr lang="ja-JP" altLang="en-US" dirty="0">
-                <a:solidFill>
-                  <a:prstClr val="black"/>
-                </a:solidFill>
-                <a:latin typeface="HG丸ｺﾞｼｯｸM-PRO" panose="020F0600000000000000" pitchFamily="50" charset="-128"/>
-                <a:ea typeface="HG丸ｺﾞｼｯｸM-PRO" panose="020F0600000000000000" pitchFamily="50" charset="-128"/>
-              </a:rPr>
-              <a:t>・機能モデルで定義した部品の構成をクラス図に示す。</a:t>
-            </a:r>
-            <a:endParaRPr lang="en-US" altLang="ja-JP" dirty="0">
-              <a:solidFill>
-                <a:prstClr val="black"/>
-              </a:solidFill>
-              <a:latin typeface="HG丸ｺﾞｼｯｸM-PRO" panose="020F0600000000000000" pitchFamily="50" charset="-128"/>
-              <a:ea typeface="HG丸ｺﾞｼｯｸM-PRO" panose="020F0600000000000000" pitchFamily="50" charset="-128"/>
-            </a:endParaRPr>
-          </a:p>
-          <a:p>
-            <a:pPr marL="0" indent="0" defTabSz="914400" eaLnBrk="1" hangingPunct="1">
-              <a:lnSpc>
-                <a:spcPct val="80000"/>
-              </a:lnSpc>
-              <a:spcBef>
-                <a:spcPts val="600"/>
-              </a:spcBef>
-            </a:pPr>
-            <a:r>
-              <a:rPr lang="ja-JP" altLang="en-US" dirty="0">
-                <a:solidFill>
-                  <a:prstClr val="black"/>
-                </a:solidFill>
-                <a:latin typeface="HG丸ｺﾞｼｯｸM-PRO" panose="020F0600000000000000" pitchFamily="50" charset="-128"/>
-                <a:ea typeface="HG丸ｺﾞｼｯｸM-PRO" panose="020F0600000000000000" pitchFamily="50" charset="-128"/>
-              </a:rPr>
-              <a:t>・クラス図の大まかな構成はパッケージ構造に表した。</a:t>
-            </a:r>
-          </a:p>
-          <a:p>
-            <a:pPr marL="0" indent="0" defTabSz="914400" eaLnBrk="1" hangingPunct="1">
-              <a:lnSpc>
-                <a:spcPct val="80000"/>
-              </a:lnSpc>
-              <a:spcBef>
-                <a:spcPts val="600"/>
-              </a:spcBef>
-            </a:pPr>
-            <a:r>
-              <a:rPr lang="en-US" altLang="ja-JP" dirty="0">
-                <a:solidFill>
-                  <a:prstClr val="black"/>
-                </a:solidFill>
-                <a:latin typeface="HG丸ｺﾞｼｯｸM-PRO" panose="020F0600000000000000" pitchFamily="50" charset="-128"/>
-                <a:ea typeface="HG丸ｺﾞｼｯｸM-PRO" panose="020F0600000000000000" pitchFamily="50" charset="-128"/>
-              </a:rPr>
-              <a:t>【</a:t>
-            </a:r>
-            <a:r>
-              <a:rPr lang="ja-JP" altLang="en-US" dirty="0">
-                <a:solidFill>
-                  <a:prstClr val="black"/>
-                </a:solidFill>
-                <a:latin typeface="HG丸ｺﾞｼｯｸM-PRO" panose="020F0600000000000000" pitchFamily="50" charset="-128"/>
-                <a:ea typeface="HG丸ｺﾞｼｯｸM-PRO" panose="020F0600000000000000" pitchFamily="50" charset="-128"/>
-              </a:rPr>
-              <a:t>振る舞いモデル</a:t>
-            </a:r>
-            <a:r>
-              <a:rPr lang="en-US" altLang="ja-JP" dirty="0">
-                <a:solidFill>
-                  <a:prstClr val="black"/>
-                </a:solidFill>
-                <a:latin typeface="HG丸ｺﾞｼｯｸM-PRO" panose="020F0600000000000000" pitchFamily="50" charset="-128"/>
-                <a:ea typeface="HG丸ｺﾞｼｯｸM-PRO" panose="020F0600000000000000" pitchFamily="50" charset="-128"/>
-              </a:rPr>
-              <a:t>】</a:t>
-            </a:r>
-          </a:p>
-          <a:p>
-            <a:pPr marL="0" indent="0" defTabSz="914400" eaLnBrk="1" hangingPunct="1">
-              <a:lnSpc>
-                <a:spcPct val="80000"/>
-              </a:lnSpc>
-              <a:spcBef>
-                <a:spcPts val="600"/>
-              </a:spcBef>
-            </a:pPr>
-            <a:r>
-              <a:rPr lang="ja-JP" altLang="en-US" dirty="0">
-                <a:solidFill>
-                  <a:prstClr val="black"/>
-                </a:solidFill>
-                <a:latin typeface="HG丸ｺﾞｼｯｸM-PRO" panose="020F0600000000000000" pitchFamily="50" charset="-128"/>
-                <a:ea typeface="HG丸ｺﾞｼｯｸM-PRO" panose="020F0600000000000000" pitchFamily="50" charset="-128"/>
-              </a:rPr>
-              <a:t>・</a:t>
-            </a:r>
-          </a:p>
-          <a:p>
-            <a:pPr marL="0" indent="0" defTabSz="914400" eaLnBrk="1" hangingPunct="1">
-              <a:lnSpc>
-                <a:spcPct val="80000"/>
-              </a:lnSpc>
-              <a:spcBef>
-                <a:spcPts val="600"/>
-              </a:spcBef>
-            </a:pPr>
-            <a:r>
-              <a:rPr lang="en-US" altLang="ja-JP" dirty="0">
-                <a:solidFill>
-                  <a:prstClr val="black"/>
-                </a:solidFill>
-                <a:latin typeface="HG丸ｺﾞｼｯｸM-PRO" panose="020F0600000000000000" pitchFamily="50" charset="-128"/>
-                <a:ea typeface="HG丸ｺﾞｼｯｸM-PRO" panose="020F0600000000000000" pitchFamily="50" charset="-128"/>
-              </a:rPr>
-              <a:t>【</a:t>
-            </a:r>
-            <a:r>
-              <a:rPr lang="ja-JP" altLang="en-US" dirty="0">
-                <a:solidFill>
-                  <a:prstClr val="black"/>
-                </a:solidFill>
-                <a:latin typeface="HG丸ｺﾞｼｯｸM-PRO" panose="020F0600000000000000" pitchFamily="50" charset="-128"/>
-                <a:ea typeface="HG丸ｺﾞｼｯｸM-PRO" panose="020F0600000000000000" pitchFamily="50" charset="-128"/>
-              </a:rPr>
-              <a:t>工夫点</a:t>
-            </a:r>
-            <a:r>
-              <a:rPr lang="en-US" altLang="ja-JP" dirty="0">
-                <a:solidFill>
-                  <a:prstClr val="black"/>
-                </a:solidFill>
-                <a:latin typeface="HG丸ｺﾞｼｯｸM-PRO" panose="020F0600000000000000" pitchFamily="50" charset="-128"/>
-                <a:ea typeface="HG丸ｺﾞｼｯｸM-PRO" panose="020F0600000000000000" pitchFamily="50" charset="-128"/>
-              </a:rPr>
-              <a:t>】</a:t>
-            </a:r>
-          </a:p>
-          <a:p>
-            <a:pPr marL="0" indent="0" defTabSz="914400" eaLnBrk="1" hangingPunct="1">
-              <a:lnSpc>
-                <a:spcPct val="80000"/>
-              </a:lnSpc>
-              <a:spcBef>
-                <a:spcPts val="600"/>
-              </a:spcBef>
-            </a:pPr>
-            <a:r>
-              <a:rPr lang="ja-JP" altLang="en-US" dirty="0">
-                <a:solidFill>
-                  <a:prstClr val="black"/>
-                </a:solidFill>
-                <a:latin typeface="HG丸ｺﾞｼｯｸM-PRO" panose="020F0600000000000000" pitchFamily="50" charset="-128"/>
-                <a:ea typeface="HG丸ｺﾞｼｯｸM-PRO" panose="020F0600000000000000" pitchFamily="50" charset="-128"/>
-              </a:rPr>
-              <a:t>・カーブを安定して曲がるために、曲率制御を導入し、その詳細を記述した。</a:t>
-            </a:r>
-            <a:endParaRPr lang="en-US" altLang="ja-JP" dirty="0">
-              <a:solidFill>
-                <a:prstClr val="black"/>
-              </a:solidFill>
-              <a:latin typeface="HG丸ｺﾞｼｯｸM-PRO" panose="020F0600000000000000" pitchFamily="50" charset="-128"/>
-              <a:ea typeface="HG丸ｺﾞｼｯｸM-PRO" panose="020F0600000000000000" pitchFamily="50" charset="-128"/>
-            </a:endParaRPr>
-          </a:p>
-          <a:p>
-            <a:pPr marL="0" indent="0" defTabSz="914400" eaLnBrk="1" hangingPunct="1">
-              <a:lnSpc>
-                <a:spcPct val="80000"/>
-              </a:lnSpc>
-              <a:spcBef>
-                <a:spcPts val="600"/>
-              </a:spcBef>
-            </a:pPr>
-            <a:r>
-              <a:rPr lang="ja-JP" altLang="en-US" dirty="0">
-                <a:solidFill>
-                  <a:prstClr val="black"/>
-                </a:solidFill>
-                <a:latin typeface="HG丸ｺﾞｼｯｸM-PRO" panose="020F0600000000000000" pitchFamily="50" charset="-128"/>
-                <a:ea typeface="HG丸ｺﾞｼｯｸM-PRO" panose="020F0600000000000000" pitchFamily="50" charset="-128"/>
-              </a:rPr>
-              <a:t>・オフィシャルバッテリの特性と、走行に与える影響に注目し、競技中に電源電圧が変化しても安定してカーブを曲がれるように指揮を構築した。</a:t>
-            </a:r>
-          </a:p>
-          <a:p>
-            <a:pPr marL="0" lvl="0" indent="0" defTabSz="914400" eaLnBrk="1" hangingPunct="1">
-              <a:lnSpc>
-                <a:spcPct val="80000"/>
-              </a:lnSpc>
-              <a:spcBef>
-                <a:spcPts val="600"/>
-              </a:spcBef>
-            </a:pPr>
-            <a:endParaRPr lang="en-US" altLang="ja-JP" dirty="0">
-              <a:solidFill>
-                <a:prstClr val="black"/>
-              </a:solidFill>
-              <a:latin typeface="HG丸ｺﾞｼｯｸM-PRO" panose="020F0600000000000000" pitchFamily="50" charset="-128"/>
-              <a:ea typeface="HG丸ｺﾞｼｯｸM-PRO" panose="020F0600000000000000" pitchFamily="50" charset="-128"/>
-            </a:endParaRPr>
-          </a:p>
-        </p:txBody>
-      </p:sp>
-      <p:sp>
-        <p:nvSpPr>
-          <p:cNvPr id="11" name="Rectangle 3">
-            <a:extLst>
-              <a:ext uri="{FF2B5EF4-FFF2-40B4-BE49-F238E27FC236}">
-                <a16:creationId xmlns:a16="http://schemas.microsoft.com/office/drawing/2014/main" id="{1AB85E6D-E200-4D0E-A670-B9BEB009D762}"/>
-              </a:ext>
-            </a:extLst>
-          </p:cNvPr>
-          <p:cNvSpPr>
-            <a:spLocks noChangeArrowheads="1"/>
-          </p:cNvSpPr>
-          <p:nvPr/>
-        </p:nvSpPr>
-        <p:spPr bwMode="auto">
-          <a:xfrm>
-            <a:off x="208112" y="1839142"/>
-            <a:ext cx="5976664" cy="3420000"/>
-          </a:xfrm>
-          <a:prstGeom prst="rect">
-            <a:avLst/>
-          </a:prstGeom>
-          <a:noFill/>
-          <a:ln w="9525">
-            <a:solidFill>
-              <a:schemeClr val="accent6">
-                <a:lumMod val="75000"/>
-              </a:schemeClr>
-            </a:solidFill>
-            <a:miter lim="800000"/>
-            <a:headEnd/>
-            <a:tailEnd/>
-          </a:ln>
-          <a:extLst>
-            <a:ext uri="{909E8E84-426E-40DD-AFC4-6F175D3DCCD1}">
-              <a14:hiddenFill xmlns:a14="http://schemas.microsoft.com/office/drawing/2010/main">
-                <a:solidFill>
-                  <a:srgbClr val="FFFFFF"/>
-                </a:solidFill>
-              </a14:hiddenFill>
-            </a:ext>
-          </a:extLst>
-        </p:spPr>
-        <p:txBody>
-          <a:bodyPr lIns="108376" tIns="54188" rIns="108376" bIns="54188"/>
-          <a:lstStyle>
-            <a:lvl1pPr marL="481013" indent="-481013" defTabSz="1279525" eaLnBrk="0" hangingPunct="0">
-              <a:defRPr kumimoji="1" sz="1600">
-                <a:solidFill>
-                  <a:schemeClr val="tx1"/>
-                </a:solidFill>
-                <a:latin typeface="Times New Roman" panose="02020603050405020304" pitchFamily="18" charset="0"/>
-                <a:ea typeface="ＭＳ Ｐゴシック" panose="020B0600070205080204" pitchFamily="34" charset="-128"/>
-              </a:defRPr>
-            </a:lvl1pPr>
-            <a:lvl2pPr marL="742950" indent="-285750" defTabSz="1279525" eaLnBrk="0" hangingPunct="0">
-              <a:defRPr kumimoji="1" sz="1600">
-                <a:solidFill>
-                  <a:schemeClr val="tx1"/>
-                </a:solidFill>
-                <a:latin typeface="Times New Roman" panose="02020603050405020304" pitchFamily="18" charset="0"/>
-                <a:ea typeface="ＭＳ Ｐゴシック" panose="020B0600070205080204" pitchFamily="34" charset="-128"/>
-              </a:defRPr>
-            </a:lvl2pPr>
-            <a:lvl3pPr marL="1143000" indent="-228600" defTabSz="1279525" eaLnBrk="0" hangingPunct="0">
-              <a:defRPr kumimoji="1" sz="1600">
-                <a:solidFill>
-                  <a:schemeClr val="tx1"/>
-                </a:solidFill>
-                <a:latin typeface="Times New Roman" panose="02020603050405020304" pitchFamily="18" charset="0"/>
-                <a:ea typeface="ＭＳ Ｐゴシック" panose="020B0600070205080204" pitchFamily="34" charset="-128"/>
-              </a:defRPr>
-            </a:lvl3pPr>
-            <a:lvl4pPr marL="1600200" indent="-228600" defTabSz="1279525" eaLnBrk="0" hangingPunct="0">
-              <a:defRPr kumimoji="1" sz="1600">
-                <a:solidFill>
-                  <a:schemeClr val="tx1"/>
-                </a:solidFill>
-                <a:latin typeface="Times New Roman" panose="02020603050405020304" pitchFamily="18" charset="0"/>
-                <a:ea typeface="ＭＳ Ｐゴシック" panose="020B0600070205080204" pitchFamily="34" charset="-128"/>
-              </a:defRPr>
-            </a:lvl4pPr>
-            <a:lvl5pPr marL="2057400" indent="-228600" defTabSz="1279525" eaLnBrk="0" hangingPunct="0">
-              <a:defRPr kumimoji="1" sz="1600">
-                <a:solidFill>
-                  <a:schemeClr val="tx1"/>
-                </a:solidFill>
-                <a:latin typeface="Times New Roman" panose="02020603050405020304" pitchFamily="18" charset="0"/>
-                <a:ea typeface="ＭＳ Ｐゴシック" panose="020B0600070205080204" pitchFamily="34" charset="-128"/>
-              </a:defRPr>
-            </a:lvl5pPr>
-            <a:lvl6pPr marL="2514600" indent="-228600" defTabSz="1279525" eaLnBrk="0" fontAlgn="base" hangingPunct="0">
-              <a:spcBef>
-                <a:spcPct val="0"/>
-              </a:spcBef>
-              <a:spcAft>
-                <a:spcPct val="0"/>
-              </a:spcAft>
-              <a:defRPr kumimoji="1" sz="1600">
-                <a:solidFill>
-                  <a:schemeClr val="tx1"/>
-                </a:solidFill>
-                <a:latin typeface="Times New Roman" panose="02020603050405020304" pitchFamily="18" charset="0"/>
-                <a:ea typeface="ＭＳ Ｐゴシック" panose="020B0600070205080204" pitchFamily="34" charset="-128"/>
-              </a:defRPr>
-            </a:lvl6pPr>
-            <a:lvl7pPr marL="2971800" indent="-228600" defTabSz="1279525" eaLnBrk="0" fontAlgn="base" hangingPunct="0">
-              <a:spcBef>
-                <a:spcPct val="0"/>
-              </a:spcBef>
-              <a:spcAft>
-                <a:spcPct val="0"/>
-              </a:spcAft>
-              <a:defRPr kumimoji="1" sz="1600">
-                <a:solidFill>
-                  <a:schemeClr val="tx1"/>
-                </a:solidFill>
-                <a:latin typeface="Times New Roman" panose="02020603050405020304" pitchFamily="18" charset="0"/>
-                <a:ea typeface="ＭＳ Ｐゴシック" panose="020B0600070205080204" pitchFamily="34" charset="-128"/>
-              </a:defRPr>
-            </a:lvl7pPr>
-            <a:lvl8pPr marL="3429000" indent="-228600" defTabSz="1279525" eaLnBrk="0" fontAlgn="base" hangingPunct="0">
-              <a:spcBef>
-                <a:spcPct val="0"/>
-              </a:spcBef>
-              <a:spcAft>
-                <a:spcPct val="0"/>
-              </a:spcAft>
-              <a:defRPr kumimoji="1" sz="1600">
-                <a:solidFill>
-                  <a:schemeClr val="tx1"/>
-                </a:solidFill>
-                <a:latin typeface="Times New Roman" panose="02020603050405020304" pitchFamily="18" charset="0"/>
-                <a:ea typeface="ＭＳ Ｐゴシック" panose="020B0600070205080204" pitchFamily="34" charset="-128"/>
-              </a:defRPr>
-            </a:lvl8pPr>
-            <a:lvl9pPr marL="3886200" indent="-228600" defTabSz="1279525" eaLnBrk="0" fontAlgn="base" hangingPunct="0">
-              <a:spcBef>
-                <a:spcPct val="0"/>
-              </a:spcBef>
-              <a:spcAft>
-                <a:spcPct val="0"/>
-              </a:spcAft>
-              <a:defRPr kumimoji="1" sz="1600">
-                <a:solidFill>
-                  <a:schemeClr val="tx1"/>
-                </a:solidFill>
-                <a:latin typeface="Times New Roman" panose="02020603050405020304" pitchFamily="18" charset="0"/>
-                <a:ea typeface="ＭＳ Ｐゴシック" panose="020B0600070205080204" pitchFamily="34" charset="-128"/>
-              </a:defRPr>
-            </a:lvl9pPr>
-          </a:lstStyle>
-          <a:p>
-            <a:pPr eaLnBrk="1" hangingPunct="1">
-              <a:lnSpc>
-                <a:spcPct val="80000"/>
-              </a:lnSpc>
-              <a:spcBef>
-                <a:spcPct val="20000"/>
-              </a:spcBef>
-            </a:pPr>
-            <a:r>
-              <a:rPr lang="ja-JP" altLang="en-US" sz="2000" b="1" dirty="0"/>
-              <a:t>チーム紹介、目標、意気込み</a:t>
-            </a:r>
-            <a:endParaRPr lang="ja-JP" altLang="en-US" sz="2000" dirty="0"/>
-          </a:p>
-          <a:p>
-            <a:pPr marL="0" indent="0"/>
-            <a:r>
-              <a:rPr lang="ja-JP" altLang="en-US" sz="1800" dirty="0">
-                <a:latin typeface="HG丸ｺﾞｼｯｸM-PRO" panose="020F0600000000000000" pitchFamily="50" charset="-128"/>
-                <a:ea typeface="HG丸ｺﾞｼｯｸM-PRO" panose="020F0600000000000000" pitchFamily="50" charset="-128"/>
-              </a:rPr>
-              <a:t>私達</a:t>
-            </a:r>
-            <a:r>
-              <a:rPr lang="en-US" altLang="ja-JP" sz="1800" dirty="0" err="1">
-                <a:latin typeface="HG丸ｺﾞｼｯｸM-PRO" panose="020F0600000000000000" pitchFamily="50" charset="-128"/>
-                <a:ea typeface="HG丸ｺﾞｼｯｸM-PRO" panose="020F0600000000000000" pitchFamily="50" charset="-128"/>
-              </a:rPr>
-              <a:t>teamNITIC</a:t>
-            </a:r>
-            <a:r>
-              <a:rPr lang="ja-JP" altLang="en-US" sz="1800" dirty="0">
-                <a:latin typeface="HG丸ｺﾞｼｯｸM-PRO" panose="020F0600000000000000" pitchFamily="50" charset="-128"/>
-                <a:ea typeface="HG丸ｺﾞｼｯｸM-PRO" panose="020F0600000000000000" pitchFamily="50" charset="-128"/>
-              </a:rPr>
-              <a:t>は一関高専の二年生一人、四年生一人、五年生六人で構成されており、一関高専としての参加は二年目ですが、メンバーは一新され、みなが初挑戦となる出場です。</a:t>
-            </a:r>
-          </a:p>
-          <a:p>
-            <a:pPr marL="0" indent="0"/>
-            <a:r>
-              <a:rPr lang="ja-JP" altLang="en-US" sz="1800" dirty="0">
-                <a:latin typeface="HG丸ｺﾞｼｯｸM-PRO" panose="020F0600000000000000" pitchFamily="50" charset="-128"/>
-                <a:ea typeface="HG丸ｺﾞｼｯｸM-PRO" panose="020F0600000000000000" pitchFamily="50" charset="-128"/>
-              </a:rPr>
-              <a:t>高専で学習したモデリングやプログラミングを用いコースの完走と課題のクリアを行い全国大会へ出場し、表彰台に立つことが目標です。</a:t>
-            </a:r>
-          </a:p>
-          <a:p>
-            <a:pPr marL="0" indent="0"/>
-            <a:r>
-              <a:rPr lang="ja-JP" altLang="en-US" sz="1800" dirty="0">
-                <a:latin typeface="HG丸ｺﾞｼｯｸM-PRO" panose="020F0600000000000000" pitchFamily="50" charset="-128"/>
-                <a:ea typeface="HG丸ｺﾞｼｯｸM-PRO" panose="020F0600000000000000" pitchFamily="50" charset="-128"/>
-              </a:rPr>
-              <a:t>年齢が離れていて、今回が初対面となるメンバーも多くいるので、技術的なスキルの向上だけでなく、協同した作業や積極的なコミュニケーションを取ることにより社会性や協調性の向上にもつながるようにしたいです。</a:t>
-            </a:r>
-          </a:p>
-          <a:p>
-            <a:pPr marL="0" indent="0"/>
-            <a:endParaRPr lang="ja-JP" altLang="en-US" sz="1800" dirty="0">
-              <a:latin typeface="HG丸ｺﾞｼｯｸM-PRO" panose="020F0600000000000000" pitchFamily="50" charset="-128"/>
-              <a:ea typeface="HG丸ｺﾞｼｯｸM-PRO" panose="020F0600000000000000" pitchFamily="50" charset="-128"/>
-            </a:endParaRPr>
-          </a:p>
-        </p:txBody>
-      </p:sp>
-      <p:sp>
-        <p:nvSpPr>
-          <p:cNvPr id="12" name="Rectangle 3">
-            <a:extLst>
-              <a:ext uri="{FF2B5EF4-FFF2-40B4-BE49-F238E27FC236}">
-                <a16:creationId xmlns:a16="http://schemas.microsoft.com/office/drawing/2014/main" id="{687A221C-737B-4A73-B53A-5BB71A1A9081}"/>
-              </a:ext>
-            </a:extLst>
-          </p:cNvPr>
-          <p:cNvSpPr>
-            <a:spLocks noChangeArrowheads="1"/>
-          </p:cNvSpPr>
-          <p:nvPr/>
-        </p:nvSpPr>
-        <p:spPr bwMode="auto">
-          <a:xfrm>
-            <a:off x="211738" y="5436692"/>
-            <a:ext cx="5973038" cy="3900412"/>
-          </a:xfrm>
-          <a:prstGeom prst="rect">
-            <a:avLst/>
-          </a:prstGeom>
-          <a:noFill/>
-          <a:ln w="9525">
-            <a:solidFill>
-              <a:schemeClr val="accent6">
-                <a:lumMod val="75000"/>
-              </a:schemeClr>
-            </a:solidFill>
-            <a:miter lim="800000"/>
-            <a:headEnd/>
-            <a:tailEnd/>
-          </a:ln>
-          <a:extLst>
-            <a:ext uri="{909E8E84-426E-40DD-AFC4-6F175D3DCCD1}">
-              <a14:hiddenFill xmlns:a14="http://schemas.microsoft.com/office/drawing/2010/main">
-                <a:solidFill>
-                  <a:srgbClr val="FFFFFF"/>
-                </a:solidFill>
-              </a14:hiddenFill>
-            </a:ext>
-          </a:extLst>
-        </p:spPr>
-        <p:txBody>
-          <a:bodyPr lIns="108376" tIns="54188" rIns="108376" bIns="54188"/>
-          <a:lstStyle>
-            <a:lvl1pPr marL="481013" indent="-481013" defTabSz="1279525" eaLnBrk="0" hangingPunct="0">
-              <a:defRPr kumimoji="1" sz="1600">
-                <a:solidFill>
-                  <a:schemeClr val="tx1"/>
-                </a:solidFill>
-                <a:latin typeface="Times New Roman" panose="02020603050405020304" pitchFamily="18" charset="0"/>
-                <a:ea typeface="ＭＳ Ｐゴシック" panose="020B0600070205080204" pitchFamily="34" charset="-128"/>
-              </a:defRPr>
-            </a:lvl1pPr>
-            <a:lvl2pPr marL="742950" indent="-285750" defTabSz="1279525" eaLnBrk="0" hangingPunct="0">
-              <a:defRPr kumimoji="1" sz="1600">
-                <a:solidFill>
-                  <a:schemeClr val="tx1"/>
-                </a:solidFill>
-                <a:latin typeface="Times New Roman" panose="02020603050405020304" pitchFamily="18" charset="0"/>
-                <a:ea typeface="ＭＳ Ｐゴシック" panose="020B0600070205080204" pitchFamily="34" charset="-128"/>
-              </a:defRPr>
-            </a:lvl2pPr>
-            <a:lvl3pPr marL="1143000" indent="-228600" defTabSz="1279525" eaLnBrk="0" hangingPunct="0">
-              <a:defRPr kumimoji="1" sz="1600">
-                <a:solidFill>
-                  <a:schemeClr val="tx1"/>
-                </a:solidFill>
-                <a:latin typeface="Times New Roman" panose="02020603050405020304" pitchFamily="18" charset="0"/>
-                <a:ea typeface="ＭＳ Ｐゴシック" panose="020B0600070205080204" pitchFamily="34" charset="-128"/>
-              </a:defRPr>
-            </a:lvl3pPr>
-            <a:lvl4pPr marL="1600200" indent="-228600" defTabSz="1279525" eaLnBrk="0" hangingPunct="0">
-              <a:defRPr kumimoji="1" sz="1600">
-                <a:solidFill>
-                  <a:schemeClr val="tx1"/>
-                </a:solidFill>
-                <a:latin typeface="Times New Roman" panose="02020603050405020304" pitchFamily="18" charset="0"/>
-                <a:ea typeface="ＭＳ Ｐゴシック" panose="020B0600070205080204" pitchFamily="34" charset="-128"/>
-              </a:defRPr>
-            </a:lvl4pPr>
-            <a:lvl5pPr marL="2057400" indent="-228600" defTabSz="1279525" eaLnBrk="0" hangingPunct="0">
-              <a:defRPr kumimoji="1" sz="1600">
-                <a:solidFill>
-                  <a:schemeClr val="tx1"/>
-                </a:solidFill>
-                <a:latin typeface="Times New Roman" panose="02020603050405020304" pitchFamily="18" charset="0"/>
-                <a:ea typeface="ＭＳ Ｐゴシック" panose="020B0600070205080204" pitchFamily="34" charset="-128"/>
-              </a:defRPr>
-            </a:lvl5pPr>
-            <a:lvl6pPr marL="2514600" indent="-228600" defTabSz="1279525" eaLnBrk="0" fontAlgn="base" hangingPunct="0">
-              <a:spcBef>
-                <a:spcPct val="0"/>
-              </a:spcBef>
-              <a:spcAft>
-                <a:spcPct val="0"/>
-              </a:spcAft>
-              <a:defRPr kumimoji="1" sz="1600">
-                <a:solidFill>
-                  <a:schemeClr val="tx1"/>
-                </a:solidFill>
-                <a:latin typeface="Times New Roman" panose="02020603050405020304" pitchFamily="18" charset="0"/>
-                <a:ea typeface="ＭＳ Ｐゴシック" panose="020B0600070205080204" pitchFamily="34" charset="-128"/>
-              </a:defRPr>
-            </a:lvl6pPr>
-            <a:lvl7pPr marL="2971800" indent="-228600" defTabSz="1279525" eaLnBrk="0" fontAlgn="base" hangingPunct="0">
-              <a:spcBef>
-                <a:spcPct val="0"/>
-              </a:spcBef>
-              <a:spcAft>
-                <a:spcPct val="0"/>
-              </a:spcAft>
-              <a:defRPr kumimoji="1" sz="1600">
-                <a:solidFill>
-                  <a:schemeClr val="tx1"/>
-                </a:solidFill>
-                <a:latin typeface="Times New Roman" panose="02020603050405020304" pitchFamily="18" charset="0"/>
-                <a:ea typeface="ＭＳ Ｐゴシック" panose="020B0600070205080204" pitchFamily="34" charset="-128"/>
-              </a:defRPr>
-            </a:lvl7pPr>
-            <a:lvl8pPr marL="3429000" indent="-228600" defTabSz="1279525" eaLnBrk="0" fontAlgn="base" hangingPunct="0">
-              <a:spcBef>
-                <a:spcPct val="0"/>
-              </a:spcBef>
-              <a:spcAft>
-                <a:spcPct val="0"/>
-              </a:spcAft>
-              <a:defRPr kumimoji="1" sz="1600">
-                <a:solidFill>
-                  <a:schemeClr val="tx1"/>
-                </a:solidFill>
-                <a:latin typeface="Times New Roman" panose="02020603050405020304" pitchFamily="18" charset="0"/>
-                <a:ea typeface="ＭＳ Ｐゴシック" panose="020B0600070205080204" pitchFamily="34" charset="-128"/>
-              </a:defRPr>
-            </a:lvl8pPr>
-            <a:lvl9pPr marL="3886200" indent="-228600" defTabSz="1279525" eaLnBrk="0" fontAlgn="base" hangingPunct="0">
-              <a:spcBef>
-                <a:spcPct val="0"/>
-              </a:spcBef>
-              <a:spcAft>
-                <a:spcPct val="0"/>
-              </a:spcAft>
-              <a:defRPr kumimoji="1" sz="1600">
-                <a:solidFill>
-                  <a:schemeClr val="tx1"/>
-                </a:solidFill>
-                <a:latin typeface="Times New Roman" panose="02020603050405020304" pitchFamily="18" charset="0"/>
-                <a:ea typeface="ＭＳ Ｐゴシック" panose="020B0600070205080204" pitchFamily="34" charset="-128"/>
-              </a:defRPr>
-            </a:lvl9pPr>
-          </a:lstStyle>
-          <a:p>
-            <a:pPr marL="0" indent="0" defTabSz="774222" eaLnBrk="1" hangingPunct="1">
-              <a:lnSpc>
-                <a:spcPct val="80000"/>
-              </a:lnSpc>
-              <a:spcBef>
-                <a:spcPct val="20000"/>
-              </a:spcBef>
-            </a:pPr>
-            <a:r>
-              <a:rPr lang="ja-JP" altLang="en-US" sz="2000" b="1" dirty="0"/>
-              <a:t>モデルの概要</a:t>
-            </a:r>
-            <a:endParaRPr lang="en-US" altLang="ja-JP" sz="2000" b="1" dirty="0"/>
-          </a:p>
-          <a:p>
-            <a:pPr marL="0" indent="0" defTabSz="774222" eaLnBrk="1" hangingPunct="1">
-              <a:lnSpc>
-                <a:spcPct val="80000"/>
-              </a:lnSpc>
-              <a:spcBef>
-                <a:spcPct val="20000"/>
-              </a:spcBef>
-            </a:pPr>
-            <a:r>
-              <a:rPr lang="ja-JP" altLang="en-US" sz="1947" b="1" dirty="0">
-                <a:solidFill>
-                  <a:srgbClr val="FF0000"/>
-                </a:solidFill>
-              </a:rPr>
-              <a:t>選択課題</a:t>
-            </a:r>
-            <a:r>
-              <a:rPr lang="ja-JP" altLang="en-US" sz="1947" b="1" dirty="0">
-                <a:solidFill>
-                  <a:schemeClr val="accent6">
-                    <a:lumMod val="75000"/>
-                  </a:schemeClr>
-                </a:solidFill>
-              </a:rPr>
-              <a:t>　</a:t>
-            </a:r>
-            <a:r>
-              <a:rPr lang="ja-JP" altLang="en-US" sz="1947" b="1" dirty="0"/>
-              <a:t>コースを完走する</a:t>
-            </a:r>
-            <a:endParaRPr lang="en-US" altLang="ja-JP" sz="1947" b="1" dirty="0"/>
-          </a:p>
-          <a:p>
-            <a:pPr marL="0" indent="0" defTabSz="774222" eaLnBrk="1" hangingPunct="1">
-              <a:lnSpc>
-                <a:spcPct val="80000"/>
-              </a:lnSpc>
-              <a:spcBef>
-                <a:spcPct val="20000"/>
-              </a:spcBef>
-            </a:pPr>
-            <a:r>
-              <a:rPr lang="ja-JP" altLang="en-US" sz="1800" dirty="0">
-                <a:latin typeface="HG丸ｺﾞｼｯｸM-PRO" panose="020F0600000000000000" pitchFamily="50" charset="-128"/>
-                <a:ea typeface="HG丸ｺﾞｼｯｸM-PRO" panose="020F0600000000000000" pitchFamily="50" charset="-128"/>
-              </a:rPr>
-              <a:t>このモデルでは、「コースを完走する」という課題を、スタート動作を終えてからゴールゲートを通過するまでの動作と定義する。</a:t>
-            </a:r>
-            <a:endParaRPr lang="en-US" altLang="ja-JP" sz="1800" dirty="0">
-              <a:latin typeface="HG丸ｺﾞｼｯｸM-PRO" panose="020F0600000000000000" pitchFamily="50" charset="-128"/>
-              <a:ea typeface="HG丸ｺﾞｼｯｸM-PRO" panose="020F0600000000000000" pitchFamily="50" charset="-128"/>
-            </a:endParaRPr>
-          </a:p>
-          <a:p>
-            <a:pPr marL="0" indent="0" defTabSz="774222" eaLnBrk="1" hangingPunct="1">
-              <a:lnSpc>
-                <a:spcPct val="80000"/>
-              </a:lnSpc>
-              <a:spcBef>
-                <a:spcPct val="20000"/>
-              </a:spcBef>
-            </a:pPr>
-            <a:r>
-              <a:rPr lang="ja-JP" altLang="en-US" sz="1800" dirty="0">
-                <a:latin typeface="HG丸ｺﾞｼｯｸM-PRO" panose="020F0600000000000000" pitchFamily="50" charset="-128"/>
-                <a:ea typeface="HG丸ｺﾞｼｯｸM-PRO" panose="020F0600000000000000" pitchFamily="50" charset="-128"/>
-              </a:rPr>
-              <a:t>また、今年のカーブの多いコースを安定して走行するため、コース全体を</a:t>
-            </a:r>
-            <a:r>
-              <a:rPr lang="en-US" altLang="ja-JP" sz="1800" dirty="0">
-                <a:latin typeface="HG丸ｺﾞｼｯｸM-PRO" panose="020F0600000000000000" pitchFamily="50" charset="-128"/>
-                <a:ea typeface="HG丸ｺﾞｼｯｸM-PRO" panose="020F0600000000000000" pitchFamily="50" charset="-128"/>
-              </a:rPr>
-              <a:t>15</a:t>
-            </a:r>
-            <a:r>
-              <a:rPr lang="ja-JP" altLang="en-US" sz="1800" dirty="0">
-                <a:latin typeface="HG丸ｺﾞｼｯｸM-PRO" panose="020F0600000000000000" pitchFamily="50" charset="-128"/>
-                <a:ea typeface="HG丸ｺﾞｼｯｸM-PRO" panose="020F0600000000000000" pitchFamily="50" charset="-128"/>
-              </a:rPr>
-              <a:t>区間に分割した。区間ごとに異なる制御量を与えることによって、曲率の異なるカーブであってもコースアウトすることなく安定した走行が実現できると考えた。</a:t>
-            </a:r>
-            <a:endParaRPr lang="ja-JP" altLang="en-US" dirty="0">
-              <a:latin typeface="HG丸ｺﾞｼｯｸM-PRO" panose="020F0600000000000000" pitchFamily="50" charset="-128"/>
-              <a:ea typeface="HG丸ｺﾞｼｯｸM-PRO" panose="020F0600000000000000" pitchFamily="50" charset="-128"/>
-            </a:endParaRPr>
-          </a:p>
-          <a:p>
-            <a:pPr marL="0" indent="0" eaLnBrk="1" hangingPunct="1">
-              <a:lnSpc>
-                <a:spcPct val="80000"/>
-              </a:lnSpc>
-              <a:spcBef>
-                <a:spcPct val="20000"/>
-              </a:spcBef>
-            </a:pPr>
-            <a:endParaRPr lang="en-US" altLang="ja-JP" sz="1800" dirty="0">
-              <a:latin typeface="HG丸ｺﾞｼｯｸM-PRO" panose="020F0600000000000000" pitchFamily="50" charset="-128"/>
-              <a:ea typeface="HG丸ｺﾞｼｯｸM-PRO" panose="020F0600000000000000" pitchFamily="50" charset="-128"/>
-            </a:endParaRPr>
-          </a:p>
-          <a:p>
-            <a:pPr marL="0" indent="0" eaLnBrk="1" hangingPunct="1">
-              <a:lnSpc>
-                <a:spcPct val="80000"/>
-              </a:lnSpc>
-              <a:spcBef>
-                <a:spcPct val="20000"/>
-              </a:spcBef>
-            </a:pPr>
-            <a:endParaRPr lang="en-US" altLang="ja-JP" sz="1800" dirty="0">
-              <a:latin typeface="HG丸ｺﾞｼｯｸM-PRO" panose="020F0600000000000000" pitchFamily="50" charset="-128"/>
-              <a:ea typeface="HG丸ｺﾞｼｯｸM-PRO" panose="020F0600000000000000" pitchFamily="50" charset="-128"/>
-            </a:endParaRPr>
-          </a:p>
-        </p:txBody>
-      </p:sp>
-      <p:sp>
-        <p:nvSpPr>
-          <p:cNvPr id="13" name="正方形/長方形 12">
-            <a:extLst>
-              <a:ext uri="{FF2B5EF4-FFF2-40B4-BE49-F238E27FC236}">
-                <a16:creationId xmlns:a16="http://schemas.microsoft.com/office/drawing/2014/main" id="{EC828B48-58A1-4C4F-B98A-A4EC1AF68793}"/>
-              </a:ext>
-            </a:extLst>
-          </p:cNvPr>
-          <p:cNvSpPr/>
-          <p:nvPr/>
-        </p:nvSpPr>
-        <p:spPr>
-          <a:xfrm>
-            <a:off x="208112" y="1839142"/>
-            <a:ext cx="5973038" cy="3420000"/>
-          </a:xfrm>
-          <a:prstGeom prst="rect">
-            <a:avLst/>
-          </a:prstGeom>
-          <a:noFill/>
-          <a:ln w="38100">
-            <a:headEnd type="none" w="med" len="med"/>
-            <a:tailEnd type="none" w="med" len="med"/>
-          </a:ln>
-        </p:spPr>
-        <p:style>
-          <a:lnRef idx="2">
-            <a:schemeClr val="accent6"/>
-          </a:lnRef>
-          <a:fillRef idx="1">
-            <a:schemeClr val="lt1"/>
-          </a:fillRef>
-          <a:effectRef idx="0">
-            <a:schemeClr val="accent6"/>
-          </a:effectRef>
-          <a:fontRef idx="minor">
-            <a:schemeClr val="dk1"/>
-          </a:fontRef>
-        </p:style>
-        <p:txBody>
-          <a:bodyPr rtlCol="0" anchor="ctr"/>
-          <a:lstStyle/>
-          <a:p>
-            <a:pPr algn="ctr"/>
-            <a:endParaRPr kumimoji="1" lang="ja-JP" altLang="en-US" dirty="0"/>
-          </a:p>
-        </p:txBody>
-      </p:sp>
-      <p:sp>
-        <p:nvSpPr>
-          <p:cNvPr id="14" name="正方形/長方形 13">
-            <a:extLst>
-              <a:ext uri="{FF2B5EF4-FFF2-40B4-BE49-F238E27FC236}">
-                <a16:creationId xmlns:a16="http://schemas.microsoft.com/office/drawing/2014/main" id="{6088756F-4A8A-44A9-9D87-C7BAA54221B5}"/>
-              </a:ext>
-            </a:extLst>
-          </p:cNvPr>
-          <p:cNvSpPr/>
-          <p:nvPr/>
-        </p:nvSpPr>
-        <p:spPr>
-          <a:xfrm>
-            <a:off x="208112" y="5436692"/>
-            <a:ext cx="5973038" cy="3900412"/>
-          </a:xfrm>
-          <a:prstGeom prst="rect">
-            <a:avLst/>
-          </a:prstGeom>
-          <a:noFill/>
-          <a:ln w="38100">
-            <a:headEnd type="none" w="med" len="med"/>
-            <a:tailEnd type="none" w="med" len="med"/>
-          </a:ln>
-        </p:spPr>
-        <p:style>
-          <a:lnRef idx="2">
-            <a:schemeClr val="accent6"/>
-          </a:lnRef>
-          <a:fillRef idx="1">
-            <a:schemeClr val="lt1"/>
-          </a:fillRef>
-          <a:effectRef idx="0">
-            <a:schemeClr val="accent6"/>
-          </a:effectRef>
-          <a:fontRef idx="minor">
-            <a:schemeClr val="dk1"/>
-          </a:fontRef>
-        </p:style>
-        <p:txBody>
-          <a:bodyPr rtlCol="0" anchor="ctr"/>
-          <a:lstStyle/>
-          <a:p>
-            <a:pPr algn="ctr"/>
-            <a:endParaRPr kumimoji="1" lang="ja-JP" altLang="en-US" dirty="0"/>
-          </a:p>
-        </p:txBody>
-      </p:sp>
-      <p:sp>
-        <p:nvSpPr>
-          <p:cNvPr id="15" name="正方形/長方形 14">
-            <a:extLst>
-              <a:ext uri="{FF2B5EF4-FFF2-40B4-BE49-F238E27FC236}">
-                <a16:creationId xmlns:a16="http://schemas.microsoft.com/office/drawing/2014/main" id="{74B1B5A3-3FF1-4094-B4EF-920002D0C743}"/>
-              </a:ext>
-            </a:extLst>
-          </p:cNvPr>
-          <p:cNvSpPr/>
-          <p:nvPr/>
-        </p:nvSpPr>
-        <p:spPr>
-          <a:xfrm>
-            <a:off x="6404426" y="1861206"/>
-            <a:ext cx="6185436" cy="7475897"/>
-          </a:xfrm>
-          <a:prstGeom prst="rect">
-            <a:avLst/>
-          </a:prstGeom>
-          <a:noFill/>
-          <a:ln w="38100">
-            <a:headEnd type="none" w="med" len="med"/>
-            <a:tailEnd type="none" w="med" len="med"/>
-          </a:ln>
-        </p:spPr>
-        <p:style>
-          <a:lnRef idx="2">
-            <a:schemeClr val="accent6"/>
-          </a:lnRef>
-          <a:fillRef idx="1">
-            <a:schemeClr val="lt1"/>
-          </a:fillRef>
-          <a:effectRef idx="0">
-            <a:schemeClr val="accent6"/>
-          </a:effectRef>
-          <a:fontRef idx="minor">
-            <a:schemeClr val="dk1"/>
-          </a:fontRef>
-        </p:style>
-        <p:txBody>
-          <a:bodyPr rtlCol="0" anchor="ctr"/>
-          <a:lstStyle/>
-          <a:p>
-            <a:pPr algn="ctr"/>
-            <a:endParaRPr kumimoji="1" lang="ja-JP" altLang="en-US" dirty="0"/>
-          </a:p>
-        </p:txBody>
-      </p:sp>
-    </p:spTree>
-    <p:extLst>
-      <p:ext uri="{BB962C8B-B14F-4D97-AF65-F5344CB8AC3E}">
-        <p14:creationId xmlns:p14="http://schemas.microsoft.com/office/powerpoint/2010/main" val="2884445038"/>
-      </p:ext>
-    </p:extLst>
-  </p:cSld>
-  <p:clrMapOvr>
-    <a:masterClrMapping/>
-  </p:clrMapOvr>
-</p:sld>
-</file>
-
-<file path=ppt/slides/slide2.xml><?xml version="1.0" encoding="utf-8"?>
-<p:sld xmlns:a="http://schemas.openxmlformats.org/drawingml/2006/main" xmlns:r="http://schemas.openxmlformats.org/officeDocument/2006/relationships" xmlns:p="http://schemas.openxmlformats.org/presentationml/2006/main">
-  <p:cSld>
-    <p:spTree>
-      <p:nvGrpSpPr>
-        <p:cNvPr id="1" name=""/>
-        <p:cNvGrpSpPr/>
-        <p:nvPr/>
-      </p:nvGrpSpPr>
-      <p:grpSpPr>
-        <a:xfrm>
-          <a:off x="0" y="0"/>
-          <a:ext cx="0" cy="0"/>
-          <a:chOff x="0" y="0"/>
-          <a:chExt cx="0" cy="0"/>
-        </a:xfrm>
-      </p:grpSpPr>
-      <p:sp>
-        <p:nvSpPr>
-          <p:cNvPr id="3075" name="Rectangle 5">
-            <a:extLst>
-              <a:ext uri="{FF2B5EF4-FFF2-40B4-BE49-F238E27FC236}">
-                <a16:creationId xmlns:a16="http://schemas.microsoft.com/office/drawing/2014/main" id="{D5D88259-ED24-BD49-9587-FD79AC5A0267}"/>
-              </a:ext>
-            </a:extLst>
-          </p:cNvPr>
-          <p:cNvSpPr>
-            <a:spLocks noChangeArrowheads="1"/>
-          </p:cNvSpPr>
-          <p:nvPr/>
-        </p:nvSpPr>
-        <p:spPr bwMode="auto">
-          <a:xfrm>
-            <a:off x="1144215" y="1128192"/>
-            <a:ext cx="721097" cy="533400"/>
-          </a:xfrm>
-          <a:prstGeom prst="rect">
-            <a:avLst/>
-          </a:prstGeom>
-          <a:noFill/>
-          <a:ln>
-            <a:noFill/>
-          </a:ln>
-          <a:extLst>
-            <a:ext uri="{909E8E84-426E-40DD-AFC4-6F175D3DCCD1}">
-              <a14:hiddenFill xmlns:a14="http://schemas.microsoft.com/office/drawing/2010/main">
-                <a:solidFill>
-                  <a:srgbClr val="FFFFFF"/>
-                </a:solidFill>
-              </a14:hiddenFill>
-            </a:ext>
-            <a:ext uri="{91240B29-F687-4F45-9708-019B960494DF}">
-              <a14:hiddenLine xmlns:a14="http://schemas.microsoft.com/office/drawing/2010/main" w="9525">
-                <a:solidFill>
-                  <a:srgbClr val="000000"/>
-                </a:solidFill>
-                <a:miter lim="800000"/>
-                <a:headEnd/>
-                <a:tailEnd/>
-              </a14:hiddenLine>
-            </a:ext>
-          </a:extLst>
-        </p:spPr>
-        <p:txBody>
-          <a:bodyPr wrap="none" lIns="127998" tIns="63999" rIns="127998" bIns="63999" anchor="ctr"/>
-          <a:lstStyle>
-            <a:lvl1pPr defTabSz="1279525" eaLnBrk="0" hangingPunct="0">
-              <a:defRPr kumimoji="1" sz="1600">
-                <a:solidFill>
-                  <a:schemeClr val="tx1"/>
-                </a:solidFill>
-                <a:latin typeface="Times New Roman" panose="02020603050405020304" pitchFamily="18" charset="0"/>
-                <a:ea typeface="ＭＳ Ｐゴシック" panose="020B0600070205080204" pitchFamily="34" charset="-128"/>
-              </a:defRPr>
-            </a:lvl1pPr>
-            <a:lvl2pPr marL="742950" indent="-285750" defTabSz="1279525" eaLnBrk="0" hangingPunct="0">
-              <a:defRPr kumimoji="1" sz="1600">
-                <a:solidFill>
-                  <a:schemeClr val="tx1"/>
-                </a:solidFill>
-                <a:latin typeface="Times New Roman" panose="02020603050405020304" pitchFamily="18" charset="0"/>
-                <a:ea typeface="ＭＳ Ｐゴシック" panose="020B0600070205080204" pitchFamily="34" charset="-128"/>
-              </a:defRPr>
-            </a:lvl2pPr>
-            <a:lvl3pPr marL="1143000" indent="-228600" defTabSz="1279525" eaLnBrk="0" hangingPunct="0">
-              <a:defRPr kumimoji="1" sz="1600">
-                <a:solidFill>
-                  <a:schemeClr val="tx1"/>
-                </a:solidFill>
-                <a:latin typeface="Times New Roman" panose="02020603050405020304" pitchFamily="18" charset="0"/>
-                <a:ea typeface="ＭＳ Ｐゴシック" panose="020B0600070205080204" pitchFamily="34" charset="-128"/>
-              </a:defRPr>
-            </a:lvl3pPr>
-            <a:lvl4pPr marL="1600200" indent="-228600" defTabSz="1279525" eaLnBrk="0" hangingPunct="0">
-              <a:defRPr kumimoji="1" sz="1600">
-                <a:solidFill>
-                  <a:schemeClr val="tx1"/>
-                </a:solidFill>
-                <a:latin typeface="Times New Roman" panose="02020603050405020304" pitchFamily="18" charset="0"/>
-                <a:ea typeface="ＭＳ Ｐゴシック" panose="020B0600070205080204" pitchFamily="34" charset="-128"/>
-              </a:defRPr>
-            </a:lvl4pPr>
-            <a:lvl5pPr marL="2057400" indent="-228600" defTabSz="1279525" eaLnBrk="0" hangingPunct="0">
-              <a:defRPr kumimoji="1" sz="1600">
-                <a:solidFill>
-                  <a:schemeClr val="tx1"/>
-                </a:solidFill>
-                <a:latin typeface="Times New Roman" panose="02020603050405020304" pitchFamily="18" charset="0"/>
-                <a:ea typeface="ＭＳ Ｐゴシック" panose="020B0600070205080204" pitchFamily="34" charset="-128"/>
-              </a:defRPr>
-            </a:lvl5pPr>
-            <a:lvl6pPr marL="2514600" indent="-228600" defTabSz="1279525" eaLnBrk="0" fontAlgn="base" hangingPunct="0">
-              <a:spcBef>
-                <a:spcPct val="0"/>
-              </a:spcBef>
-              <a:spcAft>
-                <a:spcPct val="0"/>
-              </a:spcAft>
-              <a:defRPr kumimoji="1" sz="1600">
-                <a:solidFill>
-                  <a:schemeClr val="tx1"/>
-                </a:solidFill>
-                <a:latin typeface="Times New Roman" panose="02020603050405020304" pitchFamily="18" charset="0"/>
-                <a:ea typeface="ＭＳ Ｐゴシック" panose="020B0600070205080204" pitchFamily="34" charset="-128"/>
-              </a:defRPr>
-            </a:lvl6pPr>
-            <a:lvl7pPr marL="2971800" indent="-228600" defTabSz="1279525" eaLnBrk="0" fontAlgn="base" hangingPunct="0">
-              <a:spcBef>
-                <a:spcPct val="0"/>
-              </a:spcBef>
-              <a:spcAft>
-                <a:spcPct val="0"/>
-              </a:spcAft>
-              <a:defRPr kumimoji="1" sz="1600">
-                <a:solidFill>
-                  <a:schemeClr val="tx1"/>
-                </a:solidFill>
-                <a:latin typeface="Times New Roman" panose="02020603050405020304" pitchFamily="18" charset="0"/>
-                <a:ea typeface="ＭＳ Ｐゴシック" panose="020B0600070205080204" pitchFamily="34" charset="-128"/>
-              </a:defRPr>
-            </a:lvl7pPr>
-            <a:lvl8pPr marL="3429000" indent="-228600" defTabSz="1279525" eaLnBrk="0" fontAlgn="base" hangingPunct="0">
-              <a:spcBef>
-                <a:spcPct val="0"/>
-              </a:spcBef>
-              <a:spcAft>
-                <a:spcPct val="0"/>
-              </a:spcAft>
-              <a:defRPr kumimoji="1" sz="1600">
-                <a:solidFill>
-                  <a:schemeClr val="tx1"/>
-                </a:solidFill>
-                <a:latin typeface="Times New Roman" panose="02020603050405020304" pitchFamily="18" charset="0"/>
-                <a:ea typeface="ＭＳ Ｐゴシック" panose="020B0600070205080204" pitchFamily="34" charset="-128"/>
-              </a:defRPr>
-            </a:lvl8pPr>
-            <a:lvl9pPr marL="3886200" indent="-228600" defTabSz="1279525" eaLnBrk="0" fontAlgn="base" hangingPunct="0">
-              <a:spcBef>
-                <a:spcPct val="0"/>
-              </a:spcBef>
-              <a:spcAft>
-                <a:spcPct val="0"/>
-              </a:spcAft>
-              <a:defRPr kumimoji="1" sz="1600">
-                <a:solidFill>
-                  <a:schemeClr val="tx1"/>
-                </a:solidFill>
-                <a:latin typeface="Times New Roman" panose="02020603050405020304" pitchFamily="18" charset="0"/>
-                <a:ea typeface="ＭＳ Ｐゴシック" panose="020B0600070205080204" pitchFamily="34" charset="-128"/>
-              </a:defRPr>
-            </a:lvl9pPr>
-          </a:lstStyle>
-          <a:p>
-            <a:pPr eaLnBrk="1" hangingPunct="1"/>
-            <a:r>
-              <a:rPr lang="en-US" altLang="ja-JP" sz="2400" dirty="0">
-                <a:latin typeface="ＭＳ Ｐゴシック" panose="020B0600070205080204" pitchFamily="34" charset="-128"/>
-              </a:rPr>
-              <a:t>113</a:t>
-            </a:r>
             <a:endParaRPr lang="ja-JP" altLang="en-US" sz="2400" dirty="0">
               <a:latin typeface="ＭＳ Ｐゴシック" panose="020B0600070205080204" pitchFamily="34" charset="-128"/>
             </a:endParaRPr>
@@ -6389,7 +4288,7 @@
               <a:gd name="adj1" fmla="val 99997"/>
             </a:avLst>
           </a:prstGeom>
-          <a:ln w="28575">
+          <a:ln w="38100">
             <a:solidFill>
               <a:schemeClr val="accent6"/>
             </a:solidFill>
@@ -6435,7 +4334,7 @@
               <a:gd name="adj1" fmla="val 100342"/>
             </a:avLst>
           </a:prstGeom>
-          <a:ln w="28575">
+          <a:ln w="38100">
             <a:solidFill>
               <a:schemeClr val="accent6"/>
             </a:solidFill>
@@ -6472,7 +4371,7 @@
         <p:spPr>
           <a:xfrm>
             <a:off x="6405285" y="2144813"/>
-            <a:ext cx="6189062" cy="7164000"/>
+            <a:ext cx="6189062" cy="6895734"/>
           </a:xfrm>
           <a:prstGeom prst="rect">
             <a:avLst/>
@@ -6492,16 +4391,6 @@
                 <a:spcPts val="600"/>
               </a:spcBef>
             </a:pPr>
-            <a:r>
-              <a:rPr lang="en-US" altLang="ja-JP" sz="1800" dirty="0">
-                <a:solidFill>
-                  <a:prstClr val="black"/>
-                </a:solidFill>
-                <a:latin typeface="メイリオ" panose="020B0604030504040204" pitchFamily="50" charset="-128"/>
-                <a:ea typeface="メイリオ" panose="020B0604030504040204" pitchFamily="50" charset="-128"/>
-              </a:rPr>
-              <a:t>【】</a:t>
-            </a:r>
             <a:endParaRPr lang="ja-JP" altLang="en-US" sz="1800" dirty="0">
               <a:solidFill>
                 <a:prstClr val="black"/>
@@ -6744,26 +4633,6 @@
               </a:rPr>
               <a:t>】</a:t>
             </a:r>
-          </a:p>
-          <a:p>
-            <a:pPr lvl="0">
-              <a:lnSpc>
-                <a:spcPct val="80000"/>
-              </a:lnSpc>
-              <a:spcBef>
-                <a:spcPts val="600"/>
-              </a:spcBef>
-            </a:pPr>
-            <a:r>
-              <a:rPr lang="ja-JP" altLang="en-US" sz="1800" dirty="0">
-                <a:solidFill>
-                  <a:prstClr val="black"/>
-                </a:solidFill>
-                <a:latin typeface="メイリオ" panose="020B0604030504040204" pitchFamily="50" charset="-128"/>
-                <a:ea typeface="メイリオ" panose="020B0604030504040204" pitchFamily="50" charset="-128"/>
-              </a:rPr>
-              <a:t>・機能モデルで定義した部品の構成をクラス図に示した。</a:t>
-            </a:r>
             <a:endParaRPr lang="en-US" altLang="ja-JP" sz="1800" dirty="0">
               <a:solidFill>
                 <a:prstClr val="black"/>
@@ -6789,67 +4658,7 @@
                 <a:latin typeface="メイリオ" panose="020B0604030504040204" pitchFamily="50" charset="-128"/>
                 <a:ea typeface="メイリオ" panose="020B0604030504040204" pitchFamily="50" charset="-128"/>
               </a:rPr>
-              <a:t>・クラス図の大まかな構成をパッケージ構造に表した。</a:t>
-            </a:r>
-          </a:p>
-          <a:p>
-            <a:pPr lvl="0">
-              <a:lnSpc>
-                <a:spcPct val="80000"/>
-              </a:lnSpc>
-              <a:spcBef>
-                <a:spcPts val="600"/>
-              </a:spcBef>
-            </a:pPr>
-            <a:r>
-              <a:rPr lang="en-US" altLang="ja-JP" sz="1800" b="1" dirty="0">
-                <a:solidFill>
-                  <a:prstClr val="black"/>
-                </a:solidFill>
-                <a:latin typeface="メイリオ" panose="020B0604030504040204" pitchFamily="50" charset="-128"/>
-                <a:ea typeface="メイリオ" panose="020B0604030504040204" pitchFamily="50" charset="-128"/>
-              </a:rPr>
-              <a:t>【</a:t>
-            </a:r>
-            <a:r>
-              <a:rPr lang="ja-JP" altLang="en-US" sz="1800" b="1" dirty="0">
-                <a:solidFill>
-                  <a:prstClr val="black"/>
-                </a:solidFill>
-                <a:latin typeface="メイリオ" panose="020B0604030504040204" pitchFamily="50" charset="-128"/>
-                <a:ea typeface="メイリオ" panose="020B0604030504040204" pitchFamily="50" charset="-128"/>
-              </a:rPr>
-              <a:t>振る舞いモデル</a:t>
-            </a:r>
-            <a:r>
-              <a:rPr lang="en-US" altLang="ja-JP" sz="1800" b="1" dirty="0">
-                <a:solidFill>
-                  <a:prstClr val="black"/>
-                </a:solidFill>
-                <a:latin typeface="メイリオ" panose="020B0604030504040204" pitchFamily="50" charset="-128"/>
-                <a:ea typeface="メイリオ" panose="020B0604030504040204" pitchFamily="50" charset="-128"/>
-              </a:rPr>
-              <a:t>】</a:t>
-            </a:r>
-          </a:p>
-          <a:p>
-            <a:pPr lvl="0">
-              <a:lnSpc>
-                <a:spcPct val="80000"/>
-              </a:lnSpc>
-              <a:spcBef>
-                <a:spcPts val="600"/>
-              </a:spcBef>
-            </a:pPr>
-            <a:r>
-              <a:rPr lang="ja-JP" altLang="en-US" sz="1800" dirty="0">
-                <a:solidFill>
-                  <a:prstClr val="black"/>
-                </a:solidFill>
-                <a:latin typeface="メイリオ" panose="020B0604030504040204" pitchFamily="50" charset="-128"/>
-                <a:ea typeface="メイリオ" panose="020B0604030504040204" pitchFamily="50" charset="-128"/>
-              </a:rPr>
-              <a:t>・機能モデルのアクティビティ図から、走行処理に着目し</a:t>
+              <a:t>・役割に応じてパッケージ分けを行った。</a:t>
             </a:r>
             <a:endParaRPr lang="en-US" altLang="ja-JP" sz="1800" dirty="0">
               <a:solidFill>
@@ -6876,27 +4685,7 @@
                 <a:latin typeface="メイリオ" panose="020B0604030504040204" pitchFamily="50" charset="-128"/>
                 <a:ea typeface="メイリオ" panose="020B0604030504040204" pitchFamily="50" charset="-128"/>
               </a:rPr>
-              <a:t>　</a:t>
-            </a:r>
-            <a:r>
-              <a:rPr lang="ja-JP" altLang="en-US" sz="1800" dirty="0" err="1">
-                <a:solidFill>
-                  <a:prstClr val="black"/>
-                </a:solidFill>
-                <a:latin typeface="メイリオ" panose="020B0604030504040204" pitchFamily="50" charset="-128"/>
-                <a:ea typeface="メイリオ" panose="020B0604030504040204" pitchFamily="50" charset="-128"/>
-              </a:rPr>
-              <a:t>た</a:t>
-            </a:r>
-            <a:r>
-              <a:rPr lang="ja-JP" altLang="en-US" sz="1800" dirty="0">
-                <a:solidFill>
-                  <a:prstClr val="black"/>
-                </a:solidFill>
-                <a:latin typeface="メイリオ" panose="020B0604030504040204" pitchFamily="50" charset="-128"/>
-                <a:ea typeface="メイリオ" panose="020B0604030504040204" pitchFamily="50" charset="-128"/>
-              </a:rPr>
-              <a:t>状態変化をステートマシン図に示した。</a:t>
+              <a:t>・パッケージ構造の矢印は関連の内容を表している。</a:t>
             </a:r>
             <a:endParaRPr lang="en-US" altLang="ja-JP" sz="1800" dirty="0">
               <a:solidFill>
@@ -6923,7 +4712,67 @@
                 <a:latin typeface="メイリオ" panose="020B0604030504040204" pitchFamily="50" charset="-128"/>
                 <a:ea typeface="メイリオ" panose="020B0604030504040204" pitchFamily="50" charset="-128"/>
               </a:rPr>
-              <a:t>・システム全体の振る舞いを時間軸で見るためにシーケン</a:t>
+              <a:t>・インデックスはクラス図内にノートで定義した。</a:t>
+            </a:r>
+          </a:p>
+          <a:p>
+            <a:pPr lvl="0">
+              <a:lnSpc>
+                <a:spcPct val="80000"/>
+              </a:lnSpc>
+              <a:spcBef>
+                <a:spcPts val="600"/>
+              </a:spcBef>
+            </a:pPr>
+            <a:r>
+              <a:rPr lang="en-US" altLang="ja-JP" sz="1800" b="1" dirty="0">
+                <a:solidFill>
+                  <a:prstClr val="black"/>
+                </a:solidFill>
+                <a:latin typeface="メイリオ" panose="020B0604030504040204" pitchFamily="50" charset="-128"/>
+                <a:ea typeface="メイリオ" panose="020B0604030504040204" pitchFamily="50" charset="-128"/>
+              </a:rPr>
+              <a:t>【</a:t>
+            </a:r>
+            <a:r>
+              <a:rPr lang="ja-JP" altLang="en-US" sz="1800" b="1" dirty="0">
+                <a:solidFill>
+                  <a:prstClr val="black"/>
+                </a:solidFill>
+                <a:latin typeface="メイリオ" panose="020B0604030504040204" pitchFamily="50" charset="-128"/>
+                <a:ea typeface="メイリオ" panose="020B0604030504040204" pitchFamily="50" charset="-128"/>
+              </a:rPr>
+              <a:t>振る舞いモデル</a:t>
+            </a:r>
+            <a:r>
+              <a:rPr lang="en-US" altLang="ja-JP" sz="1800" b="1" dirty="0">
+                <a:solidFill>
+                  <a:prstClr val="black"/>
+                </a:solidFill>
+                <a:latin typeface="メイリオ" panose="020B0604030504040204" pitchFamily="50" charset="-128"/>
+                <a:ea typeface="メイリオ" panose="020B0604030504040204" pitchFamily="50" charset="-128"/>
+              </a:rPr>
+              <a:t>】</a:t>
+            </a:r>
+          </a:p>
+          <a:p>
+            <a:pPr lvl="0">
+              <a:lnSpc>
+                <a:spcPct val="80000"/>
+              </a:lnSpc>
+              <a:spcBef>
+                <a:spcPts val="600"/>
+              </a:spcBef>
+            </a:pPr>
+            <a:r>
+              <a:rPr lang="ja-JP" altLang="en-US" sz="1800" dirty="0">
+                <a:solidFill>
+                  <a:prstClr val="black"/>
+                </a:solidFill>
+                <a:latin typeface="メイリオ" panose="020B0604030504040204" pitchFamily="50" charset="-128"/>
+                <a:ea typeface="メイリオ" panose="020B0604030504040204" pitchFamily="50" charset="-128"/>
+              </a:rPr>
+              <a:t>・機能モデルのアクティビティ図から、走行処理に着目し</a:t>
             </a:r>
             <a:endParaRPr lang="en-US" altLang="ja-JP" sz="1800" dirty="0">
               <a:solidFill>
@@ -6950,77 +4799,27 @@
                 <a:latin typeface="メイリオ" panose="020B0604030504040204" pitchFamily="50" charset="-128"/>
                 <a:ea typeface="メイリオ" panose="020B0604030504040204" pitchFamily="50" charset="-128"/>
               </a:rPr>
-              <a:t>　ス図を利用した。</a:t>
-            </a:r>
-          </a:p>
-          <a:p>
-            <a:pPr lvl="0">
-              <a:lnSpc>
-                <a:spcPct val="80000"/>
-              </a:lnSpc>
-              <a:spcBef>
-                <a:spcPts val="600"/>
-              </a:spcBef>
-            </a:pPr>
-            <a:r>
-              <a:rPr lang="en-US" altLang="ja-JP" sz="1800" b="1" dirty="0">
+              <a:t>　</a:t>
+            </a:r>
+            <a:r>
+              <a:rPr lang="ja-JP" altLang="en-US" sz="1800" dirty="0" err="1">
                 <a:solidFill>
                   <a:prstClr val="black"/>
                 </a:solidFill>
                 <a:latin typeface="メイリオ" panose="020B0604030504040204" pitchFamily="50" charset="-128"/>
                 <a:ea typeface="メイリオ" panose="020B0604030504040204" pitchFamily="50" charset="-128"/>
               </a:rPr>
-              <a:t>【</a:t>
-            </a:r>
-            <a:r>
-              <a:rPr lang="ja-JP" altLang="en-US" sz="1800" b="1" dirty="0">
+              <a:t>た</a:t>
+            </a:r>
+            <a:r>
+              <a:rPr lang="ja-JP" altLang="en-US" sz="1800" dirty="0">
                 <a:solidFill>
                   <a:prstClr val="black"/>
                 </a:solidFill>
                 <a:latin typeface="メイリオ" panose="020B0604030504040204" pitchFamily="50" charset="-128"/>
                 <a:ea typeface="メイリオ" panose="020B0604030504040204" pitchFamily="50" charset="-128"/>
               </a:rPr>
-              <a:t>工夫点</a:t>
-            </a:r>
-            <a:r>
-              <a:rPr lang="en-US" altLang="ja-JP" sz="1800" b="1" dirty="0">
-                <a:solidFill>
-                  <a:prstClr val="black"/>
-                </a:solidFill>
-                <a:latin typeface="メイリオ" panose="020B0604030504040204" pitchFamily="50" charset="-128"/>
-                <a:ea typeface="メイリオ" panose="020B0604030504040204" pitchFamily="50" charset="-128"/>
-              </a:rPr>
-              <a:t>】</a:t>
-            </a:r>
-          </a:p>
-          <a:p>
-            <a:pPr lvl="0">
-              <a:lnSpc>
-                <a:spcPct val="80000"/>
-              </a:lnSpc>
-              <a:spcBef>
-                <a:spcPts val="600"/>
-              </a:spcBef>
-            </a:pPr>
-            <a:r>
-              <a:rPr lang="ja-JP" altLang="en-US" sz="1800" dirty="0">
-                <a:solidFill>
-                  <a:prstClr val="black"/>
-                </a:solidFill>
-                <a:latin typeface="メイリオ" panose="020B0604030504040204" pitchFamily="50" charset="-128"/>
-                <a:ea typeface="メイリオ" panose="020B0604030504040204" pitchFamily="50" charset="-128"/>
-              </a:rPr>
-              <a:t>・カーブを安定して曲がるために、曲率制御を導入し、</a:t>
-            </a:r>
-            <a:r>
-              <a:rPr lang="ja-JP" altLang="en-US" sz="1800" dirty="0" err="1">
-                <a:solidFill>
-                  <a:prstClr val="black"/>
-                </a:solidFill>
-                <a:latin typeface="メイリオ" panose="020B0604030504040204" pitchFamily="50" charset="-128"/>
-                <a:ea typeface="メイリオ" panose="020B0604030504040204" pitchFamily="50" charset="-128"/>
-              </a:rPr>
-              <a:t>そ</a:t>
+              <a:t>状態変化をステートマシン図に示した。</a:t>
             </a:r>
             <a:endParaRPr lang="en-US" altLang="ja-JP" sz="1800" dirty="0">
               <a:solidFill>
@@ -7047,7 +4846,7 @@
                 <a:latin typeface="メイリオ" panose="020B0604030504040204" pitchFamily="50" charset="-128"/>
                 <a:ea typeface="メイリオ" panose="020B0604030504040204" pitchFamily="50" charset="-128"/>
               </a:rPr>
-              <a:t>　の詳細を記述した。</a:t>
+              <a:t>・システム全体の振る舞いを時間軸で見るためにシーケン</a:t>
             </a:r>
             <a:endParaRPr lang="en-US" altLang="ja-JP" sz="1800" dirty="0">
               <a:solidFill>
@@ -7074,7 +4873,67 @@
                 <a:latin typeface="メイリオ" panose="020B0604030504040204" pitchFamily="50" charset="-128"/>
                 <a:ea typeface="メイリオ" panose="020B0604030504040204" pitchFamily="50" charset="-128"/>
               </a:rPr>
-              <a:t>・オフィシャルバッテリの特性と、走行に与える影響に注</a:t>
+              <a:t>　ス図を利用した。</a:t>
+            </a:r>
+          </a:p>
+          <a:p>
+            <a:pPr lvl="0">
+              <a:lnSpc>
+                <a:spcPct val="80000"/>
+              </a:lnSpc>
+              <a:spcBef>
+                <a:spcPts val="600"/>
+              </a:spcBef>
+            </a:pPr>
+            <a:r>
+              <a:rPr lang="en-US" altLang="ja-JP" sz="1800" b="1" dirty="0">
+                <a:solidFill>
+                  <a:prstClr val="black"/>
+                </a:solidFill>
+                <a:latin typeface="メイリオ" panose="020B0604030504040204" pitchFamily="50" charset="-128"/>
+                <a:ea typeface="メイリオ" panose="020B0604030504040204" pitchFamily="50" charset="-128"/>
+              </a:rPr>
+              <a:t>【</a:t>
+            </a:r>
+            <a:r>
+              <a:rPr lang="ja-JP" altLang="en-US" sz="1800" b="1" dirty="0">
+                <a:solidFill>
+                  <a:prstClr val="black"/>
+                </a:solidFill>
+                <a:latin typeface="メイリオ" panose="020B0604030504040204" pitchFamily="50" charset="-128"/>
+                <a:ea typeface="メイリオ" panose="020B0604030504040204" pitchFamily="50" charset="-128"/>
+              </a:rPr>
+              <a:t>工夫点</a:t>
+            </a:r>
+            <a:r>
+              <a:rPr lang="en-US" altLang="ja-JP" sz="1800" b="1" dirty="0">
+                <a:solidFill>
+                  <a:prstClr val="black"/>
+                </a:solidFill>
+                <a:latin typeface="メイリオ" panose="020B0604030504040204" pitchFamily="50" charset="-128"/>
+                <a:ea typeface="メイリオ" panose="020B0604030504040204" pitchFamily="50" charset="-128"/>
+              </a:rPr>
+              <a:t>】</a:t>
+            </a:r>
+          </a:p>
+          <a:p>
+            <a:pPr lvl="0">
+              <a:lnSpc>
+                <a:spcPct val="80000"/>
+              </a:lnSpc>
+              <a:spcBef>
+                <a:spcPts val="600"/>
+              </a:spcBef>
+            </a:pPr>
+            <a:r>
+              <a:rPr lang="ja-JP" altLang="en-US" sz="1800" dirty="0">
+                <a:solidFill>
+                  <a:prstClr val="black"/>
+                </a:solidFill>
+                <a:latin typeface="メイリオ" panose="020B0604030504040204" pitchFamily="50" charset="-128"/>
+                <a:ea typeface="メイリオ" panose="020B0604030504040204" pitchFamily="50" charset="-128"/>
+              </a:rPr>
+              <a:t>・カーブを安定して走行するために、曲率制御を導入し、</a:t>
             </a:r>
             <a:endParaRPr lang="en-US" altLang="ja-JP" sz="1800" dirty="0">
               <a:solidFill>
@@ -7101,7 +4960,7 @@
                 <a:latin typeface="メイリオ" panose="020B0604030504040204" pitchFamily="50" charset="-128"/>
                 <a:ea typeface="メイリオ" panose="020B0604030504040204" pitchFamily="50" charset="-128"/>
               </a:rPr>
-              <a:t>　目し、競技中に電源電圧が変化しても安定してカーブを</a:t>
+              <a:t>　その詳細を記述した。</a:t>
             </a:r>
             <a:endParaRPr lang="en-US" altLang="ja-JP" sz="1800" dirty="0">
               <a:solidFill>
@@ -7128,7 +4987,61 @@
                 <a:latin typeface="メイリオ" panose="020B0604030504040204" pitchFamily="50" charset="-128"/>
                 <a:ea typeface="メイリオ" panose="020B0604030504040204" pitchFamily="50" charset="-128"/>
               </a:rPr>
-              <a:t>　曲がれるような式を構築した</a:t>
+              <a:t>・オフィシャルバッテリの特性と、走行に与える影響に注</a:t>
+            </a:r>
+            <a:endParaRPr lang="en-US" altLang="ja-JP" sz="1800" dirty="0">
+              <a:solidFill>
+                <a:prstClr val="black"/>
+              </a:solidFill>
+              <a:latin typeface="メイリオ" panose="020B0604030504040204" pitchFamily="50" charset="-128"/>
+              <a:ea typeface="メイリオ" panose="020B0604030504040204" pitchFamily="50" charset="-128"/>
+            </a:endParaRPr>
+          </a:p>
+          <a:p>
+            <a:pPr lvl="0">
+              <a:lnSpc>
+                <a:spcPct val="80000"/>
+              </a:lnSpc>
+              <a:spcBef>
+                <a:spcPts val="600"/>
+              </a:spcBef>
+            </a:pPr>
+            <a:r>
+              <a:rPr lang="ja-JP" altLang="en-US" sz="1800" dirty="0">
+                <a:solidFill>
+                  <a:prstClr val="black"/>
+                </a:solidFill>
+                <a:latin typeface="メイリオ" panose="020B0604030504040204" pitchFamily="50" charset="-128"/>
+                <a:ea typeface="メイリオ" panose="020B0604030504040204" pitchFamily="50" charset="-128"/>
+              </a:rPr>
+              <a:t>　目し、競技中に電源電圧が変化しても安定してカーブを</a:t>
+            </a:r>
+            <a:endParaRPr lang="en-US" altLang="ja-JP" sz="1800" dirty="0">
+              <a:solidFill>
+                <a:prstClr val="black"/>
+              </a:solidFill>
+              <a:latin typeface="メイリオ" panose="020B0604030504040204" pitchFamily="50" charset="-128"/>
+              <a:ea typeface="メイリオ" panose="020B0604030504040204" pitchFamily="50" charset="-128"/>
+            </a:endParaRPr>
+          </a:p>
+          <a:p>
+            <a:pPr lvl="0">
+              <a:lnSpc>
+                <a:spcPct val="80000"/>
+              </a:lnSpc>
+              <a:spcBef>
+                <a:spcPts val="600"/>
+              </a:spcBef>
+            </a:pPr>
+            <a:r>
+              <a:rPr lang="ja-JP" altLang="en-US" sz="1800" dirty="0">
+                <a:solidFill>
+                  <a:prstClr val="black"/>
+                </a:solidFill>
+                <a:latin typeface="メイリオ" panose="020B0604030504040204" pitchFamily="50" charset="-128"/>
+                <a:ea typeface="メイリオ" panose="020B0604030504040204" pitchFamily="50" charset="-128"/>
+              </a:rPr>
+              <a:t>　走行するための式を構築した</a:t>
             </a:r>
             <a:r>
               <a:rPr lang="ja-JP" altLang="en-US" dirty="0">
@@ -7593,6 +5506,3261 @@
     <p:extLst>
       <p:ext uri="{BB962C8B-B14F-4D97-AF65-F5344CB8AC3E}">
         <p14:creationId xmlns:p14="http://schemas.microsoft.com/office/powerpoint/2010/main" val="200044771"/>
+      </p:ext>
+    </p:extLst>
+  </p:cSld>
+  <p:clrMapOvr>
+    <a:masterClrMapping/>
+  </p:clrMapOvr>
+</p:sld>
+</file>
+
+<file path=ppt/slides/slide2.xml><?xml version="1.0" encoding="utf-8"?>
+<p:sld xmlns:a="http://schemas.openxmlformats.org/drawingml/2006/main" xmlns:r="http://schemas.openxmlformats.org/officeDocument/2006/relationships" xmlns:p="http://schemas.openxmlformats.org/presentationml/2006/main">
+  <p:cSld>
+    <p:spTree>
+      <p:nvGrpSpPr>
+        <p:cNvPr id="1" name=""/>
+        <p:cNvGrpSpPr/>
+        <p:nvPr/>
+      </p:nvGrpSpPr>
+      <p:grpSpPr>
+        <a:xfrm>
+          <a:off x="0" y="0"/>
+          <a:ext cx="0" cy="0"/>
+          <a:chOff x="0" y="0"/>
+          <a:chExt cx="0" cy="0"/>
+        </a:xfrm>
+      </p:grpSpPr>
+      <p:sp>
+        <p:nvSpPr>
+          <p:cNvPr id="3075" name="Rectangle 5">
+            <a:extLst>
+              <a:ext uri="{FF2B5EF4-FFF2-40B4-BE49-F238E27FC236}">
+                <a16:creationId xmlns:a16="http://schemas.microsoft.com/office/drawing/2014/main" id="{D5D88259-ED24-BD49-9587-FD79AC5A0267}"/>
+              </a:ext>
+            </a:extLst>
+          </p:cNvPr>
+          <p:cNvSpPr>
+            <a:spLocks noChangeArrowheads="1"/>
+          </p:cNvSpPr>
+          <p:nvPr/>
+        </p:nvSpPr>
+        <p:spPr bwMode="auto">
+          <a:xfrm>
+            <a:off x="1144215" y="1128192"/>
+            <a:ext cx="721097" cy="533400"/>
+          </a:xfrm>
+          <a:prstGeom prst="rect">
+            <a:avLst/>
+          </a:prstGeom>
+          <a:noFill/>
+          <a:ln>
+            <a:noFill/>
+          </a:ln>
+          <a:extLst>
+            <a:ext uri="{909E8E84-426E-40DD-AFC4-6F175D3DCCD1}">
+              <a14:hiddenFill xmlns:a14="http://schemas.microsoft.com/office/drawing/2010/main">
+                <a:solidFill>
+                  <a:srgbClr val="FFFFFF"/>
+                </a:solidFill>
+              </a14:hiddenFill>
+            </a:ext>
+            <a:ext uri="{91240B29-F687-4F45-9708-019B960494DF}">
+              <a14:hiddenLine xmlns:a14="http://schemas.microsoft.com/office/drawing/2010/main" w="9525">
+                <a:solidFill>
+                  <a:srgbClr val="000000"/>
+                </a:solidFill>
+                <a:miter lim="800000"/>
+                <a:headEnd/>
+                <a:tailEnd/>
+              </a14:hiddenLine>
+            </a:ext>
+          </a:extLst>
+        </p:spPr>
+        <p:txBody>
+          <a:bodyPr wrap="none" lIns="127998" tIns="63999" rIns="127998" bIns="63999" anchor="ctr"/>
+          <a:lstStyle>
+            <a:lvl1pPr defTabSz="1279525" eaLnBrk="0" hangingPunct="0">
+              <a:defRPr kumimoji="1" sz="1600">
+                <a:solidFill>
+                  <a:schemeClr val="tx1"/>
+                </a:solidFill>
+                <a:latin typeface="Times New Roman" panose="02020603050405020304" pitchFamily="18" charset="0"/>
+                <a:ea typeface="ＭＳ Ｐゴシック" panose="020B0600070205080204" pitchFamily="34" charset="-128"/>
+              </a:defRPr>
+            </a:lvl1pPr>
+            <a:lvl2pPr marL="742950" indent="-285750" defTabSz="1279525" eaLnBrk="0" hangingPunct="0">
+              <a:defRPr kumimoji="1" sz="1600">
+                <a:solidFill>
+                  <a:schemeClr val="tx1"/>
+                </a:solidFill>
+                <a:latin typeface="Times New Roman" panose="02020603050405020304" pitchFamily="18" charset="0"/>
+                <a:ea typeface="ＭＳ Ｐゴシック" panose="020B0600070205080204" pitchFamily="34" charset="-128"/>
+              </a:defRPr>
+            </a:lvl2pPr>
+            <a:lvl3pPr marL="1143000" indent="-228600" defTabSz="1279525" eaLnBrk="0" hangingPunct="0">
+              <a:defRPr kumimoji="1" sz="1600">
+                <a:solidFill>
+                  <a:schemeClr val="tx1"/>
+                </a:solidFill>
+                <a:latin typeface="Times New Roman" panose="02020603050405020304" pitchFamily="18" charset="0"/>
+                <a:ea typeface="ＭＳ Ｐゴシック" panose="020B0600070205080204" pitchFamily="34" charset="-128"/>
+              </a:defRPr>
+            </a:lvl3pPr>
+            <a:lvl4pPr marL="1600200" indent="-228600" defTabSz="1279525" eaLnBrk="0" hangingPunct="0">
+              <a:defRPr kumimoji="1" sz="1600">
+                <a:solidFill>
+                  <a:schemeClr val="tx1"/>
+                </a:solidFill>
+                <a:latin typeface="Times New Roman" panose="02020603050405020304" pitchFamily="18" charset="0"/>
+                <a:ea typeface="ＭＳ Ｐゴシック" panose="020B0600070205080204" pitchFamily="34" charset="-128"/>
+              </a:defRPr>
+            </a:lvl4pPr>
+            <a:lvl5pPr marL="2057400" indent="-228600" defTabSz="1279525" eaLnBrk="0" hangingPunct="0">
+              <a:defRPr kumimoji="1" sz="1600">
+                <a:solidFill>
+                  <a:schemeClr val="tx1"/>
+                </a:solidFill>
+                <a:latin typeface="Times New Roman" panose="02020603050405020304" pitchFamily="18" charset="0"/>
+                <a:ea typeface="ＭＳ Ｐゴシック" panose="020B0600070205080204" pitchFamily="34" charset="-128"/>
+              </a:defRPr>
+            </a:lvl5pPr>
+            <a:lvl6pPr marL="2514600" indent="-228600" defTabSz="1279525" eaLnBrk="0" fontAlgn="base" hangingPunct="0">
+              <a:spcBef>
+                <a:spcPct val="0"/>
+              </a:spcBef>
+              <a:spcAft>
+                <a:spcPct val="0"/>
+              </a:spcAft>
+              <a:defRPr kumimoji="1" sz="1600">
+                <a:solidFill>
+                  <a:schemeClr val="tx1"/>
+                </a:solidFill>
+                <a:latin typeface="Times New Roman" panose="02020603050405020304" pitchFamily="18" charset="0"/>
+                <a:ea typeface="ＭＳ Ｐゴシック" panose="020B0600070205080204" pitchFamily="34" charset="-128"/>
+              </a:defRPr>
+            </a:lvl6pPr>
+            <a:lvl7pPr marL="2971800" indent="-228600" defTabSz="1279525" eaLnBrk="0" fontAlgn="base" hangingPunct="0">
+              <a:spcBef>
+                <a:spcPct val="0"/>
+              </a:spcBef>
+              <a:spcAft>
+                <a:spcPct val="0"/>
+              </a:spcAft>
+              <a:defRPr kumimoji="1" sz="1600">
+                <a:solidFill>
+                  <a:schemeClr val="tx1"/>
+                </a:solidFill>
+                <a:latin typeface="Times New Roman" panose="02020603050405020304" pitchFamily="18" charset="0"/>
+                <a:ea typeface="ＭＳ Ｐゴシック" panose="020B0600070205080204" pitchFamily="34" charset="-128"/>
+              </a:defRPr>
+            </a:lvl7pPr>
+            <a:lvl8pPr marL="3429000" indent="-228600" defTabSz="1279525" eaLnBrk="0" fontAlgn="base" hangingPunct="0">
+              <a:spcBef>
+                <a:spcPct val="0"/>
+              </a:spcBef>
+              <a:spcAft>
+                <a:spcPct val="0"/>
+              </a:spcAft>
+              <a:defRPr kumimoji="1" sz="1600">
+                <a:solidFill>
+                  <a:schemeClr val="tx1"/>
+                </a:solidFill>
+                <a:latin typeface="Times New Roman" panose="02020603050405020304" pitchFamily="18" charset="0"/>
+                <a:ea typeface="ＭＳ Ｐゴシック" panose="020B0600070205080204" pitchFamily="34" charset="-128"/>
+              </a:defRPr>
+            </a:lvl8pPr>
+            <a:lvl9pPr marL="3886200" indent="-228600" defTabSz="1279525" eaLnBrk="0" fontAlgn="base" hangingPunct="0">
+              <a:spcBef>
+                <a:spcPct val="0"/>
+              </a:spcBef>
+              <a:spcAft>
+                <a:spcPct val="0"/>
+              </a:spcAft>
+              <a:defRPr kumimoji="1" sz="1600">
+                <a:solidFill>
+                  <a:schemeClr val="tx1"/>
+                </a:solidFill>
+                <a:latin typeface="Times New Roman" panose="02020603050405020304" pitchFamily="18" charset="0"/>
+                <a:ea typeface="ＭＳ Ｐゴシック" panose="020B0600070205080204" pitchFamily="34" charset="-128"/>
+              </a:defRPr>
+            </a:lvl9pPr>
+          </a:lstStyle>
+          <a:p>
+            <a:pPr eaLnBrk="1" hangingPunct="1"/>
+            <a:r>
+              <a:rPr lang="en-US" altLang="ja-JP" sz="2400" dirty="0">
+                <a:latin typeface="ＭＳ Ｐゴシック" panose="020B0600070205080204" pitchFamily="34" charset="-128"/>
+              </a:rPr>
+              <a:t>113</a:t>
+            </a:r>
+            <a:endParaRPr lang="ja-JP" altLang="en-US" sz="2400" dirty="0">
+              <a:latin typeface="ＭＳ Ｐゴシック" panose="020B0600070205080204" pitchFamily="34" charset="-128"/>
+            </a:endParaRPr>
+          </a:p>
+        </p:txBody>
+      </p:sp>
+      <p:sp>
+        <p:nvSpPr>
+          <p:cNvPr id="3077" name="Rectangle 15">
+            <a:extLst>
+              <a:ext uri="{FF2B5EF4-FFF2-40B4-BE49-F238E27FC236}">
+                <a16:creationId xmlns:a16="http://schemas.microsoft.com/office/drawing/2014/main" id="{28DDC781-0083-4B44-A3FB-9FF0E3B74E13}"/>
+              </a:ext>
+            </a:extLst>
+          </p:cNvPr>
+          <p:cNvSpPr>
+            <a:spLocks noChangeArrowheads="1"/>
+          </p:cNvSpPr>
+          <p:nvPr/>
+        </p:nvSpPr>
+        <p:spPr bwMode="auto">
+          <a:xfrm>
+            <a:off x="6330876" y="1168957"/>
+            <a:ext cx="4462412" cy="533400"/>
+          </a:xfrm>
+          <a:prstGeom prst="rect">
+            <a:avLst/>
+          </a:prstGeom>
+          <a:noFill/>
+          <a:ln>
+            <a:noFill/>
+          </a:ln>
+          <a:extLst>
+            <a:ext uri="{909E8E84-426E-40DD-AFC4-6F175D3DCCD1}">
+              <a14:hiddenFill xmlns:a14="http://schemas.microsoft.com/office/drawing/2010/main">
+                <a:solidFill>
+                  <a:srgbClr val="FFFFFF"/>
+                </a:solidFill>
+              </a14:hiddenFill>
+            </a:ext>
+            <a:ext uri="{91240B29-F687-4F45-9708-019B960494DF}">
+              <a14:hiddenLine xmlns:a14="http://schemas.microsoft.com/office/drawing/2010/main" w="9525">
+                <a:solidFill>
+                  <a:srgbClr val="000000"/>
+                </a:solidFill>
+                <a:miter lim="800000"/>
+                <a:headEnd/>
+                <a:tailEnd/>
+              </a14:hiddenLine>
+            </a:ext>
+          </a:extLst>
+        </p:spPr>
+        <p:txBody>
+          <a:bodyPr wrap="none" lIns="127998" tIns="63999" rIns="127998" bIns="63999" anchor="ctr"/>
+          <a:lstStyle>
+            <a:lvl1pPr defTabSz="1279525" eaLnBrk="0" hangingPunct="0">
+              <a:defRPr kumimoji="1" sz="1600">
+                <a:solidFill>
+                  <a:schemeClr val="tx1"/>
+                </a:solidFill>
+                <a:latin typeface="Times New Roman" panose="02020603050405020304" pitchFamily="18" charset="0"/>
+                <a:ea typeface="ＭＳ Ｐゴシック" panose="020B0600070205080204" pitchFamily="34" charset="-128"/>
+              </a:defRPr>
+            </a:lvl1pPr>
+            <a:lvl2pPr marL="742950" indent="-285750" defTabSz="1279525" eaLnBrk="0" hangingPunct="0">
+              <a:defRPr kumimoji="1" sz="1600">
+                <a:solidFill>
+                  <a:schemeClr val="tx1"/>
+                </a:solidFill>
+                <a:latin typeface="Times New Roman" panose="02020603050405020304" pitchFamily="18" charset="0"/>
+                <a:ea typeface="ＭＳ Ｐゴシック" panose="020B0600070205080204" pitchFamily="34" charset="-128"/>
+              </a:defRPr>
+            </a:lvl2pPr>
+            <a:lvl3pPr marL="1143000" indent="-228600" defTabSz="1279525" eaLnBrk="0" hangingPunct="0">
+              <a:defRPr kumimoji="1" sz="1600">
+                <a:solidFill>
+                  <a:schemeClr val="tx1"/>
+                </a:solidFill>
+                <a:latin typeface="Times New Roman" panose="02020603050405020304" pitchFamily="18" charset="0"/>
+                <a:ea typeface="ＭＳ Ｐゴシック" panose="020B0600070205080204" pitchFamily="34" charset="-128"/>
+              </a:defRPr>
+            </a:lvl3pPr>
+            <a:lvl4pPr marL="1600200" indent="-228600" defTabSz="1279525" eaLnBrk="0" hangingPunct="0">
+              <a:defRPr kumimoji="1" sz="1600">
+                <a:solidFill>
+                  <a:schemeClr val="tx1"/>
+                </a:solidFill>
+                <a:latin typeface="Times New Roman" panose="02020603050405020304" pitchFamily="18" charset="0"/>
+                <a:ea typeface="ＭＳ Ｐゴシック" panose="020B0600070205080204" pitchFamily="34" charset="-128"/>
+              </a:defRPr>
+            </a:lvl4pPr>
+            <a:lvl5pPr marL="2057400" indent="-228600" defTabSz="1279525" eaLnBrk="0" hangingPunct="0">
+              <a:defRPr kumimoji="1" sz="1600">
+                <a:solidFill>
+                  <a:schemeClr val="tx1"/>
+                </a:solidFill>
+                <a:latin typeface="Times New Roman" panose="02020603050405020304" pitchFamily="18" charset="0"/>
+                <a:ea typeface="ＭＳ Ｐゴシック" panose="020B0600070205080204" pitchFamily="34" charset="-128"/>
+              </a:defRPr>
+            </a:lvl5pPr>
+            <a:lvl6pPr marL="2514600" indent="-228600" defTabSz="1279525" eaLnBrk="0" fontAlgn="base" hangingPunct="0">
+              <a:spcBef>
+                <a:spcPct val="0"/>
+              </a:spcBef>
+              <a:spcAft>
+                <a:spcPct val="0"/>
+              </a:spcAft>
+              <a:defRPr kumimoji="1" sz="1600">
+                <a:solidFill>
+                  <a:schemeClr val="tx1"/>
+                </a:solidFill>
+                <a:latin typeface="Times New Roman" panose="02020603050405020304" pitchFamily="18" charset="0"/>
+                <a:ea typeface="ＭＳ Ｐゴシック" panose="020B0600070205080204" pitchFamily="34" charset="-128"/>
+              </a:defRPr>
+            </a:lvl6pPr>
+            <a:lvl7pPr marL="2971800" indent="-228600" defTabSz="1279525" eaLnBrk="0" fontAlgn="base" hangingPunct="0">
+              <a:spcBef>
+                <a:spcPct val="0"/>
+              </a:spcBef>
+              <a:spcAft>
+                <a:spcPct val="0"/>
+              </a:spcAft>
+              <a:defRPr kumimoji="1" sz="1600">
+                <a:solidFill>
+                  <a:schemeClr val="tx1"/>
+                </a:solidFill>
+                <a:latin typeface="Times New Roman" panose="02020603050405020304" pitchFamily="18" charset="0"/>
+                <a:ea typeface="ＭＳ Ｐゴシック" panose="020B0600070205080204" pitchFamily="34" charset="-128"/>
+              </a:defRPr>
+            </a:lvl7pPr>
+            <a:lvl8pPr marL="3429000" indent="-228600" defTabSz="1279525" eaLnBrk="0" fontAlgn="base" hangingPunct="0">
+              <a:spcBef>
+                <a:spcPct val="0"/>
+              </a:spcBef>
+              <a:spcAft>
+                <a:spcPct val="0"/>
+              </a:spcAft>
+              <a:defRPr kumimoji="1" sz="1600">
+                <a:solidFill>
+                  <a:schemeClr val="tx1"/>
+                </a:solidFill>
+                <a:latin typeface="Times New Roman" panose="02020603050405020304" pitchFamily="18" charset="0"/>
+                <a:ea typeface="ＭＳ Ｐゴシック" panose="020B0600070205080204" pitchFamily="34" charset="-128"/>
+              </a:defRPr>
+            </a:lvl8pPr>
+            <a:lvl9pPr marL="3886200" indent="-228600" defTabSz="1279525" eaLnBrk="0" fontAlgn="base" hangingPunct="0">
+              <a:spcBef>
+                <a:spcPct val="0"/>
+              </a:spcBef>
+              <a:spcAft>
+                <a:spcPct val="0"/>
+              </a:spcAft>
+              <a:defRPr kumimoji="1" sz="1600">
+                <a:solidFill>
+                  <a:schemeClr val="tx1"/>
+                </a:solidFill>
+                <a:latin typeface="Times New Roman" panose="02020603050405020304" pitchFamily="18" charset="0"/>
+                <a:ea typeface="ＭＳ Ｐゴシック" panose="020B0600070205080204" pitchFamily="34" charset="-128"/>
+              </a:defRPr>
+            </a:lvl9pPr>
+          </a:lstStyle>
+          <a:p>
+            <a:pPr eaLnBrk="1" hangingPunct="1"/>
+            <a:r>
+              <a:rPr lang="ja-JP" altLang="en-US" sz="2400" dirty="0">
+                <a:latin typeface="ＭＳ Ｐゴシック" panose="020B0600070205080204" pitchFamily="34" charset="-128"/>
+              </a:rPr>
+              <a:t>　　一関工業高等専門学校</a:t>
+            </a:r>
+          </a:p>
+        </p:txBody>
+      </p:sp>
+      <p:sp>
+        <p:nvSpPr>
+          <p:cNvPr id="3079" name="Rectangle 17">
+            <a:extLst>
+              <a:ext uri="{FF2B5EF4-FFF2-40B4-BE49-F238E27FC236}">
+                <a16:creationId xmlns:a16="http://schemas.microsoft.com/office/drawing/2014/main" id="{5382B293-F7D3-6840-BDDD-720EDDF9DFA7}"/>
+              </a:ext>
+            </a:extLst>
+          </p:cNvPr>
+          <p:cNvSpPr>
+            <a:spLocks noChangeArrowheads="1"/>
+          </p:cNvSpPr>
+          <p:nvPr/>
+        </p:nvSpPr>
+        <p:spPr bwMode="auto">
+          <a:xfrm>
+            <a:off x="6328791" y="336104"/>
+            <a:ext cx="1728191" cy="533400"/>
+          </a:xfrm>
+          <a:prstGeom prst="rect">
+            <a:avLst/>
+          </a:prstGeom>
+          <a:noFill/>
+          <a:ln>
+            <a:noFill/>
+          </a:ln>
+          <a:extLst>
+            <a:ext uri="{909E8E84-426E-40DD-AFC4-6F175D3DCCD1}">
+              <a14:hiddenFill xmlns:a14="http://schemas.microsoft.com/office/drawing/2010/main">
+                <a:solidFill>
+                  <a:srgbClr val="FFFFFF"/>
+                </a:solidFill>
+              </a14:hiddenFill>
+            </a:ext>
+            <a:ext uri="{91240B29-F687-4F45-9708-019B960494DF}">
+              <a14:hiddenLine xmlns:a14="http://schemas.microsoft.com/office/drawing/2010/main" w="9525">
+                <a:solidFill>
+                  <a:srgbClr val="000000"/>
+                </a:solidFill>
+                <a:miter lim="800000"/>
+                <a:headEnd/>
+                <a:tailEnd/>
+              </a14:hiddenLine>
+            </a:ext>
+          </a:extLst>
+        </p:spPr>
+        <p:txBody>
+          <a:bodyPr wrap="square" lIns="127998" tIns="63999" rIns="127998" bIns="63999" anchor="ctr"/>
+          <a:lstStyle>
+            <a:lvl1pPr defTabSz="1279525" eaLnBrk="0" hangingPunct="0">
+              <a:defRPr kumimoji="1" sz="1600">
+                <a:solidFill>
+                  <a:schemeClr val="tx1"/>
+                </a:solidFill>
+                <a:latin typeface="Times New Roman" panose="02020603050405020304" pitchFamily="18" charset="0"/>
+                <a:ea typeface="ＭＳ Ｐゴシック" panose="020B0600070205080204" pitchFamily="34" charset="-128"/>
+              </a:defRPr>
+            </a:lvl1pPr>
+            <a:lvl2pPr marL="742950" indent="-285750" defTabSz="1279525" eaLnBrk="0" hangingPunct="0">
+              <a:defRPr kumimoji="1" sz="1600">
+                <a:solidFill>
+                  <a:schemeClr val="tx1"/>
+                </a:solidFill>
+                <a:latin typeface="Times New Roman" panose="02020603050405020304" pitchFamily="18" charset="0"/>
+                <a:ea typeface="ＭＳ Ｐゴシック" panose="020B0600070205080204" pitchFamily="34" charset="-128"/>
+              </a:defRPr>
+            </a:lvl2pPr>
+            <a:lvl3pPr marL="1143000" indent="-228600" defTabSz="1279525" eaLnBrk="0" hangingPunct="0">
+              <a:defRPr kumimoji="1" sz="1600">
+                <a:solidFill>
+                  <a:schemeClr val="tx1"/>
+                </a:solidFill>
+                <a:latin typeface="Times New Roman" panose="02020603050405020304" pitchFamily="18" charset="0"/>
+                <a:ea typeface="ＭＳ Ｐゴシック" panose="020B0600070205080204" pitchFamily="34" charset="-128"/>
+              </a:defRPr>
+            </a:lvl3pPr>
+            <a:lvl4pPr marL="1600200" indent="-228600" defTabSz="1279525" eaLnBrk="0" hangingPunct="0">
+              <a:defRPr kumimoji="1" sz="1600">
+                <a:solidFill>
+                  <a:schemeClr val="tx1"/>
+                </a:solidFill>
+                <a:latin typeface="Times New Roman" panose="02020603050405020304" pitchFamily="18" charset="0"/>
+                <a:ea typeface="ＭＳ Ｐゴシック" panose="020B0600070205080204" pitchFamily="34" charset="-128"/>
+              </a:defRPr>
+            </a:lvl4pPr>
+            <a:lvl5pPr marL="2057400" indent="-228600" defTabSz="1279525" eaLnBrk="0" hangingPunct="0">
+              <a:defRPr kumimoji="1" sz="1600">
+                <a:solidFill>
+                  <a:schemeClr val="tx1"/>
+                </a:solidFill>
+                <a:latin typeface="Times New Roman" panose="02020603050405020304" pitchFamily="18" charset="0"/>
+                <a:ea typeface="ＭＳ Ｐゴシック" panose="020B0600070205080204" pitchFamily="34" charset="-128"/>
+              </a:defRPr>
+            </a:lvl5pPr>
+            <a:lvl6pPr marL="2514600" indent="-228600" defTabSz="1279525" eaLnBrk="0" fontAlgn="base" hangingPunct="0">
+              <a:spcBef>
+                <a:spcPct val="0"/>
+              </a:spcBef>
+              <a:spcAft>
+                <a:spcPct val="0"/>
+              </a:spcAft>
+              <a:defRPr kumimoji="1" sz="1600">
+                <a:solidFill>
+                  <a:schemeClr val="tx1"/>
+                </a:solidFill>
+                <a:latin typeface="Times New Roman" panose="02020603050405020304" pitchFamily="18" charset="0"/>
+                <a:ea typeface="ＭＳ Ｐゴシック" panose="020B0600070205080204" pitchFamily="34" charset="-128"/>
+              </a:defRPr>
+            </a:lvl6pPr>
+            <a:lvl7pPr marL="2971800" indent="-228600" defTabSz="1279525" eaLnBrk="0" fontAlgn="base" hangingPunct="0">
+              <a:spcBef>
+                <a:spcPct val="0"/>
+              </a:spcBef>
+              <a:spcAft>
+                <a:spcPct val="0"/>
+              </a:spcAft>
+              <a:defRPr kumimoji="1" sz="1600">
+                <a:solidFill>
+                  <a:schemeClr val="tx1"/>
+                </a:solidFill>
+                <a:latin typeface="Times New Roman" panose="02020603050405020304" pitchFamily="18" charset="0"/>
+                <a:ea typeface="ＭＳ Ｐゴシック" panose="020B0600070205080204" pitchFamily="34" charset="-128"/>
+              </a:defRPr>
+            </a:lvl7pPr>
+            <a:lvl8pPr marL="3429000" indent="-228600" defTabSz="1279525" eaLnBrk="0" fontAlgn="base" hangingPunct="0">
+              <a:spcBef>
+                <a:spcPct val="0"/>
+              </a:spcBef>
+              <a:spcAft>
+                <a:spcPct val="0"/>
+              </a:spcAft>
+              <a:defRPr kumimoji="1" sz="1600">
+                <a:solidFill>
+                  <a:schemeClr val="tx1"/>
+                </a:solidFill>
+                <a:latin typeface="Times New Roman" panose="02020603050405020304" pitchFamily="18" charset="0"/>
+                <a:ea typeface="ＭＳ Ｐゴシック" panose="020B0600070205080204" pitchFamily="34" charset="-128"/>
+              </a:defRPr>
+            </a:lvl8pPr>
+            <a:lvl9pPr marL="3886200" indent="-228600" defTabSz="1279525" eaLnBrk="0" fontAlgn="base" hangingPunct="0">
+              <a:spcBef>
+                <a:spcPct val="0"/>
+              </a:spcBef>
+              <a:spcAft>
+                <a:spcPct val="0"/>
+              </a:spcAft>
+              <a:defRPr kumimoji="1" sz="1600">
+                <a:solidFill>
+                  <a:schemeClr val="tx1"/>
+                </a:solidFill>
+                <a:latin typeface="Times New Roman" panose="02020603050405020304" pitchFamily="18" charset="0"/>
+                <a:ea typeface="ＭＳ Ｐゴシック" panose="020B0600070205080204" pitchFamily="34" charset="-128"/>
+              </a:defRPr>
+            </a:lvl9pPr>
+          </a:lstStyle>
+          <a:p>
+            <a:pPr eaLnBrk="1" hangingPunct="1"/>
+            <a:r>
+              <a:rPr lang="ja-JP" altLang="en-US" sz="2400" dirty="0">
+                <a:latin typeface="ＭＳ Ｐゴシック" panose="020B0600070205080204" pitchFamily="34" charset="-128"/>
+              </a:rPr>
+              <a:t>　東北</a:t>
+            </a:r>
+            <a:endParaRPr lang="ja-JP" altLang="en-US" sz="2400" dirty="0"/>
+          </a:p>
+        </p:txBody>
+      </p:sp>
+      <p:sp>
+        <p:nvSpPr>
+          <p:cNvPr id="3081" name="Rectangle 19">
+            <a:extLst>
+              <a:ext uri="{FF2B5EF4-FFF2-40B4-BE49-F238E27FC236}">
+                <a16:creationId xmlns:a16="http://schemas.microsoft.com/office/drawing/2014/main" id="{A4EA8F5C-B909-8246-862C-8481017987DD}"/>
+              </a:ext>
+            </a:extLst>
+          </p:cNvPr>
+          <p:cNvSpPr>
+            <a:spLocks noChangeArrowheads="1"/>
+          </p:cNvSpPr>
+          <p:nvPr/>
+        </p:nvSpPr>
+        <p:spPr bwMode="auto">
+          <a:xfrm>
+            <a:off x="8489032" y="336104"/>
+            <a:ext cx="2303462" cy="533400"/>
+          </a:xfrm>
+          <a:prstGeom prst="rect">
+            <a:avLst/>
+          </a:prstGeom>
+          <a:noFill/>
+          <a:ln>
+            <a:noFill/>
+          </a:ln>
+          <a:extLst>
+            <a:ext uri="{909E8E84-426E-40DD-AFC4-6F175D3DCCD1}">
+              <a14:hiddenFill xmlns:a14="http://schemas.microsoft.com/office/drawing/2010/main">
+                <a:solidFill>
+                  <a:srgbClr val="FFFFFF"/>
+                </a:solidFill>
+              </a14:hiddenFill>
+            </a:ext>
+            <a:ext uri="{91240B29-F687-4F45-9708-019B960494DF}">
+              <a14:hiddenLine xmlns:a14="http://schemas.microsoft.com/office/drawing/2010/main" w="9525">
+                <a:solidFill>
+                  <a:srgbClr val="000000"/>
+                </a:solidFill>
+                <a:miter lim="800000"/>
+                <a:headEnd/>
+                <a:tailEnd/>
+              </a14:hiddenLine>
+            </a:ext>
+          </a:extLst>
+        </p:spPr>
+        <p:txBody>
+          <a:bodyPr wrap="none" lIns="127998" tIns="63999" rIns="127998" bIns="63999" anchor="ctr"/>
+          <a:lstStyle>
+            <a:lvl1pPr defTabSz="1279525" eaLnBrk="0" hangingPunct="0">
+              <a:defRPr kumimoji="1" sz="1600">
+                <a:solidFill>
+                  <a:schemeClr val="tx1"/>
+                </a:solidFill>
+                <a:latin typeface="Times New Roman" panose="02020603050405020304" pitchFamily="18" charset="0"/>
+                <a:ea typeface="ＭＳ Ｐゴシック" panose="020B0600070205080204" pitchFamily="34" charset="-128"/>
+              </a:defRPr>
+            </a:lvl1pPr>
+            <a:lvl2pPr marL="742950" indent="-285750" defTabSz="1279525" eaLnBrk="0" hangingPunct="0">
+              <a:defRPr kumimoji="1" sz="1600">
+                <a:solidFill>
+                  <a:schemeClr val="tx1"/>
+                </a:solidFill>
+                <a:latin typeface="Times New Roman" panose="02020603050405020304" pitchFamily="18" charset="0"/>
+                <a:ea typeface="ＭＳ Ｐゴシック" panose="020B0600070205080204" pitchFamily="34" charset="-128"/>
+              </a:defRPr>
+            </a:lvl2pPr>
+            <a:lvl3pPr marL="1143000" indent="-228600" defTabSz="1279525" eaLnBrk="0" hangingPunct="0">
+              <a:defRPr kumimoji="1" sz="1600">
+                <a:solidFill>
+                  <a:schemeClr val="tx1"/>
+                </a:solidFill>
+                <a:latin typeface="Times New Roman" panose="02020603050405020304" pitchFamily="18" charset="0"/>
+                <a:ea typeface="ＭＳ Ｐゴシック" panose="020B0600070205080204" pitchFamily="34" charset="-128"/>
+              </a:defRPr>
+            </a:lvl3pPr>
+            <a:lvl4pPr marL="1600200" indent="-228600" defTabSz="1279525" eaLnBrk="0" hangingPunct="0">
+              <a:defRPr kumimoji="1" sz="1600">
+                <a:solidFill>
+                  <a:schemeClr val="tx1"/>
+                </a:solidFill>
+                <a:latin typeface="Times New Roman" panose="02020603050405020304" pitchFamily="18" charset="0"/>
+                <a:ea typeface="ＭＳ Ｐゴシック" panose="020B0600070205080204" pitchFamily="34" charset="-128"/>
+              </a:defRPr>
+            </a:lvl4pPr>
+            <a:lvl5pPr marL="2057400" indent="-228600" defTabSz="1279525" eaLnBrk="0" hangingPunct="0">
+              <a:defRPr kumimoji="1" sz="1600">
+                <a:solidFill>
+                  <a:schemeClr val="tx1"/>
+                </a:solidFill>
+                <a:latin typeface="Times New Roman" panose="02020603050405020304" pitchFamily="18" charset="0"/>
+                <a:ea typeface="ＭＳ Ｐゴシック" panose="020B0600070205080204" pitchFamily="34" charset="-128"/>
+              </a:defRPr>
+            </a:lvl5pPr>
+            <a:lvl6pPr marL="2514600" indent="-228600" defTabSz="1279525" eaLnBrk="0" fontAlgn="base" hangingPunct="0">
+              <a:spcBef>
+                <a:spcPct val="0"/>
+              </a:spcBef>
+              <a:spcAft>
+                <a:spcPct val="0"/>
+              </a:spcAft>
+              <a:defRPr kumimoji="1" sz="1600">
+                <a:solidFill>
+                  <a:schemeClr val="tx1"/>
+                </a:solidFill>
+                <a:latin typeface="Times New Roman" panose="02020603050405020304" pitchFamily="18" charset="0"/>
+                <a:ea typeface="ＭＳ Ｐゴシック" panose="020B0600070205080204" pitchFamily="34" charset="-128"/>
+              </a:defRPr>
+            </a:lvl6pPr>
+            <a:lvl7pPr marL="2971800" indent="-228600" defTabSz="1279525" eaLnBrk="0" fontAlgn="base" hangingPunct="0">
+              <a:spcBef>
+                <a:spcPct val="0"/>
+              </a:spcBef>
+              <a:spcAft>
+                <a:spcPct val="0"/>
+              </a:spcAft>
+              <a:defRPr kumimoji="1" sz="1600">
+                <a:solidFill>
+                  <a:schemeClr val="tx1"/>
+                </a:solidFill>
+                <a:latin typeface="Times New Roman" panose="02020603050405020304" pitchFamily="18" charset="0"/>
+                <a:ea typeface="ＭＳ Ｐゴシック" panose="020B0600070205080204" pitchFamily="34" charset="-128"/>
+              </a:defRPr>
+            </a:lvl7pPr>
+            <a:lvl8pPr marL="3429000" indent="-228600" defTabSz="1279525" eaLnBrk="0" fontAlgn="base" hangingPunct="0">
+              <a:spcBef>
+                <a:spcPct val="0"/>
+              </a:spcBef>
+              <a:spcAft>
+                <a:spcPct val="0"/>
+              </a:spcAft>
+              <a:defRPr kumimoji="1" sz="1600">
+                <a:solidFill>
+                  <a:schemeClr val="tx1"/>
+                </a:solidFill>
+                <a:latin typeface="Times New Roman" panose="02020603050405020304" pitchFamily="18" charset="0"/>
+                <a:ea typeface="ＭＳ Ｐゴシック" panose="020B0600070205080204" pitchFamily="34" charset="-128"/>
+              </a:defRPr>
+            </a:lvl8pPr>
+            <a:lvl9pPr marL="3886200" indent="-228600" defTabSz="1279525" eaLnBrk="0" fontAlgn="base" hangingPunct="0">
+              <a:spcBef>
+                <a:spcPct val="0"/>
+              </a:spcBef>
+              <a:spcAft>
+                <a:spcPct val="0"/>
+              </a:spcAft>
+              <a:defRPr kumimoji="1" sz="1600">
+                <a:solidFill>
+                  <a:schemeClr val="tx1"/>
+                </a:solidFill>
+                <a:latin typeface="Times New Roman" panose="02020603050405020304" pitchFamily="18" charset="0"/>
+                <a:ea typeface="ＭＳ Ｐゴシック" panose="020B0600070205080204" pitchFamily="34" charset="-128"/>
+              </a:defRPr>
+            </a:lvl9pPr>
+          </a:lstStyle>
+          <a:p>
+            <a:pPr eaLnBrk="1" hangingPunct="1"/>
+            <a:r>
+              <a:rPr lang="ja-JP" altLang="en-US" sz="2400" dirty="0">
+                <a:latin typeface="ＭＳ Ｐゴシック" panose="020B0600070205080204" pitchFamily="34" charset="-128"/>
+              </a:rPr>
+              <a:t>岩手県一関市</a:t>
+            </a:r>
+            <a:endParaRPr lang="ja-JP" altLang="en-US" sz="2400" dirty="0"/>
+          </a:p>
+        </p:txBody>
+      </p:sp>
+      <p:sp>
+        <p:nvSpPr>
+          <p:cNvPr id="3082" name="Rectangle 20">
+            <a:extLst>
+              <a:ext uri="{FF2B5EF4-FFF2-40B4-BE49-F238E27FC236}">
+                <a16:creationId xmlns:a16="http://schemas.microsoft.com/office/drawing/2014/main" id="{88BB8863-1101-664A-A3BB-4EDEC868681D}"/>
+              </a:ext>
+            </a:extLst>
+          </p:cNvPr>
+          <p:cNvSpPr>
+            <a:spLocks noChangeArrowheads="1"/>
+          </p:cNvSpPr>
+          <p:nvPr/>
+        </p:nvSpPr>
+        <p:spPr bwMode="auto">
+          <a:xfrm>
+            <a:off x="3017144" y="1200200"/>
+            <a:ext cx="2015504" cy="444500"/>
+          </a:xfrm>
+          <a:prstGeom prst="rect">
+            <a:avLst/>
+          </a:prstGeom>
+          <a:noFill/>
+          <a:ln>
+            <a:noFill/>
+          </a:ln>
+          <a:extLst>
+            <a:ext uri="{909E8E84-426E-40DD-AFC4-6F175D3DCCD1}">
+              <a14:hiddenFill xmlns:a14="http://schemas.microsoft.com/office/drawing/2010/main">
+                <a:solidFill>
+                  <a:srgbClr val="FFFFFF"/>
+                </a:solidFill>
+              </a14:hiddenFill>
+            </a:ext>
+            <a:ext uri="{91240B29-F687-4F45-9708-019B960494DF}">
+              <a14:hiddenLine xmlns:a14="http://schemas.microsoft.com/office/drawing/2010/main" w="9525">
+                <a:solidFill>
+                  <a:srgbClr val="000000"/>
+                </a:solidFill>
+                <a:miter lim="800000"/>
+                <a:headEnd/>
+                <a:tailEnd/>
+              </a14:hiddenLine>
+            </a:ext>
+          </a:extLst>
+        </p:spPr>
+        <p:txBody>
+          <a:bodyPr wrap="none" lIns="127998" tIns="63999" rIns="127998" bIns="63999" anchor="ctr"/>
+          <a:lstStyle>
+            <a:lvl1pPr defTabSz="1279525" eaLnBrk="0" hangingPunct="0">
+              <a:defRPr kumimoji="1" sz="1600">
+                <a:solidFill>
+                  <a:schemeClr val="tx1"/>
+                </a:solidFill>
+                <a:latin typeface="Times New Roman" panose="02020603050405020304" pitchFamily="18" charset="0"/>
+                <a:ea typeface="ＭＳ Ｐゴシック" panose="020B0600070205080204" pitchFamily="34" charset="-128"/>
+              </a:defRPr>
+            </a:lvl1pPr>
+            <a:lvl2pPr marL="742950" indent="-285750" defTabSz="1279525" eaLnBrk="0" hangingPunct="0">
+              <a:defRPr kumimoji="1" sz="1600">
+                <a:solidFill>
+                  <a:schemeClr val="tx1"/>
+                </a:solidFill>
+                <a:latin typeface="Times New Roman" panose="02020603050405020304" pitchFamily="18" charset="0"/>
+                <a:ea typeface="ＭＳ Ｐゴシック" panose="020B0600070205080204" pitchFamily="34" charset="-128"/>
+              </a:defRPr>
+            </a:lvl2pPr>
+            <a:lvl3pPr marL="1143000" indent="-228600" defTabSz="1279525" eaLnBrk="0" hangingPunct="0">
+              <a:defRPr kumimoji="1" sz="1600">
+                <a:solidFill>
+                  <a:schemeClr val="tx1"/>
+                </a:solidFill>
+                <a:latin typeface="Times New Roman" panose="02020603050405020304" pitchFamily="18" charset="0"/>
+                <a:ea typeface="ＭＳ Ｐゴシック" panose="020B0600070205080204" pitchFamily="34" charset="-128"/>
+              </a:defRPr>
+            </a:lvl3pPr>
+            <a:lvl4pPr marL="1600200" indent="-228600" defTabSz="1279525" eaLnBrk="0" hangingPunct="0">
+              <a:defRPr kumimoji="1" sz="1600">
+                <a:solidFill>
+                  <a:schemeClr val="tx1"/>
+                </a:solidFill>
+                <a:latin typeface="Times New Roman" panose="02020603050405020304" pitchFamily="18" charset="0"/>
+                <a:ea typeface="ＭＳ Ｐゴシック" panose="020B0600070205080204" pitchFamily="34" charset="-128"/>
+              </a:defRPr>
+            </a:lvl4pPr>
+            <a:lvl5pPr marL="2057400" indent="-228600" defTabSz="1279525" eaLnBrk="0" hangingPunct="0">
+              <a:defRPr kumimoji="1" sz="1600">
+                <a:solidFill>
+                  <a:schemeClr val="tx1"/>
+                </a:solidFill>
+                <a:latin typeface="Times New Roman" panose="02020603050405020304" pitchFamily="18" charset="0"/>
+                <a:ea typeface="ＭＳ Ｐゴシック" panose="020B0600070205080204" pitchFamily="34" charset="-128"/>
+              </a:defRPr>
+            </a:lvl5pPr>
+            <a:lvl6pPr marL="2514600" indent="-228600" defTabSz="1279525" eaLnBrk="0" fontAlgn="base" hangingPunct="0">
+              <a:spcBef>
+                <a:spcPct val="0"/>
+              </a:spcBef>
+              <a:spcAft>
+                <a:spcPct val="0"/>
+              </a:spcAft>
+              <a:defRPr kumimoji="1" sz="1600">
+                <a:solidFill>
+                  <a:schemeClr val="tx1"/>
+                </a:solidFill>
+                <a:latin typeface="Times New Roman" panose="02020603050405020304" pitchFamily="18" charset="0"/>
+                <a:ea typeface="ＭＳ Ｐゴシック" panose="020B0600070205080204" pitchFamily="34" charset="-128"/>
+              </a:defRPr>
+            </a:lvl6pPr>
+            <a:lvl7pPr marL="2971800" indent="-228600" defTabSz="1279525" eaLnBrk="0" fontAlgn="base" hangingPunct="0">
+              <a:spcBef>
+                <a:spcPct val="0"/>
+              </a:spcBef>
+              <a:spcAft>
+                <a:spcPct val="0"/>
+              </a:spcAft>
+              <a:defRPr kumimoji="1" sz="1600">
+                <a:solidFill>
+                  <a:schemeClr val="tx1"/>
+                </a:solidFill>
+                <a:latin typeface="Times New Roman" panose="02020603050405020304" pitchFamily="18" charset="0"/>
+                <a:ea typeface="ＭＳ Ｐゴシック" panose="020B0600070205080204" pitchFamily="34" charset="-128"/>
+              </a:defRPr>
+            </a:lvl7pPr>
+            <a:lvl8pPr marL="3429000" indent="-228600" defTabSz="1279525" eaLnBrk="0" fontAlgn="base" hangingPunct="0">
+              <a:spcBef>
+                <a:spcPct val="0"/>
+              </a:spcBef>
+              <a:spcAft>
+                <a:spcPct val="0"/>
+              </a:spcAft>
+              <a:defRPr kumimoji="1" sz="1600">
+                <a:solidFill>
+                  <a:schemeClr val="tx1"/>
+                </a:solidFill>
+                <a:latin typeface="Times New Roman" panose="02020603050405020304" pitchFamily="18" charset="0"/>
+                <a:ea typeface="ＭＳ Ｐゴシック" panose="020B0600070205080204" pitchFamily="34" charset="-128"/>
+              </a:defRPr>
+            </a:lvl8pPr>
+            <a:lvl9pPr marL="3886200" indent="-228600" defTabSz="1279525" eaLnBrk="0" fontAlgn="base" hangingPunct="0">
+              <a:spcBef>
+                <a:spcPct val="0"/>
+              </a:spcBef>
+              <a:spcAft>
+                <a:spcPct val="0"/>
+              </a:spcAft>
+              <a:defRPr kumimoji="1" sz="1600">
+                <a:solidFill>
+                  <a:schemeClr val="tx1"/>
+                </a:solidFill>
+                <a:latin typeface="Times New Roman" panose="02020603050405020304" pitchFamily="18" charset="0"/>
+                <a:ea typeface="ＭＳ Ｐゴシック" panose="020B0600070205080204" pitchFamily="34" charset="-128"/>
+              </a:defRPr>
+            </a:lvl9pPr>
+          </a:lstStyle>
+          <a:p>
+            <a:pPr eaLnBrk="1" hangingPunct="1"/>
+            <a:r>
+              <a:rPr lang="en-US" altLang="ja-JP" sz="2400" dirty="0" err="1">
+                <a:solidFill>
+                  <a:prstClr val="black"/>
+                </a:solidFill>
+                <a:latin typeface="HG丸ｺﾞｼｯｸM-PRO" panose="020F0600000000000000" pitchFamily="50" charset="-128"/>
+                <a:ea typeface="HG丸ｺﾞｼｯｸM-PRO" panose="020F0600000000000000" pitchFamily="50" charset="-128"/>
+              </a:rPr>
+              <a:t>teamNITIC</a:t>
+            </a:r>
+            <a:endParaRPr lang="en-US" altLang="ja-JP" sz="3600" dirty="0"/>
+          </a:p>
+        </p:txBody>
+      </p:sp>
+      <p:sp>
+        <p:nvSpPr>
+          <p:cNvPr id="10" name="Rectangle 4">
+            <a:extLst>
+              <a:ext uri="{FF2B5EF4-FFF2-40B4-BE49-F238E27FC236}">
+                <a16:creationId xmlns:a16="http://schemas.microsoft.com/office/drawing/2014/main" id="{3A027A30-C9DB-489E-84A9-224A19E472A9}"/>
+              </a:ext>
+            </a:extLst>
+          </p:cNvPr>
+          <p:cNvSpPr>
+            <a:spLocks noChangeArrowheads="1"/>
+          </p:cNvSpPr>
+          <p:nvPr/>
+        </p:nvSpPr>
+        <p:spPr bwMode="auto">
+          <a:xfrm>
+            <a:off x="6400800" y="1839142"/>
+            <a:ext cx="6189062" cy="7497962"/>
+          </a:xfrm>
+          <a:prstGeom prst="rect">
+            <a:avLst/>
+          </a:prstGeom>
+          <a:noFill/>
+          <a:ln w="9525">
+            <a:solidFill>
+              <a:schemeClr val="accent6">
+                <a:lumMod val="75000"/>
+              </a:schemeClr>
+            </a:solidFill>
+            <a:miter lim="800000"/>
+            <a:headEnd/>
+            <a:tailEnd/>
+          </a:ln>
+          <a:extLst>
+            <a:ext uri="{909E8E84-426E-40DD-AFC4-6F175D3DCCD1}">
+              <a14:hiddenFill xmlns:a14="http://schemas.microsoft.com/office/drawing/2010/main">
+                <a:solidFill>
+                  <a:srgbClr val="FFFFFF"/>
+                </a:solidFill>
+              </a14:hiddenFill>
+            </a:ext>
+          </a:extLst>
+        </p:spPr>
+        <p:txBody>
+          <a:bodyPr lIns="108376" tIns="54188" rIns="108376" bIns="54188"/>
+          <a:lstStyle>
+            <a:lvl1pPr marL="481013" indent="-481013" defTabSz="1279525" eaLnBrk="0" hangingPunct="0">
+              <a:defRPr kumimoji="1" sz="1600">
+                <a:solidFill>
+                  <a:schemeClr val="tx1"/>
+                </a:solidFill>
+                <a:latin typeface="Times New Roman" panose="02020603050405020304" pitchFamily="18" charset="0"/>
+                <a:ea typeface="ＭＳ Ｐゴシック" panose="020B0600070205080204" pitchFamily="34" charset="-128"/>
+              </a:defRPr>
+            </a:lvl1pPr>
+            <a:lvl2pPr marL="742950" indent="-285750" defTabSz="1279525" eaLnBrk="0" hangingPunct="0">
+              <a:defRPr kumimoji="1" sz="1600">
+                <a:solidFill>
+                  <a:schemeClr val="tx1"/>
+                </a:solidFill>
+                <a:latin typeface="Times New Roman" panose="02020603050405020304" pitchFamily="18" charset="0"/>
+                <a:ea typeface="ＭＳ Ｐゴシック" panose="020B0600070205080204" pitchFamily="34" charset="-128"/>
+              </a:defRPr>
+            </a:lvl2pPr>
+            <a:lvl3pPr marL="1143000" indent="-228600" defTabSz="1279525" eaLnBrk="0" hangingPunct="0">
+              <a:defRPr kumimoji="1" sz="1600">
+                <a:solidFill>
+                  <a:schemeClr val="tx1"/>
+                </a:solidFill>
+                <a:latin typeface="Times New Roman" panose="02020603050405020304" pitchFamily="18" charset="0"/>
+                <a:ea typeface="ＭＳ Ｐゴシック" panose="020B0600070205080204" pitchFamily="34" charset="-128"/>
+              </a:defRPr>
+            </a:lvl3pPr>
+            <a:lvl4pPr marL="1600200" indent="-228600" defTabSz="1279525" eaLnBrk="0" hangingPunct="0">
+              <a:defRPr kumimoji="1" sz="1600">
+                <a:solidFill>
+                  <a:schemeClr val="tx1"/>
+                </a:solidFill>
+                <a:latin typeface="Times New Roman" panose="02020603050405020304" pitchFamily="18" charset="0"/>
+                <a:ea typeface="ＭＳ Ｐゴシック" panose="020B0600070205080204" pitchFamily="34" charset="-128"/>
+              </a:defRPr>
+            </a:lvl4pPr>
+            <a:lvl5pPr marL="2057400" indent="-228600" defTabSz="1279525" eaLnBrk="0" hangingPunct="0">
+              <a:defRPr kumimoji="1" sz="1600">
+                <a:solidFill>
+                  <a:schemeClr val="tx1"/>
+                </a:solidFill>
+                <a:latin typeface="Times New Roman" panose="02020603050405020304" pitchFamily="18" charset="0"/>
+                <a:ea typeface="ＭＳ Ｐゴシック" panose="020B0600070205080204" pitchFamily="34" charset="-128"/>
+              </a:defRPr>
+            </a:lvl5pPr>
+            <a:lvl6pPr marL="2514600" indent="-228600" defTabSz="1279525" eaLnBrk="0" fontAlgn="base" hangingPunct="0">
+              <a:spcBef>
+                <a:spcPct val="0"/>
+              </a:spcBef>
+              <a:spcAft>
+                <a:spcPct val="0"/>
+              </a:spcAft>
+              <a:defRPr kumimoji="1" sz="1600">
+                <a:solidFill>
+                  <a:schemeClr val="tx1"/>
+                </a:solidFill>
+                <a:latin typeface="Times New Roman" panose="02020603050405020304" pitchFamily="18" charset="0"/>
+                <a:ea typeface="ＭＳ Ｐゴシック" panose="020B0600070205080204" pitchFamily="34" charset="-128"/>
+              </a:defRPr>
+            </a:lvl6pPr>
+            <a:lvl7pPr marL="2971800" indent="-228600" defTabSz="1279525" eaLnBrk="0" fontAlgn="base" hangingPunct="0">
+              <a:spcBef>
+                <a:spcPct val="0"/>
+              </a:spcBef>
+              <a:spcAft>
+                <a:spcPct val="0"/>
+              </a:spcAft>
+              <a:defRPr kumimoji="1" sz="1600">
+                <a:solidFill>
+                  <a:schemeClr val="tx1"/>
+                </a:solidFill>
+                <a:latin typeface="Times New Roman" panose="02020603050405020304" pitchFamily="18" charset="0"/>
+                <a:ea typeface="ＭＳ Ｐゴシック" panose="020B0600070205080204" pitchFamily="34" charset="-128"/>
+              </a:defRPr>
+            </a:lvl7pPr>
+            <a:lvl8pPr marL="3429000" indent="-228600" defTabSz="1279525" eaLnBrk="0" fontAlgn="base" hangingPunct="0">
+              <a:spcBef>
+                <a:spcPct val="0"/>
+              </a:spcBef>
+              <a:spcAft>
+                <a:spcPct val="0"/>
+              </a:spcAft>
+              <a:defRPr kumimoji="1" sz="1600">
+                <a:solidFill>
+                  <a:schemeClr val="tx1"/>
+                </a:solidFill>
+                <a:latin typeface="Times New Roman" panose="02020603050405020304" pitchFamily="18" charset="0"/>
+                <a:ea typeface="ＭＳ Ｐゴシック" panose="020B0600070205080204" pitchFamily="34" charset="-128"/>
+              </a:defRPr>
+            </a:lvl8pPr>
+            <a:lvl9pPr marL="3886200" indent="-228600" defTabSz="1279525" eaLnBrk="0" fontAlgn="base" hangingPunct="0">
+              <a:spcBef>
+                <a:spcPct val="0"/>
+              </a:spcBef>
+              <a:spcAft>
+                <a:spcPct val="0"/>
+              </a:spcAft>
+              <a:defRPr kumimoji="1" sz="1600">
+                <a:solidFill>
+                  <a:schemeClr val="tx1"/>
+                </a:solidFill>
+                <a:latin typeface="Times New Roman" panose="02020603050405020304" pitchFamily="18" charset="0"/>
+                <a:ea typeface="ＭＳ Ｐゴシック" panose="020B0600070205080204" pitchFamily="34" charset="-128"/>
+              </a:defRPr>
+            </a:lvl9pPr>
+          </a:lstStyle>
+          <a:p>
+            <a:pPr eaLnBrk="1" hangingPunct="1">
+              <a:lnSpc>
+                <a:spcPct val="80000"/>
+              </a:lnSpc>
+              <a:spcBef>
+                <a:spcPct val="20000"/>
+              </a:spcBef>
+            </a:pPr>
+            <a:r>
+              <a:rPr lang="ja-JP" altLang="en-US" sz="1947" b="1" dirty="0">
+                <a:solidFill>
+                  <a:srgbClr val="FF0000"/>
+                </a:solidFill>
+              </a:rPr>
+              <a:t>モデルの構成</a:t>
+            </a:r>
+            <a:endParaRPr lang="en-US" altLang="ja-JP" sz="1947" b="1" dirty="0">
+              <a:solidFill>
+                <a:srgbClr val="FF0000"/>
+              </a:solidFill>
+            </a:endParaRPr>
+          </a:p>
+        </p:txBody>
+      </p:sp>
+      <p:sp>
+        <p:nvSpPr>
+          <p:cNvPr id="11" name="Rectangle 3">
+            <a:extLst>
+              <a:ext uri="{FF2B5EF4-FFF2-40B4-BE49-F238E27FC236}">
+                <a16:creationId xmlns:a16="http://schemas.microsoft.com/office/drawing/2014/main" id="{1AB85E6D-E200-4D0E-A670-B9BEB009D762}"/>
+              </a:ext>
+            </a:extLst>
+          </p:cNvPr>
+          <p:cNvSpPr>
+            <a:spLocks noChangeArrowheads="1"/>
+          </p:cNvSpPr>
+          <p:nvPr/>
+        </p:nvSpPr>
+        <p:spPr bwMode="auto">
+          <a:xfrm>
+            <a:off x="208112" y="1839142"/>
+            <a:ext cx="5976664" cy="3420000"/>
+          </a:xfrm>
+          <a:prstGeom prst="rect">
+            <a:avLst/>
+          </a:prstGeom>
+          <a:noFill/>
+          <a:ln w="9525">
+            <a:solidFill>
+              <a:schemeClr val="accent6">
+                <a:lumMod val="75000"/>
+              </a:schemeClr>
+            </a:solidFill>
+            <a:miter lim="800000"/>
+            <a:headEnd/>
+            <a:tailEnd/>
+          </a:ln>
+          <a:extLst>
+            <a:ext uri="{909E8E84-426E-40DD-AFC4-6F175D3DCCD1}">
+              <a14:hiddenFill xmlns:a14="http://schemas.microsoft.com/office/drawing/2010/main">
+                <a:solidFill>
+                  <a:srgbClr val="FFFFFF"/>
+                </a:solidFill>
+              </a14:hiddenFill>
+            </a:ext>
+          </a:extLst>
+        </p:spPr>
+        <p:txBody>
+          <a:bodyPr lIns="108376" tIns="54188" rIns="108376" bIns="54188"/>
+          <a:lstStyle>
+            <a:lvl1pPr marL="481013" indent="-481013" defTabSz="1279525" eaLnBrk="0" hangingPunct="0">
+              <a:defRPr kumimoji="1" sz="1600">
+                <a:solidFill>
+                  <a:schemeClr val="tx1"/>
+                </a:solidFill>
+                <a:latin typeface="Times New Roman" panose="02020603050405020304" pitchFamily="18" charset="0"/>
+                <a:ea typeface="ＭＳ Ｐゴシック" panose="020B0600070205080204" pitchFamily="34" charset="-128"/>
+              </a:defRPr>
+            </a:lvl1pPr>
+            <a:lvl2pPr marL="742950" indent="-285750" defTabSz="1279525" eaLnBrk="0" hangingPunct="0">
+              <a:defRPr kumimoji="1" sz="1600">
+                <a:solidFill>
+                  <a:schemeClr val="tx1"/>
+                </a:solidFill>
+                <a:latin typeface="Times New Roman" panose="02020603050405020304" pitchFamily="18" charset="0"/>
+                <a:ea typeface="ＭＳ Ｐゴシック" panose="020B0600070205080204" pitchFamily="34" charset="-128"/>
+              </a:defRPr>
+            </a:lvl2pPr>
+            <a:lvl3pPr marL="1143000" indent="-228600" defTabSz="1279525" eaLnBrk="0" hangingPunct="0">
+              <a:defRPr kumimoji="1" sz="1600">
+                <a:solidFill>
+                  <a:schemeClr val="tx1"/>
+                </a:solidFill>
+                <a:latin typeface="Times New Roman" panose="02020603050405020304" pitchFamily="18" charset="0"/>
+                <a:ea typeface="ＭＳ Ｐゴシック" panose="020B0600070205080204" pitchFamily="34" charset="-128"/>
+              </a:defRPr>
+            </a:lvl3pPr>
+            <a:lvl4pPr marL="1600200" indent="-228600" defTabSz="1279525" eaLnBrk="0" hangingPunct="0">
+              <a:defRPr kumimoji="1" sz="1600">
+                <a:solidFill>
+                  <a:schemeClr val="tx1"/>
+                </a:solidFill>
+                <a:latin typeface="Times New Roman" panose="02020603050405020304" pitchFamily="18" charset="0"/>
+                <a:ea typeface="ＭＳ Ｐゴシック" panose="020B0600070205080204" pitchFamily="34" charset="-128"/>
+              </a:defRPr>
+            </a:lvl4pPr>
+            <a:lvl5pPr marL="2057400" indent="-228600" defTabSz="1279525" eaLnBrk="0" hangingPunct="0">
+              <a:defRPr kumimoji="1" sz="1600">
+                <a:solidFill>
+                  <a:schemeClr val="tx1"/>
+                </a:solidFill>
+                <a:latin typeface="Times New Roman" panose="02020603050405020304" pitchFamily="18" charset="0"/>
+                <a:ea typeface="ＭＳ Ｐゴシック" panose="020B0600070205080204" pitchFamily="34" charset="-128"/>
+              </a:defRPr>
+            </a:lvl5pPr>
+            <a:lvl6pPr marL="2514600" indent="-228600" defTabSz="1279525" eaLnBrk="0" fontAlgn="base" hangingPunct="0">
+              <a:spcBef>
+                <a:spcPct val="0"/>
+              </a:spcBef>
+              <a:spcAft>
+                <a:spcPct val="0"/>
+              </a:spcAft>
+              <a:defRPr kumimoji="1" sz="1600">
+                <a:solidFill>
+                  <a:schemeClr val="tx1"/>
+                </a:solidFill>
+                <a:latin typeface="Times New Roman" panose="02020603050405020304" pitchFamily="18" charset="0"/>
+                <a:ea typeface="ＭＳ Ｐゴシック" panose="020B0600070205080204" pitchFamily="34" charset="-128"/>
+              </a:defRPr>
+            </a:lvl6pPr>
+            <a:lvl7pPr marL="2971800" indent="-228600" defTabSz="1279525" eaLnBrk="0" fontAlgn="base" hangingPunct="0">
+              <a:spcBef>
+                <a:spcPct val="0"/>
+              </a:spcBef>
+              <a:spcAft>
+                <a:spcPct val="0"/>
+              </a:spcAft>
+              <a:defRPr kumimoji="1" sz="1600">
+                <a:solidFill>
+                  <a:schemeClr val="tx1"/>
+                </a:solidFill>
+                <a:latin typeface="Times New Roman" panose="02020603050405020304" pitchFamily="18" charset="0"/>
+                <a:ea typeface="ＭＳ Ｐゴシック" panose="020B0600070205080204" pitchFamily="34" charset="-128"/>
+              </a:defRPr>
+            </a:lvl7pPr>
+            <a:lvl8pPr marL="3429000" indent="-228600" defTabSz="1279525" eaLnBrk="0" fontAlgn="base" hangingPunct="0">
+              <a:spcBef>
+                <a:spcPct val="0"/>
+              </a:spcBef>
+              <a:spcAft>
+                <a:spcPct val="0"/>
+              </a:spcAft>
+              <a:defRPr kumimoji="1" sz="1600">
+                <a:solidFill>
+                  <a:schemeClr val="tx1"/>
+                </a:solidFill>
+                <a:latin typeface="Times New Roman" panose="02020603050405020304" pitchFamily="18" charset="0"/>
+                <a:ea typeface="ＭＳ Ｐゴシック" panose="020B0600070205080204" pitchFamily="34" charset="-128"/>
+              </a:defRPr>
+            </a:lvl8pPr>
+            <a:lvl9pPr marL="3886200" indent="-228600" defTabSz="1279525" eaLnBrk="0" fontAlgn="base" hangingPunct="0">
+              <a:spcBef>
+                <a:spcPct val="0"/>
+              </a:spcBef>
+              <a:spcAft>
+                <a:spcPct val="0"/>
+              </a:spcAft>
+              <a:defRPr kumimoji="1" sz="1600">
+                <a:solidFill>
+                  <a:schemeClr val="tx1"/>
+                </a:solidFill>
+                <a:latin typeface="Times New Roman" panose="02020603050405020304" pitchFamily="18" charset="0"/>
+                <a:ea typeface="ＭＳ Ｐゴシック" panose="020B0600070205080204" pitchFamily="34" charset="-128"/>
+              </a:defRPr>
+            </a:lvl9pPr>
+          </a:lstStyle>
+          <a:p>
+            <a:pPr eaLnBrk="1" hangingPunct="1">
+              <a:lnSpc>
+                <a:spcPct val="80000"/>
+              </a:lnSpc>
+              <a:spcBef>
+                <a:spcPct val="20000"/>
+              </a:spcBef>
+            </a:pPr>
+            <a:r>
+              <a:rPr lang="ja-JP" altLang="en-US" sz="1947" b="1" dirty="0"/>
+              <a:t>チーム紹介、目標、意気込み</a:t>
+            </a:r>
+            <a:endParaRPr lang="ja-JP" altLang="en-US" dirty="0"/>
+          </a:p>
+          <a:p>
+            <a:pPr marL="0" indent="0"/>
+            <a:r>
+              <a:rPr lang="ja-JP" altLang="en-US" sz="1800" dirty="0">
+                <a:latin typeface="メイリオ" panose="020B0604030504040204" pitchFamily="50" charset="-128"/>
+                <a:ea typeface="メイリオ" panose="020B0604030504040204" pitchFamily="50" charset="-128"/>
+              </a:rPr>
+              <a:t>私達</a:t>
+            </a:r>
+            <a:r>
+              <a:rPr lang="en-US" altLang="ja-JP" sz="1800" dirty="0" err="1">
+                <a:latin typeface="メイリオ" panose="020B0604030504040204" pitchFamily="50" charset="-128"/>
+                <a:ea typeface="メイリオ" panose="020B0604030504040204" pitchFamily="50" charset="-128"/>
+              </a:rPr>
+              <a:t>teamNITIC</a:t>
+            </a:r>
+            <a:r>
+              <a:rPr lang="ja-JP" altLang="en-US" sz="1800" dirty="0">
+                <a:latin typeface="メイリオ" panose="020B0604030504040204" pitchFamily="50" charset="-128"/>
+                <a:ea typeface="メイリオ" panose="020B0604030504040204" pitchFamily="50" charset="-128"/>
+              </a:rPr>
+              <a:t>は一関高専の二年生一人、四年生一人、五年生六人で構成されており、一関高専としての参加は二年目ですが、メンバーは一新され、みなが初挑戦となる出場です。</a:t>
+            </a:r>
+          </a:p>
+          <a:p>
+            <a:pPr marL="0" indent="0"/>
+            <a:r>
+              <a:rPr lang="ja-JP" altLang="en-US" sz="1800" dirty="0">
+                <a:latin typeface="メイリオ" panose="020B0604030504040204" pitchFamily="50" charset="-128"/>
+                <a:ea typeface="メイリオ" panose="020B0604030504040204" pitchFamily="50" charset="-128"/>
+              </a:rPr>
+              <a:t>高専で学習したモデリングやプログラミングを用いコースの完走と課題のクリアを行い</a:t>
+            </a:r>
+            <a:r>
+              <a:rPr lang="en-US" altLang="ja-JP" sz="1800" dirty="0">
+                <a:latin typeface="メイリオ" panose="020B0604030504040204" pitchFamily="50" charset="-128"/>
+                <a:ea typeface="メイリオ" panose="020B0604030504040204" pitchFamily="50" charset="-128"/>
+              </a:rPr>
+              <a:t>CS</a:t>
+            </a:r>
+            <a:r>
+              <a:rPr lang="ja-JP" altLang="en-US" sz="1800" dirty="0">
+                <a:latin typeface="メイリオ" panose="020B0604030504040204" pitchFamily="50" charset="-128"/>
+                <a:ea typeface="メイリオ" panose="020B0604030504040204" pitchFamily="50" charset="-128"/>
+              </a:rPr>
+              <a:t>大会へ出場し、表彰台に立つことが目標です！</a:t>
+            </a:r>
+            <a:endParaRPr lang="en-US" altLang="ja-JP" sz="1800" dirty="0">
+              <a:latin typeface="メイリオ" panose="020B0604030504040204" pitchFamily="50" charset="-128"/>
+              <a:ea typeface="メイリオ" panose="020B0604030504040204" pitchFamily="50" charset="-128"/>
+            </a:endParaRPr>
+          </a:p>
+          <a:p>
+            <a:pPr marL="0" indent="0"/>
+            <a:endParaRPr lang="ja-JP" altLang="en-US" sz="1800" dirty="0">
+              <a:latin typeface="メイリオ" panose="020B0604030504040204" pitchFamily="50" charset="-128"/>
+              <a:ea typeface="メイリオ" panose="020B0604030504040204" pitchFamily="50" charset="-128"/>
+            </a:endParaRPr>
+          </a:p>
+          <a:p>
+            <a:pPr marL="0" indent="0"/>
+            <a:r>
+              <a:rPr lang="ja-JP" altLang="en-US" sz="1800" dirty="0">
+                <a:latin typeface="メイリオ" panose="020B0604030504040204" pitchFamily="50" charset="-128"/>
+                <a:ea typeface="メイリオ" panose="020B0604030504040204" pitchFamily="50" charset="-128"/>
+              </a:rPr>
+              <a:t>　試走会での走行の様子はコチラ！！</a:t>
+            </a:r>
+            <a:endParaRPr lang="en-US" altLang="ja-JP" sz="1800" dirty="0">
+              <a:latin typeface="メイリオ" panose="020B0604030504040204" pitchFamily="50" charset="-128"/>
+              <a:ea typeface="メイリオ" panose="020B0604030504040204" pitchFamily="50" charset="-128"/>
+            </a:endParaRPr>
+          </a:p>
+        </p:txBody>
+      </p:sp>
+      <p:sp>
+        <p:nvSpPr>
+          <p:cNvPr id="12" name="Rectangle 3">
+            <a:extLst>
+              <a:ext uri="{FF2B5EF4-FFF2-40B4-BE49-F238E27FC236}">
+                <a16:creationId xmlns:a16="http://schemas.microsoft.com/office/drawing/2014/main" id="{687A221C-737B-4A73-B53A-5BB71A1A9081}"/>
+              </a:ext>
+            </a:extLst>
+          </p:cNvPr>
+          <p:cNvSpPr>
+            <a:spLocks noChangeArrowheads="1"/>
+          </p:cNvSpPr>
+          <p:nvPr/>
+        </p:nvSpPr>
+        <p:spPr bwMode="auto">
+          <a:xfrm>
+            <a:off x="211738" y="5436692"/>
+            <a:ext cx="5973038" cy="3900412"/>
+          </a:xfrm>
+          <a:prstGeom prst="rect">
+            <a:avLst/>
+          </a:prstGeom>
+          <a:noFill/>
+          <a:ln w="9525">
+            <a:solidFill>
+              <a:schemeClr val="accent6">
+                <a:lumMod val="75000"/>
+              </a:schemeClr>
+            </a:solidFill>
+            <a:miter lim="800000"/>
+            <a:headEnd/>
+            <a:tailEnd/>
+          </a:ln>
+          <a:extLst>
+            <a:ext uri="{909E8E84-426E-40DD-AFC4-6F175D3DCCD1}">
+              <a14:hiddenFill xmlns:a14="http://schemas.microsoft.com/office/drawing/2010/main">
+                <a:solidFill>
+                  <a:srgbClr val="FFFFFF"/>
+                </a:solidFill>
+              </a14:hiddenFill>
+            </a:ext>
+          </a:extLst>
+        </p:spPr>
+        <p:txBody>
+          <a:bodyPr lIns="108376" tIns="54188" rIns="108376" bIns="54188"/>
+          <a:lstStyle>
+            <a:lvl1pPr marL="481013" indent="-481013" defTabSz="1279525" eaLnBrk="0" hangingPunct="0">
+              <a:defRPr kumimoji="1" sz="1600">
+                <a:solidFill>
+                  <a:schemeClr val="tx1"/>
+                </a:solidFill>
+                <a:latin typeface="Times New Roman" panose="02020603050405020304" pitchFamily="18" charset="0"/>
+                <a:ea typeface="ＭＳ Ｐゴシック" panose="020B0600070205080204" pitchFamily="34" charset="-128"/>
+              </a:defRPr>
+            </a:lvl1pPr>
+            <a:lvl2pPr marL="742950" indent="-285750" defTabSz="1279525" eaLnBrk="0" hangingPunct="0">
+              <a:defRPr kumimoji="1" sz="1600">
+                <a:solidFill>
+                  <a:schemeClr val="tx1"/>
+                </a:solidFill>
+                <a:latin typeface="Times New Roman" panose="02020603050405020304" pitchFamily="18" charset="0"/>
+                <a:ea typeface="ＭＳ Ｐゴシック" panose="020B0600070205080204" pitchFamily="34" charset="-128"/>
+              </a:defRPr>
+            </a:lvl2pPr>
+            <a:lvl3pPr marL="1143000" indent="-228600" defTabSz="1279525" eaLnBrk="0" hangingPunct="0">
+              <a:defRPr kumimoji="1" sz="1600">
+                <a:solidFill>
+                  <a:schemeClr val="tx1"/>
+                </a:solidFill>
+                <a:latin typeface="Times New Roman" panose="02020603050405020304" pitchFamily="18" charset="0"/>
+                <a:ea typeface="ＭＳ Ｐゴシック" panose="020B0600070205080204" pitchFamily="34" charset="-128"/>
+              </a:defRPr>
+            </a:lvl3pPr>
+            <a:lvl4pPr marL="1600200" indent="-228600" defTabSz="1279525" eaLnBrk="0" hangingPunct="0">
+              <a:defRPr kumimoji="1" sz="1600">
+                <a:solidFill>
+                  <a:schemeClr val="tx1"/>
+                </a:solidFill>
+                <a:latin typeface="Times New Roman" panose="02020603050405020304" pitchFamily="18" charset="0"/>
+                <a:ea typeface="ＭＳ Ｐゴシック" panose="020B0600070205080204" pitchFamily="34" charset="-128"/>
+              </a:defRPr>
+            </a:lvl4pPr>
+            <a:lvl5pPr marL="2057400" indent="-228600" defTabSz="1279525" eaLnBrk="0" hangingPunct="0">
+              <a:defRPr kumimoji="1" sz="1600">
+                <a:solidFill>
+                  <a:schemeClr val="tx1"/>
+                </a:solidFill>
+                <a:latin typeface="Times New Roman" panose="02020603050405020304" pitchFamily="18" charset="0"/>
+                <a:ea typeface="ＭＳ Ｐゴシック" panose="020B0600070205080204" pitchFamily="34" charset="-128"/>
+              </a:defRPr>
+            </a:lvl5pPr>
+            <a:lvl6pPr marL="2514600" indent="-228600" defTabSz="1279525" eaLnBrk="0" fontAlgn="base" hangingPunct="0">
+              <a:spcBef>
+                <a:spcPct val="0"/>
+              </a:spcBef>
+              <a:spcAft>
+                <a:spcPct val="0"/>
+              </a:spcAft>
+              <a:defRPr kumimoji="1" sz="1600">
+                <a:solidFill>
+                  <a:schemeClr val="tx1"/>
+                </a:solidFill>
+                <a:latin typeface="Times New Roman" panose="02020603050405020304" pitchFamily="18" charset="0"/>
+                <a:ea typeface="ＭＳ Ｐゴシック" panose="020B0600070205080204" pitchFamily="34" charset="-128"/>
+              </a:defRPr>
+            </a:lvl6pPr>
+            <a:lvl7pPr marL="2971800" indent="-228600" defTabSz="1279525" eaLnBrk="0" fontAlgn="base" hangingPunct="0">
+              <a:spcBef>
+                <a:spcPct val="0"/>
+              </a:spcBef>
+              <a:spcAft>
+                <a:spcPct val="0"/>
+              </a:spcAft>
+              <a:defRPr kumimoji="1" sz="1600">
+                <a:solidFill>
+                  <a:schemeClr val="tx1"/>
+                </a:solidFill>
+                <a:latin typeface="Times New Roman" panose="02020603050405020304" pitchFamily="18" charset="0"/>
+                <a:ea typeface="ＭＳ Ｐゴシック" panose="020B0600070205080204" pitchFamily="34" charset="-128"/>
+              </a:defRPr>
+            </a:lvl7pPr>
+            <a:lvl8pPr marL="3429000" indent="-228600" defTabSz="1279525" eaLnBrk="0" fontAlgn="base" hangingPunct="0">
+              <a:spcBef>
+                <a:spcPct val="0"/>
+              </a:spcBef>
+              <a:spcAft>
+                <a:spcPct val="0"/>
+              </a:spcAft>
+              <a:defRPr kumimoji="1" sz="1600">
+                <a:solidFill>
+                  <a:schemeClr val="tx1"/>
+                </a:solidFill>
+                <a:latin typeface="Times New Roman" panose="02020603050405020304" pitchFamily="18" charset="0"/>
+                <a:ea typeface="ＭＳ Ｐゴシック" panose="020B0600070205080204" pitchFamily="34" charset="-128"/>
+              </a:defRPr>
+            </a:lvl8pPr>
+            <a:lvl9pPr marL="3886200" indent="-228600" defTabSz="1279525" eaLnBrk="0" fontAlgn="base" hangingPunct="0">
+              <a:spcBef>
+                <a:spcPct val="0"/>
+              </a:spcBef>
+              <a:spcAft>
+                <a:spcPct val="0"/>
+              </a:spcAft>
+              <a:defRPr kumimoji="1" sz="1600">
+                <a:solidFill>
+                  <a:schemeClr val="tx1"/>
+                </a:solidFill>
+                <a:latin typeface="Times New Roman" panose="02020603050405020304" pitchFamily="18" charset="0"/>
+                <a:ea typeface="ＭＳ Ｐゴシック" panose="020B0600070205080204" pitchFamily="34" charset="-128"/>
+              </a:defRPr>
+            </a:lvl9pPr>
+          </a:lstStyle>
+          <a:p>
+            <a:pPr marL="0" indent="0" defTabSz="774222" eaLnBrk="1" hangingPunct="1">
+              <a:lnSpc>
+                <a:spcPct val="80000"/>
+              </a:lnSpc>
+              <a:spcBef>
+                <a:spcPct val="20000"/>
+              </a:spcBef>
+            </a:pPr>
+            <a:endParaRPr lang="en-US" altLang="ja-JP" sz="1947" b="1" dirty="0">
+              <a:solidFill>
+                <a:srgbClr val="FF0000"/>
+              </a:solidFill>
+            </a:endParaRPr>
+          </a:p>
+          <a:p>
+            <a:pPr marL="0" indent="0" eaLnBrk="1" hangingPunct="1">
+              <a:lnSpc>
+                <a:spcPct val="80000"/>
+              </a:lnSpc>
+              <a:spcBef>
+                <a:spcPts val="600"/>
+              </a:spcBef>
+            </a:pPr>
+            <a:endParaRPr lang="ja-JP" altLang="en-US" sz="1800" b="1" dirty="0">
+              <a:latin typeface="+mn-ea"/>
+              <a:ea typeface="+mn-ea"/>
+            </a:endParaRPr>
+          </a:p>
+          <a:p>
+            <a:pPr marL="0" indent="0" eaLnBrk="1" hangingPunct="1">
+              <a:lnSpc>
+                <a:spcPct val="80000"/>
+              </a:lnSpc>
+              <a:spcBef>
+                <a:spcPts val="600"/>
+              </a:spcBef>
+            </a:pPr>
+            <a:endParaRPr lang="ja-JP" altLang="en-US" dirty="0">
+              <a:latin typeface="HG丸ｺﾞｼｯｸM-PRO" panose="020F0600000000000000" pitchFamily="50" charset="-128"/>
+              <a:ea typeface="HG丸ｺﾞｼｯｸM-PRO" panose="020F0600000000000000" pitchFamily="50" charset="-128"/>
+            </a:endParaRPr>
+          </a:p>
+          <a:p>
+            <a:pPr marL="0" indent="0" eaLnBrk="1" hangingPunct="1">
+              <a:lnSpc>
+                <a:spcPct val="80000"/>
+              </a:lnSpc>
+              <a:spcBef>
+                <a:spcPct val="20000"/>
+              </a:spcBef>
+            </a:pPr>
+            <a:endParaRPr lang="en-US" altLang="ja-JP" sz="1800" dirty="0">
+              <a:latin typeface="HG丸ｺﾞｼｯｸM-PRO" panose="020F0600000000000000" pitchFamily="50" charset="-128"/>
+              <a:ea typeface="HG丸ｺﾞｼｯｸM-PRO" panose="020F0600000000000000" pitchFamily="50" charset="-128"/>
+            </a:endParaRPr>
+          </a:p>
+          <a:p>
+            <a:pPr marL="0" indent="0" eaLnBrk="1" hangingPunct="1">
+              <a:lnSpc>
+                <a:spcPct val="80000"/>
+              </a:lnSpc>
+              <a:spcBef>
+                <a:spcPct val="20000"/>
+              </a:spcBef>
+            </a:pPr>
+            <a:endParaRPr lang="en-US" altLang="ja-JP" sz="1800" dirty="0">
+              <a:latin typeface="HG丸ｺﾞｼｯｸM-PRO" panose="020F0600000000000000" pitchFamily="50" charset="-128"/>
+              <a:ea typeface="HG丸ｺﾞｼｯｸM-PRO" panose="020F0600000000000000" pitchFamily="50" charset="-128"/>
+            </a:endParaRPr>
+          </a:p>
+        </p:txBody>
+      </p:sp>
+      <p:sp>
+        <p:nvSpPr>
+          <p:cNvPr id="2" name="正方形/長方形 1">
+            <a:extLst>
+              <a:ext uri="{FF2B5EF4-FFF2-40B4-BE49-F238E27FC236}">
+                <a16:creationId xmlns:a16="http://schemas.microsoft.com/office/drawing/2014/main" id="{604D4499-82CE-4191-BC05-16AC50D22EBD}"/>
+              </a:ext>
+            </a:extLst>
+          </p:cNvPr>
+          <p:cNvSpPr/>
+          <p:nvPr/>
+        </p:nvSpPr>
+        <p:spPr>
+          <a:xfrm>
+            <a:off x="309800" y="6334578"/>
+            <a:ext cx="5832648" cy="498598"/>
+          </a:xfrm>
+          <a:prstGeom prst="rect">
+            <a:avLst/>
+          </a:prstGeom>
+        </p:spPr>
+        <p:txBody>
+          <a:bodyPr wrap="square">
+            <a:spAutoFit/>
+          </a:bodyPr>
+          <a:lstStyle/>
+          <a:p>
+            <a:pPr marL="0" indent="0" defTabSz="774222" eaLnBrk="1" hangingPunct="1">
+              <a:lnSpc>
+                <a:spcPct val="80000"/>
+              </a:lnSpc>
+              <a:spcBef>
+                <a:spcPct val="20000"/>
+              </a:spcBef>
+            </a:pPr>
+            <a:r>
+              <a:rPr lang="ja-JP" altLang="en-US" b="1" dirty="0">
+                <a:latin typeface="メイリオ" panose="020B0604030504040204" pitchFamily="50" charset="-128"/>
+                <a:ea typeface="メイリオ" panose="020B0604030504040204" pitchFamily="50" charset="-128"/>
+              </a:rPr>
+              <a:t>「コースを完走する」という課題を、</a:t>
+            </a:r>
+            <a:r>
+              <a:rPr lang="ja-JP" altLang="en-US" b="1" dirty="0">
+                <a:solidFill>
+                  <a:srgbClr val="FF0000"/>
+                </a:solidFill>
+                <a:latin typeface="メイリオ" panose="020B0604030504040204" pitchFamily="50" charset="-128"/>
+                <a:ea typeface="メイリオ" panose="020B0604030504040204" pitchFamily="50" charset="-128"/>
+              </a:rPr>
+              <a:t>スタート動作を終えてからゴールゲートを通過するまでの動作</a:t>
+            </a:r>
+            <a:r>
+              <a:rPr lang="ja-JP" altLang="en-US" b="1" dirty="0">
+                <a:latin typeface="メイリオ" panose="020B0604030504040204" pitchFamily="50" charset="-128"/>
+                <a:ea typeface="メイリオ" panose="020B0604030504040204" pitchFamily="50" charset="-128"/>
+              </a:rPr>
+              <a:t>と定義</a:t>
+            </a:r>
+            <a:endParaRPr lang="en-US" altLang="ja-JP" b="1" dirty="0">
+              <a:latin typeface="メイリオ" panose="020B0604030504040204" pitchFamily="50" charset="-128"/>
+              <a:ea typeface="メイリオ" panose="020B0604030504040204" pitchFamily="50" charset="-128"/>
+            </a:endParaRPr>
+          </a:p>
+        </p:txBody>
+      </p:sp>
+      <p:grpSp>
+        <p:nvGrpSpPr>
+          <p:cNvPr id="6" name="グループ化 5">
+            <a:extLst>
+              <a:ext uri="{FF2B5EF4-FFF2-40B4-BE49-F238E27FC236}">
+                <a16:creationId xmlns:a16="http://schemas.microsoft.com/office/drawing/2014/main" id="{0802A9C1-110C-4710-A5A7-9B057F0052B5}"/>
+              </a:ext>
+            </a:extLst>
+          </p:cNvPr>
+          <p:cNvGrpSpPr/>
+          <p:nvPr/>
+        </p:nvGrpSpPr>
+        <p:grpSpPr>
+          <a:xfrm>
+            <a:off x="2658963" y="5600402"/>
+            <a:ext cx="3070995" cy="448134"/>
+            <a:chOff x="2714865" y="5664696"/>
+            <a:chExt cx="2951608" cy="345117"/>
+          </a:xfrm>
+        </p:grpSpPr>
+        <p:sp>
+          <p:nvSpPr>
+            <p:cNvPr id="4" name="テキスト ボックス 3">
+              <a:extLst>
+                <a:ext uri="{FF2B5EF4-FFF2-40B4-BE49-F238E27FC236}">
+                  <a16:creationId xmlns:a16="http://schemas.microsoft.com/office/drawing/2014/main" id="{25416A9C-FE92-4D0E-A4B9-D066EA753481}"/>
+                </a:ext>
+              </a:extLst>
+            </p:cNvPr>
+            <p:cNvSpPr txBox="1"/>
+            <p:nvPr/>
+          </p:nvSpPr>
+          <p:spPr>
+            <a:xfrm>
+              <a:off x="2737287" y="5692253"/>
+              <a:ext cx="2906762" cy="284430"/>
+            </a:xfrm>
+            <a:prstGeom prst="rect">
+              <a:avLst/>
+            </a:prstGeom>
+            <a:noFill/>
+            <a:ln>
+              <a:noFill/>
+            </a:ln>
+          </p:spPr>
+          <p:txBody>
+            <a:bodyPr wrap="square" rtlCol="0">
+              <a:spAutoFit/>
+            </a:bodyPr>
+            <a:lstStyle/>
+            <a:p>
+              <a:r>
+                <a:rPr kumimoji="1" lang="ja-JP" altLang="en-US" sz="1800" b="1" dirty="0"/>
+                <a:t>選択課題 </a:t>
+              </a:r>
+              <a:r>
+                <a:rPr kumimoji="1" lang="en-US" altLang="ja-JP" sz="1800" b="1" dirty="0"/>
+                <a:t>: </a:t>
+              </a:r>
+              <a:r>
+                <a:rPr kumimoji="1" lang="ja-JP" altLang="en-US" sz="1800" b="1" dirty="0"/>
+                <a:t>コースを完走する</a:t>
+              </a:r>
+            </a:p>
+          </p:txBody>
+        </p:sp>
+        <p:sp>
+          <p:nvSpPr>
+            <p:cNvPr id="5" name="正方形/長方形 4">
+              <a:extLst>
+                <a:ext uri="{FF2B5EF4-FFF2-40B4-BE49-F238E27FC236}">
+                  <a16:creationId xmlns:a16="http://schemas.microsoft.com/office/drawing/2014/main" id="{554FD473-334F-4FAB-9042-47501960E79A}"/>
+                </a:ext>
+              </a:extLst>
+            </p:cNvPr>
+            <p:cNvSpPr/>
+            <p:nvPr/>
+          </p:nvSpPr>
+          <p:spPr>
+            <a:xfrm>
+              <a:off x="2714865" y="5664696"/>
+              <a:ext cx="2951608" cy="345117"/>
+            </a:xfrm>
+            <a:prstGeom prst="rect">
+              <a:avLst/>
+            </a:prstGeom>
+            <a:noFill/>
+            <a:ln w="57150">
+              <a:solidFill>
+                <a:srgbClr val="00B050"/>
+              </a:solidFill>
+            </a:ln>
+          </p:spPr>
+          <p:style>
+            <a:lnRef idx="2">
+              <a:schemeClr val="accent1">
+                <a:shade val="50000"/>
+              </a:schemeClr>
+            </a:lnRef>
+            <a:fillRef idx="1">
+              <a:schemeClr val="accent1"/>
+            </a:fillRef>
+            <a:effectRef idx="0">
+              <a:schemeClr val="accent1"/>
+            </a:effectRef>
+            <a:fontRef idx="minor">
+              <a:schemeClr val="lt1"/>
+            </a:fontRef>
+          </p:style>
+          <p:txBody>
+            <a:bodyPr rtlCol="0" anchor="ctr"/>
+            <a:lstStyle/>
+            <a:p>
+              <a:pPr algn="ctr"/>
+              <a:endParaRPr kumimoji="1" lang="ja-JP" altLang="en-US"/>
+            </a:p>
+          </p:txBody>
+        </p:sp>
+      </p:grpSp>
+      <p:sp>
+        <p:nvSpPr>
+          <p:cNvPr id="7" name="テキスト ボックス 6">
+            <a:extLst>
+              <a:ext uri="{FF2B5EF4-FFF2-40B4-BE49-F238E27FC236}">
+                <a16:creationId xmlns:a16="http://schemas.microsoft.com/office/drawing/2014/main" id="{133D4F5A-5099-4B55-BBDC-63DD19187768}"/>
+              </a:ext>
+            </a:extLst>
+          </p:cNvPr>
+          <p:cNvSpPr txBox="1"/>
+          <p:nvPr/>
+        </p:nvSpPr>
+        <p:spPr>
+          <a:xfrm>
+            <a:off x="539429" y="7884292"/>
+            <a:ext cx="5010488" cy="547842"/>
+          </a:xfrm>
+          <a:prstGeom prst="rect">
+            <a:avLst/>
+          </a:prstGeom>
+          <a:noFill/>
+        </p:spPr>
+        <p:txBody>
+          <a:bodyPr wrap="square" rtlCol="0">
+            <a:spAutoFit/>
+          </a:bodyPr>
+          <a:lstStyle/>
+          <a:p>
+            <a:pPr marL="0" indent="0" defTabSz="774222" eaLnBrk="1" hangingPunct="1">
+              <a:lnSpc>
+                <a:spcPct val="80000"/>
+              </a:lnSpc>
+              <a:spcBef>
+                <a:spcPct val="20000"/>
+              </a:spcBef>
+            </a:pPr>
+            <a:r>
+              <a:rPr lang="ja-JP" altLang="en-US" b="1" dirty="0">
+                <a:latin typeface="メイリオ" panose="020B0604030504040204" pitchFamily="50" charset="-128"/>
+                <a:ea typeface="メイリオ" panose="020B0604030504040204" pitchFamily="50" charset="-128"/>
+              </a:rPr>
+              <a:t>今年のコースは昨年のものと比べてカーブが多く、</a:t>
+            </a:r>
+            <a:endParaRPr lang="en-US" altLang="ja-JP" b="1" dirty="0">
+              <a:latin typeface="メイリオ" panose="020B0604030504040204" pitchFamily="50" charset="-128"/>
+              <a:ea typeface="メイリオ" panose="020B0604030504040204" pitchFamily="50" charset="-128"/>
+            </a:endParaRPr>
+          </a:p>
+          <a:p>
+            <a:pPr marL="0" indent="0" defTabSz="774222" eaLnBrk="1" hangingPunct="1">
+              <a:lnSpc>
+                <a:spcPct val="80000"/>
+              </a:lnSpc>
+              <a:spcBef>
+                <a:spcPct val="20000"/>
+              </a:spcBef>
+            </a:pPr>
+            <a:r>
+              <a:rPr lang="ja-JP" altLang="en-US" b="1" dirty="0">
+                <a:latin typeface="メイリオ" panose="020B0604030504040204" pitchFamily="50" charset="-128"/>
+                <a:ea typeface="メイリオ" panose="020B0604030504040204" pitchFamily="50" charset="-128"/>
+              </a:rPr>
+              <a:t>それぞれ曲率も異なる</a:t>
+            </a:r>
+            <a:endParaRPr lang="ja-JP" altLang="en-US" sz="1400" b="1" dirty="0">
+              <a:latin typeface="メイリオ" panose="020B0604030504040204" pitchFamily="50" charset="-128"/>
+              <a:ea typeface="メイリオ" panose="020B0604030504040204" pitchFamily="50" charset="-128"/>
+            </a:endParaRPr>
+          </a:p>
+        </p:txBody>
+      </p:sp>
+      <p:sp>
+        <p:nvSpPr>
+          <p:cNvPr id="19" name="正方形/長方形 18">
+            <a:extLst>
+              <a:ext uri="{FF2B5EF4-FFF2-40B4-BE49-F238E27FC236}">
+                <a16:creationId xmlns:a16="http://schemas.microsoft.com/office/drawing/2014/main" id="{93D67B7B-C672-4A57-97EE-966943DE5F10}"/>
+              </a:ext>
+            </a:extLst>
+          </p:cNvPr>
+          <p:cNvSpPr/>
+          <p:nvPr/>
+        </p:nvSpPr>
+        <p:spPr>
+          <a:xfrm>
+            <a:off x="6405285" y="2144813"/>
+            <a:ext cx="6189062" cy="6895734"/>
+          </a:xfrm>
+          <a:prstGeom prst="rect">
+            <a:avLst/>
+          </a:prstGeom>
+        </p:spPr>
+        <p:txBody>
+          <a:bodyPr wrap="square">
+            <a:spAutoFit/>
+          </a:bodyPr>
+          <a:lstStyle/>
+          <a:p>
+            <a:pPr lvl="0">
+              <a:lnSpc>
+                <a:spcPct val="80000"/>
+              </a:lnSpc>
+              <a:spcBef>
+                <a:spcPts val="600"/>
+              </a:spcBef>
+            </a:pPr>
+            <a:endParaRPr lang="ja-JP" altLang="en-US" sz="1800" dirty="0">
+              <a:solidFill>
+                <a:prstClr val="black"/>
+              </a:solidFill>
+              <a:latin typeface="メイリオ" panose="020B0604030504040204" pitchFamily="50" charset="-128"/>
+              <a:ea typeface="メイリオ" panose="020B0604030504040204" pitchFamily="50" charset="-128"/>
+            </a:endParaRPr>
+          </a:p>
+          <a:p>
+            <a:pPr lvl="0">
+              <a:lnSpc>
+                <a:spcPct val="80000"/>
+              </a:lnSpc>
+              <a:spcBef>
+                <a:spcPts val="600"/>
+              </a:spcBef>
+            </a:pPr>
+            <a:r>
+              <a:rPr lang="en-US" altLang="ja-JP" sz="1800" b="1" dirty="0">
+                <a:solidFill>
+                  <a:prstClr val="black"/>
+                </a:solidFill>
+                <a:latin typeface="メイリオ" panose="020B0604030504040204" pitchFamily="50" charset="-128"/>
+                <a:ea typeface="メイリオ" panose="020B0604030504040204" pitchFamily="50" charset="-128"/>
+              </a:rPr>
+              <a:t>【</a:t>
+            </a:r>
+            <a:r>
+              <a:rPr lang="ja-JP" altLang="en-US" sz="1800" b="1" dirty="0">
+                <a:solidFill>
+                  <a:prstClr val="black"/>
+                </a:solidFill>
+                <a:latin typeface="メイリオ" panose="020B0604030504040204" pitchFamily="50" charset="-128"/>
+                <a:ea typeface="メイリオ" panose="020B0604030504040204" pitchFamily="50" charset="-128"/>
+              </a:rPr>
+              <a:t>機能モデル</a:t>
+            </a:r>
+            <a:r>
+              <a:rPr lang="en-US" altLang="ja-JP" sz="1800" b="1" dirty="0">
+                <a:solidFill>
+                  <a:prstClr val="black"/>
+                </a:solidFill>
+                <a:latin typeface="メイリオ" panose="020B0604030504040204" pitchFamily="50" charset="-128"/>
+                <a:ea typeface="メイリオ" panose="020B0604030504040204" pitchFamily="50" charset="-128"/>
+              </a:rPr>
+              <a:t>】</a:t>
+            </a:r>
+          </a:p>
+          <a:p>
+            <a:pPr lvl="0">
+              <a:lnSpc>
+                <a:spcPct val="80000"/>
+              </a:lnSpc>
+              <a:spcBef>
+                <a:spcPts val="600"/>
+              </a:spcBef>
+            </a:pPr>
+            <a:r>
+              <a:rPr lang="ja-JP" altLang="en-US" sz="1800" dirty="0">
+                <a:solidFill>
+                  <a:prstClr val="black"/>
+                </a:solidFill>
+                <a:latin typeface="メイリオ" panose="020B0604030504040204" pitchFamily="50" charset="-128"/>
+                <a:ea typeface="メイリオ" panose="020B0604030504040204" pitchFamily="50" charset="-128"/>
+              </a:rPr>
+              <a:t>・「コースを完走する」という課題をクリアするために必</a:t>
+            </a:r>
+            <a:endParaRPr lang="en-US" altLang="ja-JP" sz="1800" dirty="0">
+              <a:solidFill>
+                <a:prstClr val="black"/>
+              </a:solidFill>
+              <a:latin typeface="メイリオ" panose="020B0604030504040204" pitchFamily="50" charset="-128"/>
+              <a:ea typeface="メイリオ" panose="020B0604030504040204" pitchFamily="50" charset="-128"/>
+            </a:endParaRPr>
+          </a:p>
+          <a:p>
+            <a:pPr lvl="0">
+              <a:lnSpc>
+                <a:spcPct val="80000"/>
+              </a:lnSpc>
+              <a:spcBef>
+                <a:spcPts val="600"/>
+              </a:spcBef>
+            </a:pPr>
+            <a:r>
+              <a:rPr lang="ja-JP" altLang="en-US" sz="1800" dirty="0">
+                <a:solidFill>
+                  <a:prstClr val="black"/>
+                </a:solidFill>
+                <a:latin typeface="メイリオ" panose="020B0604030504040204" pitchFamily="50" charset="-128"/>
+                <a:ea typeface="メイリオ" panose="020B0604030504040204" pitchFamily="50" charset="-128"/>
+              </a:rPr>
+              <a:t>　要な機能をアクティビティ図に示した。</a:t>
+            </a:r>
+            <a:endParaRPr lang="en-US" altLang="ja-JP" sz="1800" dirty="0">
+              <a:solidFill>
+                <a:prstClr val="black"/>
+              </a:solidFill>
+              <a:latin typeface="メイリオ" panose="020B0604030504040204" pitchFamily="50" charset="-128"/>
+              <a:ea typeface="メイリオ" panose="020B0604030504040204" pitchFamily="50" charset="-128"/>
+            </a:endParaRPr>
+          </a:p>
+          <a:p>
+            <a:pPr lvl="0">
+              <a:lnSpc>
+                <a:spcPct val="80000"/>
+              </a:lnSpc>
+              <a:spcBef>
+                <a:spcPts val="600"/>
+              </a:spcBef>
+            </a:pPr>
+            <a:r>
+              <a:rPr lang="ja-JP" altLang="en-US" sz="1800" dirty="0">
+                <a:solidFill>
+                  <a:prstClr val="black"/>
+                </a:solidFill>
+                <a:latin typeface="メイリオ" panose="020B0604030504040204" pitchFamily="50" charset="-128"/>
+                <a:ea typeface="メイリオ" panose="020B0604030504040204" pitchFamily="50" charset="-128"/>
+              </a:rPr>
+              <a:t>・その機能を実現するために必要な部品を定義した。</a:t>
+            </a:r>
+            <a:endParaRPr lang="en-US" altLang="ja-JP" sz="1800" dirty="0">
+              <a:solidFill>
+                <a:prstClr val="black"/>
+              </a:solidFill>
+              <a:latin typeface="メイリオ" panose="020B0604030504040204" pitchFamily="50" charset="-128"/>
+              <a:ea typeface="メイリオ" panose="020B0604030504040204" pitchFamily="50" charset="-128"/>
+            </a:endParaRPr>
+          </a:p>
+          <a:p>
+            <a:pPr lvl="0">
+              <a:lnSpc>
+                <a:spcPct val="80000"/>
+              </a:lnSpc>
+              <a:spcBef>
+                <a:spcPts val="600"/>
+              </a:spcBef>
+            </a:pPr>
+            <a:r>
+              <a:rPr lang="ja-JP" altLang="en-US" sz="1800" dirty="0">
+                <a:solidFill>
+                  <a:prstClr val="black"/>
+                </a:solidFill>
+                <a:latin typeface="メイリオ" panose="020B0604030504040204" pitchFamily="50" charset="-128"/>
+                <a:ea typeface="メイリオ" panose="020B0604030504040204" pitchFamily="50" charset="-128"/>
+              </a:rPr>
+              <a:t>・走行体のなかで起動しているタスクについて表に示した。</a:t>
+            </a:r>
+            <a:endParaRPr lang="en-US" altLang="ja-JP" sz="1800" dirty="0">
+              <a:solidFill>
+                <a:prstClr val="black"/>
+              </a:solidFill>
+              <a:latin typeface="メイリオ" panose="020B0604030504040204" pitchFamily="50" charset="-128"/>
+              <a:ea typeface="メイリオ" panose="020B0604030504040204" pitchFamily="50" charset="-128"/>
+            </a:endParaRPr>
+          </a:p>
+          <a:p>
+            <a:pPr lvl="0">
+              <a:lnSpc>
+                <a:spcPct val="80000"/>
+              </a:lnSpc>
+              <a:spcBef>
+                <a:spcPts val="600"/>
+              </a:spcBef>
+            </a:pPr>
+            <a:r>
+              <a:rPr lang="ja-JP" altLang="en-US" sz="1800" dirty="0">
+                <a:solidFill>
+                  <a:prstClr val="black"/>
+                </a:solidFill>
+                <a:latin typeface="メイリオ" panose="020B0604030504040204" pitchFamily="50" charset="-128"/>
+                <a:ea typeface="メイリオ" panose="020B0604030504040204" pitchFamily="50" charset="-128"/>
+              </a:rPr>
+              <a:t>・コースを分割するにあたって、具体的なコースの分類と、</a:t>
+            </a:r>
+            <a:endParaRPr lang="en-US" altLang="ja-JP" sz="1800" dirty="0">
+              <a:solidFill>
+                <a:prstClr val="black"/>
+              </a:solidFill>
+              <a:latin typeface="メイリオ" panose="020B0604030504040204" pitchFamily="50" charset="-128"/>
+              <a:ea typeface="メイリオ" panose="020B0604030504040204" pitchFamily="50" charset="-128"/>
+            </a:endParaRPr>
+          </a:p>
+          <a:p>
+            <a:pPr lvl="0">
+              <a:lnSpc>
+                <a:spcPct val="80000"/>
+              </a:lnSpc>
+              <a:spcBef>
+                <a:spcPts val="600"/>
+              </a:spcBef>
+            </a:pPr>
+            <a:r>
+              <a:rPr lang="ja-JP" altLang="en-US" sz="1800" dirty="0">
+                <a:solidFill>
+                  <a:prstClr val="black"/>
+                </a:solidFill>
+                <a:latin typeface="メイリオ" panose="020B0604030504040204" pitchFamily="50" charset="-128"/>
+                <a:ea typeface="メイリオ" panose="020B0604030504040204" pitchFamily="50" charset="-128"/>
+              </a:rPr>
+              <a:t>　各区間の制御量を示した。</a:t>
+            </a:r>
+          </a:p>
+          <a:p>
+            <a:pPr lvl="0">
+              <a:lnSpc>
+                <a:spcPct val="80000"/>
+              </a:lnSpc>
+              <a:spcBef>
+                <a:spcPts val="600"/>
+              </a:spcBef>
+            </a:pPr>
+            <a:r>
+              <a:rPr lang="en-US" altLang="ja-JP" sz="1800" b="1" dirty="0">
+                <a:solidFill>
+                  <a:prstClr val="black"/>
+                </a:solidFill>
+                <a:latin typeface="メイリオ" panose="020B0604030504040204" pitchFamily="50" charset="-128"/>
+                <a:ea typeface="メイリオ" panose="020B0604030504040204" pitchFamily="50" charset="-128"/>
+              </a:rPr>
+              <a:t>【</a:t>
+            </a:r>
+            <a:r>
+              <a:rPr lang="ja-JP" altLang="en-US" sz="1800" b="1" dirty="0">
+                <a:solidFill>
+                  <a:prstClr val="black"/>
+                </a:solidFill>
+                <a:latin typeface="メイリオ" panose="020B0604030504040204" pitchFamily="50" charset="-128"/>
+                <a:ea typeface="メイリオ" panose="020B0604030504040204" pitchFamily="50" charset="-128"/>
+              </a:rPr>
+              <a:t>構造モデル</a:t>
+            </a:r>
+            <a:r>
+              <a:rPr lang="en-US" altLang="ja-JP" sz="1800" b="1" dirty="0">
+                <a:solidFill>
+                  <a:prstClr val="black"/>
+                </a:solidFill>
+                <a:latin typeface="メイリオ" panose="020B0604030504040204" pitchFamily="50" charset="-128"/>
+                <a:ea typeface="メイリオ" panose="020B0604030504040204" pitchFamily="50" charset="-128"/>
+              </a:rPr>
+              <a:t>】</a:t>
+            </a:r>
+            <a:endParaRPr lang="en-US" altLang="ja-JP" sz="1800" dirty="0">
+              <a:solidFill>
+                <a:prstClr val="black"/>
+              </a:solidFill>
+              <a:latin typeface="メイリオ" panose="020B0604030504040204" pitchFamily="50" charset="-128"/>
+              <a:ea typeface="メイリオ" panose="020B0604030504040204" pitchFamily="50" charset="-128"/>
+            </a:endParaRPr>
+          </a:p>
+          <a:p>
+            <a:pPr lvl="0">
+              <a:lnSpc>
+                <a:spcPct val="80000"/>
+              </a:lnSpc>
+              <a:spcBef>
+                <a:spcPts val="600"/>
+              </a:spcBef>
+            </a:pPr>
+            <a:r>
+              <a:rPr lang="ja-JP" altLang="en-US" sz="1800" dirty="0">
+                <a:solidFill>
+                  <a:prstClr val="black"/>
+                </a:solidFill>
+                <a:latin typeface="メイリオ" panose="020B0604030504040204" pitchFamily="50" charset="-128"/>
+                <a:ea typeface="メイリオ" panose="020B0604030504040204" pitchFamily="50" charset="-128"/>
+              </a:rPr>
+              <a:t>・役割に応じてパッケージ分けを行った。</a:t>
+            </a:r>
+            <a:endParaRPr lang="en-US" altLang="ja-JP" sz="1800" dirty="0">
+              <a:solidFill>
+                <a:prstClr val="black"/>
+              </a:solidFill>
+              <a:latin typeface="メイリオ" panose="020B0604030504040204" pitchFamily="50" charset="-128"/>
+              <a:ea typeface="メイリオ" panose="020B0604030504040204" pitchFamily="50" charset="-128"/>
+            </a:endParaRPr>
+          </a:p>
+          <a:p>
+            <a:pPr lvl="0">
+              <a:lnSpc>
+                <a:spcPct val="80000"/>
+              </a:lnSpc>
+              <a:spcBef>
+                <a:spcPts val="600"/>
+              </a:spcBef>
+            </a:pPr>
+            <a:r>
+              <a:rPr lang="ja-JP" altLang="en-US" sz="1800" dirty="0">
+                <a:solidFill>
+                  <a:prstClr val="black"/>
+                </a:solidFill>
+                <a:latin typeface="メイリオ" panose="020B0604030504040204" pitchFamily="50" charset="-128"/>
+                <a:ea typeface="メイリオ" panose="020B0604030504040204" pitchFamily="50" charset="-128"/>
+              </a:rPr>
+              <a:t>・パッケージ構造の矢印は関連の内容を表している。</a:t>
+            </a:r>
+            <a:endParaRPr lang="en-US" altLang="ja-JP" sz="1800" dirty="0">
+              <a:solidFill>
+                <a:prstClr val="black"/>
+              </a:solidFill>
+              <a:latin typeface="メイリオ" panose="020B0604030504040204" pitchFamily="50" charset="-128"/>
+              <a:ea typeface="メイリオ" panose="020B0604030504040204" pitchFamily="50" charset="-128"/>
+            </a:endParaRPr>
+          </a:p>
+          <a:p>
+            <a:pPr lvl="0">
+              <a:lnSpc>
+                <a:spcPct val="80000"/>
+              </a:lnSpc>
+              <a:spcBef>
+                <a:spcPts val="600"/>
+              </a:spcBef>
+            </a:pPr>
+            <a:r>
+              <a:rPr lang="ja-JP" altLang="en-US" sz="1800" dirty="0">
+                <a:solidFill>
+                  <a:prstClr val="black"/>
+                </a:solidFill>
+                <a:latin typeface="メイリオ" panose="020B0604030504040204" pitchFamily="50" charset="-128"/>
+                <a:ea typeface="メイリオ" panose="020B0604030504040204" pitchFamily="50" charset="-128"/>
+              </a:rPr>
+              <a:t>・インデックスはクラス図内にノートで定義した。</a:t>
+            </a:r>
+          </a:p>
+          <a:p>
+            <a:pPr lvl="0">
+              <a:lnSpc>
+                <a:spcPct val="80000"/>
+              </a:lnSpc>
+              <a:spcBef>
+                <a:spcPts val="600"/>
+              </a:spcBef>
+            </a:pPr>
+            <a:r>
+              <a:rPr lang="en-US" altLang="ja-JP" sz="1800" b="1" dirty="0">
+                <a:solidFill>
+                  <a:prstClr val="black"/>
+                </a:solidFill>
+                <a:latin typeface="メイリオ" panose="020B0604030504040204" pitchFamily="50" charset="-128"/>
+                <a:ea typeface="メイリオ" panose="020B0604030504040204" pitchFamily="50" charset="-128"/>
+              </a:rPr>
+              <a:t>【</a:t>
+            </a:r>
+            <a:r>
+              <a:rPr lang="ja-JP" altLang="en-US" sz="1800" b="1" dirty="0">
+                <a:solidFill>
+                  <a:prstClr val="black"/>
+                </a:solidFill>
+                <a:latin typeface="メイリオ" panose="020B0604030504040204" pitchFamily="50" charset="-128"/>
+                <a:ea typeface="メイリオ" panose="020B0604030504040204" pitchFamily="50" charset="-128"/>
+              </a:rPr>
+              <a:t>振る舞いモデル</a:t>
+            </a:r>
+            <a:r>
+              <a:rPr lang="en-US" altLang="ja-JP" sz="1800" b="1" dirty="0">
+                <a:solidFill>
+                  <a:prstClr val="black"/>
+                </a:solidFill>
+                <a:latin typeface="メイリオ" panose="020B0604030504040204" pitchFamily="50" charset="-128"/>
+                <a:ea typeface="メイリオ" panose="020B0604030504040204" pitchFamily="50" charset="-128"/>
+              </a:rPr>
+              <a:t>】</a:t>
+            </a:r>
+          </a:p>
+          <a:p>
+            <a:pPr lvl="0">
+              <a:lnSpc>
+                <a:spcPct val="80000"/>
+              </a:lnSpc>
+              <a:spcBef>
+                <a:spcPts val="600"/>
+              </a:spcBef>
+            </a:pPr>
+            <a:r>
+              <a:rPr lang="ja-JP" altLang="en-US" sz="1800" dirty="0">
+                <a:solidFill>
+                  <a:prstClr val="black"/>
+                </a:solidFill>
+                <a:latin typeface="メイリオ" panose="020B0604030504040204" pitchFamily="50" charset="-128"/>
+                <a:ea typeface="メイリオ" panose="020B0604030504040204" pitchFamily="50" charset="-128"/>
+              </a:rPr>
+              <a:t>・機能モデルのアクティビティ図から、走行処理に着目し</a:t>
+            </a:r>
+            <a:endParaRPr lang="en-US" altLang="ja-JP" sz="1800" dirty="0">
+              <a:solidFill>
+                <a:prstClr val="black"/>
+              </a:solidFill>
+              <a:latin typeface="メイリオ" panose="020B0604030504040204" pitchFamily="50" charset="-128"/>
+              <a:ea typeface="メイリオ" panose="020B0604030504040204" pitchFamily="50" charset="-128"/>
+            </a:endParaRPr>
+          </a:p>
+          <a:p>
+            <a:pPr lvl="0">
+              <a:lnSpc>
+                <a:spcPct val="80000"/>
+              </a:lnSpc>
+              <a:spcBef>
+                <a:spcPts val="600"/>
+              </a:spcBef>
+            </a:pPr>
+            <a:r>
+              <a:rPr lang="ja-JP" altLang="en-US" sz="1800" dirty="0">
+                <a:solidFill>
+                  <a:prstClr val="black"/>
+                </a:solidFill>
+                <a:latin typeface="メイリオ" panose="020B0604030504040204" pitchFamily="50" charset="-128"/>
+                <a:ea typeface="メイリオ" panose="020B0604030504040204" pitchFamily="50" charset="-128"/>
+              </a:rPr>
+              <a:t>　</a:t>
+            </a:r>
+            <a:r>
+              <a:rPr lang="ja-JP" altLang="en-US" sz="1800" dirty="0" err="1">
+                <a:solidFill>
+                  <a:prstClr val="black"/>
+                </a:solidFill>
+                <a:latin typeface="メイリオ" panose="020B0604030504040204" pitchFamily="50" charset="-128"/>
+                <a:ea typeface="メイリオ" panose="020B0604030504040204" pitchFamily="50" charset="-128"/>
+              </a:rPr>
+              <a:t>た</a:t>
+            </a:r>
+            <a:r>
+              <a:rPr lang="ja-JP" altLang="en-US" sz="1800" dirty="0">
+                <a:solidFill>
+                  <a:prstClr val="black"/>
+                </a:solidFill>
+                <a:latin typeface="メイリオ" panose="020B0604030504040204" pitchFamily="50" charset="-128"/>
+                <a:ea typeface="メイリオ" panose="020B0604030504040204" pitchFamily="50" charset="-128"/>
+              </a:rPr>
+              <a:t>状態変化をステートマシン図に示した。</a:t>
+            </a:r>
+            <a:endParaRPr lang="en-US" altLang="ja-JP" sz="1800" dirty="0">
+              <a:solidFill>
+                <a:prstClr val="black"/>
+              </a:solidFill>
+              <a:latin typeface="メイリオ" panose="020B0604030504040204" pitchFamily="50" charset="-128"/>
+              <a:ea typeface="メイリオ" panose="020B0604030504040204" pitchFamily="50" charset="-128"/>
+            </a:endParaRPr>
+          </a:p>
+          <a:p>
+            <a:pPr lvl="0">
+              <a:lnSpc>
+                <a:spcPct val="80000"/>
+              </a:lnSpc>
+              <a:spcBef>
+                <a:spcPts val="600"/>
+              </a:spcBef>
+            </a:pPr>
+            <a:r>
+              <a:rPr lang="ja-JP" altLang="en-US" sz="1800" dirty="0">
+                <a:solidFill>
+                  <a:prstClr val="black"/>
+                </a:solidFill>
+                <a:latin typeface="メイリオ" panose="020B0604030504040204" pitchFamily="50" charset="-128"/>
+                <a:ea typeface="メイリオ" panose="020B0604030504040204" pitchFamily="50" charset="-128"/>
+              </a:rPr>
+              <a:t>・システム全体の振る舞いを時間軸で見るためにシーケン</a:t>
+            </a:r>
+            <a:endParaRPr lang="en-US" altLang="ja-JP" sz="1800" dirty="0">
+              <a:solidFill>
+                <a:prstClr val="black"/>
+              </a:solidFill>
+              <a:latin typeface="メイリオ" panose="020B0604030504040204" pitchFamily="50" charset="-128"/>
+              <a:ea typeface="メイリオ" panose="020B0604030504040204" pitchFamily="50" charset="-128"/>
+            </a:endParaRPr>
+          </a:p>
+          <a:p>
+            <a:pPr lvl="0">
+              <a:lnSpc>
+                <a:spcPct val="80000"/>
+              </a:lnSpc>
+              <a:spcBef>
+                <a:spcPts val="600"/>
+              </a:spcBef>
+            </a:pPr>
+            <a:r>
+              <a:rPr lang="ja-JP" altLang="en-US" sz="1800" dirty="0">
+                <a:solidFill>
+                  <a:prstClr val="black"/>
+                </a:solidFill>
+                <a:latin typeface="メイリオ" panose="020B0604030504040204" pitchFamily="50" charset="-128"/>
+                <a:ea typeface="メイリオ" panose="020B0604030504040204" pitchFamily="50" charset="-128"/>
+              </a:rPr>
+              <a:t>　ス図を利用した。</a:t>
+            </a:r>
+          </a:p>
+          <a:p>
+            <a:pPr lvl="0">
+              <a:lnSpc>
+                <a:spcPct val="80000"/>
+              </a:lnSpc>
+              <a:spcBef>
+                <a:spcPts val="600"/>
+              </a:spcBef>
+            </a:pPr>
+            <a:r>
+              <a:rPr lang="en-US" altLang="ja-JP" sz="1800" b="1" dirty="0">
+                <a:solidFill>
+                  <a:prstClr val="black"/>
+                </a:solidFill>
+                <a:latin typeface="メイリオ" panose="020B0604030504040204" pitchFamily="50" charset="-128"/>
+                <a:ea typeface="メイリオ" panose="020B0604030504040204" pitchFamily="50" charset="-128"/>
+              </a:rPr>
+              <a:t>【</a:t>
+            </a:r>
+            <a:r>
+              <a:rPr lang="ja-JP" altLang="en-US" sz="1800" b="1" dirty="0">
+                <a:solidFill>
+                  <a:prstClr val="black"/>
+                </a:solidFill>
+                <a:latin typeface="メイリオ" panose="020B0604030504040204" pitchFamily="50" charset="-128"/>
+                <a:ea typeface="メイリオ" panose="020B0604030504040204" pitchFamily="50" charset="-128"/>
+              </a:rPr>
+              <a:t>工夫点</a:t>
+            </a:r>
+            <a:r>
+              <a:rPr lang="en-US" altLang="ja-JP" sz="1800" b="1" dirty="0">
+                <a:solidFill>
+                  <a:prstClr val="black"/>
+                </a:solidFill>
+                <a:latin typeface="メイリオ" panose="020B0604030504040204" pitchFamily="50" charset="-128"/>
+                <a:ea typeface="メイリオ" panose="020B0604030504040204" pitchFamily="50" charset="-128"/>
+              </a:rPr>
+              <a:t>】</a:t>
+            </a:r>
+          </a:p>
+          <a:p>
+            <a:pPr lvl="0">
+              <a:lnSpc>
+                <a:spcPct val="80000"/>
+              </a:lnSpc>
+              <a:spcBef>
+                <a:spcPts val="600"/>
+              </a:spcBef>
+            </a:pPr>
+            <a:r>
+              <a:rPr lang="ja-JP" altLang="en-US" sz="1800" dirty="0">
+                <a:solidFill>
+                  <a:prstClr val="black"/>
+                </a:solidFill>
+                <a:latin typeface="メイリオ" panose="020B0604030504040204" pitchFamily="50" charset="-128"/>
+                <a:ea typeface="メイリオ" panose="020B0604030504040204" pitchFamily="50" charset="-128"/>
+              </a:rPr>
+              <a:t>・カーブを安定して走行するために、曲率制御を導入し、</a:t>
+            </a:r>
+            <a:endParaRPr lang="en-US" altLang="ja-JP" sz="1800" dirty="0">
+              <a:solidFill>
+                <a:prstClr val="black"/>
+              </a:solidFill>
+              <a:latin typeface="メイリオ" panose="020B0604030504040204" pitchFamily="50" charset="-128"/>
+              <a:ea typeface="メイリオ" panose="020B0604030504040204" pitchFamily="50" charset="-128"/>
+            </a:endParaRPr>
+          </a:p>
+          <a:p>
+            <a:pPr lvl="0">
+              <a:lnSpc>
+                <a:spcPct val="80000"/>
+              </a:lnSpc>
+              <a:spcBef>
+                <a:spcPts val="600"/>
+              </a:spcBef>
+            </a:pPr>
+            <a:r>
+              <a:rPr lang="ja-JP" altLang="en-US" sz="1800" dirty="0">
+                <a:solidFill>
+                  <a:prstClr val="black"/>
+                </a:solidFill>
+                <a:latin typeface="メイリオ" panose="020B0604030504040204" pitchFamily="50" charset="-128"/>
+                <a:ea typeface="メイリオ" panose="020B0604030504040204" pitchFamily="50" charset="-128"/>
+              </a:rPr>
+              <a:t>　その詳細を記述した。</a:t>
+            </a:r>
+            <a:endParaRPr lang="en-US" altLang="ja-JP" sz="1800" dirty="0">
+              <a:solidFill>
+                <a:prstClr val="black"/>
+              </a:solidFill>
+              <a:latin typeface="メイリオ" panose="020B0604030504040204" pitchFamily="50" charset="-128"/>
+              <a:ea typeface="メイリオ" panose="020B0604030504040204" pitchFamily="50" charset="-128"/>
+            </a:endParaRPr>
+          </a:p>
+          <a:p>
+            <a:pPr lvl="0">
+              <a:lnSpc>
+                <a:spcPct val="80000"/>
+              </a:lnSpc>
+              <a:spcBef>
+                <a:spcPts val="600"/>
+              </a:spcBef>
+            </a:pPr>
+            <a:r>
+              <a:rPr lang="ja-JP" altLang="en-US" sz="1800" dirty="0">
+                <a:solidFill>
+                  <a:prstClr val="black"/>
+                </a:solidFill>
+                <a:latin typeface="メイリオ" panose="020B0604030504040204" pitchFamily="50" charset="-128"/>
+                <a:ea typeface="メイリオ" panose="020B0604030504040204" pitchFamily="50" charset="-128"/>
+              </a:rPr>
+              <a:t>・オフィシャルバッテリの特性と、走行に与える影響に注</a:t>
+            </a:r>
+            <a:endParaRPr lang="en-US" altLang="ja-JP" sz="1800" dirty="0">
+              <a:solidFill>
+                <a:prstClr val="black"/>
+              </a:solidFill>
+              <a:latin typeface="メイリオ" panose="020B0604030504040204" pitchFamily="50" charset="-128"/>
+              <a:ea typeface="メイリオ" panose="020B0604030504040204" pitchFamily="50" charset="-128"/>
+            </a:endParaRPr>
+          </a:p>
+          <a:p>
+            <a:pPr lvl="0">
+              <a:lnSpc>
+                <a:spcPct val="80000"/>
+              </a:lnSpc>
+              <a:spcBef>
+                <a:spcPts val="600"/>
+              </a:spcBef>
+            </a:pPr>
+            <a:r>
+              <a:rPr lang="ja-JP" altLang="en-US" sz="1800" dirty="0">
+                <a:solidFill>
+                  <a:prstClr val="black"/>
+                </a:solidFill>
+                <a:latin typeface="メイリオ" panose="020B0604030504040204" pitchFamily="50" charset="-128"/>
+                <a:ea typeface="メイリオ" panose="020B0604030504040204" pitchFamily="50" charset="-128"/>
+              </a:rPr>
+              <a:t>　目し、競技中に電源電圧が変化しても安定してカーブを</a:t>
+            </a:r>
+            <a:endParaRPr lang="en-US" altLang="ja-JP" sz="1800" dirty="0">
+              <a:solidFill>
+                <a:prstClr val="black"/>
+              </a:solidFill>
+              <a:latin typeface="メイリオ" panose="020B0604030504040204" pitchFamily="50" charset="-128"/>
+              <a:ea typeface="メイリオ" panose="020B0604030504040204" pitchFamily="50" charset="-128"/>
+            </a:endParaRPr>
+          </a:p>
+          <a:p>
+            <a:pPr lvl="0">
+              <a:lnSpc>
+                <a:spcPct val="80000"/>
+              </a:lnSpc>
+              <a:spcBef>
+                <a:spcPts val="600"/>
+              </a:spcBef>
+            </a:pPr>
+            <a:r>
+              <a:rPr lang="ja-JP" altLang="en-US" sz="1800" dirty="0">
+                <a:solidFill>
+                  <a:prstClr val="black"/>
+                </a:solidFill>
+                <a:latin typeface="メイリオ" panose="020B0604030504040204" pitchFamily="50" charset="-128"/>
+                <a:ea typeface="メイリオ" panose="020B0604030504040204" pitchFamily="50" charset="-128"/>
+              </a:rPr>
+              <a:t>　走行できるような関係式を定義し検証した</a:t>
+            </a:r>
+            <a:r>
+              <a:rPr lang="ja-JP" altLang="en-US" dirty="0">
+                <a:solidFill>
+                  <a:prstClr val="black"/>
+                </a:solidFill>
+                <a:latin typeface="HG丸ｺﾞｼｯｸM-PRO" panose="020F0600000000000000" pitchFamily="50" charset="-128"/>
+                <a:ea typeface="HG丸ｺﾞｼｯｸM-PRO" panose="020F0600000000000000" pitchFamily="50" charset="-128"/>
+              </a:rPr>
+              <a:t>。</a:t>
+            </a:r>
+          </a:p>
+        </p:txBody>
+      </p:sp>
+      <p:sp>
+        <p:nvSpPr>
+          <p:cNvPr id="23" name="テキスト ボックス 22">
+            <a:extLst>
+              <a:ext uri="{FF2B5EF4-FFF2-40B4-BE49-F238E27FC236}">
+                <a16:creationId xmlns:a16="http://schemas.microsoft.com/office/drawing/2014/main" id="{3B420251-A162-4FBA-A37D-EC44183A2A3A}"/>
+              </a:ext>
+            </a:extLst>
+          </p:cNvPr>
+          <p:cNvSpPr txBox="1"/>
+          <p:nvPr/>
+        </p:nvSpPr>
+        <p:spPr>
+          <a:xfrm>
+            <a:off x="290775" y="4477434"/>
+            <a:ext cx="4368955" cy="646331"/>
+          </a:xfrm>
+          <a:prstGeom prst="rect">
+            <a:avLst/>
+          </a:prstGeom>
+          <a:noFill/>
+        </p:spPr>
+        <p:txBody>
+          <a:bodyPr wrap="square" rtlCol="0">
+            <a:spAutoFit/>
+          </a:bodyPr>
+          <a:lstStyle/>
+          <a:p>
+            <a:r>
+              <a:rPr lang="en-US" altLang="ja-JP" sz="1800" u="sng" dirty="0">
+                <a:hlinkClick r:id="rId3"/>
+              </a:rPr>
+              <a:t>https://www.youtube.com/playlist?list=PLiAHV0rnMcX_Y3YHAr3EsbtGDf8KquDJR</a:t>
+            </a:r>
+            <a:endParaRPr kumimoji="1" lang="ja-JP" altLang="en-US" sz="1800" dirty="0"/>
+          </a:p>
+        </p:txBody>
+      </p:sp>
+      <p:pic>
+        <p:nvPicPr>
+          <p:cNvPr id="25" name="図 24">
+            <a:extLst>
+              <a:ext uri="{FF2B5EF4-FFF2-40B4-BE49-F238E27FC236}">
+                <a16:creationId xmlns:a16="http://schemas.microsoft.com/office/drawing/2014/main" id="{E402AA08-6B0B-4CA9-BEA2-735D1D41D922}"/>
+              </a:ext>
+            </a:extLst>
+          </p:cNvPr>
+          <p:cNvPicPr>
+            <a:picLocks noChangeAspect="1"/>
+          </p:cNvPicPr>
+          <p:nvPr/>
+        </p:nvPicPr>
+        <p:blipFill>
+          <a:blip r:embed="rId4">
+            <a:extLst>
+              <a:ext uri="{28A0092B-C50C-407E-A947-70E740481C1C}">
+                <a14:useLocalDpi xmlns:a14="http://schemas.microsoft.com/office/drawing/2010/main" val="0"/>
+              </a:ext>
+            </a:extLst>
+          </a:blip>
+          <a:stretch>
+            <a:fillRect/>
+          </a:stretch>
+        </p:blipFill>
+        <p:spPr>
+          <a:xfrm>
+            <a:off x="4699379" y="3833886"/>
+            <a:ext cx="1412750" cy="1412750"/>
+          </a:xfrm>
+          <a:prstGeom prst="rect">
+            <a:avLst/>
+          </a:prstGeom>
+        </p:spPr>
+      </p:pic>
+      <p:sp>
+        <p:nvSpPr>
+          <p:cNvPr id="26" name="テキスト ボックス 25">
+            <a:extLst>
+              <a:ext uri="{FF2B5EF4-FFF2-40B4-BE49-F238E27FC236}">
+                <a16:creationId xmlns:a16="http://schemas.microsoft.com/office/drawing/2014/main" id="{8F3FEC2E-068D-45BB-B817-13D21E9389CF}"/>
+              </a:ext>
+            </a:extLst>
+          </p:cNvPr>
+          <p:cNvSpPr txBox="1"/>
+          <p:nvPr/>
+        </p:nvSpPr>
+        <p:spPr>
+          <a:xfrm>
+            <a:off x="244266" y="5443410"/>
+            <a:ext cx="1658407" cy="397837"/>
+          </a:xfrm>
+          <a:prstGeom prst="rect">
+            <a:avLst/>
+          </a:prstGeom>
+          <a:noFill/>
+        </p:spPr>
+        <p:txBody>
+          <a:bodyPr wrap="square" rtlCol="0">
+            <a:spAutoFit/>
+          </a:bodyPr>
+          <a:lstStyle/>
+          <a:p>
+            <a:r>
+              <a:rPr kumimoji="1" lang="ja-JP" altLang="en-US" sz="1950" b="1" dirty="0">
+                <a:solidFill>
+                  <a:srgbClr val="FF0000"/>
+                </a:solidFill>
+              </a:rPr>
+              <a:t>モデルの概要</a:t>
+            </a:r>
+          </a:p>
+        </p:txBody>
+      </p:sp>
+      <p:sp>
+        <p:nvSpPr>
+          <p:cNvPr id="37" name="テキスト ボックス 36">
+            <a:extLst>
+              <a:ext uri="{FF2B5EF4-FFF2-40B4-BE49-F238E27FC236}">
+                <a16:creationId xmlns:a16="http://schemas.microsoft.com/office/drawing/2014/main" id="{C69D6EE4-C5D2-45D9-89D0-FB4E2A473438}"/>
+              </a:ext>
+            </a:extLst>
+          </p:cNvPr>
+          <p:cNvSpPr txBox="1"/>
+          <p:nvPr/>
+        </p:nvSpPr>
+        <p:spPr>
+          <a:xfrm>
+            <a:off x="543914" y="8396858"/>
+            <a:ext cx="5544615" cy="338554"/>
+          </a:xfrm>
+          <a:prstGeom prst="rect">
+            <a:avLst/>
+          </a:prstGeom>
+          <a:noFill/>
+        </p:spPr>
+        <p:txBody>
+          <a:bodyPr wrap="square" rtlCol="0">
+            <a:spAutoFit/>
+          </a:bodyPr>
+          <a:lstStyle/>
+          <a:p>
+            <a:r>
+              <a:rPr kumimoji="1" lang="ja-JP" altLang="en-US" dirty="0">
+                <a:latin typeface="メイリオ" panose="020B0604030504040204" pitchFamily="50" charset="-128"/>
+                <a:ea typeface="メイリオ" panose="020B0604030504040204" pitchFamily="50" charset="-128"/>
+              </a:rPr>
+              <a:t>コースを</a:t>
+            </a:r>
+            <a:r>
+              <a:rPr kumimoji="1" lang="en-US" altLang="ja-JP" dirty="0">
+                <a:latin typeface="メイリオ" panose="020B0604030504040204" pitchFamily="50" charset="-128"/>
+                <a:ea typeface="メイリオ" panose="020B0604030504040204" pitchFamily="50" charset="-128"/>
+              </a:rPr>
+              <a:t>15</a:t>
+            </a:r>
+            <a:r>
+              <a:rPr kumimoji="1" lang="ja-JP" altLang="en-US" dirty="0">
+                <a:latin typeface="メイリオ" panose="020B0604030504040204" pitchFamily="50" charset="-128"/>
+                <a:ea typeface="メイリオ" panose="020B0604030504040204" pitchFamily="50" charset="-128"/>
+              </a:rPr>
+              <a:t>区間に分割し、それぞれ異なる制御量を与える</a:t>
+            </a:r>
+          </a:p>
+        </p:txBody>
+      </p:sp>
+      <p:grpSp>
+        <p:nvGrpSpPr>
+          <p:cNvPr id="43" name="グループ化 42">
+            <a:extLst>
+              <a:ext uri="{FF2B5EF4-FFF2-40B4-BE49-F238E27FC236}">
+                <a16:creationId xmlns:a16="http://schemas.microsoft.com/office/drawing/2014/main" id="{BA3A7524-528B-4B66-AEA9-951CD3321DF8}"/>
+              </a:ext>
+            </a:extLst>
+          </p:cNvPr>
+          <p:cNvGrpSpPr/>
+          <p:nvPr/>
+        </p:nvGrpSpPr>
+        <p:grpSpPr>
+          <a:xfrm>
+            <a:off x="1110835" y="8792277"/>
+            <a:ext cx="4968546" cy="390232"/>
+            <a:chOff x="640160" y="8876834"/>
+            <a:chExt cx="4968546" cy="390232"/>
+          </a:xfrm>
+        </p:grpSpPr>
+        <p:sp>
+          <p:nvSpPr>
+            <p:cNvPr id="41" name="テキスト ボックス 40">
+              <a:extLst>
+                <a:ext uri="{FF2B5EF4-FFF2-40B4-BE49-F238E27FC236}">
+                  <a16:creationId xmlns:a16="http://schemas.microsoft.com/office/drawing/2014/main" id="{55AE87AB-8741-4F8A-B5DF-A7861C100F39}"/>
+                </a:ext>
+              </a:extLst>
+            </p:cNvPr>
+            <p:cNvSpPr txBox="1"/>
+            <p:nvPr/>
+          </p:nvSpPr>
+          <p:spPr>
+            <a:xfrm>
+              <a:off x="792266" y="8928511"/>
+              <a:ext cx="4672430" cy="338554"/>
+            </a:xfrm>
+            <a:prstGeom prst="rect">
+              <a:avLst/>
+            </a:prstGeom>
+            <a:noFill/>
+          </p:spPr>
+          <p:txBody>
+            <a:bodyPr wrap="square" rtlCol="0">
+              <a:spAutoFit/>
+            </a:bodyPr>
+            <a:lstStyle/>
+            <a:p>
+              <a:r>
+                <a:rPr kumimoji="1" lang="ja-JP" altLang="en-US" b="1" dirty="0">
+                  <a:latin typeface="メイリオ" panose="020B0604030504040204" pitchFamily="50" charset="-128"/>
+                  <a:ea typeface="メイリオ" panose="020B0604030504040204" pitchFamily="50" charset="-128"/>
+                </a:rPr>
+                <a:t>コースアウトすることなく、安定した走行を実現</a:t>
+              </a:r>
+            </a:p>
+          </p:txBody>
+        </p:sp>
+        <p:sp>
+          <p:nvSpPr>
+            <p:cNvPr id="42" name="正方形/長方形 41">
+              <a:extLst>
+                <a:ext uri="{FF2B5EF4-FFF2-40B4-BE49-F238E27FC236}">
+                  <a16:creationId xmlns:a16="http://schemas.microsoft.com/office/drawing/2014/main" id="{8D84BAA8-6CBB-4D91-A133-3DD58D3C7E53}"/>
+                </a:ext>
+              </a:extLst>
+            </p:cNvPr>
+            <p:cNvSpPr/>
+            <p:nvPr/>
+          </p:nvSpPr>
+          <p:spPr>
+            <a:xfrm>
+              <a:off x="640160" y="8876834"/>
+              <a:ext cx="4968546" cy="390232"/>
+            </a:xfrm>
+            <a:prstGeom prst="rect">
+              <a:avLst/>
+            </a:prstGeom>
+            <a:noFill/>
+            <a:ln w="57150" cap="flat" cmpd="sng" algn="ctr">
+              <a:solidFill>
+                <a:srgbClr val="FF0000"/>
+              </a:solidFill>
+              <a:prstDash val="solid"/>
+              <a:round/>
+              <a:headEnd type="none" w="med" len="med"/>
+              <a:tailEnd type="none" w="med" len="med"/>
+            </a:ln>
+          </p:spPr>
+          <p:style>
+            <a:lnRef idx="0">
+              <a:scrgbClr r="0" g="0" b="0"/>
+            </a:lnRef>
+            <a:fillRef idx="0">
+              <a:scrgbClr r="0" g="0" b="0"/>
+            </a:fillRef>
+            <a:effectRef idx="0">
+              <a:scrgbClr r="0" g="0" b="0"/>
+            </a:effectRef>
+            <a:fontRef idx="minor">
+              <a:schemeClr val="accent6"/>
+            </a:fontRef>
+          </p:style>
+          <p:txBody>
+            <a:bodyPr rtlCol="0" anchor="ctr"/>
+            <a:lstStyle/>
+            <a:p>
+              <a:pPr algn="ctr"/>
+              <a:endParaRPr kumimoji="1" lang="ja-JP" altLang="en-US"/>
+            </a:p>
+          </p:txBody>
+        </p:sp>
+      </p:grpSp>
+      <p:grpSp>
+        <p:nvGrpSpPr>
+          <p:cNvPr id="74" name="グループ化 73">
+            <a:extLst>
+              <a:ext uri="{FF2B5EF4-FFF2-40B4-BE49-F238E27FC236}">
+                <a16:creationId xmlns:a16="http://schemas.microsoft.com/office/drawing/2014/main" id="{318A7AA5-18C9-47F7-B92B-82963761339E}"/>
+              </a:ext>
+            </a:extLst>
+          </p:cNvPr>
+          <p:cNvGrpSpPr/>
+          <p:nvPr/>
+        </p:nvGrpSpPr>
+        <p:grpSpPr>
+          <a:xfrm>
+            <a:off x="784176" y="8725779"/>
+            <a:ext cx="288032" cy="298800"/>
+            <a:chOff x="824806" y="8704200"/>
+            <a:chExt cx="288032" cy="298800"/>
+          </a:xfrm>
+        </p:grpSpPr>
+        <p:cxnSp>
+          <p:nvCxnSpPr>
+            <p:cNvPr id="45" name="直線コネクタ 44">
+              <a:extLst>
+                <a:ext uri="{FF2B5EF4-FFF2-40B4-BE49-F238E27FC236}">
+                  <a16:creationId xmlns:a16="http://schemas.microsoft.com/office/drawing/2014/main" id="{25915E72-0E9C-4E75-AB82-5C87617BDFCF}"/>
+                </a:ext>
+              </a:extLst>
+            </p:cNvPr>
+            <p:cNvCxnSpPr>
+              <a:cxnSpLocks/>
+            </p:cNvCxnSpPr>
+            <p:nvPr/>
+          </p:nvCxnSpPr>
+          <p:spPr>
+            <a:xfrm>
+              <a:off x="824806" y="8704200"/>
+              <a:ext cx="0" cy="298800"/>
+            </a:xfrm>
+            <a:prstGeom prst="line">
+              <a:avLst/>
+            </a:prstGeom>
+            <a:ln w="38100">
+              <a:solidFill>
+                <a:schemeClr val="accent6"/>
+              </a:solidFill>
+            </a:ln>
+          </p:spPr>
+          <p:style>
+            <a:lnRef idx="3">
+              <a:schemeClr val="accent6"/>
+            </a:lnRef>
+            <a:fillRef idx="0">
+              <a:schemeClr val="accent6"/>
+            </a:fillRef>
+            <a:effectRef idx="2">
+              <a:schemeClr val="accent6"/>
+            </a:effectRef>
+            <a:fontRef idx="minor">
+              <a:schemeClr val="tx1"/>
+            </a:fontRef>
+          </p:style>
+        </p:cxnSp>
+        <p:cxnSp>
+          <p:nvCxnSpPr>
+            <p:cNvPr id="47" name="直線矢印コネクタ 46">
+              <a:extLst>
+                <a:ext uri="{FF2B5EF4-FFF2-40B4-BE49-F238E27FC236}">
+                  <a16:creationId xmlns:a16="http://schemas.microsoft.com/office/drawing/2014/main" id="{FCC0C88E-A69D-4CF4-B178-77A9C438AF56}"/>
+                </a:ext>
+              </a:extLst>
+            </p:cNvPr>
+            <p:cNvCxnSpPr>
+              <a:cxnSpLocks/>
+            </p:cNvCxnSpPr>
+            <p:nvPr/>
+          </p:nvCxnSpPr>
+          <p:spPr>
+            <a:xfrm>
+              <a:off x="824838" y="8983707"/>
+              <a:ext cx="288000" cy="0"/>
+            </a:xfrm>
+            <a:prstGeom prst="straightConnector1">
+              <a:avLst/>
+            </a:prstGeom>
+            <a:ln w="38100">
+              <a:solidFill>
+                <a:schemeClr val="accent6"/>
+              </a:solidFill>
+              <a:tailEnd type="triangle"/>
+            </a:ln>
+          </p:spPr>
+          <p:style>
+            <a:lnRef idx="3">
+              <a:schemeClr val="accent6"/>
+            </a:lnRef>
+            <a:fillRef idx="0">
+              <a:schemeClr val="accent6"/>
+            </a:fillRef>
+            <a:effectRef idx="2">
+              <a:schemeClr val="accent6"/>
+            </a:effectRef>
+            <a:fontRef idx="minor">
+              <a:schemeClr val="tx1"/>
+            </a:fontRef>
+          </p:style>
+        </p:cxnSp>
+      </p:grpSp>
+      <p:grpSp>
+        <p:nvGrpSpPr>
+          <p:cNvPr id="54" name="グループ化 53">
+            <a:extLst>
+              <a:ext uri="{FF2B5EF4-FFF2-40B4-BE49-F238E27FC236}">
+                <a16:creationId xmlns:a16="http://schemas.microsoft.com/office/drawing/2014/main" id="{38683E82-B9BA-431E-B92D-53371B890CEE}"/>
+              </a:ext>
+            </a:extLst>
+          </p:cNvPr>
+          <p:cNvGrpSpPr/>
+          <p:nvPr/>
+        </p:nvGrpSpPr>
+        <p:grpSpPr>
+          <a:xfrm>
+            <a:off x="336007" y="7402516"/>
+            <a:ext cx="1367645" cy="372502"/>
+            <a:chOff x="266943" y="7459968"/>
+            <a:chExt cx="1367645" cy="372502"/>
+          </a:xfrm>
+        </p:grpSpPr>
+        <p:sp>
+          <p:nvSpPr>
+            <p:cNvPr id="36" name="テキスト ボックス 35">
+              <a:extLst>
+                <a:ext uri="{FF2B5EF4-FFF2-40B4-BE49-F238E27FC236}">
+                  <a16:creationId xmlns:a16="http://schemas.microsoft.com/office/drawing/2014/main" id="{5A3689BB-CEBD-41AE-AC46-27C81FDB37BF}"/>
+                </a:ext>
+              </a:extLst>
+            </p:cNvPr>
+            <p:cNvSpPr txBox="1"/>
+            <p:nvPr/>
+          </p:nvSpPr>
+          <p:spPr>
+            <a:xfrm>
+              <a:off x="266943" y="7463138"/>
+              <a:ext cx="1367645" cy="369332"/>
+            </a:xfrm>
+            <a:prstGeom prst="rect">
+              <a:avLst/>
+            </a:prstGeom>
+            <a:noFill/>
+          </p:spPr>
+          <p:txBody>
+            <a:bodyPr wrap="square" rtlCol="0">
+              <a:spAutoFit/>
+            </a:bodyPr>
+            <a:lstStyle/>
+            <a:p>
+              <a:r>
+                <a:rPr lang="ja-JP" altLang="en-US" sz="1800" b="1" dirty="0">
+                  <a:latin typeface="+mn-ea"/>
+                  <a:ea typeface="+mn-ea"/>
+                </a:rPr>
+                <a:t>走行の戦略</a:t>
+              </a:r>
+              <a:endParaRPr kumimoji="1" lang="ja-JP" altLang="en-US" sz="1800" b="1" dirty="0">
+                <a:latin typeface="+mn-ea"/>
+                <a:ea typeface="+mn-ea"/>
+              </a:endParaRPr>
+            </a:p>
+          </p:txBody>
+        </p:sp>
+        <p:sp>
+          <p:nvSpPr>
+            <p:cNvPr id="53" name="正方形/長方形 52">
+              <a:extLst>
+                <a:ext uri="{FF2B5EF4-FFF2-40B4-BE49-F238E27FC236}">
+                  <a16:creationId xmlns:a16="http://schemas.microsoft.com/office/drawing/2014/main" id="{B48A6E81-279E-4F0A-9D39-912DE7708689}"/>
+                </a:ext>
+              </a:extLst>
+            </p:cNvPr>
+            <p:cNvSpPr/>
+            <p:nvPr/>
+          </p:nvSpPr>
+          <p:spPr>
+            <a:xfrm>
+              <a:off x="290775" y="7459968"/>
+              <a:ext cx="1284982" cy="335198"/>
+            </a:xfrm>
+            <a:prstGeom prst="rect">
+              <a:avLst/>
+            </a:prstGeom>
+            <a:noFill/>
+            <a:ln w="38100" cap="flat" cmpd="sng" algn="ctr">
+              <a:solidFill>
+                <a:schemeClr val="accent6"/>
+              </a:solidFill>
+              <a:prstDash val="solid"/>
+              <a:round/>
+              <a:headEnd type="none" w="med" len="med"/>
+              <a:tailEnd type="none" w="med" len="med"/>
+            </a:ln>
+          </p:spPr>
+          <p:style>
+            <a:lnRef idx="0">
+              <a:scrgbClr r="0" g="0" b="0"/>
+            </a:lnRef>
+            <a:fillRef idx="0">
+              <a:scrgbClr r="0" g="0" b="0"/>
+            </a:fillRef>
+            <a:effectRef idx="0">
+              <a:scrgbClr r="0" g="0" b="0"/>
+            </a:effectRef>
+            <a:fontRef idx="minor">
+              <a:schemeClr val="accent6"/>
+            </a:fontRef>
+          </p:style>
+          <p:txBody>
+            <a:bodyPr rtlCol="0" anchor="ctr"/>
+            <a:lstStyle/>
+            <a:p>
+              <a:pPr algn="ctr"/>
+              <a:endParaRPr kumimoji="1" lang="ja-JP" altLang="en-US"/>
+            </a:p>
+          </p:txBody>
+        </p:sp>
+      </p:grpSp>
+      <p:grpSp>
+        <p:nvGrpSpPr>
+          <p:cNvPr id="59" name="グループ化 58">
+            <a:extLst>
+              <a:ext uri="{FF2B5EF4-FFF2-40B4-BE49-F238E27FC236}">
+                <a16:creationId xmlns:a16="http://schemas.microsoft.com/office/drawing/2014/main" id="{A7162F3A-4CA4-4C49-B9A0-B4AFFF3CFB8E}"/>
+              </a:ext>
+            </a:extLst>
+          </p:cNvPr>
+          <p:cNvGrpSpPr/>
+          <p:nvPr/>
+        </p:nvGrpSpPr>
+        <p:grpSpPr>
+          <a:xfrm>
+            <a:off x="352128" y="5901363"/>
+            <a:ext cx="1367645" cy="369332"/>
+            <a:chOff x="218664" y="5830590"/>
+            <a:chExt cx="1367645" cy="369332"/>
+          </a:xfrm>
+        </p:grpSpPr>
+        <p:sp>
+          <p:nvSpPr>
+            <p:cNvPr id="30" name="テキスト ボックス 29">
+              <a:extLst>
+                <a:ext uri="{FF2B5EF4-FFF2-40B4-BE49-F238E27FC236}">
+                  <a16:creationId xmlns:a16="http://schemas.microsoft.com/office/drawing/2014/main" id="{DE69C148-DE26-4E4C-9B25-6EA831017932}"/>
+                </a:ext>
+              </a:extLst>
+            </p:cNvPr>
+            <p:cNvSpPr txBox="1"/>
+            <p:nvPr/>
+          </p:nvSpPr>
+          <p:spPr>
+            <a:xfrm>
+              <a:off x="218664" y="5830590"/>
+              <a:ext cx="1367645" cy="369332"/>
+            </a:xfrm>
+            <a:prstGeom prst="rect">
+              <a:avLst/>
+            </a:prstGeom>
+            <a:noFill/>
+          </p:spPr>
+          <p:txBody>
+            <a:bodyPr wrap="square" rtlCol="0">
+              <a:spAutoFit/>
+            </a:bodyPr>
+            <a:lstStyle/>
+            <a:p>
+              <a:r>
+                <a:rPr kumimoji="1" lang="ja-JP" altLang="en-US" sz="1800" b="1" dirty="0">
+                  <a:latin typeface="游ゴシック" panose="020B0400000000000000" pitchFamily="50" charset="-128"/>
+                  <a:ea typeface="游ゴシック" panose="020B0400000000000000" pitchFamily="50" charset="-128"/>
+                </a:rPr>
+                <a:t>課題の定義</a:t>
+              </a:r>
+            </a:p>
+          </p:txBody>
+        </p:sp>
+        <p:sp>
+          <p:nvSpPr>
+            <p:cNvPr id="64" name="正方形/長方形 63">
+              <a:extLst>
+                <a:ext uri="{FF2B5EF4-FFF2-40B4-BE49-F238E27FC236}">
+                  <a16:creationId xmlns:a16="http://schemas.microsoft.com/office/drawing/2014/main" id="{39AF4BC4-4CE2-4A6B-8569-6105ACA9AE8A}"/>
+                </a:ext>
+              </a:extLst>
+            </p:cNvPr>
+            <p:cNvSpPr/>
+            <p:nvPr/>
+          </p:nvSpPr>
+          <p:spPr>
+            <a:xfrm>
+              <a:off x="243875" y="5833552"/>
+              <a:ext cx="1284982" cy="335198"/>
+            </a:xfrm>
+            <a:prstGeom prst="rect">
+              <a:avLst/>
+            </a:prstGeom>
+            <a:noFill/>
+            <a:ln w="38100" cap="flat" cmpd="sng" algn="ctr">
+              <a:solidFill>
+                <a:schemeClr val="accent6"/>
+              </a:solidFill>
+              <a:prstDash val="solid"/>
+              <a:round/>
+              <a:headEnd type="none" w="med" len="med"/>
+              <a:tailEnd type="none" w="med" len="med"/>
+            </a:ln>
+          </p:spPr>
+          <p:style>
+            <a:lnRef idx="0">
+              <a:scrgbClr r="0" g="0" b="0"/>
+            </a:lnRef>
+            <a:fillRef idx="0">
+              <a:scrgbClr r="0" g="0" b="0"/>
+            </a:fillRef>
+            <a:effectRef idx="0">
+              <a:scrgbClr r="0" g="0" b="0"/>
+            </a:effectRef>
+            <a:fontRef idx="minor">
+              <a:schemeClr val="accent6"/>
+            </a:fontRef>
+          </p:style>
+          <p:txBody>
+            <a:bodyPr rtlCol="0" anchor="ctr"/>
+            <a:lstStyle/>
+            <a:p>
+              <a:pPr algn="ctr"/>
+              <a:endParaRPr kumimoji="1" lang="ja-JP" altLang="en-US"/>
+            </a:p>
+          </p:txBody>
+        </p:sp>
+      </p:grpSp>
+      <p:sp>
+        <p:nvSpPr>
+          <p:cNvPr id="60" name="テキスト ボックス 59">
+            <a:extLst>
+              <a:ext uri="{FF2B5EF4-FFF2-40B4-BE49-F238E27FC236}">
+                <a16:creationId xmlns:a16="http://schemas.microsoft.com/office/drawing/2014/main" id="{F34DEB54-E371-4BCC-BE11-FCB37F0EDE14}"/>
+              </a:ext>
+            </a:extLst>
+          </p:cNvPr>
+          <p:cNvSpPr txBox="1"/>
+          <p:nvPr/>
+        </p:nvSpPr>
+        <p:spPr>
+          <a:xfrm>
+            <a:off x="982912" y="6792395"/>
+            <a:ext cx="4863818" cy="584775"/>
+          </a:xfrm>
+          <a:prstGeom prst="rect">
+            <a:avLst/>
+          </a:prstGeom>
+          <a:noFill/>
+        </p:spPr>
+        <p:txBody>
+          <a:bodyPr wrap="square" rtlCol="0">
+            <a:spAutoFit/>
+          </a:bodyPr>
+          <a:lstStyle/>
+          <a:p>
+            <a:r>
+              <a:rPr lang="ja-JP" altLang="en-US" dirty="0">
+                <a:latin typeface="メイリオ" panose="020B0604030504040204" pitchFamily="50" charset="-128"/>
+                <a:ea typeface="メイリオ" panose="020B0604030504040204" pitchFamily="50" charset="-128"/>
+              </a:rPr>
+              <a:t>キャリブレーションなど、その他の動作はスタート動作とし、モデルからは省略</a:t>
+            </a:r>
+            <a:endParaRPr kumimoji="1" lang="ja-JP" altLang="en-US" dirty="0"/>
+          </a:p>
+        </p:txBody>
+      </p:sp>
+      <p:cxnSp>
+        <p:nvCxnSpPr>
+          <p:cNvPr id="62" name="直線コネクタ 61">
+            <a:extLst>
+              <a:ext uri="{FF2B5EF4-FFF2-40B4-BE49-F238E27FC236}">
+                <a16:creationId xmlns:a16="http://schemas.microsoft.com/office/drawing/2014/main" id="{09B62E33-F012-4F4C-A139-FA2550C3F925}"/>
+              </a:ext>
+            </a:extLst>
+          </p:cNvPr>
+          <p:cNvCxnSpPr/>
+          <p:nvPr/>
+        </p:nvCxnSpPr>
+        <p:spPr>
+          <a:xfrm>
+            <a:off x="605012" y="6833176"/>
+            <a:ext cx="0" cy="288032"/>
+          </a:xfrm>
+          <a:prstGeom prst="line">
+            <a:avLst/>
+          </a:prstGeom>
+          <a:ln w="38100">
+            <a:solidFill>
+              <a:schemeClr val="accent6"/>
+            </a:solidFill>
+          </a:ln>
+        </p:spPr>
+        <p:style>
+          <a:lnRef idx="3">
+            <a:schemeClr val="accent6"/>
+          </a:lnRef>
+          <a:fillRef idx="0">
+            <a:schemeClr val="accent6"/>
+          </a:fillRef>
+          <a:effectRef idx="2">
+            <a:schemeClr val="accent6"/>
+          </a:effectRef>
+          <a:fontRef idx="minor">
+            <a:schemeClr val="tx1"/>
+          </a:fontRef>
+        </p:style>
+      </p:cxnSp>
+      <p:cxnSp>
+        <p:nvCxnSpPr>
+          <p:cNvPr id="66" name="直線矢印コネクタ 65">
+            <a:extLst>
+              <a:ext uri="{FF2B5EF4-FFF2-40B4-BE49-F238E27FC236}">
+                <a16:creationId xmlns:a16="http://schemas.microsoft.com/office/drawing/2014/main" id="{0141BB49-66F8-40D4-B5C4-50D4F7A600F8}"/>
+              </a:ext>
+            </a:extLst>
+          </p:cNvPr>
+          <p:cNvCxnSpPr>
+            <a:cxnSpLocks/>
+          </p:cNvCxnSpPr>
+          <p:nvPr/>
+        </p:nvCxnSpPr>
+        <p:spPr>
+          <a:xfrm>
+            <a:off x="601636" y="7101575"/>
+            <a:ext cx="334402" cy="0"/>
+          </a:xfrm>
+          <a:prstGeom prst="straightConnector1">
+            <a:avLst/>
+          </a:prstGeom>
+          <a:ln w="38100">
+            <a:tailEnd type="triangle"/>
+          </a:ln>
+        </p:spPr>
+        <p:style>
+          <a:lnRef idx="3">
+            <a:schemeClr val="accent6"/>
+          </a:lnRef>
+          <a:fillRef idx="0">
+            <a:schemeClr val="accent6"/>
+          </a:fillRef>
+          <a:effectRef idx="2">
+            <a:schemeClr val="accent6"/>
+          </a:effectRef>
+          <a:fontRef idx="minor">
+            <a:schemeClr val="tx1"/>
+          </a:fontRef>
+        </p:style>
+      </p:cxnSp>
+      <p:sp>
+        <p:nvSpPr>
+          <p:cNvPr id="70" name="矢印: 右カーブ 69">
+            <a:extLst>
+              <a:ext uri="{FF2B5EF4-FFF2-40B4-BE49-F238E27FC236}">
+                <a16:creationId xmlns:a16="http://schemas.microsoft.com/office/drawing/2014/main" id="{995F3F6B-8BE7-433E-BA82-2B9EC707E720}"/>
+              </a:ext>
+            </a:extLst>
+          </p:cNvPr>
+          <p:cNvSpPr/>
+          <p:nvPr/>
+        </p:nvSpPr>
+        <p:spPr>
+          <a:xfrm>
+            <a:off x="327890" y="8035591"/>
+            <a:ext cx="216024" cy="547098"/>
+          </a:xfrm>
+          <a:prstGeom prst="curvedRightArrow">
+            <a:avLst/>
+          </a:prstGeom>
+        </p:spPr>
+        <p:style>
+          <a:lnRef idx="1">
+            <a:schemeClr val="accent6"/>
+          </a:lnRef>
+          <a:fillRef idx="2">
+            <a:schemeClr val="accent6"/>
+          </a:fillRef>
+          <a:effectRef idx="1">
+            <a:schemeClr val="accent6"/>
+          </a:effectRef>
+          <a:fontRef idx="minor">
+            <a:schemeClr val="dk1"/>
+          </a:fontRef>
+        </p:style>
+        <p:txBody>
+          <a:bodyPr rtlCol="0" anchor="ctr"/>
+          <a:lstStyle/>
+          <a:p>
+            <a:pPr algn="ctr"/>
+            <a:endParaRPr kumimoji="1" lang="ja-JP" altLang="en-US">
+              <a:solidFill>
+                <a:schemeClr val="tx1"/>
+              </a:solidFill>
+            </a:endParaRPr>
+          </a:p>
+        </p:txBody>
+      </p:sp>
+    </p:spTree>
+    <p:extLst>
+      <p:ext uri="{BB962C8B-B14F-4D97-AF65-F5344CB8AC3E}">
+        <p14:creationId xmlns:p14="http://schemas.microsoft.com/office/powerpoint/2010/main" val="1513064175"/>
       </p:ext>
     </p:extLst>
   </p:cSld>

--- a/PowerPoint/アブストラクト.pptx
+++ b/PowerPoint/アブストラクト.pptx
@@ -7030,8 +7030,8 @@
         </p:nvSpPr>
         <p:spPr>
           <a:xfrm>
-            <a:off x="309800" y="6334578"/>
-            <a:ext cx="5832648" cy="498598"/>
+            <a:off x="313374" y="6290100"/>
+            <a:ext cx="5832648" cy="547842"/>
           </a:xfrm>
           <a:prstGeom prst="rect">
             <a:avLst/>
@@ -7056,7 +7056,7 @@
                 <a:latin typeface="メイリオ" panose="020B0604030504040204" pitchFamily="50" charset="-128"/>
                 <a:ea typeface="メイリオ" panose="020B0604030504040204" pitchFamily="50" charset="-128"/>
               </a:rPr>
-              <a:t>「コースを完走する」という課題を、</a:t>
+              <a:t>　「コースを完走する」という課題を、</a:t>
             </a:r>
             <a:r>
               <a:rPr lang="ja-JP" altLang="en-US" b="1" dirty="0">
@@ -7066,7 +7066,54 @@
                 <a:latin typeface="メイリオ" panose="020B0604030504040204" pitchFamily="50" charset="-128"/>
                 <a:ea typeface="メイリオ" panose="020B0604030504040204" pitchFamily="50" charset="-128"/>
               </a:rPr>
-              <a:t>スタート動作を終えてからゴールゲートを通過するまでの動作</a:t>
+              <a:t>スタート動作を終え</a:t>
+            </a:r>
+            <a:endParaRPr lang="en-US" altLang="ja-JP" b="1" dirty="0">
+              <a:solidFill>
+                <a:srgbClr val="FF0000"/>
+              </a:solidFill>
+              <a:latin typeface="メイリオ" panose="020B0604030504040204" pitchFamily="50" charset="-128"/>
+              <a:ea typeface="メイリオ" panose="020B0604030504040204" pitchFamily="50" charset="-128"/>
+            </a:endParaRPr>
+          </a:p>
+          <a:p>
+            <a:pPr marL="0" indent="0" defTabSz="774222" eaLnBrk="1" hangingPunct="1">
+              <a:lnSpc>
+                <a:spcPct val="80000"/>
+              </a:lnSpc>
+              <a:spcBef>
+                <a:spcPct val="20000"/>
+              </a:spcBef>
+            </a:pPr>
+            <a:r>
+              <a:rPr lang="ja-JP" altLang="en-US" b="1" dirty="0">
+                <a:solidFill>
+                  <a:srgbClr val="FF0000"/>
+                </a:solidFill>
+                <a:latin typeface="メイリオ" panose="020B0604030504040204" pitchFamily="50" charset="-128"/>
+                <a:ea typeface="メイリオ" panose="020B0604030504040204" pitchFamily="50" charset="-128"/>
+              </a:rPr>
+              <a:t>　</a:t>
+            </a:r>
+            <a:r>
+              <a:rPr lang="ja-JP" altLang="en-US" b="1" dirty="0" err="1">
+                <a:solidFill>
+                  <a:srgbClr val="FF0000"/>
+                </a:solidFill>
+                <a:latin typeface="メイリオ" panose="020B0604030504040204" pitchFamily="50" charset="-128"/>
+                <a:ea typeface="メイリオ" panose="020B0604030504040204" pitchFamily="50" charset="-128"/>
+              </a:rPr>
+              <a:t>て</a:t>
+            </a:r>
+            <a:r>
+              <a:rPr lang="ja-JP" altLang="en-US" b="1" dirty="0">
+                <a:solidFill>
+                  <a:srgbClr val="FF0000"/>
+                </a:solidFill>
+                <a:latin typeface="メイリオ" panose="020B0604030504040204" pitchFamily="50" charset="-128"/>
+                <a:ea typeface="メイリオ" panose="020B0604030504040204" pitchFamily="50" charset="-128"/>
+              </a:rPr>
+              <a:t>からゴールゲートを通過するまでの動作</a:t>
             </a:r>
             <a:r>
               <a:rPr lang="ja-JP" altLang="en-US" b="1" dirty="0">
@@ -7196,7 +7243,7 @@
             <a:lstStyle/>
             <a:p>
               <a:pPr algn="ctr"/>
-              <a:endParaRPr kumimoji="1" lang="ja-JP" altLang="en-US"/>
+              <a:endParaRPr kumimoji="1" lang="ja-JP" altLang="en-US" dirty="0"/>
             </a:p>
           </p:txBody>
         </p:sp>
@@ -7287,7 +7334,7 @@
         <p:spPr>
           <a:xfrm>
             <a:off x="6405285" y="2144813"/>
-            <a:ext cx="6189062" cy="6895734"/>
+            <a:ext cx="6189062" cy="7048083"/>
           </a:xfrm>
           <a:prstGeom prst="rect">
             <a:avLst/>
@@ -7307,6 +7354,235 @@
                 <a:spcPts val="600"/>
               </a:spcBef>
             </a:pPr>
+            <a:r>
+              <a:rPr lang="en-US" altLang="ja-JP" sz="1800" b="1" dirty="0">
+                <a:solidFill>
+                  <a:prstClr val="black"/>
+                </a:solidFill>
+                <a:latin typeface="メイリオ" panose="020B0604030504040204" pitchFamily="50" charset="-128"/>
+                <a:ea typeface="メイリオ" panose="020B0604030504040204" pitchFamily="50" charset="-128"/>
+              </a:rPr>
+              <a:t>【</a:t>
+            </a:r>
+            <a:r>
+              <a:rPr lang="ja-JP" altLang="en-US" sz="1800" b="1" dirty="0">
+                <a:solidFill>
+                  <a:prstClr val="black"/>
+                </a:solidFill>
+                <a:latin typeface="メイリオ" panose="020B0604030504040204" pitchFamily="50" charset="-128"/>
+                <a:ea typeface="メイリオ" panose="020B0604030504040204" pitchFamily="50" charset="-128"/>
+              </a:rPr>
+              <a:t>機能モデル</a:t>
+            </a:r>
+            <a:r>
+              <a:rPr lang="en-US" altLang="ja-JP" sz="1800" b="1" dirty="0">
+                <a:solidFill>
+                  <a:prstClr val="black"/>
+                </a:solidFill>
+                <a:latin typeface="メイリオ" panose="020B0604030504040204" pitchFamily="50" charset="-128"/>
+                <a:ea typeface="メイリオ" panose="020B0604030504040204" pitchFamily="50" charset="-128"/>
+              </a:rPr>
+              <a:t>】</a:t>
+            </a:r>
+          </a:p>
+          <a:p>
+            <a:pPr lvl="0">
+              <a:lnSpc>
+                <a:spcPct val="80000"/>
+              </a:lnSpc>
+              <a:spcBef>
+                <a:spcPts val="600"/>
+              </a:spcBef>
+            </a:pPr>
+            <a:r>
+              <a:rPr lang="ja-JP" altLang="en-US" dirty="0">
+                <a:solidFill>
+                  <a:prstClr val="black"/>
+                </a:solidFill>
+                <a:latin typeface="メイリオ" panose="020B0604030504040204" pitchFamily="50" charset="-128"/>
+                <a:ea typeface="メイリオ" panose="020B0604030504040204" pitchFamily="50" charset="-128"/>
+              </a:rPr>
+              <a:t>・提供する機能を課題部分とその他の動作に分け、それぞれ定義</a:t>
+            </a:r>
+            <a:endParaRPr lang="en-US" altLang="ja-JP" dirty="0">
+              <a:solidFill>
+                <a:prstClr val="black"/>
+              </a:solidFill>
+              <a:latin typeface="メイリオ" panose="020B0604030504040204" pitchFamily="50" charset="-128"/>
+              <a:ea typeface="メイリオ" panose="020B0604030504040204" pitchFamily="50" charset="-128"/>
+            </a:endParaRPr>
+          </a:p>
+          <a:p>
+            <a:pPr lvl="0">
+              <a:lnSpc>
+                <a:spcPct val="80000"/>
+              </a:lnSpc>
+              <a:spcBef>
+                <a:spcPts val="600"/>
+              </a:spcBef>
+            </a:pPr>
+            <a:r>
+              <a:rPr lang="ja-JP" altLang="en-US" dirty="0">
+                <a:solidFill>
+                  <a:prstClr val="black"/>
+                </a:solidFill>
+                <a:latin typeface="メイリオ" panose="020B0604030504040204" pitchFamily="50" charset="-128"/>
+                <a:ea typeface="メイリオ" panose="020B0604030504040204" pitchFamily="50" charset="-128"/>
+              </a:rPr>
+              <a:t>　した。</a:t>
+            </a:r>
+            <a:endParaRPr lang="en-US" altLang="ja-JP" dirty="0">
+              <a:solidFill>
+                <a:prstClr val="black"/>
+              </a:solidFill>
+              <a:latin typeface="メイリオ" panose="020B0604030504040204" pitchFamily="50" charset="-128"/>
+              <a:ea typeface="メイリオ" panose="020B0604030504040204" pitchFamily="50" charset="-128"/>
+            </a:endParaRPr>
+          </a:p>
+          <a:p>
+            <a:pPr lvl="0">
+              <a:lnSpc>
+                <a:spcPct val="80000"/>
+              </a:lnSpc>
+              <a:spcBef>
+                <a:spcPts val="600"/>
+              </a:spcBef>
+            </a:pPr>
+            <a:r>
+              <a:rPr lang="ja-JP" altLang="en-US" dirty="0">
+                <a:solidFill>
+                  <a:prstClr val="black"/>
+                </a:solidFill>
+                <a:latin typeface="メイリオ" panose="020B0604030504040204" pitchFamily="50" charset="-128"/>
+                <a:ea typeface="メイリオ" panose="020B0604030504040204" pitchFamily="50" charset="-128"/>
+              </a:rPr>
+              <a:t>・昨年のモデルを参考に、提供する機能から部品までの定義を　</a:t>
+            </a:r>
+            <a:endParaRPr lang="en-US" altLang="ja-JP" dirty="0">
+              <a:solidFill>
+                <a:prstClr val="black"/>
+              </a:solidFill>
+              <a:latin typeface="メイリオ" panose="020B0604030504040204" pitchFamily="50" charset="-128"/>
+              <a:ea typeface="メイリオ" panose="020B0604030504040204" pitchFamily="50" charset="-128"/>
+            </a:endParaRPr>
+          </a:p>
+          <a:p>
+            <a:pPr lvl="0">
+              <a:lnSpc>
+                <a:spcPct val="80000"/>
+              </a:lnSpc>
+              <a:spcBef>
+                <a:spcPts val="600"/>
+              </a:spcBef>
+            </a:pPr>
+            <a:r>
+              <a:rPr lang="ja-JP" altLang="en-US" dirty="0">
+                <a:solidFill>
+                  <a:prstClr val="black"/>
+                </a:solidFill>
+                <a:latin typeface="メイリオ" panose="020B0604030504040204" pitchFamily="50" charset="-128"/>
+                <a:ea typeface="メイリオ" panose="020B0604030504040204" pitchFamily="50" charset="-128"/>
+              </a:rPr>
+              <a:t>　行った。</a:t>
+            </a:r>
+            <a:endParaRPr lang="en-US" altLang="ja-JP" dirty="0">
+              <a:solidFill>
+                <a:prstClr val="black"/>
+              </a:solidFill>
+              <a:latin typeface="メイリオ" panose="020B0604030504040204" pitchFamily="50" charset="-128"/>
+              <a:ea typeface="メイリオ" panose="020B0604030504040204" pitchFamily="50" charset="-128"/>
+            </a:endParaRPr>
+          </a:p>
+          <a:p>
+            <a:pPr lvl="0">
+              <a:lnSpc>
+                <a:spcPct val="80000"/>
+              </a:lnSpc>
+              <a:spcBef>
+                <a:spcPts val="600"/>
+              </a:spcBef>
+            </a:pPr>
+            <a:r>
+              <a:rPr lang="ja-JP" altLang="en-US" dirty="0">
+                <a:solidFill>
+                  <a:prstClr val="black"/>
+                </a:solidFill>
+                <a:latin typeface="メイリオ" panose="020B0604030504040204" pitchFamily="50" charset="-128"/>
+                <a:ea typeface="メイリオ" panose="020B0604030504040204" pitchFamily="50" charset="-128"/>
+              </a:rPr>
+              <a:t>・走行体のなかで動作しているタスクについて表に示した。</a:t>
+            </a:r>
+            <a:endParaRPr lang="en-US" altLang="ja-JP" dirty="0">
+              <a:solidFill>
+                <a:prstClr val="black"/>
+              </a:solidFill>
+              <a:latin typeface="メイリオ" panose="020B0604030504040204" pitchFamily="50" charset="-128"/>
+              <a:ea typeface="メイリオ" panose="020B0604030504040204" pitchFamily="50" charset="-128"/>
+            </a:endParaRPr>
+          </a:p>
+          <a:p>
+            <a:pPr lvl="0">
+              <a:lnSpc>
+                <a:spcPct val="80000"/>
+              </a:lnSpc>
+              <a:spcBef>
+                <a:spcPts val="600"/>
+              </a:spcBef>
+            </a:pPr>
+            <a:r>
+              <a:rPr lang="ja-JP" altLang="en-US" dirty="0">
+                <a:solidFill>
+                  <a:prstClr val="black"/>
+                </a:solidFill>
+                <a:latin typeface="メイリオ" panose="020B0604030504040204" pitchFamily="50" charset="-128"/>
+                <a:ea typeface="メイリオ" panose="020B0604030504040204" pitchFamily="50" charset="-128"/>
+              </a:rPr>
+              <a:t>・コースを分割するにあたって、具体的なコースの分類と、各区</a:t>
+            </a:r>
+            <a:endParaRPr lang="en-US" altLang="ja-JP" dirty="0">
+              <a:solidFill>
+                <a:prstClr val="black"/>
+              </a:solidFill>
+              <a:latin typeface="メイリオ" panose="020B0604030504040204" pitchFamily="50" charset="-128"/>
+              <a:ea typeface="メイリオ" panose="020B0604030504040204" pitchFamily="50" charset="-128"/>
+            </a:endParaRPr>
+          </a:p>
+          <a:p>
+            <a:pPr lvl="0">
+              <a:lnSpc>
+                <a:spcPct val="80000"/>
+              </a:lnSpc>
+              <a:spcBef>
+                <a:spcPts val="600"/>
+              </a:spcBef>
+            </a:pPr>
+            <a:r>
+              <a:rPr lang="ja-JP" altLang="en-US" dirty="0">
+                <a:solidFill>
+                  <a:prstClr val="black"/>
+                </a:solidFill>
+                <a:latin typeface="メイリオ" panose="020B0604030504040204" pitchFamily="50" charset="-128"/>
+                <a:ea typeface="メイリオ" panose="020B0604030504040204" pitchFamily="50" charset="-128"/>
+              </a:rPr>
+              <a:t>　間の制御量を示した。</a:t>
+            </a:r>
+            <a:endParaRPr lang="en-US" altLang="ja-JP" dirty="0">
+              <a:solidFill>
+                <a:prstClr val="black"/>
+              </a:solidFill>
+              <a:latin typeface="メイリオ" panose="020B0604030504040204" pitchFamily="50" charset="-128"/>
+              <a:ea typeface="メイリオ" panose="020B0604030504040204" pitchFamily="50" charset="-128"/>
+            </a:endParaRPr>
+          </a:p>
+          <a:p>
+            <a:pPr lvl="0">
+              <a:lnSpc>
+                <a:spcPct val="80000"/>
+              </a:lnSpc>
+              <a:spcBef>
+                <a:spcPts val="600"/>
+              </a:spcBef>
+            </a:pPr>
             <a:endParaRPr lang="ja-JP" altLang="en-US" sz="1800" dirty="0">
               <a:solidFill>
                 <a:prstClr val="black"/>
@@ -7342,7 +7618,7 @@
                 <a:latin typeface="メイリオ" panose="020B0604030504040204" pitchFamily="50" charset="-128"/>
                 <a:ea typeface="メイリオ" panose="020B0604030504040204" pitchFamily="50" charset="-128"/>
               </a:rPr>
-              <a:t>機能モデル</a:t>
+              <a:t>構造モデル</a:t>
             </a:r>
             <a:r>
               <a:rPr lang="en-US" altLang="ja-JP" sz="1800" b="1" dirty="0">
@@ -7353,26 +7629,6 @@
                 <a:ea typeface="メイリオ" panose="020B0604030504040204" pitchFamily="50" charset="-128"/>
               </a:rPr>
               <a:t>】</a:t>
-            </a:r>
-          </a:p>
-          <a:p>
-            <a:pPr lvl="0">
-              <a:lnSpc>
-                <a:spcPct val="80000"/>
-              </a:lnSpc>
-              <a:spcBef>
-                <a:spcPts val="600"/>
-              </a:spcBef>
-            </a:pPr>
-            <a:r>
-              <a:rPr lang="ja-JP" altLang="en-US" sz="1800" dirty="0">
-                <a:solidFill>
-                  <a:prstClr val="black"/>
-                </a:solidFill>
-                <a:latin typeface="メイリオ" panose="020B0604030504040204" pitchFamily="50" charset="-128"/>
-                <a:ea typeface="メイリオ" panose="020B0604030504040204" pitchFamily="50" charset="-128"/>
-              </a:rPr>
-              <a:t>・「コースを完走する」という課題をクリアするために必</a:t>
             </a:r>
             <a:endParaRPr lang="en-US" altLang="ja-JP" sz="1800" dirty="0">
               <a:solidFill>
@@ -7392,15 +7648,224 @@
               </a:spcBef>
             </a:pPr>
             <a:r>
-              <a:rPr lang="ja-JP" altLang="en-US" sz="1800" dirty="0">
+              <a:rPr lang="ja-JP" altLang="en-US" dirty="0">
                 <a:solidFill>
                   <a:prstClr val="black"/>
                 </a:solidFill>
                 <a:latin typeface="メイリオ" panose="020B0604030504040204" pitchFamily="50" charset="-128"/>
                 <a:ea typeface="メイリオ" panose="020B0604030504040204" pitchFamily="50" charset="-128"/>
               </a:rPr>
-              <a:t>　要な機能をアクティビティ図に示した。</a:t>
-            </a:r>
+              <a:t>・役割に応じてパッケージ分けを行った。</a:t>
+            </a:r>
+            <a:endParaRPr lang="en-US" altLang="ja-JP" dirty="0">
+              <a:solidFill>
+                <a:prstClr val="black"/>
+              </a:solidFill>
+              <a:latin typeface="メイリオ" panose="020B0604030504040204" pitchFamily="50" charset="-128"/>
+              <a:ea typeface="メイリオ" panose="020B0604030504040204" pitchFamily="50" charset="-128"/>
+            </a:endParaRPr>
+          </a:p>
+          <a:p>
+            <a:pPr>
+              <a:lnSpc>
+                <a:spcPct val="80000"/>
+              </a:lnSpc>
+              <a:spcBef>
+                <a:spcPts val="600"/>
+              </a:spcBef>
+            </a:pPr>
+            <a:r>
+              <a:rPr lang="ja-JP" altLang="en-US" dirty="0">
+                <a:solidFill>
+                  <a:prstClr val="black"/>
+                </a:solidFill>
+                <a:latin typeface="メイリオ" panose="020B0604030504040204" pitchFamily="50" charset="-128"/>
+                <a:ea typeface="メイリオ" panose="020B0604030504040204" pitchFamily="50" charset="-128"/>
+              </a:rPr>
+              <a:t>・パッケージ構造の矢印は関連の内容を表している。</a:t>
+            </a:r>
+            <a:endParaRPr lang="en-US" altLang="ja-JP" dirty="0">
+              <a:solidFill>
+                <a:prstClr val="black"/>
+              </a:solidFill>
+              <a:latin typeface="メイリオ" panose="020B0604030504040204" pitchFamily="50" charset="-128"/>
+              <a:ea typeface="メイリオ" panose="020B0604030504040204" pitchFamily="50" charset="-128"/>
+            </a:endParaRPr>
+          </a:p>
+          <a:p>
+            <a:pPr lvl="0">
+              <a:lnSpc>
+                <a:spcPct val="80000"/>
+              </a:lnSpc>
+              <a:spcBef>
+                <a:spcPts val="600"/>
+              </a:spcBef>
+            </a:pPr>
+            <a:r>
+              <a:rPr lang="ja-JP" altLang="en-US" dirty="0">
+                <a:solidFill>
+                  <a:prstClr val="black"/>
+                </a:solidFill>
+                <a:latin typeface="メイリオ" panose="020B0604030504040204" pitchFamily="50" charset="-128"/>
+                <a:ea typeface="メイリオ" panose="020B0604030504040204" pitchFamily="50" charset="-128"/>
+              </a:rPr>
+              <a:t>・各クラスの役割が分かりやすいように色分けをした。</a:t>
+            </a:r>
+            <a:endParaRPr lang="en-US" altLang="ja-JP" dirty="0">
+              <a:solidFill>
+                <a:prstClr val="black"/>
+              </a:solidFill>
+              <a:latin typeface="メイリオ" panose="020B0604030504040204" pitchFamily="50" charset="-128"/>
+              <a:ea typeface="メイリオ" panose="020B0604030504040204" pitchFamily="50" charset="-128"/>
+            </a:endParaRPr>
+          </a:p>
+          <a:p>
+            <a:pPr lvl="0">
+              <a:lnSpc>
+                <a:spcPct val="80000"/>
+              </a:lnSpc>
+              <a:spcBef>
+                <a:spcPts val="600"/>
+              </a:spcBef>
+            </a:pPr>
+            <a:r>
+              <a:rPr lang="ja-JP" altLang="en-US" dirty="0">
+                <a:solidFill>
+                  <a:prstClr val="black"/>
+                </a:solidFill>
+                <a:latin typeface="メイリオ" panose="020B0604030504040204" pitchFamily="50" charset="-128"/>
+                <a:ea typeface="メイリオ" panose="020B0604030504040204" pitchFamily="50" charset="-128"/>
+              </a:rPr>
+              <a:t>・インデックスはクラス図内にノートで定義した。</a:t>
+            </a:r>
+            <a:endParaRPr lang="en-US" altLang="ja-JP" dirty="0">
+              <a:solidFill>
+                <a:prstClr val="black"/>
+              </a:solidFill>
+              <a:latin typeface="メイリオ" panose="020B0604030504040204" pitchFamily="50" charset="-128"/>
+              <a:ea typeface="メイリオ" panose="020B0604030504040204" pitchFamily="50" charset="-128"/>
+            </a:endParaRPr>
+          </a:p>
+          <a:p>
+            <a:pPr lvl="0">
+              <a:lnSpc>
+                <a:spcPct val="80000"/>
+              </a:lnSpc>
+              <a:spcBef>
+                <a:spcPts val="600"/>
+              </a:spcBef>
+            </a:pPr>
+            <a:endParaRPr lang="ja-JP" altLang="en-US" sz="1800" dirty="0">
+              <a:solidFill>
+                <a:prstClr val="black"/>
+              </a:solidFill>
+              <a:latin typeface="メイリオ" panose="020B0604030504040204" pitchFamily="50" charset="-128"/>
+              <a:ea typeface="メイリオ" panose="020B0604030504040204" pitchFamily="50" charset="-128"/>
+            </a:endParaRPr>
+          </a:p>
+          <a:p>
+            <a:pPr lvl="0">
+              <a:lnSpc>
+                <a:spcPct val="80000"/>
+              </a:lnSpc>
+              <a:spcBef>
+                <a:spcPts val="600"/>
+              </a:spcBef>
+            </a:pPr>
+            <a:r>
+              <a:rPr lang="en-US" altLang="ja-JP" sz="1800" b="1" dirty="0">
+                <a:solidFill>
+                  <a:prstClr val="black"/>
+                </a:solidFill>
+                <a:latin typeface="メイリオ" panose="020B0604030504040204" pitchFamily="50" charset="-128"/>
+                <a:ea typeface="メイリオ" panose="020B0604030504040204" pitchFamily="50" charset="-128"/>
+              </a:rPr>
+              <a:t>【</a:t>
+            </a:r>
+            <a:r>
+              <a:rPr lang="ja-JP" altLang="en-US" sz="1800" b="1" dirty="0">
+                <a:solidFill>
+                  <a:prstClr val="black"/>
+                </a:solidFill>
+                <a:latin typeface="メイリオ" panose="020B0604030504040204" pitchFamily="50" charset="-128"/>
+                <a:ea typeface="メイリオ" panose="020B0604030504040204" pitchFamily="50" charset="-128"/>
+              </a:rPr>
+              <a:t>振る舞いモデル</a:t>
+            </a:r>
+            <a:r>
+              <a:rPr lang="en-US" altLang="ja-JP" sz="1800" b="1" dirty="0">
+                <a:solidFill>
+                  <a:prstClr val="black"/>
+                </a:solidFill>
+                <a:latin typeface="メイリオ" panose="020B0604030504040204" pitchFamily="50" charset="-128"/>
+                <a:ea typeface="メイリオ" panose="020B0604030504040204" pitchFamily="50" charset="-128"/>
+              </a:rPr>
+              <a:t>】</a:t>
+            </a:r>
+          </a:p>
+          <a:p>
+            <a:pPr lvl="0">
+              <a:lnSpc>
+                <a:spcPct val="80000"/>
+              </a:lnSpc>
+              <a:spcBef>
+                <a:spcPts val="600"/>
+              </a:spcBef>
+            </a:pPr>
+            <a:r>
+              <a:rPr lang="ja-JP" altLang="en-US" dirty="0">
+                <a:solidFill>
+                  <a:prstClr val="black"/>
+                </a:solidFill>
+                <a:latin typeface="メイリオ" panose="020B0604030504040204" pitchFamily="50" charset="-128"/>
+                <a:ea typeface="メイリオ" panose="020B0604030504040204" pitchFamily="50" charset="-128"/>
+              </a:rPr>
+              <a:t>・ステートマシン図とシーケンス図の対応を意識した</a:t>
+            </a:r>
+            <a:endParaRPr lang="en-US" altLang="ja-JP" dirty="0">
+              <a:solidFill>
+                <a:prstClr val="black"/>
+              </a:solidFill>
+              <a:latin typeface="メイリオ" panose="020B0604030504040204" pitchFamily="50" charset="-128"/>
+              <a:ea typeface="メイリオ" panose="020B0604030504040204" pitchFamily="50" charset="-128"/>
+            </a:endParaRPr>
+          </a:p>
+          <a:p>
+            <a:pPr lvl="0">
+              <a:lnSpc>
+                <a:spcPct val="80000"/>
+              </a:lnSpc>
+              <a:spcBef>
+                <a:spcPts val="600"/>
+              </a:spcBef>
+            </a:pPr>
+            <a:r>
+              <a:rPr lang="ja-JP" altLang="en-US" dirty="0">
+                <a:solidFill>
+                  <a:prstClr val="black"/>
+                </a:solidFill>
+                <a:latin typeface="メイリオ" panose="020B0604030504040204" pitchFamily="50" charset="-128"/>
+                <a:ea typeface="メイリオ" panose="020B0604030504040204" pitchFamily="50" charset="-128"/>
+              </a:rPr>
+              <a:t>・</a:t>
+            </a:r>
+            <a:endParaRPr lang="en-US" altLang="ja-JP" dirty="0">
+              <a:solidFill>
+                <a:prstClr val="black"/>
+              </a:solidFill>
+              <a:latin typeface="メイリオ" panose="020B0604030504040204" pitchFamily="50" charset="-128"/>
+              <a:ea typeface="メイリオ" panose="020B0604030504040204" pitchFamily="50" charset="-128"/>
+            </a:endParaRPr>
+          </a:p>
+          <a:p>
+            <a:pPr lvl="0">
+              <a:lnSpc>
+                <a:spcPct val="80000"/>
+              </a:lnSpc>
+              <a:spcBef>
+                <a:spcPts val="600"/>
+              </a:spcBef>
+            </a:pPr>
             <a:endParaRPr lang="en-US" altLang="ja-JP" sz="1800" dirty="0">
               <a:solidFill>
                 <a:prstClr val="black"/>
@@ -7419,16 +7884,56 @@
               </a:spcBef>
             </a:pPr>
             <a:r>
-              <a:rPr lang="ja-JP" altLang="en-US" sz="1800" dirty="0">
+              <a:rPr lang="en-US" altLang="ja-JP" sz="1800" b="1" dirty="0">
                 <a:solidFill>
                   <a:prstClr val="black"/>
                 </a:solidFill>
                 <a:latin typeface="メイリオ" panose="020B0604030504040204" pitchFamily="50" charset="-128"/>
                 <a:ea typeface="メイリオ" panose="020B0604030504040204" pitchFamily="50" charset="-128"/>
               </a:rPr>
-              <a:t>・その機能を実現するために必要な部品を定義した。</a:t>
-            </a:r>
-            <a:endParaRPr lang="en-US" altLang="ja-JP" sz="1800" dirty="0">
+              <a:t>【</a:t>
+            </a:r>
+            <a:r>
+              <a:rPr lang="ja-JP" altLang="en-US" sz="1800" b="1" dirty="0">
+                <a:solidFill>
+                  <a:prstClr val="black"/>
+                </a:solidFill>
+                <a:latin typeface="メイリオ" panose="020B0604030504040204" pitchFamily="50" charset="-128"/>
+                <a:ea typeface="メイリオ" panose="020B0604030504040204" pitchFamily="50" charset="-128"/>
+              </a:rPr>
+              <a:t>工夫点</a:t>
+            </a:r>
+            <a:r>
+              <a:rPr lang="en-US" altLang="ja-JP" sz="1800" b="1" dirty="0">
+                <a:solidFill>
+                  <a:prstClr val="black"/>
+                </a:solidFill>
+                <a:latin typeface="メイリオ" panose="020B0604030504040204" pitchFamily="50" charset="-128"/>
+                <a:ea typeface="メイリオ" panose="020B0604030504040204" pitchFamily="50" charset="-128"/>
+              </a:rPr>
+              <a:t>】</a:t>
+            </a:r>
+          </a:p>
+          <a:p>
+            <a:pPr lvl="0">
+              <a:lnSpc>
+                <a:spcPct val="80000"/>
+              </a:lnSpc>
+              <a:spcBef>
+                <a:spcPts val="600"/>
+              </a:spcBef>
+            </a:pPr>
+            <a:r>
+              <a:rPr lang="ja-JP" altLang="en-US" dirty="0">
+                <a:solidFill>
+                  <a:prstClr val="black"/>
+                </a:solidFill>
+                <a:latin typeface="メイリオ" panose="020B0604030504040204" pitchFamily="50" charset="-128"/>
+                <a:ea typeface="メイリオ" panose="020B0604030504040204" pitchFamily="50" charset="-128"/>
+              </a:rPr>
+              <a:t>・カーブを安定して走行するために、曲率制御を導入し、その詳</a:t>
+            </a:r>
+            <a:endParaRPr lang="en-US" altLang="ja-JP" dirty="0">
               <a:solidFill>
                 <a:prstClr val="black"/>
               </a:solidFill>
@@ -7446,16 +7951,16 @@
               </a:spcBef>
             </a:pPr>
             <a:r>
-              <a:rPr lang="ja-JP" altLang="en-US" sz="1800" dirty="0">
+              <a:rPr lang="ja-JP" altLang="en-US" dirty="0">
                 <a:solidFill>
                   <a:prstClr val="black"/>
                 </a:solidFill>
                 <a:latin typeface="メイリオ" panose="020B0604030504040204" pitchFamily="50" charset="-128"/>
                 <a:ea typeface="メイリオ" panose="020B0604030504040204" pitchFamily="50" charset="-128"/>
               </a:rPr>
-              <a:t>・走行体のなかで起動しているタスクについて表に示した。</a:t>
-            </a:r>
-            <a:endParaRPr lang="en-US" altLang="ja-JP" sz="1800" dirty="0">
+              <a:t>　細を記述した。</a:t>
+            </a:r>
+            <a:endParaRPr lang="en-US" altLang="ja-JP" dirty="0">
               <a:solidFill>
                 <a:prstClr val="black"/>
               </a:solidFill>
@@ -7473,16 +7978,16 @@
               </a:spcBef>
             </a:pPr>
             <a:r>
-              <a:rPr lang="ja-JP" altLang="en-US" sz="1800" dirty="0">
+              <a:rPr lang="ja-JP" altLang="en-US" dirty="0">
                 <a:solidFill>
                   <a:prstClr val="black"/>
                 </a:solidFill>
                 <a:latin typeface="メイリオ" panose="020B0604030504040204" pitchFamily="50" charset="-128"/>
                 <a:ea typeface="メイリオ" panose="020B0604030504040204" pitchFamily="50" charset="-128"/>
               </a:rPr>
-              <a:t>・コースを分割するにあたって、具体的なコースの分類と、</a:t>
-            </a:r>
-            <a:endParaRPr lang="en-US" altLang="ja-JP" sz="1800" dirty="0">
+              <a:t>・オフィシャルバッテリの特性と、走行に与える影響に注目し、</a:t>
+            </a:r>
+            <a:endParaRPr lang="en-US" altLang="ja-JP" dirty="0">
               <a:solidFill>
                 <a:prstClr val="black"/>
               </a:solidFill>
@@ -7500,56 +8005,16 @@
               </a:spcBef>
             </a:pPr>
             <a:r>
-              <a:rPr lang="ja-JP" altLang="en-US" sz="1800" dirty="0">
+              <a:rPr lang="ja-JP" altLang="en-US" dirty="0">
                 <a:solidFill>
                   <a:prstClr val="black"/>
                 </a:solidFill>
                 <a:latin typeface="メイリオ" panose="020B0604030504040204" pitchFamily="50" charset="-128"/>
                 <a:ea typeface="メイリオ" panose="020B0604030504040204" pitchFamily="50" charset="-128"/>
               </a:rPr>
-              <a:t>　各区間の制御量を示した。</a:t>
-            </a:r>
-          </a:p>
-          <a:p>
-            <a:pPr lvl="0">
-              <a:lnSpc>
-                <a:spcPct val="80000"/>
-              </a:lnSpc>
-              <a:spcBef>
-                <a:spcPts val="600"/>
-              </a:spcBef>
-            </a:pPr>
-            <a:r>
-              <a:rPr lang="en-US" altLang="ja-JP" sz="1800" b="1" dirty="0">
-                <a:solidFill>
-                  <a:prstClr val="black"/>
-                </a:solidFill>
-                <a:latin typeface="メイリオ" panose="020B0604030504040204" pitchFamily="50" charset="-128"/>
-                <a:ea typeface="メイリオ" panose="020B0604030504040204" pitchFamily="50" charset="-128"/>
-              </a:rPr>
-              <a:t>【</a:t>
-            </a:r>
-            <a:r>
-              <a:rPr lang="ja-JP" altLang="en-US" sz="1800" b="1" dirty="0">
-                <a:solidFill>
-                  <a:prstClr val="black"/>
-                </a:solidFill>
-                <a:latin typeface="メイリオ" panose="020B0604030504040204" pitchFamily="50" charset="-128"/>
-                <a:ea typeface="メイリオ" panose="020B0604030504040204" pitchFamily="50" charset="-128"/>
-              </a:rPr>
-              <a:t>構造モデル</a:t>
-            </a:r>
-            <a:r>
-              <a:rPr lang="en-US" altLang="ja-JP" sz="1800" b="1" dirty="0">
-                <a:solidFill>
-                  <a:prstClr val="black"/>
-                </a:solidFill>
-                <a:latin typeface="メイリオ" panose="020B0604030504040204" pitchFamily="50" charset="-128"/>
-                <a:ea typeface="メイリオ" panose="020B0604030504040204" pitchFamily="50" charset="-128"/>
-              </a:rPr>
-              <a:t>】</a:t>
-            </a:r>
-            <a:endParaRPr lang="en-US" altLang="ja-JP" sz="1800" dirty="0">
+              <a:t>　競技中に電源電圧が変化しても安定してカーブを走行できるよ</a:t>
+            </a:r>
+            <a:endParaRPr lang="en-US" altLang="ja-JP" dirty="0">
               <a:solidFill>
                 <a:prstClr val="black"/>
               </a:solidFill>
@@ -7567,397 +8032,34 @@
               </a:spcBef>
             </a:pPr>
             <a:r>
-              <a:rPr lang="ja-JP" altLang="en-US" sz="1800" dirty="0">
+              <a:rPr lang="ja-JP" altLang="en-US" dirty="0">
                 <a:solidFill>
                   <a:prstClr val="black"/>
                 </a:solidFill>
                 <a:latin typeface="メイリオ" panose="020B0604030504040204" pitchFamily="50" charset="-128"/>
                 <a:ea typeface="メイリオ" panose="020B0604030504040204" pitchFamily="50" charset="-128"/>
               </a:rPr>
-              <a:t>・役割に応じてパッケージ分けを行った。</a:t>
-            </a:r>
-            <a:endParaRPr lang="en-US" altLang="ja-JP" sz="1800" dirty="0">
-              <a:solidFill>
-                <a:prstClr val="black"/>
-              </a:solidFill>
-              <a:latin typeface="メイリオ" panose="020B0604030504040204" pitchFamily="50" charset="-128"/>
-              <a:ea typeface="メイリオ" panose="020B0604030504040204" pitchFamily="50" charset="-128"/>
-            </a:endParaRPr>
-          </a:p>
-          <a:p>
-            <a:pPr lvl="0">
-              <a:lnSpc>
-                <a:spcPct val="80000"/>
-              </a:lnSpc>
-              <a:spcBef>
-                <a:spcPts val="600"/>
-              </a:spcBef>
-            </a:pPr>
-            <a:r>
-              <a:rPr lang="ja-JP" altLang="en-US" sz="1800" dirty="0">
+              <a:t>　</a:t>
+            </a:r>
+            <a:r>
+              <a:rPr lang="ja-JP" altLang="en-US" dirty="0" err="1">
                 <a:solidFill>
                   <a:prstClr val="black"/>
                 </a:solidFill>
                 <a:latin typeface="メイリオ" panose="020B0604030504040204" pitchFamily="50" charset="-128"/>
                 <a:ea typeface="メイリオ" panose="020B0604030504040204" pitchFamily="50" charset="-128"/>
               </a:rPr>
-              <a:t>・パッケージ構造の矢印は関連の内容を表している。</a:t>
-            </a:r>
-            <a:endParaRPr lang="en-US" altLang="ja-JP" sz="1800" dirty="0">
-              <a:solidFill>
-                <a:prstClr val="black"/>
-              </a:solidFill>
-              <a:latin typeface="メイリオ" panose="020B0604030504040204" pitchFamily="50" charset="-128"/>
-              <a:ea typeface="メイリオ" panose="020B0604030504040204" pitchFamily="50" charset="-128"/>
-            </a:endParaRPr>
-          </a:p>
-          <a:p>
-            <a:pPr lvl="0">
-              <a:lnSpc>
-                <a:spcPct val="80000"/>
-              </a:lnSpc>
-              <a:spcBef>
-                <a:spcPts val="600"/>
-              </a:spcBef>
-            </a:pPr>
-            <a:r>
-              <a:rPr lang="ja-JP" altLang="en-US" sz="1800" dirty="0">
+              <a:t>うな</a:t>
+            </a:r>
+            <a:r>
+              <a:rPr lang="ja-JP" altLang="en-US" dirty="0">
                 <a:solidFill>
                   <a:prstClr val="black"/>
                 </a:solidFill>
                 <a:latin typeface="メイリオ" panose="020B0604030504040204" pitchFamily="50" charset="-128"/>
                 <a:ea typeface="メイリオ" panose="020B0604030504040204" pitchFamily="50" charset="-128"/>
               </a:rPr>
-              <a:t>・インデックスはクラス図内にノートで定義した。</a:t>
-            </a:r>
-          </a:p>
-          <a:p>
-            <a:pPr lvl="0">
-              <a:lnSpc>
-                <a:spcPct val="80000"/>
-              </a:lnSpc>
-              <a:spcBef>
-                <a:spcPts val="600"/>
-              </a:spcBef>
-            </a:pPr>
-            <a:r>
-              <a:rPr lang="en-US" altLang="ja-JP" sz="1800" b="1" dirty="0">
-                <a:solidFill>
-                  <a:prstClr val="black"/>
-                </a:solidFill>
-                <a:latin typeface="メイリオ" panose="020B0604030504040204" pitchFamily="50" charset="-128"/>
-                <a:ea typeface="メイリオ" panose="020B0604030504040204" pitchFamily="50" charset="-128"/>
-              </a:rPr>
-              <a:t>【</a:t>
-            </a:r>
-            <a:r>
-              <a:rPr lang="ja-JP" altLang="en-US" sz="1800" b="1" dirty="0">
-                <a:solidFill>
-                  <a:prstClr val="black"/>
-                </a:solidFill>
-                <a:latin typeface="メイリオ" panose="020B0604030504040204" pitchFamily="50" charset="-128"/>
-                <a:ea typeface="メイリオ" panose="020B0604030504040204" pitchFamily="50" charset="-128"/>
-              </a:rPr>
-              <a:t>振る舞いモデル</a:t>
-            </a:r>
-            <a:r>
-              <a:rPr lang="en-US" altLang="ja-JP" sz="1800" b="1" dirty="0">
-                <a:solidFill>
-                  <a:prstClr val="black"/>
-                </a:solidFill>
-                <a:latin typeface="メイリオ" panose="020B0604030504040204" pitchFamily="50" charset="-128"/>
-                <a:ea typeface="メイリオ" panose="020B0604030504040204" pitchFamily="50" charset="-128"/>
-              </a:rPr>
-              <a:t>】</a:t>
-            </a:r>
-          </a:p>
-          <a:p>
-            <a:pPr lvl="0">
-              <a:lnSpc>
-                <a:spcPct val="80000"/>
-              </a:lnSpc>
-              <a:spcBef>
-                <a:spcPts val="600"/>
-              </a:spcBef>
-            </a:pPr>
-            <a:r>
-              <a:rPr lang="ja-JP" altLang="en-US" sz="1800" dirty="0">
-                <a:solidFill>
-                  <a:prstClr val="black"/>
-                </a:solidFill>
-                <a:latin typeface="メイリオ" panose="020B0604030504040204" pitchFamily="50" charset="-128"/>
-                <a:ea typeface="メイリオ" panose="020B0604030504040204" pitchFamily="50" charset="-128"/>
-              </a:rPr>
-              <a:t>・機能モデルのアクティビティ図から、走行処理に着目し</a:t>
-            </a:r>
-            <a:endParaRPr lang="en-US" altLang="ja-JP" sz="1800" dirty="0">
-              <a:solidFill>
-                <a:prstClr val="black"/>
-              </a:solidFill>
-              <a:latin typeface="メイリオ" panose="020B0604030504040204" pitchFamily="50" charset="-128"/>
-              <a:ea typeface="メイリオ" panose="020B0604030504040204" pitchFamily="50" charset="-128"/>
-            </a:endParaRPr>
-          </a:p>
-          <a:p>
-            <a:pPr lvl="0">
-              <a:lnSpc>
-                <a:spcPct val="80000"/>
-              </a:lnSpc>
-              <a:spcBef>
-                <a:spcPts val="600"/>
-              </a:spcBef>
-            </a:pPr>
-            <a:r>
-              <a:rPr lang="ja-JP" altLang="en-US" sz="1800" dirty="0">
-                <a:solidFill>
-                  <a:prstClr val="black"/>
-                </a:solidFill>
-                <a:latin typeface="メイリオ" panose="020B0604030504040204" pitchFamily="50" charset="-128"/>
-                <a:ea typeface="メイリオ" panose="020B0604030504040204" pitchFamily="50" charset="-128"/>
-              </a:rPr>
-              <a:t>　</a:t>
-            </a:r>
-            <a:r>
-              <a:rPr lang="ja-JP" altLang="en-US" sz="1800" dirty="0" err="1">
-                <a:solidFill>
-                  <a:prstClr val="black"/>
-                </a:solidFill>
-                <a:latin typeface="メイリオ" panose="020B0604030504040204" pitchFamily="50" charset="-128"/>
-                <a:ea typeface="メイリオ" panose="020B0604030504040204" pitchFamily="50" charset="-128"/>
-              </a:rPr>
-              <a:t>た</a:t>
-            </a:r>
-            <a:r>
-              <a:rPr lang="ja-JP" altLang="en-US" sz="1800" dirty="0">
-                <a:solidFill>
-                  <a:prstClr val="black"/>
-                </a:solidFill>
-                <a:latin typeface="メイリオ" panose="020B0604030504040204" pitchFamily="50" charset="-128"/>
-                <a:ea typeface="メイリオ" panose="020B0604030504040204" pitchFamily="50" charset="-128"/>
-              </a:rPr>
-              <a:t>状態変化をステートマシン図に示した。</a:t>
-            </a:r>
-            <a:endParaRPr lang="en-US" altLang="ja-JP" sz="1800" dirty="0">
-              <a:solidFill>
-                <a:prstClr val="black"/>
-              </a:solidFill>
-              <a:latin typeface="メイリオ" panose="020B0604030504040204" pitchFamily="50" charset="-128"/>
-              <a:ea typeface="メイリオ" panose="020B0604030504040204" pitchFamily="50" charset="-128"/>
-            </a:endParaRPr>
-          </a:p>
-          <a:p>
-            <a:pPr lvl="0">
-              <a:lnSpc>
-                <a:spcPct val="80000"/>
-              </a:lnSpc>
-              <a:spcBef>
-                <a:spcPts val="600"/>
-              </a:spcBef>
-            </a:pPr>
-            <a:r>
-              <a:rPr lang="ja-JP" altLang="en-US" sz="1800" dirty="0">
-                <a:solidFill>
-                  <a:prstClr val="black"/>
-                </a:solidFill>
-                <a:latin typeface="メイリオ" panose="020B0604030504040204" pitchFamily="50" charset="-128"/>
-                <a:ea typeface="メイリオ" panose="020B0604030504040204" pitchFamily="50" charset="-128"/>
-              </a:rPr>
-              <a:t>・システム全体の振る舞いを時間軸で見るためにシーケン</a:t>
-            </a:r>
-            <a:endParaRPr lang="en-US" altLang="ja-JP" sz="1800" dirty="0">
-              <a:solidFill>
-                <a:prstClr val="black"/>
-              </a:solidFill>
-              <a:latin typeface="メイリオ" panose="020B0604030504040204" pitchFamily="50" charset="-128"/>
-              <a:ea typeface="メイリオ" panose="020B0604030504040204" pitchFamily="50" charset="-128"/>
-            </a:endParaRPr>
-          </a:p>
-          <a:p>
-            <a:pPr lvl="0">
-              <a:lnSpc>
-                <a:spcPct val="80000"/>
-              </a:lnSpc>
-              <a:spcBef>
-                <a:spcPts val="600"/>
-              </a:spcBef>
-            </a:pPr>
-            <a:r>
-              <a:rPr lang="ja-JP" altLang="en-US" sz="1800" dirty="0">
-                <a:solidFill>
-                  <a:prstClr val="black"/>
-                </a:solidFill>
-                <a:latin typeface="メイリオ" panose="020B0604030504040204" pitchFamily="50" charset="-128"/>
-                <a:ea typeface="メイリオ" panose="020B0604030504040204" pitchFamily="50" charset="-128"/>
-              </a:rPr>
-              <a:t>　ス図を利用した。</a:t>
-            </a:r>
-          </a:p>
-          <a:p>
-            <a:pPr lvl="0">
-              <a:lnSpc>
-                <a:spcPct val="80000"/>
-              </a:lnSpc>
-              <a:spcBef>
-                <a:spcPts val="600"/>
-              </a:spcBef>
-            </a:pPr>
-            <a:r>
-              <a:rPr lang="en-US" altLang="ja-JP" sz="1800" b="1" dirty="0">
-                <a:solidFill>
-                  <a:prstClr val="black"/>
-                </a:solidFill>
-                <a:latin typeface="メイリオ" panose="020B0604030504040204" pitchFamily="50" charset="-128"/>
-                <a:ea typeface="メイリオ" panose="020B0604030504040204" pitchFamily="50" charset="-128"/>
-              </a:rPr>
-              <a:t>【</a:t>
-            </a:r>
-            <a:r>
-              <a:rPr lang="ja-JP" altLang="en-US" sz="1800" b="1" dirty="0">
-                <a:solidFill>
-                  <a:prstClr val="black"/>
-                </a:solidFill>
-                <a:latin typeface="メイリオ" panose="020B0604030504040204" pitchFamily="50" charset="-128"/>
-                <a:ea typeface="メイリオ" panose="020B0604030504040204" pitchFamily="50" charset="-128"/>
-              </a:rPr>
-              <a:t>工夫点</a:t>
-            </a:r>
-            <a:r>
-              <a:rPr lang="en-US" altLang="ja-JP" sz="1800" b="1" dirty="0">
-                <a:solidFill>
-                  <a:prstClr val="black"/>
-                </a:solidFill>
-                <a:latin typeface="メイリオ" panose="020B0604030504040204" pitchFamily="50" charset="-128"/>
-                <a:ea typeface="メイリオ" panose="020B0604030504040204" pitchFamily="50" charset="-128"/>
-              </a:rPr>
-              <a:t>】</a:t>
-            </a:r>
-          </a:p>
-          <a:p>
-            <a:pPr lvl="0">
-              <a:lnSpc>
-                <a:spcPct val="80000"/>
-              </a:lnSpc>
-              <a:spcBef>
-                <a:spcPts val="600"/>
-              </a:spcBef>
-            </a:pPr>
-            <a:r>
-              <a:rPr lang="ja-JP" altLang="en-US" sz="1800" dirty="0">
-                <a:solidFill>
-                  <a:prstClr val="black"/>
-                </a:solidFill>
-                <a:latin typeface="メイリオ" panose="020B0604030504040204" pitchFamily="50" charset="-128"/>
-                <a:ea typeface="メイリオ" panose="020B0604030504040204" pitchFamily="50" charset="-128"/>
-              </a:rPr>
-              <a:t>・カーブを安定して走行するために、曲率制御を導入し、</a:t>
-            </a:r>
-            <a:endParaRPr lang="en-US" altLang="ja-JP" sz="1800" dirty="0">
-              <a:solidFill>
-                <a:prstClr val="black"/>
-              </a:solidFill>
-              <a:latin typeface="メイリオ" panose="020B0604030504040204" pitchFamily="50" charset="-128"/>
-              <a:ea typeface="メイリオ" panose="020B0604030504040204" pitchFamily="50" charset="-128"/>
-            </a:endParaRPr>
-          </a:p>
-          <a:p>
-            <a:pPr lvl="0">
-              <a:lnSpc>
-                <a:spcPct val="80000"/>
-              </a:lnSpc>
-              <a:spcBef>
-                <a:spcPts val="600"/>
-              </a:spcBef>
-            </a:pPr>
-            <a:r>
-              <a:rPr lang="ja-JP" altLang="en-US" sz="1800" dirty="0">
-                <a:solidFill>
-                  <a:prstClr val="black"/>
-                </a:solidFill>
-                <a:latin typeface="メイリオ" panose="020B0604030504040204" pitchFamily="50" charset="-128"/>
-                <a:ea typeface="メイリオ" panose="020B0604030504040204" pitchFamily="50" charset="-128"/>
-              </a:rPr>
-              <a:t>　その詳細を記述した。</a:t>
-            </a:r>
-            <a:endParaRPr lang="en-US" altLang="ja-JP" sz="1800" dirty="0">
-              <a:solidFill>
-                <a:prstClr val="black"/>
-              </a:solidFill>
-              <a:latin typeface="メイリオ" panose="020B0604030504040204" pitchFamily="50" charset="-128"/>
-              <a:ea typeface="メイリオ" panose="020B0604030504040204" pitchFamily="50" charset="-128"/>
-            </a:endParaRPr>
-          </a:p>
-          <a:p>
-            <a:pPr lvl="0">
-              <a:lnSpc>
-                <a:spcPct val="80000"/>
-              </a:lnSpc>
-              <a:spcBef>
-                <a:spcPts val="600"/>
-              </a:spcBef>
-            </a:pPr>
-            <a:r>
-              <a:rPr lang="ja-JP" altLang="en-US" sz="1800" dirty="0">
-                <a:solidFill>
-                  <a:prstClr val="black"/>
-                </a:solidFill>
-                <a:latin typeface="メイリオ" panose="020B0604030504040204" pitchFamily="50" charset="-128"/>
-                <a:ea typeface="メイリオ" panose="020B0604030504040204" pitchFamily="50" charset="-128"/>
-              </a:rPr>
-              <a:t>・オフィシャルバッテリの特性と、走行に与える影響に注</a:t>
-            </a:r>
-            <a:endParaRPr lang="en-US" altLang="ja-JP" sz="1800" dirty="0">
-              <a:solidFill>
-                <a:prstClr val="black"/>
-              </a:solidFill>
-              <a:latin typeface="メイリオ" panose="020B0604030504040204" pitchFamily="50" charset="-128"/>
-              <a:ea typeface="メイリオ" panose="020B0604030504040204" pitchFamily="50" charset="-128"/>
-            </a:endParaRPr>
-          </a:p>
-          <a:p>
-            <a:pPr lvl="0">
-              <a:lnSpc>
-                <a:spcPct val="80000"/>
-              </a:lnSpc>
-              <a:spcBef>
-                <a:spcPts val="600"/>
-              </a:spcBef>
-            </a:pPr>
-            <a:r>
-              <a:rPr lang="ja-JP" altLang="en-US" sz="1800" dirty="0">
-                <a:solidFill>
-                  <a:prstClr val="black"/>
-                </a:solidFill>
-                <a:latin typeface="メイリオ" panose="020B0604030504040204" pitchFamily="50" charset="-128"/>
-                <a:ea typeface="メイリオ" panose="020B0604030504040204" pitchFamily="50" charset="-128"/>
-              </a:rPr>
-              <a:t>　目し、競技中に電源電圧が変化しても安定してカーブを</a:t>
-            </a:r>
-            <a:endParaRPr lang="en-US" altLang="ja-JP" sz="1800" dirty="0">
-              <a:solidFill>
-                <a:prstClr val="black"/>
-              </a:solidFill>
-              <a:latin typeface="メイリオ" panose="020B0604030504040204" pitchFamily="50" charset="-128"/>
-              <a:ea typeface="メイリオ" panose="020B0604030504040204" pitchFamily="50" charset="-128"/>
-            </a:endParaRPr>
-          </a:p>
-          <a:p>
-            <a:pPr lvl="0">
-              <a:lnSpc>
-                <a:spcPct val="80000"/>
-              </a:lnSpc>
-              <a:spcBef>
-                <a:spcPts val="600"/>
-              </a:spcBef>
-            </a:pPr>
-            <a:r>
-              <a:rPr lang="ja-JP" altLang="en-US" sz="1800" dirty="0">
-                <a:solidFill>
-                  <a:prstClr val="black"/>
-                </a:solidFill>
-                <a:latin typeface="メイリオ" panose="020B0604030504040204" pitchFamily="50" charset="-128"/>
-                <a:ea typeface="メイリオ" panose="020B0604030504040204" pitchFamily="50" charset="-128"/>
-              </a:rPr>
-              <a:t>　走行できるような関係式を定義し検証した</a:t>
+              <a:t>関係式を定義し検証した</a:t>
             </a:r>
             <a:r>
               <a:rPr lang="ja-JP" altLang="en-US" dirty="0">
@@ -8443,7 +8545,7 @@
             <a:noFill/>
             <a:ln w="38100" cap="flat" cmpd="sng" algn="ctr">
               <a:solidFill>
-                <a:schemeClr val="accent6"/>
+                <a:srgbClr val="00B050"/>
               </a:solidFill>
               <a:prstDash val="solid"/>
               <a:round/>
@@ -8470,7 +8572,7 @@
             <a:lstStyle/>
             <a:p>
               <a:pPr algn="ctr"/>
-              <a:endParaRPr kumimoji="1" lang="ja-JP" altLang="en-US"/>
+              <a:endParaRPr kumimoji="1" lang="ja-JP" altLang="en-US" dirty="0"/>
             </a:p>
           </p:txBody>
         </p:sp>
@@ -8489,7 +8591,7 @@
         </p:nvGrpSpPr>
         <p:grpSpPr>
           <a:xfrm>
-            <a:off x="352128" y="5901363"/>
+            <a:off x="336006" y="5855972"/>
             <a:ext cx="1367645" cy="369332"/>
             <a:chOff x="218664" y="5830590"/>
             <a:chExt cx="1367645" cy="369332"/>
@@ -8556,7 +8658,7 @@
             <a:noFill/>
             <a:ln w="38100" cap="flat" cmpd="sng" algn="ctr">
               <a:solidFill>
-                <a:schemeClr val="accent6"/>
+                <a:srgbClr val="00B050"/>
               </a:solidFill>
               <a:prstDash val="solid"/>
               <a:round/>
@@ -8602,7 +8704,7 @@
         </p:nvSpPr>
         <p:spPr>
           <a:xfrm>
-            <a:off x="982912" y="6792395"/>
+            <a:off x="1085942" y="6802498"/>
             <a:ext cx="4863818" cy="584775"/>
           </a:xfrm>
           <a:prstGeom prst="rect">
@@ -8641,7 +8743,7 @@
         </p:nvCxnSpPr>
         <p:spPr>
           <a:xfrm>
-            <a:off x="605012" y="6833176"/>
+            <a:off x="809813" y="6796254"/>
             <a:ext cx="0" cy="288032"/>
           </a:xfrm>
           <a:prstGeom prst="line">
@@ -8684,7 +8786,7 @@
         </p:nvCxnSpPr>
         <p:spPr>
           <a:xfrm>
-            <a:off x="601636" y="7101575"/>
+            <a:off x="809813" y="7084286"/>
             <a:ext cx="334402" cy="0"/>
           </a:xfrm>
           <a:prstGeom prst="straightConnector1">

--- a/PowerPoint/アブストラクト.pptx
+++ b/PowerPoint/アブストラクト.pptx
@@ -7334,7 +7334,7 @@
         <p:spPr>
           <a:xfrm>
             <a:off x="6405285" y="2144813"/>
-            <a:ext cx="6189062" cy="7048083"/>
+            <a:ext cx="6189062" cy="7072705"/>
           </a:xfrm>
           <a:prstGeom prst="rect">
             <a:avLst/>
@@ -7354,57 +7354,7 @@
                 <a:spcPts val="600"/>
               </a:spcBef>
             </a:pPr>
-            <a:r>
-              <a:rPr lang="en-US" altLang="ja-JP" sz="1800" b="1" dirty="0">
-                <a:solidFill>
-                  <a:prstClr val="black"/>
-                </a:solidFill>
-                <a:latin typeface="メイリオ" panose="020B0604030504040204" pitchFamily="50" charset="-128"/>
-                <a:ea typeface="メイリオ" panose="020B0604030504040204" pitchFamily="50" charset="-128"/>
-              </a:rPr>
-              <a:t>【</a:t>
-            </a:r>
-            <a:r>
-              <a:rPr lang="ja-JP" altLang="en-US" sz="1800" b="1" dirty="0">
-                <a:solidFill>
-                  <a:prstClr val="black"/>
-                </a:solidFill>
-                <a:latin typeface="メイリオ" panose="020B0604030504040204" pitchFamily="50" charset="-128"/>
-                <a:ea typeface="メイリオ" panose="020B0604030504040204" pitchFamily="50" charset="-128"/>
-              </a:rPr>
-              <a:t>機能モデル</a:t>
-            </a:r>
-            <a:r>
-              <a:rPr lang="en-US" altLang="ja-JP" sz="1800" b="1" dirty="0">
-                <a:solidFill>
-                  <a:prstClr val="black"/>
-                </a:solidFill>
-                <a:latin typeface="メイリオ" panose="020B0604030504040204" pitchFamily="50" charset="-128"/>
-                <a:ea typeface="メイリオ" panose="020B0604030504040204" pitchFamily="50" charset="-128"/>
-              </a:rPr>
-              <a:t>】</a:t>
-            </a:r>
-          </a:p>
-          <a:p>
-            <a:pPr lvl="0">
-              <a:lnSpc>
-                <a:spcPct val="80000"/>
-              </a:lnSpc>
-              <a:spcBef>
-                <a:spcPts val="600"/>
-              </a:spcBef>
-            </a:pPr>
-            <a:r>
-              <a:rPr lang="ja-JP" altLang="en-US" dirty="0">
-                <a:solidFill>
-                  <a:prstClr val="black"/>
-                </a:solidFill>
-                <a:latin typeface="メイリオ" panose="020B0604030504040204" pitchFamily="50" charset="-128"/>
-                <a:ea typeface="メイリオ" panose="020B0604030504040204" pitchFamily="50" charset="-128"/>
-              </a:rPr>
-              <a:t>・提供する機能を課題部分とその他の動作に分け、それぞれ定義</a:t>
-            </a:r>
-            <a:endParaRPr lang="en-US" altLang="ja-JP" dirty="0">
+            <a:endParaRPr lang="en-US" altLang="ja-JP" sz="1800" b="1" dirty="0">
               <a:solidFill>
                 <a:prstClr val="black"/>
               </a:solidFill>
@@ -7422,14 +7372,54 @@
               </a:spcBef>
             </a:pPr>
             <a:r>
-              <a:rPr lang="ja-JP" altLang="en-US" dirty="0">
+              <a:rPr lang="en-US" altLang="ja-JP" sz="1800" b="1" dirty="0">
                 <a:solidFill>
                   <a:prstClr val="black"/>
                 </a:solidFill>
                 <a:latin typeface="メイリオ" panose="020B0604030504040204" pitchFamily="50" charset="-128"/>
                 <a:ea typeface="メイリオ" panose="020B0604030504040204" pitchFamily="50" charset="-128"/>
               </a:rPr>
-              <a:t>　した。</a:t>
+              <a:t>【</a:t>
+            </a:r>
+            <a:r>
+              <a:rPr lang="ja-JP" altLang="en-US" sz="1800" b="1" dirty="0">
+                <a:solidFill>
+                  <a:prstClr val="black"/>
+                </a:solidFill>
+                <a:latin typeface="メイリオ" panose="020B0604030504040204" pitchFamily="50" charset="-128"/>
+                <a:ea typeface="メイリオ" panose="020B0604030504040204" pitchFamily="50" charset="-128"/>
+              </a:rPr>
+              <a:t>機能モデル</a:t>
+            </a:r>
+            <a:r>
+              <a:rPr lang="en-US" altLang="ja-JP" sz="1800" b="1" dirty="0">
+                <a:solidFill>
+                  <a:prstClr val="black"/>
+                </a:solidFill>
+                <a:latin typeface="メイリオ" panose="020B0604030504040204" pitchFamily="50" charset="-128"/>
+                <a:ea typeface="メイリオ" panose="020B0604030504040204" pitchFamily="50" charset="-128"/>
+              </a:rPr>
+              <a:t>】</a:t>
+            </a:r>
+          </a:p>
+          <a:p>
+            <a:pPr lvl="0">
+              <a:lnSpc>
+                <a:spcPct val="80000"/>
+              </a:lnSpc>
+              <a:spcBef>
+                <a:spcPts val="600"/>
+              </a:spcBef>
+            </a:pPr>
+            <a:r>
+              <a:rPr lang="ja-JP" altLang="en-US" dirty="0">
+                <a:solidFill>
+                  <a:prstClr val="black"/>
+                </a:solidFill>
+                <a:latin typeface="メイリオ" panose="020B0604030504040204" pitchFamily="50" charset="-128"/>
+                <a:ea typeface="メイリオ" panose="020B0604030504040204" pitchFamily="50" charset="-128"/>
+              </a:rPr>
+              <a:t>・提供する機能を課題部分と走行準備に分け、それぞれ定義した。</a:t>
             </a:r>
             <a:endParaRPr lang="en-US" altLang="ja-JP" dirty="0">
               <a:solidFill>
@@ -7709,7 +7699,7 @@
                 <a:latin typeface="メイリオ" panose="020B0604030504040204" pitchFamily="50" charset="-128"/>
                 <a:ea typeface="メイリオ" panose="020B0604030504040204" pitchFamily="50" charset="-128"/>
               </a:rPr>
-              <a:t>・各クラスの役割が分かりやすいように色分けをした。</a:t>
+              <a:t>・各クラスの役割が視認しやすいように色分けをした。</a:t>
             </a:r>
             <a:endParaRPr lang="en-US" altLang="ja-JP" dirty="0">
               <a:solidFill>
@@ -7847,7 +7837,7 @@
                 <a:latin typeface="メイリオ" panose="020B0604030504040204" pitchFamily="50" charset="-128"/>
                 <a:ea typeface="メイリオ" panose="020B0604030504040204" pitchFamily="50" charset="-128"/>
               </a:rPr>
-              <a:t>・</a:t>
+              <a:t>・参照先は枠線に色付けすることで誘導している。</a:t>
             </a:r>
             <a:endParaRPr lang="en-US" altLang="ja-JP" dirty="0">
               <a:solidFill>
